--- a/3rd_semester/Data_Science_with_python/PPT/Unit_3/Hypothesis Testing.pptx
+++ b/3rd_semester/Data_Science_with_python/PPT/Unit_3/Hypothesis Testing.pptx
@@ -1,31 +1,30 @@
 
 <file path=ppt/presentation.xml><?xml version="1.0" encoding="utf-8"?>
-<p:presentation xmlns:a="http://schemas.openxmlformats.org/drawingml/2006/main" xmlns:r="http://schemas.openxmlformats.org/officeDocument/2006/relationships" xmlns:mc="http://schemas.openxmlformats.org/markup-compatibility/2006" xmlns:mv="urn:schemas-microsoft-com:mac:vml" xmlns:p="http://schemas.openxmlformats.org/presentationml/2006/main" xmlns:c="http://schemas.openxmlformats.org/drawingml/2006/chart" xmlns:dgm="http://schemas.openxmlformats.org/drawingml/2006/diagram" xmlns:o="urn:schemas-microsoft-com:office:office" xmlns:v="urn:schemas-microsoft-com:vml" xmlns:pvml="urn:schemas-microsoft-com:office:powerpoint" xmlns:com="http://schemas.openxmlformats.org/drawingml/2006/compatibility" xmlns:p14="http://schemas.microsoft.com/office/powerpoint/2010/main" xmlns:p15="http://schemas.microsoft.com/office/powerpoint/2012/main" xmlns:ahyp="http://schemas.microsoft.com/office/drawing/2018/hyperlinkcolor" autoCompressPictures="0" strictFirstAndLastChars="0" saveSubsetFonts="1">
+<p:presentation xmlns:a="http://schemas.openxmlformats.org/drawingml/2006/main" xmlns:r="http://schemas.openxmlformats.org/officeDocument/2006/relationships" xmlns:p="http://schemas.openxmlformats.org/presentationml/2006/main" strictFirstAndLastChars="0" saveSubsetFonts="1" autoCompressPictures="0">
   <p:sldMasterIdLst>
-    <p:sldMasterId id="2147483659" r:id="rId3"/>
+    <p:sldMasterId id="2147483659" r:id="rId1"/>
   </p:sldMasterIdLst>
   <p:notesMasterIdLst>
-    <p:notesMasterId r:id="rId4"/>
+    <p:notesMasterId r:id="rId14"/>
   </p:notesMasterIdLst>
   <p:sldIdLst>
-    <p:sldId id="256" r:id="rId5"/>
-    <p:sldId id="257" r:id="rId6"/>
-    <p:sldId id="258" r:id="rId7"/>
-    <p:sldId id="259" r:id="rId8"/>
-    <p:sldId id="260" r:id="rId9"/>
-    <p:sldId id="261" r:id="rId10"/>
-    <p:sldId id="262" r:id="rId11"/>
-    <p:sldId id="263" r:id="rId12"/>
-    <p:sldId id="264" r:id="rId13"/>
-    <p:sldId id="265" r:id="rId14"/>
-    <p:sldId id="266" r:id="rId15"/>
-    <p:sldId id="267" r:id="rId16"/>
-    <p:sldId id="268" r:id="rId17"/>
+    <p:sldId id="256" r:id="rId2"/>
+    <p:sldId id="257" r:id="rId3"/>
+    <p:sldId id="258" r:id="rId4"/>
+    <p:sldId id="259" r:id="rId5"/>
+    <p:sldId id="260" r:id="rId6"/>
+    <p:sldId id="261" r:id="rId7"/>
+    <p:sldId id="262" r:id="rId8"/>
+    <p:sldId id="263" r:id="rId9"/>
+    <p:sldId id="264" r:id="rId10"/>
+    <p:sldId id="265" r:id="rId11"/>
+    <p:sldId id="266" r:id="rId12"/>
+    <p:sldId id="267" r:id="rId13"/>
   </p:sldIdLst>
-  <p:sldSz cy="6858000" cx="12192000"/>
+  <p:sldSz cx="12192000" cy="6858000"/>
   <p:notesSz cx="6858000" cy="9144000"/>
   <p:defaultTextStyle>
-    <a:defPPr lvl="0" marR="0" rtl="0" algn="l">
+    <a:defPPr marR="0" lvl="0" algn="l" rtl="0">
       <a:lnSpc>
         <a:spcPct val="100000"/>
       </a:lnSpc>
@@ -36,7 +35,7 @@
         <a:spcPts val="0"/>
       </a:spcAft>
     </a:defPPr>
-    <a:lvl1pPr lvl="0" marR="0" rtl="0" algn="l">
+    <a:lvl1pPr marR="0" lvl="0" algn="l" rtl="0">
       <a:lnSpc>
         <a:spcPct val="100000"/>
       </a:lnSpc>
@@ -50,7 +49,7 @@
         <a:srgbClr val="000000"/>
       </a:buClr>
       <a:buFont typeface="Arial"/>
-      <a:defRPr b="0" i="0" sz="1400" u="none" cap="none" strike="noStrike">
+      <a:defRPr sz="1400" b="0" i="0" u="none" strike="noStrike" cap="none">
         <a:solidFill>
           <a:srgbClr val="000000"/>
         </a:solidFill>
@@ -60,7 +59,7 @@
         <a:sym typeface="Arial"/>
       </a:defRPr>
     </a:lvl1pPr>
-    <a:lvl2pPr lvl="1" marR="0" rtl="0" algn="l">
+    <a:lvl2pPr marR="0" lvl="1" algn="l" rtl="0">
       <a:lnSpc>
         <a:spcPct val="100000"/>
       </a:lnSpc>
@@ -74,7 +73,7 @@
         <a:srgbClr val="000000"/>
       </a:buClr>
       <a:buFont typeface="Arial"/>
-      <a:defRPr b="0" i="0" sz="1400" u="none" cap="none" strike="noStrike">
+      <a:defRPr sz="1400" b="0" i="0" u="none" strike="noStrike" cap="none">
         <a:solidFill>
           <a:srgbClr val="000000"/>
         </a:solidFill>
@@ -84,7 +83,7 @@
         <a:sym typeface="Arial"/>
       </a:defRPr>
     </a:lvl2pPr>
-    <a:lvl3pPr lvl="2" marR="0" rtl="0" algn="l">
+    <a:lvl3pPr marR="0" lvl="2" algn="l" rtl="0">
       <a:lnSpc>
         <a:spcPct val="100000"/>
       </a:lnSpc>
@@ -98,7 +97,7 @@
         <a:srgbClr val="000000"/>
       </a:buClr>
       <a:buFont typeface="Arial"/>
-      <a:defRPr b="0" i="0" sz="1400" u="none" cap="none" strike="noStrike">
+      <a:defRPr sz="1400" b="0" i="0" u="none" strike="noStrike" cap="none">
         <a:solidFill>
           <a:srgbClr val="000000"/>
         </a:solidFill>
@@ -108,7 +107,7 @@
         <a:sym typeface="Arial"/>
       </a:defRPr>
     </a:lvl3pPr>
-    <a:lvl4pPr lvl="3" marR="0" rtl="0" algn="l">
+    <a:lvl4pPr marR="0" lvl="3" algn="l" rtl="0">
       <a:lnSpc>
         <a:spcPct val="100000"/>
       </a:lnSpc>
@@ -122,7 +121,7 @@
         <a:srgbClr val="000000"/>
       </a:buClr>
       <a:buFont typeface="Arial"/>
-      <a:defRPr b="0" i="0" sz="1400" u="none" cap="none" strike="noStrike">
+      <a:defRPr sz="1400" b="0" i="0" u="none" strike="noStrike" cap="none">
         <a:solidFill>
           <a:srgbClr val="000000"/>
         </a:solidFill>
@@ -132,7 +131,7 @@
         <a:sym typeface="Arial"/>
       </a:defRPr>
     </a:lvl4pPr>
-    <a:lvl5pPr lvl="4" marR="0" rtl="0" algn="l">
+    <a:lvl5pPr marR="0" lvl="4" algn="l" rtl="0">
       <a:lnSpc>
         <a:spcPct val="100000"/>
       </a:lnSpc>
@@ -146,7 +145,7 @@
         <a:srgbClr val="000000"/>
       </a:buClr>
       <a:buFont typeface="Arial"/>
-      <a:defRPr b="0" i="0" sz="1400" u="none" cap="none" strike="noStrike">
+      <a:defRPr sz="1400" b="0" i="0" u="none" strike="noStrike" cap="none">
         <a:solidFill>
           <a:srgbClr val="000000"/>
         </a:solidFill>
@@ -156,7 +155,7 @@
         <a:sym typeface="Arial"/>
       </a:defRPr>
     </a:lvl5pPr>
-    <a:lvl6pPr lvl="5" marR="0" rtl="0" algn="l">
+    <a:lvl6pPr marR="0" lvl="5" algn="l" rtl="0">
       <a:lnSpc>
         <a:spcPct val="100000"/>
       </a:lnSpc>
@@ -170,7 +169,7 @@
         <a:srgbClr val="000000"/>
       </a:buClr>
       <a:buFont typeface="Arial"/>
-      <a:defRPr b="0" i="0" sz="1400" u="none" cap="none" strike="noStrike">
+      <a:defRPr sz="1400" b="0" i="0" u="none" strike="noStrike" cap="none">
         <a:solidFill>
           <a:srgbClr val="000000"/>
         </a:solidFill>
@@ -180,7 +179,7 @@
         <a:sym typeface="Arial"/>
       </a:defRPr>
     </a:lvl6pPr>
-    <a:lvl7pPr lvl="6" marR="0" rtl="0" algn="l">
+    <a:lvl7pPr marR="0" lvl="6" algn="l" rtl="0">
       <a:lnSpc>
         <a:spcPct val="100000"/>
       </a:lnSpc>
@@ -194,7 +193,7 @@
         <a:srgbClr val="000000"/>
       </a:buClr>
       <a:buFont typeface="Arial"/>
-      <a:defRPr b="0" i="0" sz="1400" u="none" cap="none" strike="noStrike">
+      <a:defRPr sz="1400" b="0" i="0" u="none" strike="noStrike" cap="none">
         <a:solidFill>
           <a:srgbClr val="000000"/>
         </a:solidFill>
@@ -204,7 +203,7 @@
         <a:sym typeface="Arial"/>
       </a:defRPr>
     </a:lvl7pPr>
-    <a:lvl8pPr lvl="7" marR="0" rtl="0" algn="l">
+    <a:lvl8pPr marR="0" lvl="7" algn="l" rtl="0">
       <a:lnSpc>
         <a:spcPct val="100000"/>
       </a:lnSpc>
@@ -218,7 +217,7 @@
         <a:srgbClr val="000000"/>
       </a:buClr>
       <a:buFont typeface="Arial"/>
-      <a:defRPr b="0" i="0" sz="1400" u="none" cap="none" strike="noStrike">
+      <a:defRPr sz="1400" b="0" i="0" u="none" strike="noStrike" cap="none">
         <a:solidFill>
           <a:srgbClr val="000000"/>
         </a:solidFill>
@@ -228,7 +227,7 @@
         <a:sym typeface="Arial"/>
       </a:defRPr>
     </a:lvl8pPr>
-    <a:lvl9pPr lvl="8" marR="0" rtl="0" algn="l">
+    <a:lvl9pPr marR="0" lvl="8" algn="l" rtl="0">
       <a:lnSpc>
         <a:spcPct val="100000"/>
       </a:lnSpc>
@@ -242,7 +241,7 @@
         <a:srgbClr val="000000"/>
       </a:buClr>
       <a:buFont typeface="Arial"/>
-      <a:defRPr b="0" i="0" sz="1400" u="none" cap="none" strike="noStrike">
+      <a:defRPr sz="1400" b="0" i="0" u="none" strike="noStrike" cap="none">
         <a:solidFill>
           <a:srgbClr val="000000"/>
         </a:solidFill>
@@ -257,11 +256,16 @@
 </file>
 
 <file path=ppt/notesMasters/notesMaster1.xml><?xml version="1.0" encoding="utf-8"?>
-<p:notesMaster xmlns:a="http://schemas.openxmlformats.org/drawingml/2006/main" xmlns:r="http://schemas.openxmlformats.org/officeDocument/2006/relationships" xmlns:mc="http://schemas.openxmlformats.org/markup-compatibility/2006" xmlns:mv="urn:schemas-microsoft-com:mac:vml" xmlns:p="http://schemas.openxmlformats.org/presentationml/2006/main" xmlns:c="http://schemas.openxmlformats.org/drawingml/2006/chart" xmlns:dgm="http://schemas.openxmlformats.org/drawingml/2006/diagram" xmlns:o="urn:schemas-microsoft-com:office:office" xmlns:v="urn:schemas-microsoft-com:vml" xmlns:pvml="urn:schemas-microsoft-com:office:powerpoint" xmlns:com="http://schemas.openxmlformats.org/drawingml/2006/compatibility" xmlns:p14="http://schemas.microsoft.com/office/powerpoint/2010/main" xmlns:p15="http://schemas.microsoft.com/office/powerpoint/2012/main" xmlns:ahyp="http://schemas.microsoft.com/office/drawing/2018/hyperlinkcolor">
+<p:notesMaster xmlns:a="http://schemas.openxmlformats.org/drawingml/2006/main" xmlns:r="http://schemas.openxmlformats.org/officeDocument/2006/relationships" xmlns:p="http://schemas.openxmlformats.org/presentationml/2006/main">
   <p:cSld>
+    <p:bg>
+      <p:bgRef idx="1001">
+        <a:schemeClr val="bg1"/>
+      </p:bgRef>
+    </p:bg>
     <p:spTree>
       <p:nvGrpSpPr>
-        <p:cNvPr id="2" name="Shape 2"/>
+        <p:cNvPr id="1" name="Shape 2"/>
         <p:cNvGrpSpPr/>
         <p:nvPr/>
       </p:nvGrpSpPr>
@@ -276,9 +280,11 @@
       <p:sp>
         <p:nvSpPr>
           <p:cNvPr id="3" name="Google Shape;3;n"/>
-          <p:cNvSpPr/>
+          <p:cNvSpPr>
+            <a:spLocks noGrp="1" noRot="1" noChangeAspect="1"/>
+          </p:cNvSpPr>
           <p:nvPr>
-            <p:ph idx="2" type="sldImg"/>
+            <p:ph type="sldImg" idx="2"/>
           </p:nvPr>
         </p:nvSpPr>
         <p:spPr>
@@ -287,9 +293,13 @@
             <a:ext cx="4572225" cy="3429000"/>
           </a:xfrm>
           <a:custGeom>
-            <a:rect b="b" l="l" r="r" t="t"/>
+            <a:avLst/>
+            <a:gdLst/>
+            <a:ahLst/>
+            <a:cxnLst/>
+            <a:rect l="l" t="t" r="r" b="b"/>
             <a:pathLst>
-              <a:path extrusionOk="0" h="120000" w="120000">
+              <a:path w="120000" h="120000" extrusionOk="0">
                 <a:moveTo>
                   <a:pt x="0" y="0"/>
                 </a:moveTo>
@@ -307,23 +317,25 @@
             </a:pathLst>
           </a:custGeom>
           <a:noFill/>
-          <a:ln cap="flat" cmpd="sng" w="9525">
+          <a:ln w="9525" cap="flat" cmpd="sng">
             <a:solidFill>
               <a:srgbClr val="000000"/>
             </a:solidFill>
             <a:prstDash val="solid"/>
             <a:round/>
-            <a:headEnd len="sm" w="sm" type="none"/>
-            <a:tailEnd len="sm" w="sm" type="none"/>
+            <a:headEnd type="none" w="sm" len="sm"/>
+            <a:tailEnd type="none" w="sm" len="sm"/>
           </a:ln>
         </p:spPr>
       </p:sp>
       <p:sp>
         <p:nvSpPr>
           <p:cNvPr id="4" name="Google Shape;4;n"/>
-          <p:cNvSpPr txBox="1"/>
+          <p:cNvSpPr txBox="1">
+            <a:spLocks noGrp="1"/>
+          </p:cNvSpPr>
           <p:nvPr>
-            <p:ph idx="1" type="body"/>
+            <p:ph type="body" idx="1"/>
           </p:nvPr>
         </p:nvSpPr>
         <p:spPr>
@@ -340,11 +352,11 @@
           </a:ln>
         </p:spPr>
         <p:txBody>
-          <a:bodyPr anchorCtr="0" anchor="t" bIns="91425" lIns="91425" spcFirstLastPara="1" rIns="91425" wrap="square" tIns="91425">
+          <a:bodyPr spcFirstLastPara="1" wrap="square" lIns="91425" tIns="91425" rIns="91425" bIns="91425" anchor="t" anchorCtr="0">
             <a:noAutofit/>
           </a:bodyPr>
           <a:lstStyle>
-            <a:lvl1pPr indent="-298450" lvl="0" marL="457200">
+            <a:lvl1pPr marL="457200" lvl="0" indent="-298450">
               <a:spcBef>
                 <a:spcPts val="0"/>
               </a:spcBef>
@@ -355,7 +367,7 @@
               <a:buChar char="●"/>
               <a:defRPr sz="1100"/>
             </a:lvl1pPr>
-            <a:lvl2pPr indent="-298450" lvl="1" marL="914400">
+            <a:lvl2pPr marL="914400" lvl="1" indent="-298450">
               <a:spcBef>
                 <a:spcPts val="0"/>
               </a:spcBef>
@@ -366,7 +378,7 @@
               <a:buChar char="○"/>
               <a:defRPr sz="1100"/>
             </a:lvl2pPr>
-            <a:lvl3pPr indent="-298450" lvl="2" marL="1371600">
+            <a:lvl3pPr marL="1371600" lvl="2" indent="-298450">
               <a:spcBef>
                 <a:spcPts val="0"/>
               </a:spcBef>
@@ -377,7 +389,7 @@
               <a:buChar char="■"/>
               <a:defRPr sz="1100"/>
             </a:lvl3pPr>
-            <a:lvl4pPr indent="-298450" lvl="3" marL="1828800">
+            <a:lvl4pPr marL="1828800" lvl="3" indent="-298450">
               <a:spcBef>
                 <a:spcPts val="0"/>
               </a:spcBef>
@@ -388,7 +400,7 @@
               <a:buChar char="●"/>
               <a:defRPr sz="1100"/>
             </a:lvl4pPr>
-            <a:lvl5pPr indent="-298450" lvl="4" marL="2286000">
+            <a:lvl5pPr marL="2286000" lvl="4" indent="-298450">
               <a:spcBef>
                 <a:spcPts val="0"/>
               </a:spcBef>
@@ -399,7 +411,7 @@
               <a:buChar char="○"/>
               <a:defRPr sz="1100"/>
             </a:lvl5pPr>
-            <a:lvl6pPr indent="-298450" lvl="5" marL="2743200">
+            <a:lvl6pPr marL="2743200" lvl="5" indent="-298450">
               <a:spcBef>
                 <a:spcPts val="0"/>
               </a:spcBef>
@@ -410,7 +422,7 @@
               <a:buChar char="■"/>
               <a:defRPr sz="1100"/>
             </a:lvl6pPr>
-            <a:lvl7pPr indent="-298450" lvl="6" marL="3200400">
+            <a:lvl7pPr marL="3200400" lvl="6" indent="-298450">
               <a:spcBef>
                 <a:spcPts val="0"/>
               </a:spcBef>
@@ -421,7 +433,7 @@
               <a:buChar char="●"/>
               <a:defRPr sz="1100"/>
             </a:lvl7pPr>
-            <a:lvl8pPr indent="-298450" lvl="7" marL="3657600">
+            <a:lvl8pPr marL="3657600" lvl="7" indent="-298450">
               <a:spcBef>
                 <a:spcPts val="0"/>
               </a:spcBef>
@@ -432,7 +444,7 @@
               <a:buChar char="○"/>
               <a:defRPr sz="1100"/>
             </a:lvl8pPr>
-            <a:lvl9pPr indent="-298450" lvl="8" marL="4114800">
+            <a:lvl9pPr marL="4114800" lvl="8" indent="-298450">
               <a:spcBef>
                 <a:spcPts val="0"/>
               </a:spcBef>
@@ -444,14 +456,21 @@
               <a:defRPr sz="1100"/>
             </a:lvl9pPr>
           </a:lstStyle>
-          <a:p/>
+          <a:p>
+            <a:endParaRPr/>
+          </a:p>
         </p:txBody>
       </p:sp>
     </p:spTree>
+    <p:extLst>
+      <p:ext uri="{BB962C8B-B14F-4D97-AF65-F5344CB8AC3E}">
+        <p14:creationId xmlns:p14="http://schemas.microsoft.com/office/powerpoint/2010/main" val="1738495058"/>
+      </p:ext>
+    </p:extLst>
   </p:cSld>
-  <p:clrMap accent1="accent1" accent2="accent2" accent3="accent3" accent4="accent4" accent5="accent5" accent6="accent6" bg1="lt1" bg2="dk2" tx1="dk1" tx2="lt2" folHlink="folHlink" hlink="hlink"/>
+  <p:clrMap bg1="lt1" tx1="dk1" bg2="dk2" tx2="lt2" accent1="accent1" accent2="accent2" accent3="accent3" accent4="accent4" accent5="accent5" accent6="accent6" hlink="hlink" folHlink="folHlink"/>
   <p:notesStyle>
-    <a:defPPr lvl="0" marR="0" rtl="0" algn="l">
+    <a:defPPr marR="0" lvl="0" algn="l" rtl="0">
       <a:lnSpc>
         <a:spcPct val="100000"/>
       </a:lnSpc>
@@ -462,7 +481,7 @@
         <a:spcPts val="0"/>
       </a:spcAft>
     </a:defPPr>
-    <a:lvl1pPr lvl="0" marR="0" rtl="0" algn="l">
+    <a:lvl1pPr marR="0" lvl="0" algn="l" rtl="0">
       <a:lnSpc>
         <a:spcPct val="100000"/>
       </a:lnSpc>
@@ -476,7 +495,7 @@
         <a:srgbClr val="000000"/>
       </a:buClr>
       <a:buFont typeface="Arial"/>
-      <a:defRPr b="0" i="0" sz="1400" u="none" cap="none" strike="noStrike">
+      <a:defRPr sz="1400" b="0" i="0" u="none" strike="noStrike" cap="none">
         <a:solidFill>
           <a:srgbClr val="000000"/>
         </a:solidFill>
@@ -486,7 +505,7 @@
         <a:sym typeface="Arial"/>
       </a:defRPr>
     </a:lvl1pPr>
-    <a:lvl2pPr lvl="1" marR="0" rtl="0" algn="l">
+    <a:lvl2pPr marR="0" lvl="1" algn="l" rtl="0">
       <a:lnSpc>
         <a:spcPct val="100000"/>
       </a:lnSpc>
@@ -500,7 +519,7 @@
         <a:srgbClr val="000000"/>
       </a:buClr>
       <a:buFont typeface="Arial"/>
-      <a:defRPr b="0" i="0" sz="1400" u="none" cap="none" strike="noStrike">
+      <a:defRPr sz="1400" b="0" i="0" u="none" strike="noStrike" cap="none">
         <a:solidFill>
           <a:srgbClr val="000000"/>
         </a:solidFill>
@@ -510,7 +529,7 @@
         <a:sym typeface="Arial"/>
       </a:defRPr>
     </a:lvl2pPr>
-    <a:lvl3pPr lvl="2" marR="0" rtl="0" algn="l">
+    <a:lvl3pPr marR="0" lvl="2" algn="l" rtl="0">
       <a:lnSpc>
         <a:spcPct val="100000"/>
       </a:lnSpc>
@@ -524,7 +543,7 @@
         <a:srgbClr val="000000"/>
       </a:buClr>
       <a:buFont typeface="Arial"/>
-      <a:defRPr b="0" i="0" sz="1400" u="none" cap="none" strike="noStrike">
+      <a:defRPr sz="1400" b="0" i="0" u="none" strike="noStrike" cap="none">
         <a:solidFill>
           <a:srgbClr val="000000"/>
         </a:solidFill>
@@ -534,7 +553,7 @@
         <a:sym typeface="Arial"/>
       </a:defRPr>
     </a:lvl3pPr>
-    <a:lvl4pPr lvl="3" marR="0" rtl="0" algn="l">
+    <a:lvl4pPr marR="0" lvl="3" algn="l" rtl="0">
       <a:lnSpc>
         <a:spcPct val="100000"/>
       </a:lnSpc>
@@ -548,7 +567,7 @@
         <a:srgbClr val="000000"/>
       </a:buClr>
       <a:buFont typeface="Arial"/>
-      <a:defRPr b="0" i="0" sz="1400" u="none" cap="none" strike="noStrike">
+      <a:defRPr sz="1400" b="0" i="0" u="none" strike="noStrike" cap="none">
         <a:solidFill>
           <a:srgbClr val="000000"/>
         </a:solidFill>
@@ -558,7 +577,7 @@
         <a:sym typeface="Arial"/>
       </a:defRPr>
     </a:lvl4pPr>
-    <a:lvl5pPr lvl="4" marR="0" rtl="0" algn="l">
+    <a:lvl5pPr marR="0" lvl="4" algn="l" rtl="0">
       <a:lnSpc>
         <a:spcPct val="100000"/>
       </a:lnSpc>
@@ -572,7 +591,7 @@
         <a:srgbClr val="000000"/>
       </a:buClr>
       <a:buFont typeface="Arial"/>
-      <a:defRPr b="0" i="0" sz="1400" u="none" cap="none" strike="noStrike">
+      <a:defRPr sz="1400" b="0" i="0" u="none" strike="noStrike" cap="none">
         <a:solidFill>
           <a:srgbClr val="000000"/>
         </a:solidFill>
@@ -582,7 +601,7 @@
         <a:sym typeface="Arial"/>
       </a:defRPr>
     </a:lvl5pPr>
-    <a:lvl6pPr lvl="5" marR="0" rtl="0" algn="l">
+    <a:lvl6pPr marR="0" lvl="5" algn="l" rtl="0">
       <a:lnSpc>
         <a:spcPct val="100000"/>
       </a:lnSpc>
@@ -596,7 +615,7 @@
         <a:srgbClr val="000000"/>
       </a:buClr>
       <a:buFont typeface="Arial"/>
-      <a:defRPr b="0" i="0" sz="1400" u="none" cap="none" strike="noStrike">
+      <a:defRPr sz="1400" b="0" i="0" u="none" strike="noStrike" cap="none">
         <a:solidFill>
           <a:srgbClr val="000000"/>
         </a:solidFill>
@@ -606,7 +625,7 @@
         <a:sym typeface="Arial"/>
       </a:defRPr>
     </a:lvl6pPr>
-    <a:lvl7pPr lvl="6" marR="0" rtl="0" algn="l">
+    <a:lvl7pPr marR="0" lvl="6" algn="l" rtl="0">
       <a:lnSpc>
         <a:spcPct val="100000"/>
       </a:lnSpc>
@@ -620,7 +639,7 @@
         <a:srgbClr val="000000"/>
       </a:buClr>
       <a:buFont typeface="Arial"/>
-      <a:defRPr b="0" i="0" sz="1400" u="none" cap="none" strike="noStrike">
+      <a:defRPr sz="1400" b="0" i="0" u="none" strike="noStrike" cap="none">
         <a:solidFill>
           <a:srgbClr val="000000"/>
         </a:solidFill>
@@ -630,7 +649,7 @@
         <a:sym typeface="Arial"/>
       </a:defRPr>
     </a:lvl7pPr>
-    <a:lvl8pPr lvl="7" marR="0" rtl="0" algn="l">
+    <a:lvl8pPr marR="0" lvl="7" algn="l" rtl="0">
       <a:lnSpc>
         <a:spcPct val="100000"/>
       </a:lnSpc>
@@ -644,7 +663,7 @@
         <a:srgbClr val="000000"/>
       </a:buClr>
       <a:buFont typeface="Arial"/>
-      <a:defRPr b="0" i="0" sz="1400" u="none" cap="none" strike="noStrike">
+      <a:defRPr sz="1400" b="0" i="0" u="none" strike="noStrike" cap="none">
         <a:solidFill>
           <a:srgbClr val="000000"/>
         </a:solidFill>
@@ -654,7 +673,7 @@
         <a:sym typeface="Arial"/>
       </a:defRPr>
     </a:lvl8pPr>
-    <a:lvl9pPr lvl="8" marR="0" rtl="0" algn="l">
+    <a:lvl9pPr marR="0" lvl="8" algn="l" rtl="0">
       <a:lnSpc>
         <a:spcPct val="100000"/>
       </a:lnSpc>
@@ -668,7 +687,7 @@
         <a:srgbClr val="000000"/>
       </a:buClr>
       <a:buFont typeface="Arial"/>
-      <a:defRPr b="0" i="0" sz="1400" u="none" cap="none" strike="noStrike">
+      <a:defRPr sz="1400" b="0" i="0" u="none" strike="noStrike" cap="none">
         <a:solidFill>
           <a:srgbClr val="000000"/>
         </a:solidFill>
@@ -683,11 +702,11 @@
 </file>
 
 <file path=ppt/notesSlides/notesSlide1.xml><?xml version="1.0" encoding="utf-8"?>
-<p:notes xmlns:a="http://schemas.openxmlformats.org/drawingml/2006/main" xmlns:r="http://schemas.openxmlformats.org/officeDocument/2006/relationships" xmlns:mc="http://schemas.openxmlformats.org/markup-compatibility/2006" xmlns:mv="urn:schemas-microsoft-com:mac:vml" xmlns:p="http://schemas.openxmlformats.org/presentationml/2006/main" xmlns:c="http://schemas.openxmlformats.org/drawingml/2006/chart" xmlns:dgm="http://schemas.openxmlformats.org/drawingml/2006/diagram" xmlns:o="urn:schemas-microsoft-com:office:office" xmlns:v="urn:schemas-microsoft-com:vml" xmlns:pvml="urn:schemas-microsoft-com:office:powerpoint" xmlns:com="http://schemas.openxmlformats.org/drawingml/2006/compatibility" xmlns:p14="http://schemas.microsoft.com/office/powerpoint/2010/main" xmlns:p15="http://schemas.microsoft.com/office/powerpoint/2012/main" xmlns:ahyp="http://schemas.microsoft.com/office/drawing/2018/hyperlinkcolor" showMasterPhAnim="0" showMasterSp="0">
+<p:notes xmlns:a="http://schemas.openxmlformats.org/drawingml/2006/main" xmlns:r="http://schemas.openxmlformats.org/officeDocument/2006/relationships" xmlns:p="http://schemas.openxmlformats.org/presentationml/2006/main" showMasterSp="0" showMasterPhAnim="0">
   <p:cSld>
     <p:spTree>
       <p:nvGrpSpPr>
-        <p:cNvPr id="80" name="Shape 80"/>
+        <p:cNvPr id="1" name="Shape 80"/>
         <p:cNvGrpSpPr/>
         <p:nvPr/>
       </p:nvGrpSpPr>
@@ -702,9 +721,11 @@
       <p:sp>
         <p:nvSpPr>
           <p:cNvPr id="81" name="Google Shape;81;p1:notes"/>
-          <p:cNvSpPr txBox="1"/>
+          <p:cNvSpPr txBox="1">
+            <a:spLocks noGrp="1"/>
+          </p:cNvSpPr>
           <p:nvPr>
-            <p:ph idx="1" type="body"/>
+            <p:ph type="body" idx="1"/>
           </p:nvPr>
         </p:nvSpPr>
         <p:spPr>
@@ -717,12 +738,12 @@
           </a:prstGeom>
         </p:spPr>
         <p:txBody>
-          <a:bodyPr anchorCtr="0" anchor="t" bIns="91425" lIns="91425" spcFirstLastPara="1" rIns="91425" wrap="square" tIns="91425">
+          <a:bodyPr spcFirstLastPara="1" wrap="square" lIns="91425" tIns="91425" rIns="91425" bIns="91425" anchor="t" anchorCtr="0">
             <a:noAutofit/>
           </a:bodyPr>
           <a:lstStyle/>
           <a:p>
-            <a:pPr indent="0" lvl="0" marL="0" rtl="0" algn="l">
+            <a:pPr marL="0" lvl="0" indent="0" algn="l" rtl="0">
               <a:spcBef>
                 <a:spcPts val="0"/>
               </a:spcBef>
@@ -731,9 +752,6 @@
               </a:spcAft>
               <a:buNone/>
             </a:pPr>
-            <a:r>
-              <a:t/>
-            </a:r>
             <a:endParaRPr/>
           </a:p>
         </p:txBody>
@@ -741,9 +759,11 @@
       <p:sp>
         <p:nvSpPr>
           <p:cNvPr id="82" name="Google Shape;82;p1:notes"/>
-          <p:cNvSpPr/>
+          <p:cNvSpPr>
+            <a:spLocks noGrp="1" noRot="1" noChangeAspect="1"/>
+          </p:cNvSpPr>
           <p:nvPr>
-            <p:ph idx="2" type="sldImg"/>
+            <p:ph type="sldImg" idx="2"/>
           </p:nvPr>
         </p:nvSpPr>
         <p:spPr>
@@ -752,9 +772,13 @@
             <a:ext cx="4572225" cy="3429000"/>
           </a:xfrm>
           <a:custGeom>
-            <a:rect b="b" l="l" r="r" t="t"/>
+            <a:avLst/>
+            <a:gdLst/>
+            <a:ahLst/>
+            <a:cxnLst/>
+            <a:rect l="l" t="t" r="r" b="b"/>
             <a:pathLst>
-              <a:path extrusionOk="0" h="120000" w="120000">
+              <a:path w="120000" h="120000" extrusionOk="0">
                 <a:moveTo>
                   <a:pt x="0" y="0"/>
                 </a:moveTo>
@@ -774,6 +798,11 @@
         </p:spPr>
       </p:sp>
     </p:spTree>
+    <p:extLst>
+      <p:ext uri="{BB962C8B-B14F-4D97-AF65-F5344CB8AC3E}">
+        <p14:creationId xmlns:p14="http://schemas.microsoft.com/office/powerpoint/2010/main" val="2649937947"/>
+      </p:ext>
+    </p:extLst>
   </p:cSld>
   <p:clrMapOvr>
     <a:masterClrMapping/>
@@ -782,11 +811,11 @@
 </file>
 
 <file path=ppt/notesSlides/notesSlide10.xml><?xml version="1.0" encoding="utf-8"?>
-<p:notes xmlns:a="http://schemas.openxmlformats.org/drawingml/2006/main" xmlns:r="http://schemas.openxmlformats.org/officeDocument/2006/relationships" xmlns:mc="http://schemas.openxmlformats.org/markup-compatibility/2006" xmlns:mv="urn:schemas-microsoft-com:mac:vml" xmlns:p="http://schemas.openxmlformats.org/presentationml/2006/main" xmlns:c="http://schemas.openxmlformats.org/drawingml/2006/chart" xmlns:dgm="http://schemas.openxmlformats.org/drawingml/2006/diagram" xmlns:o="urn:schemas-microsoft-com:office:office" xmlns:v="urn:schemas-microsoft-com:vml" xmlns:pvml="urn:schemas-microsoft-com:office:powerpoint" xmlns:com="http://schemas.openxmlformats.org/drawingml/2006/compatibility" xmlns:p14="http://schemas.microsoft.com/office/powerpoint/2010/main" xmlns:p15="http://schemas.microsoft.com/office/powerpoint/2012/main" xmlns:ahyp="http://schemas.microsoft.com/office/drawing/2018/hyperlinkcolor" showMasterPhAnim="0" showMasterSp="0">
+<p:notes xmlns:a="http://schemas.openxmlformats.org/drawingml/2006/main" xmlns:r="http://schemas.openxmlformats.org/officeDocument/2006/relationships" xmlns:p="http://schemas.openxmlformats.org/presentationml/2006/main" showMasterSp="0" showMasterPhAnim="0">
   <p:cSld>
     <p:spTree>
       <p:nvGrpSpPr>
-        <p:cNvPr id="136" name="Shape 136"/>
+        <p:cNvPr id="1" name="Shape 136"/>
         <p:cNvGrpSpPr/>
         <p:nvPr/>
       </p:nvGrpSpPr>
@@ -801,9 +830,11 @@
       <p:sp>
         <p:nvSpPr>
           <p:cNvPr id="137" name="Google Shape;137;p10:notes"/>
-          <p:cNvSpPr txBox="1"/>
+          <p:cNvSpPr txBox="1">
+            <a:spLocks noGrp="1"/>
+          </p:cNvSpPr>
           <p:nvPr>
-            <p:ph idx="1" type="body"/>
+            <p:ph type="body" idx="1"/>
           </p:nvPr>
         </p:nvSpPr>
         <p:spPr>
@@ -816,12 +847,12 @@
           </a:prstGeom>
         </p:spPr>
         <p:txBody>
-          <a:bodyPr anchorCtr="0" anchor="t" bIns="91425" lIns="91425" spcFirstLastPara="1" rIns="91425" wrap="square" tIns="91425">
+          <a:bodyPr spcFirstLastPara="1" wrap="square" lIns="91425" tIns="91425" rIns="91425" bIns="91425" anchor="t" anchorCtr="0">
             <a:noAutofit/>
           </a:bodyPr>
           <a:lstStyle/>
           <a:p>
-            <a:pPr indent="0" lvl="0" marL="0" rtl="0" algn="l">
+            <a:pPr marL="0" lvl="0" indent="0" algn="l" rtl="0">
               <a:spcBef>
                 <a:spcPts val="0"/>
               </a:spcBef>
@@ -830,9 +861,6 @@
               </a:spcAft>
               <a:buNone/>
             </a:pPr>
-            <a:r>
-              <a:t/>
-            </a:r>
             <a:endParaRPr/>
           </a:p>
         </p:txBody>
@@ -840,9 +868,11 @@
       <p:sp>
         <p:nvSpPr>
           <p:cNvPr id="138" name="Google Shape;138;p10:notes"/>
-          <p:cNvSpPr/>
+          <p:cNvSpPr>
+            <a:spLocks noGrp="1" noRot="1" noChangeAspect="1"/>
+          </p:cNvSpPr>
           <p:nvPr>
-            <p:ph idx="2" type="sldImg"/>
+            <p:ph type="sldImg" idx="2"/>
           </p:nvPr>
         </p:nvSpPr>
         <p:spPr>
@@ -851,9 +881,13 @@
             <a:ext cx="4572225" cy="3429000"/>
           </a:xfrm>
           <a:custGeom>
-            <a:rect b="b" l="l" r="r" t="t"/>
+            <a:avLst/>
+            <a:gdLst/>
+            <a:ahLst/>
+            <a:cxnLst/>
+            <a:rect l="l" t="t" r="r" b="b"/>
             <a:pathLst>
-              <a:path extrusionOk="0" h="120000" w="120000">
+              <a:path w="120000" h="120000" extrusionOk="0">
                 <a:moveTo>
                   <a:pt x="0" y="0"/>
                 </a:moveTo>
@@ -873,6 +907,11 @@
         </p:spPr>
       </p:sp>
     </p:spTree>
+    <p:extLst>
+      <p:ext uri="{BB962C8B-B14F-4D97-AF65-F5344CB8AC3E}">
+        <p14:creationId xmlns:p14="http://schemas.microsoft.com/office/powerpoint/2010/main" val="4238574220"/>
+      </p:ext>
+    </p:extLst>
   </p:cSld>
   <p:clrMapOvr>
     <a:masterClrMapping/>
@@ -881,11 +920,11 @@
 </file>
 
 <file path=ppt/notesSlides/notesSlide11.xml><?xml version="1.0" encoding="utf-8"?>
-<p:notes xmlns:a="http://schemas.openxmlformats.org/drawingml/2006/main" xmlns:r="http://schemas.openxmlformats.org/officeDocument/2006/relationships" xmlns:mc="http://schemas.openxmlformats.org/markup-compatibility/2006" xmlns:mv="urn:schemas-microsoft-com:mac:vml" xmlns:p="http://schemas.openxmlformats.org/presentationml/2006/main" xmlns:c="http://schemas.openxmlformats.org/drawingml/2006/chart" xmlns:dgm="http://schemas.openxmlformats.org/drawingml/2006/diagram" xmlns:o="urn:schemas-microsoft-com:office:office" xmlns:v="urn:schemas-microsoft-com:vml" xmlns:pvml="urn:schemas-microsoft-com:office:powerpoint" xmlns:com="http://schemas.openxmlformats.org/drawingml/2006/compatibility" xmlns:p14="http://schemas.microsoft.com/office/powerpoint/2010/main" xmlns:p15="http://schemas.microsoft.com/office/powerpoint/2012/main" xmlns:ahyp="http://schemas.microsoft.com/office/drawing/2018/hyperlinkcolor" showMasterPhAnim="0" showMasterSp="0">
+<p:notes xmlns:a="http://schemas.openxmlformats.org/drawingml/2006/main" xmlns:r="http://schemas.openxmlformats.org/officeDocument/2006/relationships" xmlns:p="http://schemas.openxmlformats.org/presentationml/2006/main" showMasterSp="0" showMasterPhAnim="0">
   <p:cSld>
     <p:spTree>
       <p:nvGrpSpPr>
-        <p:cNvPr id="144" name="Shape 144"/>
+        <p:cNvPr id="1" name="Shape 144"/>
         <p:cNvGrpSpPr/>
         <p:nvPr/>
       </p:nvGrpSpPr>
@@ -900,9 +939,11 @@
       <p:sp>
         <p:nvSpPr>
           <p:cNvPr id="145" name="Google Shape;145;p11:notes"/>
-          <p:cNvSpPr txBox="1"/>
+          <p:cNvSpPr txBox="1">
+            <a:spLocks noGrp="1"/>
+          </p:cNvSpPr>
           <p:nvPr>
-            <p:ph idx="1" type="body"/>
+            <p:ph type="body" idx="1"/>
           </p:nvPr>
         </p:nvSpPr>
         <p:spPr>
@@ -915,12 +956,12 @@
           </a:prstGeom>
         </p:spPr>
         <p:txBody>
-          <a:bodyPr anchorCtr="0" anchor="t" bIns="91425" lIns="91425" spcFirstLastPara="1" rIns="91425" wrap="square" tIns="91425">
+          <a:bodyPr spcFirstLastPara="1" wrap="square" lIns="91425" tIns="91425" rIns="91425" bIns="91425" anchor="t" anchorCtr="0">
             <a:noAutofit/>
           </a:bodyPr>
           <a:lstStyle/>
           <a:p>
-            <a:pPr indent="0" lvl="0" marL="0" rtl="0" algn="l">
+            <a:pPr marL="0" lvl="0" indent="0" algn="l" rtl="0">
               <a:spcBef>
                 <a:spcPts val="0"/>
               </a:spcBef>
@@ -929,9 +970,6 @@
               </a:spcAft>
               <a:buNone/>
             </a:pPr>
-            <a:r>
-              <a:t/>
-            </a:r>
             <a:endParaRPr/>
           </a:p>
         </p:txBody>
@@ -939,9 +977,11 @@
       <p:sp>
         <p:nvSpPr>
           <p:cNvPr id="146" name="Google Shape;146;p11:notes"/>
-          <p:cNvSpPr/>
+          <p:cNvSpPr>
+            <a:spLocks noGrp="1" noRot="1" noChangeAspect="1"/>
+          </p:cNvSpPr>
           <p:nvPr>
-            <p:ph idx="2" type="sldImg"/>
+            <p:ph type="sldImg" idx="2"/>
           </p:nvPr>
         </p:nvSpPr>
         <p:spPr>
@@ -950,9 +990,13 @@
             <a:ext cx="4572225" cy="3429000"/>
           </a:xfrm>
           <a:custGeom>
-            <a:rect b="b" l="l" r="r" t="t"/>
+            <a:avLst/>
+            <a:gdLst/>
+            <a:ahLst/>
+            <a:cxnLst/>
+            <a:rect l="l" t="t" r="r" b="b"/>
             <a:pathLst>
-              <a:path extrusionOk="0" h="120000" w="120000">
+              <a:path w="120000" h="120000" extrusionOk="0">
                 <a:moveTo>
                   <a:pt x="0" y="0"/>
                 </a:moveTo>
@@ -972,6 +1016,11 @@
         </p:spPr>
       </p:sp>
     </p:spTree>
+    <p:extLst>
+      <p:ext uri="{BB962C8B-B14F-4D97-AF65-F5344CB8AC3E}">
+        <p14:creationId xmlns:p14="http://schemas.microsoft.com/office/powerpoint/2010/main" val="3514790464"/>
+      </p:ext>
+    </p:extLst>
   </p:cSld>
   <p:clrMapOvr>
     <a:masterClrMapping/>
@@ -980,11 +1029,11 @@
 </file>
 
 <file path=ppt/notesSlides/notesSlide12.xml><?xml version="1.0" encoding="utf-8"?>
-<p:notes xmlns:a="http://schemas.openxmlformats.org/drawingml/2006/main" xmlns:r="http://schemas.openxmlformats.org/officeDocument/2006/relationships" xmlns:mc="http://schemas.openxmlformats.org/markup-compatibility/2006" xmlns:mv="urn:schemas-microsoft-com:mac:vml" xmlns:p="http://schemas.openxmlformats.org/presentationml/2006/main" xmlns:c="http://schemas.openxmlformats.org/drawingml/2006/chart" xmlns:dgm="http://schemas.openxmlformats.org/drawingml/2006/diagram" xmlns:o="urn:schemas-microsoft-com:office:office" xmlns:v="urn:schemas-microsoft-com:vml" xmlns:pvml="urn:schemas-microsoft-com:office:powerpoint" xmlns:com="http://schemas.openxmlformats.org/drawingml/2006/compatibility" xmlns:p14="http://schemas.microsoft.com/office/powerpoint/2010/main" xmlns:p15="http://schemas.microsoft.com/office/powerpoint/2012/main" xmlns:ahyp="http://schemas.microsoft.com/office/drawing/2018/hyperlinkcolor" showMasterPhAnim="0" showMasterSp="0">
+<p:notes xmlns:a="http://schemas.openxmlformats.org/drawingml/2006/main" xmlns:r="http://schemas.openxmlformats.org/officeDocument/2006/relationships" xmlns:p="http://schemas.openxmlformats.org/presentationml/2006/main" showMasterSp="0" showMasterPhAnim="0">
   <p:cSld>
     <p:spTree>
       <p:nvGrpSpPr>
-        <p:cNvPr id="151" name="Shape 151"/>
+        <p:cNvPr id="1" name="Shape 151"/>
         <p:cNvGrpSpPr/>
         <p:nvPr/>
       </p:nvGrpSpPr>
@@ -999,9 +1048,11 @@
       <p:sp>
         <p:nvSpPr>
           <p:cNvPr id="152" name="Google Shape;152;p12:notes"/>
-          <p:cNvSpPr txBox="1"/>
+          <p:cNvSpPr txBox="1">
+            <a:spLocks noGrp="1"/>
+          </p:cNvSpPr>
           <p:nvPr>
-            <p:ph idx="1" type="body"/>
+            <p:ph type="body" idx="1"/>
           </p:nvPr>
         </p:nvSpPr>
         <p:spPr>
@@ -1014,12 +1065,12 @@
           </a:prstGeom>
         </p:spPr>
         <p:txBody>
-          <a:bodyPr anchorCtr="0" anchor="t" bIns="91425" lIns="91425" spcFirstLastPara="1" rIns="91425" wrap="square" tIns="91425">
+          <a:bodyPr spcFirstLastPara="1" wrap="square" lIns="91425" tIns="91425" rIns="91425" bIns="91425" anchor="t" anchorCtr="0">
             <a:noAutofit/>
           </a:bodyPr>
           <a:lstStyle/>
           <a:p>
-            <a:pPr indent="0" lvl="0" marL="0" rtl="0" algn="l">
+            <a:pPr marL="0" lvl="0" indent="0" algn="l" rtl="0">
               <a:spcBef>
                 <a:spcPts val="0"/>
               </a:spcBef>
@@ -1028,9 +1079,6 @@
               </a:spcAft>
               <a:buNone/>
             </a:pPr>
-            <a:r>
-              <a:t/>
-            </a:r>
             <a:endParaRPr/>
           </a:p>
         </p:txBody>
@@ -1038,9 +1086,11 @@
       <p:sp>
         <p:nvSpPr>
           <p:cNvPr id="153" name="Google Shape;153;p12:notes"/>
-          <p:cNvSpPr/>
+          <p:cNvSpPr>
+            <a:spLocks noGrp="1" noRot="1" noChangeAspect="1"/>
+          </p:cNvSpPr>
           <p:nvPr>
-            <p:ph idx="2" type="sldImg"/>
+            <p:ph type="sldImg" idx="2"/>
           </p:nvPr>
         </p:nvSpPr>
         <p:spPr>
@@ -1049,9 +1099,13 @@
             <a:ext cx="4572225" cy="3429000"/>
           </a:xfrm>
           <a:custGeom>
-            <a:rect b="b" l="l" r="r" t="t"/>
+            <a:avLst/>
+            <a:gdLst/>
+            <a:ahLst/>
+            <a:cxnLst/>
+            <a:rect l="l" t="t" r="r" b="b"/>
             <a:pathLst>
-              <a:path extrusionOk="0" h="120000" w="120000">
+              <a:path w="120000" h="120000" extrusionOk="0">
                 <a:moveTo>
                   <a:pt x="0" y="0"/>
                 </a:moveTo>
@@ -1071,6 +1125,11 @@
         </p:spPr>
       </p:sp>
     </p:spTree>
+    <p:extLst>
+      <p:ext uri="{BB962C8B-B14F-4D97-AF65-F5344CB8AC3E}">
+        <p14:creationId xmlns:p14="http://schemas.microsoft.com/office/powerpoint/2010/main" val="4024384891"/>
+      </p:ext>
+    </p:extLst>
   </p:cSld>
   <p:clrMapOvr>
     <a:masterClrMapping/>
@@ -1078,12 +1137,12 @@
 </p:notes>
 </file>
 
-<file path=ppt/notesSlides/notesSlide13.xml><?xml version="1.0" encoding="utf-8"?>
-<p:notes xmlns:a="http://schemas.openxmlformats.org/drawingml/2006/main" xmlns:r="http://schemas.openxmlformats.org/officeDocument/2006/relationships" xmlns:mc="http://schemas.openxmlformats.org/markup-compatibility/2006" xmlns:mv="urn:schemas-microsoft-com:mac:vml" xmlns:p="http://schemas.openxmlformats.org/presentationml/2006/main" xmlns:c="http://schemas.openxmlformats.org/drawingml/2006/chart" xmlns:dgm="http://schemas.openxmlformats.org/drawingml/2006/diagram" xmlns:o="urn:schemas-microsoft-com:office:office" xmlns:v="urn:schemas-microsoft-com:vml" xmlns:pvml="urn:schemas-microsoft-com:office:powerpoint" xmlns:com="http://schemas.openxmlformats.org/drawingml/2006/compatibility" xmlns:p14="http://schemas.microsoft.com/office/powerpoint/2010/main" xmlns:p15="http://schemas.microsoft.com/office/powerpoint/2012/main" xmlns:ahyp="http://schemas.microsoft.com/office/drawing/2018/hyperlinkcolor" showMasterPhAnim="0" showMasterSp="0">
+<file path=ppt/notesSlides/notesSlide2.xml><?xml version="1.0" encoding="utf-8"?>
+<p:notes xmlns:a="http://schemas.openxmlformats.org/drawingml/2006/main" xmlns:r="http://schemas.openxmlformats.org/officeDocument/2006/relationships" xmlns:p="http://schemas.openxmlformats.org/presentationml/2006/main" showMasterSp="0" showMasterPhAnim="0">
   <p:cSld>
     <p:spTree>
       <p:nvGrpSpPr>
-        <p:cNvPr id="158" name="Shape 158"/>
+        <p:cNvPr id="1" name="Shape 86"/>
         <p:cNvGrpSpPr/>
         <p:nvPr/>
       </p:nvGrpSpPr>
@@ -1097,10 +1156,12 @@
       </p:grpSpPr>
       <p:sp>
         <p:nvSpPr>
-          <p:cNvPr id="159" name="Google Shape;159;p13:notes"/>
-          <p:cNvSpPr txBox="1"/>
+          <p:cNvPr id="87" name="Google Shape;87;p2:notes"/>
+          <p:cNvSpPr txBox="1">
+            <a:spLocks noGrp="1"/>
+          </p:cNvSpPr>
           <p:nvPr>
-            <p:ph idx="1" type="body"/>
+            <p:ph type="body" idx="1"/>
           </p:nvPr>
         </p:nvSpPr>
         <p:spPr>
@@ -1113,12 +1174,12 @@
           </a:prstGeom>
         </p:spPr>
         <p:txBody>
-          <a:bodyPr anchorCtr="0" anchor="t" bIns="91425" lIns="91425" spcFirstLastPara="1" rIns="91425" wrap="square" tIns="91425">
+          <a:bodyPr spcFirstLastPara="1" wrap="square" lIns="91425" tIns="91425" rIns="91425" bIns="91425" anchor="t" anchorCtr="0">
             <a:noAutofit/>
           </a:bodyPr>
           <a:lstStyle/>
           <a:p>
-            <a:pPr indent="0" lvl="0" marL="0" rtl="0" algn="l">
+            <a:pPr marL="0" lvl="0" indent="0" algn="l" rtl="0">
               <a:spcBef>
                 <a:spcPts val="0"/>
               </a:spcBef>
@@ -1127,19 +1188,18 @@
               </a:spcAft>
               <a:buNone/>
             </a:pPr>
-            <a:r>
-              <a:t/>
-            </a:r>
             <a:endParaRPr/>
           </a:p>
         </p:txBody>
       </p:sp>
       <p:sp>
         <p:nvSpPr>
-          <p:cNvPr id="160" name="Google Shape;160;p13:notes"/>
-          <p:cNvSpPr/>
+          <p:cNvPr id="88" name="Google Shape;88;p2:notes"/>
+          <p:cNvSpPr>
+            <a:spLocks noGrp="1" noRot="1" noChangeAspect="1"/>
+          </p:cNvSpPr>
           <p:nvPr>
-            <p:ph idx="2" type="sldImg"/>
+            <p:ph type="sldImg" idx="2"/>
           </p:nvPr>
         </p:nvSpPr>
         <p:spPr>
@@ -1148,9 +1208,13 @@
             <a:ext cx="4572225" cy="3429000"/>
           </a:xfrm>
           <a:custGeom>
-            <a:rect b="b" l="l" r="r" t="t"/>
+            <a:avLst/>
+            <a:gdLst/>
+            <a:ahLst/>
+            <a:cxnLst/>
+            <a:rect l="l" t="t" r="r" b="b"/>
             <a:pathLst>
-              <a:path extrusionOk="0" h="120000" w="120000">
+              <a:path w="120000" h="120000" extrusionOk="0">
                 <a:moveTo>
                   <a:pt x="0" y="0"/>
                 </a:moveTo>
@@ -1170,6 +1234,11 @@
         </p:spPr>
       </p:sp>
     </p:spTree>
+    <p:extLst>
+      <p:ext uri="{BB962C8B-B14F-4D97-AF65-F5344CB8AC3E}">
+        <p14:creationId xmlns:p14="http://schemas.microsoft.com/office/powerpoint/2010/main" val="512363464"/>
+      </p:ext>
+    </p:extLst>
   </p:cSld>
   <p:clrMapOvr>
     <a:masterClrMapping/>
@@ -1177,12 +1246,12 @@
 </p:notes>
 </file>
 
-<file path=ppt/notesSlides/notesSlide2.xml><?xml version="1.0" encoding="utf-8"?>
-<p:notes xmlns:a="http://schemas.openxmlformats.org/drawingml/2006/main" xmlns:r="http://schemas.openxmlformats.org/officeDocument/2006/relationships" xmlns:mc="http://schemas.openxmlformats.org/markup-compatibility/2006" xmlns:mv="urn:schemas-microsoft-com:mac:vml" xmlns:p="http://schemas.openxmlformats.org/presentationml/2006/main" xmlns:c="http://schemas.openxmlformats.org/drawingml/2006/chart" xmlns:dgm="http://schemas.openxmlformats.org/drawingml/2006/diagram" xmlns:o="urn:schemas-microsoft-com:office:office" xmlns:v="urn:schemas-microsoft-com:vml" xmlns:pvml="urn:schemas-microsoft-com:office:powerpoint" xmlns:com="http://schemas.openxmlformats.org/drawingml/2006/compatibility" xmlns:p14="http://schemas.microsoft.com/office/powerpoint/2010/main" xmlns:p15="http://schemas.microsoft.com/office/powerpoint/2012/main" xmlns:ahyp="http://schemas.microsoft.com/office/drawing/2018/hyperlinkcolor" showMasterPhAnim="0" showMasterSp="0">
+<file path=ppt/notesSlides/notesSlide3.xml><?xml version="1.0" encoding="utf-8"?>
+<p:notes xmlns:a="http://schemas.openxmlformats.org/drawingml/2006/main" xmlns:r="http://schemas.openxmlformats.org/officeDocument/2006/relationships" xmlns:p="http://schemas.openxmlformats.org/presentationml/2006/main" showMasterSp="0" showMasterPhAnim="0">
   <p:cSld>
     <p:spTree>
       <p:nvGrpSpPr>
-        <p:cNvPr id="86" name="Shape 86"/>
+        <p:cNvPr id="1" name="Shape 92"/>
         <p:cNvGrpSpPr/>
         <p:nvPr/>
       </p:nvGrpSpPr>
@@ -1196,10 +1265,12 @@
       </p:grpSpPr>
       <p:sp>
         <p:nvSpPr>
-          <p:cNvPr id="87" name="Google Shape;87;p2:notes"/>
-          <p:cNvSpPr txBox="1"/>
+          <p:cNvPr id="93" name="Google Shape;93;p3:notes"/>
+          <p:cNvSpPr txBox="1">
+            <a:spLocks noGrp="1"/>
+          </p:cNvSpPr>
           <p:nvPr>
-            <p:ph idx="1" type="body"/>
+            <p:ph type="body" idx="1"/>
           </p:nvPr>
         </p:nvSpPr>
         <p:spPr>
@@ -1212,12 +1283,12 @@
           </a:prstGeom>
         </p:spPr>
         <p:txBody>
-          <a:bodyPr anchorCtr="0" anchor="t" bIns="91425" lIns="91425" spcFirstLastPara="1" rIns="91425" wrap="square" tIns="91425">
+          <a:bodyPr spcFirstLastPara="1" wrap="square" lIns="91425" tIns="91425" rIns="91425" bIns="91425" anchor="t" anchorCtr="0">
             <a:noAutofit/>
           </a:bodyPr>
           <a:lstStyle/>
           <a:p>
-            <a:pPr indent="0" lvl="0" marL="0" rtl="0" algn="l">
+            <a:pPr marL="0" lvl="0" indent="0" algn="l" rtl="0">
               <a:spcBef>
                 <a:spcPts val="0"/>
               </a:spcBef>
@@ -1226,19 +1297,18 @@
               </a:spcAft>
               <a:buNone/>
             </a:pPr>
-            <a:r>
-              <a:t/>
-            </a:r>
             <a:endParaRPr/>
           </a:p>
         </p:txBody>
       </p:sp>
       <p:sp>
         <p:nvSpPr>
-          <p:cNvPr id="88" name="Google Shape;88;p2:notes"/>
-          <p:cNvSpPr/>
+          <p:cNvPr id="94" name="Google Shape;94;p3:notes"/>
+          <p:cNvSpPr>
+            <a:spLocks noGrp="1" noRot="1" noChangeAspect="1"/>
+          </p:cNvSpPr>
           <p:nvPr>
-            <p:ph idx="2" type="sldImg"/>
+            <p:ph type="sldImg" idx="2"/>
           </p:nvPr>
         </p:nvSpPr>
         <p:spPr>
@@ -1247,9 +1317,13 @@
             <a:ext cx="4572225" cy="3429000"/>
           </a:xfrm>
           <a:custGeom>
-            <a:rect b="b" l="l" r="r" t="t"/>
+            <a:avLst/>
+            <a:gdLst/>
+            <a:ahLst/>
+            <a:cxnLst/>
+            <a:rect l="l" t="t" r="r" b="b"/>
             <a:pathLst>
-              <a:path extrusionOk="0" h="120000" w="120000">
+              <a:path w="120000" h="120000" extrusionOk="0">
                 <a:moveTo>
                   <a:pt x="0" y="0"/>
                 </a:moveTo>
@@ -1269,6 +1343,11 @@
         </p:spPr>
       </p:sp>
     </p:spTree>
+    <p:extLst>
+      <p:ext uri="{BB962C8B-B14F-4D97-AF65-F5344CB8AC3E}">
+        <p14:creationId xmlns:p14="http://schemas.microsoft.com/office/powerpoint/2010/main" val="3172581147"/>
+      </p:ext>
+    </p:extLst>
   </p:cSld>
   <p:clrMapOvr>
     <a:masterClrMapping/>
@@ -1276,12 +1355,12 @@
 </p:notes>
 </file>
 
-<file path=ppt/notesSlides/notesSlide3.xml><?xml version="1.0" encoding="utf-8"?>
-<p:notes xmlns:a="http://schemas.openxmlformats.org/drawingml/2006/main" xmlns:r="http://schemas.openxmlformats.org/officeDocument/2006/relationships" xmlns:mc="http://schemas.openxmlformats.org/markup-compatibility/2006" xmlns:mv="urn:schemas-microsoft-com:mac:vml" xmlns:p="http://schemas.openxmlformats.org/presentationml/2006/main" xmlns:c="http://schemas.openxmlformats.org/drawingml/2006/chart" xmlns:dgm="http://schemas.openxmlformats.org/drawingml/2006/diagram" xmlns:o="urn:schemas-microsoft-com:office:office" xmlns:v="urn:schemas-microsoft-com:vml" xmlns:pvml="urn:schemas-microsoft-com:office:powerpoint" xmlns:com="http://schemas.openxmlformats.org/drawingml/2006/compatibility" xmlns:p14="http://schemas.microsoft.com/office/powerpoint/2010/main" xmlns:p15="http://schemas.microsoft.com/office/powerpoint/2012/main" xmlns:ahyp="http://schemas.microsoft.com/office/drawing/2018/hyperlinkcolor" showMasterPhAnim="0" showMasterSp="0">
+<file path=ppt/notesSlides/notesSlide4.xml><?xml version="1.0" encoding="utf-8"?>
+<p:notes xmlns:a="http://schemas.openxmlformats.org/drawingml/2006/main" xmlns:r="http://schemas.openxmlformats.org/officeDocument/2006/relationships" xmlns:p="http://schemas.openxmlformats.org/presentationml/2006/main" showMasterSp="0" showMasterPhAnim="0">
   <p:cSld>
     <p:spTree>
       <p:nvGrpSpPr>
-        <p:cNvPr id="92" name="Shape 92"/>
+        <p:cNvPr id="1" name="Shape 98"/>
         <p:cNvGrpSpPr/>
         <p:nvPr/>
       </p:nvGrpSpPr>
@@ -1295,10 +1374,12 @@
       </p:grpSpPr>
       <p:sp>
         <p:nvSpPr>
-          <p:cNvPr id="93" name="Google Shape;93;p3:notes"/>
-          <p:cNvSpPr txBox="1"/>
+          <p:cNvPr id="99" name="Google Shape;99;p4:notes"/>
+          <p:cNvSpPr txBox="1">
+            <a:spLocks noGrp="1"/>
+          </p:cNvSpPr>
           <p:nvPr>
-            <p:ph idx="1" type="body"/>
+            <p:ph type="body" idx="1"/>
           </p:nvPr>
         </p:nvSpPr>
         <p:spPr>
@@ -1311,12 +1392,12 @@
           </a:prstGeom>
         </p:spPr>
         <p:txBody>
-          <a:bodyPr anchorCtr="0" anchor="t" bIns="91425" lIns="91425" spcFirstLastPara="1" rIns="91425" wrap="square" tIns="91425">
+          <a:bodyPr spcFirstLastPara="1" wrap="square" lIns="91425" tIns="91425" rIns="91425" bIns="91425" anchor="t" anchorCtr="0">
             <a:noAutofit/>
           </a:bodyPr>
           <a:lstStyle/>
           <a:p>
-            <a:pPr indent="0" lvl="0" marL="0" rtl="0" algn="l">
+            <a:pPr marL="0" lvl="0" indent="0" algn="l" rtl="0">
               <a:spcBef>
                 <a:spcPts val="0"/>
               </a:spcBef>
@@ -1325,19 +1406,18 @@
               </a:spcAft>
               <a:buNone/>
             </a:pPr>
-            <a:r>
-              <a:t/>
-            </a:r>
             <a:endParaRPr/>
           </a:p>
         </p:txBody>
       </p:sp>
       <p:sp>
         <p:nvSpPr>
-          <p:cNvPr id="94" name="Google Shape;94;p3:notes"/>
-          <p:cNvSpPr/>
+          <p:cNvPr id="100" name="Google Shape;100;p4:notes"/>
+          <p:cNvSpPr>
+            <a:spLocks noGrp="1" noRot="1" noChangeAspect="1"/>
+          </p:cNvSpPr>
           <p:nvPr>
-            <p:ph idx="2" type="sldImg"/>
+            <p:ph type="sldImg" idx="2"/>
           </p:nvPr>
         </p:nvSpPr>
         <p:spPr>
@@ -1346,9 +1426,13 @@
             <a:ext cx="4572225" cy="3429000"/>
           </a:xfrm>
           <a:custGeom>
-            <a:rect b="b" l="l" r="r" t="t"/>
+            <a:avLst/>
+            <a:gdLst/>
+            <a:ahLst/>
+            <a:cxnLst/>
+            <a:rect l="l" t="t" r="r" b="b"/>
             <a:pathLst>
-              <a:path extrusionOk="0" h="120000" w="120000">
+              <a:path w="120000" h="120000" extrusionOk="0">
                 <a:moveTo>
                   <a:pt x="0" y="0"/>
                 </a:moveTo>
@@ -1368,6 +1452,11 @@
         </p:spPr>
       </p:sp>
     </p:spTree>
+    <p:extLst>
+      <p:ext uri="{BB962C8B-B14F-4D97-AF65-F5344CB8AC3E}">
+        <p14:creationId xmlns:p14="http://schemas.microsoft.com/office/powerpoint/2010/main" val="1587849072"/>
+      </p:ext>
+    </p:extLst>
   </p:cSld>
   <p:clrMapOvr>
     <a:masterClrMapping/>
@@ -1375,12 +1464,12 @@
 </p:notes>
 </file>
 
-<file path=ppt/notesSlides/notesSlide4.xml><?xml version="1.0" encoding="utf-8"?>
-<p:notes xmlns:a="http://schemas.openxmlformats.org/drawingml/2006/main" xmlns:r="http://schemas.openxmlformats.org/officeDocument/2006/relationships" xmlns:mc="http://schemas.openxmlformats.org/markup-compatibility/2006" xmlns:mv="urn:schemas-microsoft-com:mac:vml" xmlns:p="http://schemas.openxmlformats.org/presentationml/2006/main" xmlns:c="http://schemas.openxmlformats.org/drawingml/2006/chart" xmlns:dgm="http://schemas.openxmlformats.org/drawingml/2006/diagram" xmlns:o="urn:schemas-microsoft-com:office:office" xmlns:v="urn:schemas-microsoft-com:vml" xmlns:pvml="urn:schemas-microsoft-com:office:powerpoint" xmlns:com="http://schemas.openxmlformats.org/drawingml/2006/compatibility" xmlns:p14="http://schemas.microsoft.com/office/powerpoint/2010/main" xmlns:p15="http://schemas.microsoft.com/office/powerpoint/2012/main" xmlns:ahyp="http://schemas.microsoft.com/office/drawing/2018/hyperlinkcolor" showMasterPhAnim="0" showMasterSp="0">
+<file path=ppt/notesSlides/notesSlide5.xml><?xml version="1.0" encoding="utf-8"?>
+<p:notes xmlns:a="http://schemas.openxmlformats.org/drawingml/2006/main" xmlns:r="http://schemas.openxmlformats.org/officeDocument/2006/relationships" xmlns:p="http://schemas.openxmlformats.org/presentationml/2006/main" showMasterSp="0" showMasterPhAnim="0">
   <p:cSld>
     <p:spTree>
       <p:nvGrpSpPr>
-        <p:cNvPr id="98" name="Shape 98"/>
+        <p:cNvPr id="1" name="Shape 104"/>
         <p:cNvGrpSpPr/>
         <p:nvPr/>
       </p:nvGrpSpPr>
@@ -1394,10 +1483,12 @@
       </p:grpSpPr>
       <p:sp>
         <p:nvSpPr>
-          <p:cNvPr id="99" name="Google Shape;99;p4:notes"/>
-          <p:cNvSpPr txBox="1"/>
+          <p:cNvPr id="105" name="Google Shape;105;p5:notes"/>
+          <p:cNvSpPr txBox="1">
+            <a:spLocks noGrp="1"/>
+          </p:cNvSpPr>
           <p:nvPr>
-            <p:ph idx="1" type="body"/>
+            <p:ph type="body" idx="1"/>
           </p:nvPr>
         </p:nvSpPr>
         <p:spPr>
@@ -1410,12 +1501,12 @@
           </a:prstGeom>
         </p:spPr>
         <p:txBody>
-          <a:bodyPr anchorCtr="0" anchor="t" bIns="91425" lIns="91425" spcFirstLastPara="1" rIns="91425" wrap="square" tIns="91425">
+          <a:bodyPr spcFirstLastPara="1" wrap="square" lIns="91425" tIns="91425" rIns="91425" bIns="91425" anchor="t" anchorCtr="0">
             <a:noAutofit/>
           </a:bodyPr>
           <a:lstStyle/>
           <a:p>
-            <a:pPr indent="0" lvl="0" marL="0" rtl="0" algn="l">
+            <a:pPr marL="0" lvl="0" indent="0" algn="l" rtl="0">
               <a:spcBef>
                 <a:spcPts val="0"/>
               </a:spcBef>
@@ -1424,19 +1515,18 @@
               </a:spcAft>
               <a:buNone/>
             </a:pPr>
-            <a:r>
-              <a:t/>
-            </a:r>
             <a:endParaRPr/>
           </a:p>
         </p:txBody>
       </p:sp>
       <p:sp>
         <p:nvSpPr>
-          <p:cNvPr id="100" name="Google Shape;100;p4:notes"/>
-          <p:cNvSpPr/>
+          <p:cNvPr id="106" name="Google Shape;106;p5:notes"/>
+          <p:cNvSpPr>
+            <a:spLocks noGrp="1" noRot="1" noChangeAspect="1"/>
+          </p:cNvSpPr>
           <p:nvPr>
-            <p:ph idx="2" type="sldImg"/>
+            <p:ph type="sldImg" idx="2"/>
           </p:nvPr>
         </p:nvSpPr>
         <p:spPr>
@@ -1445,9 +1535,13 @@
             <a:ext cx="4572225" cy="3429000"/>
           </a:xfrm>
           <a:custGeom>
-            <a:rect b="b" l="l" r="r" t="t"/>
+            <a:avLst/>
+            <a:gdLst/>
+            <a:ahLst/>
+            <a:cxnLst/>
+            <a:rect l="l" t="t" r="r" b="b"/>
             <a:pathLst>
-              <a:path extrusionOk="0" h="120000" w="120000">
+              <a:path w="120000" h="120000" extrusionOk="0">
                 <a:moveTo>
                   <a:pt x="0" y="0"/>
                 </a:moveTo>
@@ -1467,6 +1561,11 @@
         </p:spPr>
       </p:sp>
     </p:spTree>
+    <p:extLst>
+      <p:ext uri="{BB962C8B-B14F-4D97-AF65-F5344CB8AC3E}">
+        <p14:creationId xmlns:p14="http://schemas.microsoft.com/office/powerpoint/2010/main" val="2126930069"/>
+      </p:ext>
+    </p:extLst>
   </p:cSld>
   <p:clrMapOvr>
     <a:masterClrMapping/>
@@ -1474,12 +1573,12 @@
 </p:notes>
 </file>
 
-<file path=ppt/notesSlides/notesSlide5.xml><?xml version="1.0" encoding="utf-8"?>
-<p:notes xmlns:a="http://schemas.openxmlformats.org/drawingml/2006/main" xmlns:r="http://schemas.openxmlformats.org/officeDocument/2006/relationships" xmlns:mc="http://schemas.openxmlformats.org/markup-compatibility/2006" xmlns:mv="urn:schemas-microsoft-com:mac:vml" xmlns:p="http://schemas.openxmlformats.org/presentationml/2006/main" xmlns:c="http://schemas.openxmlformats.org/drawingml/2006/chart" xmlns:dgm="http://schemas.openxmlformats.org/drawingml/2006/diagram" xmlns:o="urn:schemas-microsoft-com:office:office" xmlns:v="urn:schemas-microsoft-com:vml" xmlns:pvml="urn:schemas-microsoft-com:office:powerpoint" xmlns:com="http://schemas.openxmlformats.org/drawingml/2006/compatibility" xmlns:p14="http://schemas.microsoft.com/office/powerpoint/2010/main" xmlns:p15="http://schemas.microsoft.com/office/powerpoint/2012/main" xmlns:ahyp="http://schemas.microsoft.com/office/drawing/2018/hyperlinkcolor" showMasterPhAnim="0" showMasterSp="0">
+<file path=ppt/notesSlides/notesSlide6.xml><?xml version="1.0" encoding="utf-8"?>
+<p:notes xmlns:a="http://schemas.openxmlformats.org/drawingml/2006/main" xmlns:r="http://schemas.openxmlformats.org/officeDocument/2006/relationships" xmlns:p="http://schemas.openxmlformats.org/presentationml/2006/main" showMasterSp="0" showMasterPhAnim="0">
   <p:cSld>
     <p:spTree>
       <p:nvGrpSpPr>
-        <p:cNvPr id="104" name="Shape 104"/>
+        <p:cNvPr id="1" name="Shape 111"/>
         <p:cNvGrpSpPr/>
         <p:nvPr/>
       </p:nvGrpSpPr>
@@ -1493,10 +1592,12 @@
       </p:grpSpPr>
       <p:sp>
         <p:nvSpPr>
-          <p:cNvPr id="105" name="Google Shape;105;p5:notes"/>
-          <p:cNvSpPr txBox="1"/>
+          <p:cNvPr id="112" name="Google Shape;112;p6:notes"/>
+          <p:cNvSpPr txBox="1">
+            <a:spLocks noGrp="1"/>
+          </p:cNvSpPr>
           <p:nvPr>
-            <p:ph idx="1" type="body"/>
+            <p:ph type="body" idx="1"/>
           </p:nvPr>
         </p:nvSpPr>
         <p:spPr>
@@ -1509,12 +1610,12 @@
           </a:prstGeom>
         </p:spPr>
         <p:txBody>
-          <a:bodyPr anchorCtr="0" anchor="t" bIns="91425" lIns="91425" spcFirstLastPara="1" rIns="91425" wrap="square" tIns="91425">
+          <a:bodyPr spcFirstLastPara="1" wrap="square" lIns="91425" tIns="91425" rIns="91425" bIns="91425" anchor="t" anchorCtr="0">
             <a:noAutofit/>
           </a:bodyPr>
           <a:lstStyle/>
           <a:p>
-            <a:pPr indent="0" lvl="0" marL="0" rtl="0" algn="l">
+            <a:pPr marL="0" lvl="0" indent="0" algn="l" rtl="0">
               <a:spcBef>
                 <a:spcPts val="0"/>
               </a:spcBef>
@@ -1523,19 +1624,18 @@
               </a:spcAft>
               <a:buNone/>
             </a:pPr>
-            <a:r>
-              <a:t/>
-            </a:r>
             <a:endParaRPr/>
           </a:p>
         </p:txBody>
       </p:sp>
       <p:sp>
         <p:nvSpPr>
-          <p:cNvPr id="106" name="Google Shape;106;p5:notes"/>
-          <p:cNvSpPr/>
+          <p:cNvPr id="113" name="Google Shape;113;p6:notes"/>
+          <p:cNvSpPr>
+            <a:spLocks noGrp="1" noRot="1" noChangeAspect="1"/>
+          </p:cNvSpPr>
           <p:nvPr>
-            <p:ph idx="2" type="sldImg"/>
+            <p:ph type="sldImg" idx="2"/>
           </p:nvPr>
         </p:nvSpPr>
         <p:spPr>
@@ -1544,9 +1644,13 @@
             <a:ext cx="4572225" cy="3429000"/>
           </a:xfrm>
           <a:custGeom>
-            <a:rect b="b" l="l" r="r" t="t"/>
+            <a:avLst/>
+            <a:gdLst/>
+            <a:ahLst/>
+            <a:cxnLst/>
+            <a:rect l="l" t="t" r="r" b="b"/>
             <a:pathLst>
-              <a:path extrusionOk="0" h="120000" w="120000">
+              <a:path w="120000" h="120000" extrusionOk="0">
                 <a:moveTo>
                   <a:pt x="0" y="0"/>
                 </a:moveTo>
@@ -1566,6 +1670,11 @@
         </p:spPr>
       </p:sp>
     </p:spTree>
+    <p:extLst>
+      <p:ext uri="{BB962C8B-B14F-4D97-AF65-F5344CB8AC3E}">
+        <p14:creationId xmlns:p14="http://schemas.microsoft.com/office/powerpoint/2010/main" val="2055368282"/>
+      </p:ext>
+    </p:extLst>
   </p:cSld>
   <p:clrMapOvr>
     <a:masterClrMapping/>
@@ -1573,12 +1682,12 @@
 </p:notes>
 </file>
 
-<file path=ppt/notesSlides/notesSlide6.xml><?xml version="1.0" encoding="utf-8"?>
-<p:notes xmlns:a="http://schemas.openxmlformats.org/drawingml/2006/main" xmlns:r="http://schemas.openxmlformats.org/officeDocument/2006/relationships" xmlns:mc="http://schemas.openxmlformats.org/markup-compatibility/2006" xmlns:mv="urn:schemas-microsoft-com:mac:vml" xmlns:p="http://schemas.openxmlformats.org/presentationml/2006/main" xmlns:c="http://schemas.openxmlformats.org/drawingml/2006/chart" xmlns:dgm="http://schemas.openxmlformats.org/drawingml/2006/diagram" xmlns:o="urn:schemas-microsoft-com:office:office" xmlns:v="urn:schemas-microsoft-com:vml" xmlns:pvml="urn:schemas-microsoft-com:office:powerpoint" xmlns:com="http://schemas.openxmlformats.org/drawingml/2006/compatibility" xmlns:p14="http://schemas.microsoft.com/office/powerpoint/2010/main" xmlns:p15="http://schemas.microsoft.com/office/powerpoint/2012/main" xmlns:ahyp="http://schemas.microsoft.com/office/drawing/2018/hyperlinkcolor" showMasterPhAnim="0" showMasterSp="0">
+<file path=ppt/notesSlides/notesSlide7.xml><?xml version="1.0" encoding="utf-8"?>
+<p:notes xmlns:a="http://schemas.openxmlformats.org/drawingml/2006/main" xmlns:r="http://schemas.openxmlformats.org/officeDocument/2006/relationships" xmlns:p="http://schemas.openxmlformats.org/presentationml/2006/main" showMasterSp="0" showMasterPhAnim="0">
   <p:cSld>
     <p:spTree>
       <p:nvGrpSpPr>
-        <p:cNvPr id="111" name="Shape 111"/>
+        <p:cNvPr id="1" name="Shape 118"/>
         <p:cNvGrpSpPr/>
         <p:nvPr/>
       </p:nvGrpSpPr>
@@ -1592,10 +1701,12 @@
       </p:grpSpPr>
       <p:sp>
         <p:nvSpPr>
-          <p:cNvPr id="112" name="Google Shape;112;p6:notes"/>
-          <p:cNvSpPr txBox="1"/>
+          <p:cNvPr id="119" name="Google Shape;119;p7:notes"/>
+          <p:cNvSpPr txBox="1">
+            <a:spLocks noGrp="1"/>
+          </p:cNvSpPr>
           <p:nvPr>
-            <p:ph idx="1" type="body"/>
+            <p:ph type="body" idx="1"/>
           </p:nvPr>
         </p:nvSpPr>
         <p:spPr>
@@ -1608,12 +1719,12 @@
           </a:prstGeom>
         </p:spPr>
         <p:txBody>
-          <a:bodyPr anchorCtr="0" anchor="t" bIns="91425" lIns="91425" spcFirstLastPara="1" rIns="91425" wrap="square" tIns="91425">
+          <a:bodyPr spcFirstLastPara="1" wrap="square" lIns="91425" tIns="91425" rIns="91425" bIns="91425" anchor="t" anchorCtr="0">
             <a:noAutofit/>
           </a:bodyPr>
           <a:lstStyle/>
           <a:p>
-            <a:pPr indent="0" lvl="0" marL="0" rtl="0" algn="l">
+            <a:pPr marL="0" lvl="0" indent="0" algn="l" rtl="0">
               <a:spcBef>
                 <a:spcPts val="0"/>
               </a:spcBef>
@@ -1622,19 +1733,18 @@
               </a:spcAft>
               <a:buNone/>
             </a:pPr>
-            <a:r>
-              <a:t/>
-            </a:r>
             <a:endParaRPr/>
           </a:p>
         </p:txBody>
       </p:sp>
       <p:sp>
         <p:nvSpPr>
-          <p:cNvPr id="113" name="Google Shape;113;p6:notes"/>
-          <p:cNvSpPr/>
+          <p:cNvPr id="120" name="Google Shape;120;p7:notes"/>
+          <p:cNvSpPr>
+            <a:spLocks noGrp="1" noRot="1" noChangeAspect="1"/>
+          </p:cNvSpPr>
           <p:nvPr>
-            <p:ph idx="2" type="sldImg"/>
+            <p:ph type="sldImg" idx="2"/>
           </p:nvPr>
         </p:nvSpPr>
         <p:spPr>
@@ -1643,9 +1753,13 @@
             <a:ext cx="4572225" cy="3429000"/>
           </a:xfrm>
           <a:custGeom>
-            <a:rect b="b" l="l" r="r" t="t"/>
+            <a:avLst/>
+            <a:gdLst/>
+            <a:ahLst/>
+            <a:cxnLst/>
+            <a:rect l="l" t="t" r="r" b="b"/>
             <a:pathLst>
-              <a:path extrusionOk="0" h="120000" w="120000">
+              <a:path w="120000" h="120000" extrusionOk="0">
                 <a:moveTo>
                   <a:pt x="0" y="0"/>
                 </a:moveTo>
@@ -1665,6 +1779,11 @@
         </p:spPr>
       </p:sp>
     </p:spTree>
+    <p:extLst>
+      <p:ext uri="{BB962C8B-B14F-4D97-AF65-F5344CB8AC3E}">
+        <p14:creationId xmlns:p14="http://schemas.microsoft.com/office/powerpoint/2010/main" val="3561745677"/>
+      </p:ext>
+    </p:extLst>
   </p:cSld>
   <p:clrMapOvr>
     <a:masterClrMapping/>
@@ -1672,12 +1791,12 @@
 </p:notes>
 </file>
 
-<file path=ppt/notesSlides/notesSlide7.xml><?xml version="1.0" encoding="utf-8"?>
-<p:notes xmlns:a="http://schemas.openxmlformats.org/drawingml/2006/main" xmlns:r="http://schemas.openxmlformats.org/officeDocument/2006/relationships" xmlns:mc="http://schemas.openxmlformats.org/markup-compatibility/2006" xmlns:mv="urn:schemas-microsoft-com:mac:vml" xmlns:p="http://schemas.openxmlformats.org/presentationml/2006/main" xmlns:c="http://schemas.openxmlformats.org/drawingml/2006/chart" xmlns:dgm="http://schemas.openxmlformats.org/drawingml/2006/diagram" xmlns:o="urn:schemas-microsoft-com:office:office" xmlns:v="urn:schemas-microsoft-com:vml" xmlns:pvml="urn:schemas-microsoft-com:office:powerpoint" xmlns:com="http://schemas.openxmlformats.org/drawingml/2006/compatibility" xmlns:p14="http://schemas.microsoft.com/office/powerpoint/2010/main" xmlns:p15="http://schemas.microsoft.com/office/powerpoint/2012/main" xmlns:ahyp="http://schemas.microsoft.com/office/drawing/2018/hyperlinkcolor" showMasterPhAnim="0" showMasterSp="0">
+<file path=ppt/notesSlides/notesSlide8.xml><?xml version="1.0" encoding="utf-8"?>
+<p:notes xmlns:a="http://schemas.openxmlformats.org/drawingml/2006/main" xmlns:r="http://schemas.openxmlformats.org/officeDocument/2006/relationships" xmlns:p="http://schemas.openxmlformats.org/presentationml/2006/main" showMasterSp="0" showMasterPhAnim="0">
   <p:cSld>
     <p:spTree>
       <p:nvGrpSpPr>
-        <p:cNvPr id="118" name="Shape 118"/>
+        <p:cNvPr id="1" name="Shape 124"/>
         <p:cNvGrpSpPr/>
         <p:nvPr/>
       </p:nvGrpSpPr>
@@ -1691,10 +1810,12 @@
       </p:grpSpPr>
       <p:sp>
         <p:nvSpPr>
-          <p:cNvPr id="119" name="Google Shape;119;p7:notes"/>
-          <p:cNvSpPr txBox="1"/>
+          <p:cNvPr id="125" name="Google Shape;125;p8:notes"/>
+          <p:cNvSpPr txBox="1">
+            <a:spLocks noGrp="1"/>
+          </p:cNvSpPr>
           <p:nvPr>
-            <p:ph idx="1" type="body"/>
+            <p:ph type="body" idx="1"/>
           </p:nvPr>
         </p:nvSpPr>
         <p:spPr>
@@ -1707,12 +1828,12 @@
           </a:prstGeom>
         </p:spPr>
         <p:txBody>
-          <a:bodyPr anchorCtr="0" anchor="t" bIns="91425" lIns="91425" spcFirstLastPara="1" rIns="91425" wrap="square" tIns="91425">
+          <a:bodyPr spcFirstLastPara="1" wrap="square" lIns="91425" tIns="91425" rIns="91425" bIns="91425" anchor="t" anchorCtr="0">
             <a:noAutofit/>
           </a:bodyPr>
           <a:lstStyle/>
           <a:p>
-            <a:pPr indent="0" lvl="0" marL="0" rtl="0" algn="l">
+            <a:pPr marL="0" lvl="0" indent="0" algn="l" rtl="0">
               <a:spcBef>
                 <a:spcPts val="0"/>
               </a:spcBef>
@@ -1721,19 +1842,18 @@
               </a:spcAft>
               <a:buNone/>
             </a:pPr>
-            <a:r>
-              <a:t/>
-            </a:r>
             <a:endParaRPr/>
           </a:p>
         </p:txBody>
       </p:sp>
       <p:sp>
         <p:nvSpPr>
-          <p:cNvPr id="120" name="Google Shape;120;p7:notes"/>
-          <p:cNvSpPr/>
+          <p:cNvPr id="126" name="Google Shape;126;p8:notes"/>
+          <p:cNvSpPr>
+            <a:spLocks noGrp="1" noRot="1" noChangeAspect="1"/>
+          </p:cNvSpPr>
           <p:nvPr>
-            <p:ph idx="2" type="sldImg"/>
+            <p:ph type="sldImg" idx="2"/>
           </p:nvPr>
         </p:nvSpPr>
         <p:spPr>
@@ -1742,9 +1862,13 @@
             <a:ext cx="4572225" cy="3429000"/>
           </a:xfrm>
           <a:custGeom>
-            <a:rect b="b" l="l" r="r" t="t"/>
+            <a:avLst/>
+            <a:gdLst/>
+            <a:ahLst/>
+            <a:cxnLst/>
+            <a:rect l="l" t="t" r="r" b="b"/>
             <a:pathLst>
-              <a:path extrusionOk="0" h="120000" w="120000">
+              <a:path w="120000" h="120000" extrusionOk="0">
                 <a:moveTo>
                   <a:pt x="0" y="0"/>
                 </a:moveTo>
@@ -1764,6 +1888,11 @@
         </p:spPr>
       </p:sp>
     </p:spTree>
+    <p:extLst>
+      <p:ext uri="{BB962C8B-B14F-4D97-AF65-F5344CB8AC3E}">
+        <p14:creationId xmlns:p14="http://schemas.microsoft.com/office/powerpoint/2010/main" val="1407518103"/>
+      </p:ext>
+    </p:extLst>
   </p:cSld>
   <p:clrMapOvr>
     <a:masterClrMapping/>
@@ -1771,12 +1900,12 @@
 </p:notes>
 </file>
 
-<file path=ppt/notesSlides/notesSlide8.xml><?xml version="1.0" encoding="utf-8"?>
-<p:notes xmlns:a="http://schemas.openxmlformats.org/drawingml/2006/main" xmlns:r="http://schemas.openxmlformats.org/officeDocument/2006/relationships" xmlns:mc="http://schemas.openxmlformats.org/markup-compatibility/2006" xmlns:mv="urn:schemas-microsoft-com:mac:vml" xmlns:p="http://schemas.openxmlformats.org/presentationml/2006/main" xmlns:c="http://schemas.openxmlformats.org/drawingml/2006/chart" xmlns:dgm="http://schemas.openxmlformats.org/drawingml/2006/diagram" xmlns:o="urn:schemas-microsoft-com:office:office" xmlns:v="urn:schemas-microsoft-com:vml" xmlns:pvml="urn:schemas-microsoft-com:office:powerpoint" xmlns:com="http://schemas.openxmlformats.org/drawingml/2006/compatibility" xmlns:p14="http://schemas.microsoft.com/office/powerpoint/2010/main" xmlns:p15="http://schemas.microsoft.com/office/powerpoint/2012/main" xmlns:ahyp="http://schemas.microsoft.com/office/drawing/2018/hyperlinkcolor" showMasterPhAnim="0" showMasterSp="0">
+<file path=ppt/notesSlides/notesSlide9.xml><?xml version="1.0" encoding="utf-8"?>
+<p:notes xmlns:a="http://schemas.openxmlformats.org/drawingml/2006/main" xmlns:r="http://schemas.openxmlformats.org/officeDocument/2006/relationships" xmlns:p="http://schemas.openxmlformats.org/presentationml/2006/main" showMasterSp="0" showMasterPhAnim="0">
   <p:cSld>
     <p:spTree>
       <p:nvGrpSpPr>
-        <p:cNvPr id="124" name="Shape 124"/>
+        <p:cNvPr id="1" name="Shape 130"/>
         <p:cNvGrpSpPr/>
         <p:nvPr/>
       </p:nvGrpSpPr>
@@ -1790,10 +1919,12 @@
       </p:grpSpPr>
       <p:sp>
         <p:nvSpPr>
-          <p:cNvPr id="125" name="Google Shape;125;p8:notes"/>
-          <p:cNvSpPr txBox="1"/>
+          <p:cNvPr id="131" name="Google Shape;131;p9:notes"/>
+          <p:cNvSpPr txBox="1">
+            <a:spLocks noGrp="1"/>
+          </p:cNvSpPr>
           <p:nvPr>
-            <p:ph idx="1" type="body"/>
+            <p:ph type="body" idx="1"/>
           </p:nvPr>
         </p:nvSpPr>
         <p:spPr>
@@ -1806,12 +1937,12 @@
           </a:prstGeom>
         </p:spPr>
         <p:txBody>
-          <a:bodyPr anchorCtr="0" anchor="t" bIns="91425" lIns="91425" spcFirstLastPara="1" rIns="91425" wrap="square" tIns="91425">
+          <a:bodyPr spcFirstLastPara="1" wrap="square" lIns="91425" tIns="91425" rIns="91425" bIns="91425" anchor="t" anchorCtr="0">
             <a:noAutofit/>
           </a:bodyPr>
           <a:lstStyle/>
           <a:p>
-            <a:pPr indent="0" lvl="0" marL="0" rtl="0" algn="l">
+            <a:pPr marL="0" lvl="0" indent="0" algn="l" rtl="0">
               <a:spcBef>
                 <a:spcPts val="0"/>
               </a:spcBef>
@@ -1820,19 +1951,18 @@
               </a:spcAft>
               <a:buNone/>
             </a:pPr>
-            <a:r>
-              <a:t/>
-            </a:r>
             <a:endParaRPr/>
           </a:p>
         </p:txBody>
       </p:sp>
       <p:sp>
         <p:nvSpPr>
-          <p:cNvPr id="126" name="Google Shape;126;p8:notes"/>
-          <p:cNvSpPr/>
+          <p:cNvPr id="132" name="Google Shape;132;p9:notes"/>
+          <p:cNvSpPr>
+            <a:spLocks noGrp="1" noRot="1" noChangeAspect="1"/>
+          </p:cNvSpPr>
           <p:nvPr>
-            <p:ph idx="2" type="sldImg"/>
+            <p:ph type="sldImg" idx="2"/>
           </p:nvPr>
         </p:nvSpPr>
         <p:spPr>
@@ -1841,9 +1971,13 @@
             <a:ext cx="4572225" cy="3429000"/>
           </a:xfrm>
           <a:custGeom>
-            <a:rect b="b" l="l" r="r" t="t"/>
+            <a:avLst/>
+            <a:gdLst/>
+            <a:ahLst/>
+            <a:cxnLst/>
+            <a:rect l="l" t="t" r="r" b="b"/>
             <a:pathLst>
-              <a:path extrusionOk="0" h="120000" w="120000">
+              <a:path w="120000" h="120000" extrusionOk="0">
                 <a:moveTo>
                   <a:pt x="0" y="0"/>
                 </a:moveTo>
@@ -1863,105 +1997,11 @@
         </p:spPr>
       </p:sp>
     </p:spTree>
-  </p:cSld>
-  <p:clrMapOvr>
-    <a:masterClrMapping/>
-  </p:clrMapOvr>
-</p:notes>
-</file>
-
-<file path=ppt/notesSlides/notesSlide9.xml><?xml version="1.0" encoding="utf-8"?>
-<p:notes xmlns:a="http://schemas.openxmlformats.org/drawingml/2006/main" xmlns:r="http://schemas.openxmlformats.org/officeDocument/2006/relationships" xmlns:mc="http://schemas.openxmlformats.org/markup-compatibility/2006" xmlns:mv="urn:schemas-microsoft-com:mac:vml" xmlns:p="http://schemas.openxmlformats.org/presentationml/2006/main" xmlns:c="http://schemas.openxmlformats.org/drawingml/2006/chart" xmlns:dgm="http://schemas.openxmlformats.org/drawingml/2006/diagram" xmlns:o="urn:schemas-microsoft-com:office:office" xmlns:v="urn:schemas-microsoft-com:vml" xmlns:pvml="urn:schemas-microsoft-com:office:powerpoint" xmlns:com="http://schemas.openxmlformats.org/drawingml/2006/compatibility" xmlns:p14="http://schemas.microsoft.com/office/powerpoint/2010/main" xmlns:p15="http://schemas.microsoft.com/office/powerpoint/2012/main" xmlns:ahyp="http://schemas.microsoft.com/office/drawing/2018/hyperlinkcolor" showMasterPhAnim="0" showMasterSp="0">
-  <p:cSld>
-    <p:spTree>
-      <p:nvGrpSpPr>
-        <p:cNvPr id="130" name="Shape 130"/>
-        <p:cNvGrpSpPr/>
-        <p:nvPr/>
-      </p:nvGrpSpPr>
-      <p:grpSpPr>
-        <a:xfrm>
-          <a:off x="0" y="0"/>
-          <a:ext cx="0" cy="0"/>
-          <a:chOff x="0" y="0"/>
-          <a:chExt cx="0" cy="0"/>
-        </a:xfrm>
-      </p:grpSpPr>
-      <p:sp>
-        <p:nvSpPr>
-          <p:cNvPr id="131" name="Google Shape;131;p9:notes"/>
-          <p:cNvSpPr txBox="1"/>
-          <p:nvPr>
-            <p:ph idx="1" type="body"/>
-          </p:nvPr>
-        </p:nvSpPr>
-        <p:spPr>
-          <a:xfrm>
-            <a:off x="685800" y="4343400"/>
-            <a:ext cx="5486400" cy="4114800"/>
-          </a:xfrm>
-          <a:prstGeom prst="rect">
-            <a:avLst/>
-          </a:prstGeom>
-        </p:spPr>
-        <p:txBody>
-          <a:bodyPr anchorCtr="0" anchor="t" bIns="91425" lIns="91425" spcFirstLastPara="1" rIns="91425" wrap="square" tIns="91425">
-            <a:noAutofit/>
-          </a:bodyPr>
-          <a:lstStyle/>
-          <a:p>
-            <a:pPr indent="0" lvl="0" marL="0" rtl="0" algn="l">
-              <a:spcBef>
-                <a:spcPts val="0"/>
-              </a:spcBef>
-              <a:spcAft>
-                <a:spcPts val="0"/>
-              </a:spcAft>
-              <a:buNone/>
-            </a:pPr>
-            <a:r>
-              <a:t/>
-            </a:r>
-            <a:endParaRPr/>
-          </a:p>
-        </p:txBody>
-      </p:sp>
-      <p:sp>
-        <p:nvSpPr>
-          <p:cNvPr id="132" name="Google Shape;132;p9:notes"/>
-          <p:cNvSpPr/>
-          <p:nvPr>
-            <p:ph idx="2" type="sldImg"/>
-          </p:nvPr>
-        </p:nvSpPr>
-        <p:spPr>
-          <a:xfrm>
-            <a:off x="1143225" y="685800"/>
-            <a:ext cx="4572225" cy="3429000"/>
-          </a:xfrm>
-          <a:custGeom>
-            <a:rect b="b" l="l" r="r" t="t"/>
-            <a:pathLst>
-              <a:path extrusionOk="0" h="120000" w="120000">
-                <a:moveTo>
-                  <a:pt x="0" y="0"/>
-                </a:moveTo>
-                <a:lnTo>
-                  <a:pt x="120000" y="0"/>
-                </a:lnTo>
-                <a:lnTo>
-                  <a:pt x="120000" y="120000"/>
-                </a:lnTo>
-                <a:lnTo>
-                  <a:pt x="0" y="120000"/>
-                </a:lnTo>
-                <a:close/>
-              </a:path>
-            </a:pathLst>
-          </a:custGeom>
-        </p:spPr>
-      </p:sp>
-    </p:spTree>
+    <p:extLst>
+      <p:ext uri="{BB962C8B-B14F-4D97-AF65-F5344CB8AC3E}">
+        <p14:creationId xmlns:p14="http://schemas.microsoft.com/office/powerpoint/2010/main" val="3271651913"/>
+      </p:ext>
+    </p:extLst>
   </p:cSld>
   <p:clrMapOvr>
     <a:masterClrMapping/>
@@ -1970,11 +2010,11 @@
 </file>
 
 <file path=ppt/slideLayouts/slideLayout1.xml><?xml version="1.0" encoding="utf-8"?>
-<p:sldLayout xmlns:a="http://schemas.openxmlformats.org/drawingml/2006/main" xmlns:r="http://schemas.openxmlformats.org/officeDocument/2006/relationships" xmlns:mc="http://schemas.openxmlformats.org/markup-compatibility/2006" xmlns:mv="urn:schemas-microsoft-com:mac:vml" xmlns:p="http://schemas.openxmlformats.org/presentationml/2006/main" xmlns:c="http://schemas.openxmlformats.org/drawingml/2006/chart" xmlns:dgm="http://schemas.openxmlformats.org/drawingml/2006/diagram" xmlns:o="urn:schemas-microsoft-com:office:office" xmlns:v="urn:schemas-microsoft-com:vml" xmlns:pvml="urn:schemas-microsoft-com:office:powerpoint" xmlns:com="http://schemas.openxmlformats.org/drawingml/2006/compatibility" xmlns:p14="http://schemas.microsoft.com/office/powerpoint/2010/main" xmlns:p15="http://schemas.microsoft.com/office/powerpoint/2012/main" xmlns:ahyp="http://schemas.microsoft.com/office/drawing/2018/hyperlinkcolor" matchingName="Title Slide" type="title">
+<p:sldLayout xmlns:a="http://schemas.openxmlformats.org/drawingml/2006/main" xmlns:r="http://schemas.openxmlformats.org/officeDocument/2006/relationships" xmlns:p="http://schemas.openxmlformats.org/presentationml/2006/main" matchingName="Title Slide" type="title">
   <p:cSld name="TITLE">
     <p:spTree>
       <p:nvGrpSpPr>
-        <p:cNvPr id="11" name="Shape 11"/>
+        <p:cNvPr id="1" name="Shape 11"/>
         <p:cNvGrpSpPr/>
         <p:nvPr/>
       </p:nvGrpSpPr>
@@ -1989,7 +2029,9 @@
       <p:sp>
         <p:nvSpPr>
           <p:cNvPr id="12" name="Google Shape;12;p2"/>
-          <p:cNvSpPr txBox="1"/>
+          <p:cNvSpPr txBox="1">
+            <a:spLocks noGrp="1"/>
+          </p:cNvSpPr>
           <p:nvPr>
             <p:ph type="ctrTitle"/>
           </p:nvPr>
@@ -2008,7 +2050,7 @@
           </a:ln>
         </p:spPr>
         <p:txBody>
-          <a:bodyPr anchorCtr="0" anchor="b" bIns="45700" lIns="91425" spcFirstLastPara="1" rIns="91425" wrap="square" tIns="45700">
+          <a:bodyPr spcFirstLastPara="1" wrap="square" lIns="91425" tIns="45700" rIns="91425" bIns="45700" anchor="b" anchorCtr="0">
             <a:normAutofit/>
           </a:bodyPr>
           <a:lstStyle>
@@ -2028,7 +2070,7 @@
               <a:buSzPts val="6000"/>
               <a:buFont typeface="Times New Roman"/>
               <a:buNone/>
-              <a:defRPr b="1" sz="6000">
+              <a:defRPr sz="6000" b="1">
                 <a:solidFill>
                   <a:srgbClr val="C00000"/>
                 </a:solidFill>
@@ -2127,15 +2169,19 @@
               <a:defRPr/>
             </a:lvl9pPr>
           </a:lstStyle>
-          <a:p/>
+          <a:p>
+            <a:endParaRPr/>
+          </a:p>
         </p:txBody>
       </p:sp>
       <p:sp>
         <p:nvSpPr>
           <p:cNvPr id="13" name="Google Shape;13;p2"/>
-          <p:cNvSpPr txBox="1"/>
+          <p:cNvSpPr txBox="1">
+            <a:spLocks noGrp="1"/>
+          </p:cNvSpPr>
           <p:nvPr>
-            <p:ph idx="1" type="subTitle"/>
+            <p:ph type="subTitle" idx="1"/>
           </p:nvPr>
         </p:nvSpPr>
         <p:spPr>
@@ -2152,7 +2198,7 @@
           </a:ln>
         </p:spPr>
         <p:txBody>
-          <a:bodyPr anchorCtr="0" anchor="t" bIns="45700" lIns="91425" spcFirstLastPara="1" rIns="91425" wrap="square" tIns="45700">
+          <a:bodyPr spcFirstLastPara="1" wrap="square" lIns="91425" tIns="45700" rIns="91425" bIns="45700" anchor="t" anchorCtr="0">
             <a:normAutofit/>
           </a:bodyPr>
           <a:lstStyle>
@@ -2315,15 +2361,19 @@
               <a:defRPr sz="1600"/>
             </a:lvl9pPr>
           </a:lstStyle>
-          <a:p/>
+          <a:p>
+            <a:endParaRPr/>
+          </a:p>
         </p:txBody>
       </p:sp>
       <p:sp>
         <p:nvSpPr>
           <p:cNvPr id="14" name="Google Shape;14;p2"/>
-          <p:cNvSpPr txBox="1"/>
+          <p:cNvSpPr txBox="1">
+            <a:spLocks noGrp="1"/>
+          </p:cNvSpPr>
           <p:nvPr>
-            <p:ph idx="10" type="dt"/>
+            <p:ph type="dt" idx="10"/>
           </p:nvPr>
         </p:nvSpPr>
         <p:spPr>
@@ -2340,7 +2390,7 @@
           </a:ln>
         </p:spPr>
         <p:txBody>
-          <a:bodyPr anchorCtr="0" anchor="ctr" bIns="45700" lIns="91425" spcFirstLastPara="1" rIns="91425" wrap="square" tIns="45700">
+          <a:bodyPr spcFirstLastPara="1" wrap="square" lIns="91425" tIns="45700" rIns="91425" bIns="45700" anchor="ctr" anchorCtr="0">
             <a:noAutofit/>
           </a:bodyPr>
           <a:lstStyle>
@@ -2444,15 +2494,19 @@
               <a:defRPr/>
             </a:lvl9pPr>
           </a:lstStyle>
-          <a:p/>
+          <a:p>
+            <a:endParaRPr/>
+          </a:p>
         </p:txBody>
       </p:sp>
       <p:sp>
         <p:nvSpPr>
           <p:cNvPr id="15" name="Google Shape;15;p2"/>
-          <p:cNvSpPr txBox="1"/>
+          <p:cNvSpPr txBox="1">
+            <a:spLocks noGrp="1"/>
+          </p:cNvSpPr>
           <p:nvPr>
-            <p:ph idx="11" type="ftr"/>
+            <p:ph type="ftr" idx="11"/>
           </p:nvPr>
         </p:nvSpPr>
         <p:spPr>
@@ -2469,7 +2523,7 @@
           </a:ln>
         </p:spPr>
         <p:txBody>
-          <a:bodyPr anchorCtr="0" anchor="ctr" bIns="45700" lIns="91425" spcFirstLastPara="1" rIns="91425" wrap="square" tIns="45700">
+          <a:bodyPr spcFirstLastPara="1" wrap="square" lIns="91425" tIns="45700" rIns="91425" bIns="45700" anchor="ctr" anchorCtr="0">
             <a:noAutofit/>
           </a:bodyPr>
           <a:lstStyle>
@@ -2573,15 +2627,19 @@
               <a:defRPr/>
             </a:lvl9pPr>
           </a:lstStyle>
-          <a:p/>
+          <a:p>
+            <a:endParaRPr/>
+          </a:p>
         </p:txBody>
       </p:sp>
       <p:sp>
         <p:nvSpPr>
           <p:cNvPr id="16" name="Google Shape;16;p2"/>
-          <p:cNvSpPr txBox="1"/>
+          <p:cNvSpPr txBox="1">
+            <a:spLocks noGrp="1"/>
+          </p:cNvSpPr>
           <p:nvPr>
-            <p:ph idx="12" type="sldNum"/>
+            <p:ph type="sldNum" idx="12"/>
           </p:nvPr>
         </p:nvSpPr>
         <p:spPr>
@@ -2598,67 +2656,67 @@
           </a:ln>
         </p:spPr>
         <p:txBody>
-          <a:bodyPr anchorCtr="0" anchor="ctr" bIns="45700" lIns="91425" spcFirstLastPara="1" rIns="91425" wrap="square" tIns="45700">
+          <a:bodyPr spcFirstLastPara="1" wrap="square" lIns="91425" tIns="45700" rIns="91425" bIns="45700" anchor="ctr" anchorCtr="0">
             <a:noAutofit/>
           </a:bodyPr>
           <a:lstStyle>
-            <a:lvl1pPr indent="0" lvl="0" marL="0" algn="r">
+            <a:lvl1pPr marL="0" lvl="0" indent="0" algn="r">
               <a:spcBef>
                 <a:spcPts val="0"/>
               </a:spcBef>
               <a:buNone/>
               <a:defRPr/>
             </a:lvl1pPr>
-            <a:lvl2pPr indent="0" lvl="1" marL="0" algn="r">
+            <a:lvl2pPr marL="0" lvl="1" indent="0" algn="r">
               <a:spcBef>
                 <a:spcPts val="0"/>
               </a:spcBef>
               <a:buNone/>
               <a:defRPr/>
             </a:lvl2pPr>
-            <a:lvl3pPr indent="0" lvl="2" marL="0" algn="r">
+            <a:lvl3pPr marL="0" lvl="2" indent="0" algn="r">
               <a:spcBef>
                 <a:spcPts val="0"/>
               </a:spcBef>
               <a:buNone/>
               <a:defRPr/>
             </a:lvl3pPr>
-            <a:lvl4pPr indent="0" lvl="3" marL="0" algn="r">
+            <a:lvl4pPr marL="0" lvl="3" indent="0" algn="r">
               <a:spcBef>
                 <a:spcPts val="0"/>
               </a:spcBef>
               <a:buNone/>
               <a:defRPr/>
             </a:lvl4pPr>
-            <a:lvl5pPr indent="0" lvl="4" marL="0" algn="r">
+            <a:lvl5pPr marL="0" lvl="4" indent="0" algn="r">
               <a:spcBef>
                 <a:spcPts val="0"/>
               </a:spcBef>
               <a:buNone/>
               <a:defRPr/>
             </a:lvl5pPr>
-            <a:lvl6pPr indent="0" lvl="5" marL="0" algn="r">
+            <a:lvl6pPr marL="0" lvl="5" indent="0" algn="r">
               <a:spcBef>
                 <a:spcPts val="0"/>
               </a:spcBef>
               <a:buNone/>
               <a:defRPr/>
             </a:lvl6pPr>
-            <a:lvl7pPr indent="0" lvl="6" marL="0" algn="r">
+            <a:lvl7pPr marL="0" lvl="6" indent="0" algn="r">
               <a:spcBef>
                 <a:spcPts val="0"/>
               </a:spcBef>
               <a:buNone/>
               <a:defRPr/>
             </a:lvl7pPr>
-            <a:lvl8pPr indent="0" lvl="7" marL="0" algn="r">
+            <a:lvl8pPr marL="0" lvl="7" indent="0" algn="r">
               <a:spcBef>
                 <a:spcPts val="0"/>
               </a:spcBef>
               <a:buNone/>
               <a:defRPr/>
             </a:lvl8pPr>
-            <a:lvl9pPr indent="0" lvl="8" marL="0" algn="r">
+            <a:lvl9pPr marL="0" lvl="8" indent="0" algn="r">
               <a:spcBef>
                 <a:spcPts val="0"/>
               </a:spcBef>
@@ -2667,7 +2725,7 @@
             </a:lvl9pPr>
           </a:lstStyle>
           <a:p>
-            <a:pPr indent="0" lvl="0" marL="0" rtl="0" algn="r">
+            <a:pPr marL="0" lvl="0" indent="0" algn="r" rtl="0">
               <a:spcBef>
                 <a:spcPts val="0"/>
               </a:spcBef>
@@ -2693,11 +2751,11 @@
 </file>
 
 <file path=ppt/slideLayouts/slideLayout10.xml><?xml version="1.0" encoding="utf-8"?>
-<p:sldLayout xmlns:a="http://schemas.openxmlformats.org/drawingml/2006/main" xmlns:r="http://schemas.openxmlformats.org/officeDocument/2006/relationships" xmlns:mc="http://schemas.openxmlformats.org/markup-compatibility/2006" xmlns:mv="urn:schemas-microsoft-com:mac:vml" xmlns:p="http://schemas.openxmlformats.org/presentationml/2006/main" xmlns:c="http://schemas.openxmlformats.org/drawingml/2006/chart" xmlns:dgm="http://schemas.openxmlformats.org/drawingml/2006/diagram" xmlns:o="urn:schemas-microsoft-com:office:office" xmlns:v="urn:schemas-microsoft-com:vml" xmlns:pvml="urn:schemas-microsoft-com:office:powerpoint" xmlns:com="http://schemas.openxmlformats.org/drawingml/2006/compatibility" xmlns:p14="http://schemas.microsoft.com/office/powerpoint/2010/main" xmlns:p15="http://schemas.microsoft.com/office/powerpoint/2012/main" xmlns:ahyp="http://schemas.microsoft.com/office/drawing/2018/hyperlinkcolor" matchingName="Title and Vertical Text" type="vertTx">
+<p:sldLayout xmlns:a="http://schemas.openxmlformats.org/drawingml/2006/main" xmlns:r="http://schemas.openxmlformats.org/officeDocument/2006/relationships" xmlns:p="http://schemas.openxmlformats.org/presentationml/2006/main" matchingName="Title and Vertical Text" type="vertTx">
   <p:cSld name="VERTICAL_TEXT">
     <p:spTree>
       <p:nvGrpSpPr>
-        <p:cNvPr id="68" name="Shape 68"/>
+        <p:cNvPr id="1" name="Shape 68"/>
         <p:cNvGrpSpPr/>
         <p:nvPr/>
       </p:nvGrpSpPr>
@@ -2712,7 +2770,9 @@
       <p:sp>
         <p:nvSpPr>
           <p:cNvPr id="69" name="Google Shape;69;p11"/>
-          <p:cNvSpPr txBox="1"/>
+          <p:cNvSpPr txBox="1">
+            <a:spLocks noGrp="1"/>
+          </p:cNvSpPr>
           <p:nvPr>
             <p:ph type="title"/>
           </p:nvPr>
@@ -2731,7 +2791,7 @@
           </a:ln>
         </p:spPr>
         <p:txBody>
-          <a:bodyPr anchorCtr="0" anchor="ctr" bIns="45700" lIns="91425" spcFirstLastPara="1" rIns="91425" wrap="square" tIns="45700">
+          <a:bodyPr spcFirstLastPara="1" wrap="square" lIns="91425" tIns="45700" rIns="91425" bIns="45700" anchor="ctr" anchorCtr="0">
             <a:normAutofit/>
           </a:bodyPr>
           <a:lstStyle>
@@ -2841,15 +2901,19 @@
               <a:defRPr/>
             </a:lvl9pPr>
           </a:lstStyle>
-          <a:p/>
+          <a:p>
+            <a:endParaRPr/>
+          </a:p>
         </p:txBody>
       </p:sp>
       <p:sp>
         <p:nvSpPr>
           <p:cNvPr id="70" name="Google Shape;70;p11"/>
-          <p:cNvSpPr txBox="1"/>
+          <p:cNvSpPr txBox="1">
+            <a:spLocks noGrp="1"/>
+          </p:cNvSpPr>
           <p:nvPr>
-            <p:ph idx="1" type="body"/>
+            <p:ph type="body" idx="1"/>
           </p:nvPr>
         </p:nvSpPr>
         <p:spPr>
@@ -2866,11 +2930,11 @@
           </a:ln>
         </p:spPr>
         <p:txBody>
-          <a:bodyPr anchorCtr="0" anchor="t" bIns="45700" lIns="91425" spcFirstLastPara="1" rIns="91425" wrap="square" tIns="45700">
+          <a:bodyPr spcFirstLastPara="1" wrap="square" lIns="91425" tIns="45700" rIns="91425" bIns="45700" anchor="t" anchorCtr="0">
             <a:normAutofit/>
           </a:bodyPr>
           <a:lstStyle>
-            <a:lvl1pPr indent="-342900" lvl="0" marL="457200" algn="l">
+            <a:lvl1pPr marL="457200" lvl="0" indent="-342900" algn="l">
               <a:lnSpc>
                 <a:spcPct val="90000"/>
               </a:lnSpc>
@@ -2887,7 +2951,7 @@
               <a:buChar char="•"/>
               <a:defRPr/>
             </a:lvl1pPr>
-            <a:lvl2pPr indent="-342900" lvl="1" marL="914400" algn="l">
+            <a:lvl2pPr marL="914400" lvl="1" indent="-342900" algn="l">
               <a:lnSpc>
                 <a:spcPct val="90000"/>
               </a:lnSpc>
@@ -2904,7 +2968,7 @@
               <a:buChar char="•"/>
               <a:defRPr/>
             </a:lvl2pPr>
-            <a:lvl3pPr indent="-342900" lvl="2" marL="1371600" algn="l">
+            <a:lvl3pPr marL="1371600" lvl="2" indent="-342900" algn="l">
               <a:lnSpc>
                 <a:spcPct val="90000"/>
               </a:lnSpc>
@@ -2921,7 +2985,7 @@
               <a:buChar char="•"/>
               <a:defRPr/>
             </a:lvl3pPr>
-            <a:lvl4pPr indent="-342900" lvl="3" marL="1828800" algn="l">
+            <a:lvl4pPr marL="1828800" lvl="3" indent="-342900" algn="l">
               <a:lnSpc>
                 <a:spcPct val="90000"/>
               </a:lnSpc>
@@ -2938,7 +3002,7 @@
               <a:buChar char="•"/>
               <a:defRPr/>
             </a:lvl4pPr>
-            <a:lvl5pPr indent="-342900" lvl="4" marL="2286000" algn="l">
+            <a:lvl5pPr marL="2286000" lvl="4" indent="-342900" algn="l">
               <a:lnSpc>
                 <a:spcPct val="90000"/>
               </a:lnSpc>
@@ -2955,7 +3019,7 @@
               <a:buChar char="•"/>
               <a:defRPr/>
             </a:lvl5pPr>
-            <a:lvl6pPr indent="-342900" lvl="5" marL="2743200" algn="l">
+            <a:lvl6pPr marL="2743200" lvl="5" indent="-342900" algn="l">
               <a:lnSpc>
                 <a:spcPct val="90000"/>
               </a:lnSpc>
@@ -2972,7 +3036,7 @@
               <a:buChar char="•"/>
               <a:defRPr/>
             </a:lvl6pPr>
-            <a:lvl7pPr indent="-342900" lvl="6" marL="3200400" algn="l">
+            <a:lvl7pPr marL="3200400" lvl="6" indent="-342900" algn="l">
               <a:lnSpc>
                 <a:spcPct val="90000"/>
               </a:lnSpc>
@@ -2989,7 +3053,7 @@
               <a:buChar char="•"/>
               <a:defRPr/>
             </a:lvl7pPr>
-            <a:lvl8pPr indent="-342900" lvl="7" marL="3657600" algn="l">
+            <a:lvl8pPr marL="3657600" lvl="7" indent="-342900" algn="l">
               <a:lnSpc>
                 <a:spcPct val="90000"/>
               </a:lnSpc>
@@ -3006,7 +3070,7 @@
               <a:buChar char="•"/>
               <a:defRPr/>
             </a:lvl8pPr>
-            <a:lvl9pPr indent="-342900" lvl="8" marL="4114800" algn="l">
+            <a:lvl9pPr marL="4114800" lvl="8" indent="-342900" algn="l">
               <a:lnSpc>
                 <a:spcPct val="90000"/>
               </a:lnSpc>
@@ -3024,15 +3088,19 @@
               <a:defRPr/>
             </a:lvl9pPr>
           </a:lstStyle>
-          <a:p/>
+          <a:p>
+            <a:endParaRPr/>
+          </a:p>
         </p:txBody>
       </p:sp>
       <p:sp>
         <p:nvSpPr>
           <p:cNvPr id="71" name="Google Shape;71;p11"/>
-          <p:cNvSpPr txBox="1"/>
+          <p:cNvSpPr txBox="1">
+            <a:spLocks noGrp="1"/>
+          </p:cNvSpPr>
           <p:nvPr>
-            <p:ph idx="10" type="dt"/>
+            <p:ph type="dt" idx="10"/>
           </p:nvPr>
         </p:nvSpPr>
         <p:spPr>
@@ -3049,7 +3117,7 @@
           </a:ln>
         </p:spPr>
         <p:txBody>
-          <a:bodyPr anchorCtr="0" anchor="ctr" bIns="45700" lIns="91425" spcFirstLastPara="1" rIns="91425" wrap="square" tIns="45700">
+          <a:bodyPr spcFirstLastPara="1" wrap="square" lIns="91425" tIns="45700" rIns="91425" bIns="45700" anchor="ctr" anchorCtr="0">
             <a:noAutofit/>
           </a:bodyPr>
           <a:lstStyle>
@@ -3153,15 +3221,19 @@
               <a:defRPr/>
             </a:lvl9pPr>
           </a:lstStyle>
-          <a:p/>
+          <a:p>
+            <a:endParaRPr/>
+          </a:p>
         </p:txBody>
       </p:sp>
       <p:sp>
         <p:nvSpPr>
           <p:cNvPr id="72" name="Google Shape;72;p11"/>
-          <p:cNvSpPr txBox="1"/>
+          <p:cNvSpPr txBox="1">
+            <a:spLocks noGrp="1"/>
+          </p:cNvSpPr>
           <p:nvPr>
-            <p:ph idx="11" type="ftr"/>
+            <p:ph type="ftr" idx="11"/>
           </p:nvPr>
         </p:nvSpPr>
         <p:spPr>
@@ -3178,7 +3250,7 @@
           </a:ln>
         </p:spPr>
         <p:txBody>
-          <a:bodyPr anchorCtr="0" anchor="ctr" bIns="45700" lIns="91425" spcFirstLastPara="1" rIns="91425" wrap="square" tIns="45700">
+          <a:bodyPr spcFirstLastPara="1" wrap="square" lIns="91425" tIns="45700" rIns="91425" bIns="45700" anchor="ctr" anchorCtr="0">
             <a:noAutofit/>
           </a:bodyPr>
           <a:lstStyle>
@@ -3282,15 +3354,19 @@
               <a:defRPr/>
             </a:lvl9pPr>
           </a:lstStyle>
-          <a:p/>
+          <a:p>
+            <a:endParaRPr/>
+          </a:p>
         </p:txBody>
       </p:sp>
       <p:sp>
         <p:nvSpPr>
           <p:cNvPr id="73" name="Google Shape;73;p11"/>
-          <p:cNvSpPr txBox="1"/>
+          <p:cNvSpPr txBox="1">
+            <a:spLocks noGrp="1"/>
+          </p:cNvSpPr>
           <p:nvPr>
-            <p:ph idx="12" type="sldNum"/>
+            <p:ph type="sldNum" idx="12"/>
           </p:nvPr>
         </p:nvSpPr>
         <p:spPr>
@@ -3307,67 +3383,67 @@
           </a:ln>
         </p:spPr>
         <p:txBody>
-          <a:bodyPr anchorCtr="0" anchor="ctr" bIns="45700" lIns="91425" spcFirstLastPara="1" rIns="91425" wrap="square" tIns="45700">
+          <a:bodyPr spcFirstLastPara="1" wrap="square" lIns="91425" tIns="45700" rIns="91425" bIns="45700" anchor="ctr" anchorCtr="0">
             <a:noAutofit/>
           </a:bodyPr>
           <a:lstStyle>
-            <a:lvl1pPr indent="0" lvl="0" marL="0" algn="r">
+            <a:lvl1pPr marL="0" lvl="0" indent="0" algn="r">
               <a:spcBef>
                 <a:spcPts val="0"/>
               </a:spcBef>
               <a:buNone/>
               <a:defRPr/>
             </a:lvl1pPr>
-            <a:lvl2pPr indent="0" lvl="1" marL="0" algn="r">
+            <a:lvl2pPr marL="0" lvl="1" indent="0" algn="r">
               <a:spcBef>
                 <a:spcPts val="0"/>
               </a:spcBef>
               <a:buNone/>
               <a:defRPr/>
             </a:lvl2pPr>
-            <a:lvl3pPr indent="0" lvl="2" marL="0" algn="r">
+            <a:lvl3pPr marL="0" lvl="2" indent="0" algn="r">
               <a:spcBef>
                 <a:spcPts val="0"/>
               </a:spcBef>
               <a:buNone/>
               <a:defRPr/>
             </a:lvl3pPr>
-            <a:lvl4pPr indent="0" lvl="3" marL="0" algn="r">
+            <a:lvl4pPr marL="0" lvl="3" indent="0" algn="r">
               <a:spcBef>
                 <a:spcPts val="0"/>
               </a:spcBef>
               <a:buNone/>
               <a:defRPr/>
             </a:lvl4pPr>
-            <a:lvl5pPr indent="0" lvl="4" marL="0" algn="r">
+            <a:lvl5pPr marL="0" lvl="4" indent="0" algn="r">
               <a:spcBef>
                 <a:spcPts val="0"/>
               </a:spcBef>
               <a:buNone/>
               <a:defRPr/>
             </a:lvl5pPr>
-            <a:lvl6pPr indent="0" lvl="5" marL="0" algn="r">
+            <a:lvl6pPr marL="0" lvl="5" indent="0" algn="r">
               <a:spcBef>
                 <a:spcPts val="0"/>
               </a:spcBef>
               <a:buNone/>
               <a:defRPr/>
             </a:lvl6pPr>
-            <a:lvl7pPr indent="0" lvl="6" marL="0" algn="r">
+            <a:lvl7pPr marL="0" lvl="6" indent="0" algn="r">
               <a:spcBef>
                 <a:spcPts val="0"/>
               </a:spcBef>
               <a:buNone/>
               <a:defRPr/>
             </a:lvl7pPr>
-            <a:lvl8pPr indent="0" lvl="7" marL="0" algn="r">
+            <a:lvl8pPr marL="0" lvl="7" indent="0" algn="r">
               <a:spcBef>
                 <a:spcPts val="0"/>
               </a:spcBef>
               <a:buNone/>
               <a:defRPr/>
             </a:lvl8pPr>
-            <a:lvl9pPr indent="0" lvl="8" marL="0" algn="r">
+            <a:lvl9pPr marL="0" lvl="8" indent="0" algn="r">
               <a:spcBef>
                 <a:spcPts val="0"/>
               </a:spcBef>
@@ -3376,7 +3452,7 @@
             </a:lvl9pPr>
           </a:lstStyle>
           <a:p>
-            <a:pPr indent="0" lvl="0" marL="0" rtl="0" algn="r">
+            <a:pPr marL="0" lvl="0" indent="0" algn="r" rtl="0">
               <a:spcBef>
                 <a:spcPts val="0"/>
               </a:spcBef>
@@ -3402,11 +3478,11 @@
 </file>
 
 <file path=ppt/slideLayouts/slideLayout11.xml><?xml version="1.0" encoding="utf-8"?>
-<p:sldLayout xmlns:a="http://schemas.openxmlformats.org/drawingml/2006/main" xmlns:r="http://schemas.openxmlformats.org/officeDocument/2006/relationships" xmlns:mc="http://schemas.openxmlformats.org/markup-compatibility/2006" xmlns:mv="urn:schemas-microsoft-com:mac:vml" xmlns:p="http://schemas.openxmlformats.org/presentationml/2006/main" xmlns:c="http://schemas.openxmlformats.org/drawingml/2006/chart" xmlns:dgm="http://schemas.openxmlformats.org/drawingml/2006/diagram" xmlns:o="urn:schemas-microsoft-com:office:office" xmlns:v="urn:schemas-microsoft-com:vml" xmlns:pvml="urn:schemas-microsoft-com:office:powerpoint" xmlns:com="http://schemas.openxmlformats.org/drawingml/2006/compatibility" xmlns:p14="http://schemas.microsoft.com/office/powerpoint/2010/main" xmlns:p15="http://schemas.microsoft.com/office/powerpoint/2012/main" xmlns:ahyp="http://schemas.microsoft.com/office/drawing/2018/hyperlinkcolor" matchingName="Vertical Title and Text" type="vertTitleAndTx">
+<p:sldLayout xmlns:a="http://schemas.openxmlformats.org/drawingml/2006/main" xmlns:r="http://schemas.openxmlformats.org/officeDocument/2006/relationships" xmlns:p="http://schemas.openxmlformats.org/presentationml/2006/main" matchingName="Vertical Title and Text" type="vertTitleAndTx">
   <p:cSld name="VERTICAL_TITLE_AND_VERTICAL_TEXT">
     <p:spTree>
       <p:nvGrpSpPr>
-        <p:cNvPr id="74" name="Shape 74"/>
+        <p:cNvPr id="1" name="Shape 74"/>
         <p:cNvGrpSpPr/>
         <p:nvPr/>
       </p:nvGrpSpPr>
@@ -3421,7 +3497,9 @@
       <p:sp>
         <p:nvSpPr>
           <p:cNvPr id="75" name="Google Shape;75;p12"/>
-          <p:cNvSpPr txBox="1"/>
+          <p:cNvSpPr txBox="1">
+            <a:spLocks noGrp="1"/>
+          </p:cNvSpPr>
           <p:nvPr>
             <p:ph type="title"/>
           </p:nvPr>
@@ -3440,7 +3518,7 @@
           </a:ln>
         </p:spPr>
         <p:txBody>
-          <a:bodyPr anchorCtr="0" anchor="ctr" bIns="45700" lIns="91425" spcFirstLastPara="1" rIns="91425" wrap="square" tIns="45700">
+          <a:bodyPr spcFirstLastPara="1" wrap="square" lIns="91425" tIns="45700" rIns="91425" bIns="45700" anchor="ctr" anchorCtr="0">
             <a:normAutofit/>
           </a:bodyPr>
           <a:lstStyle>
@@ -3550,15 +3628,19 @@
               <a:defRPr/>
             </a:lvl9pPr>
           </a:lstStyle>
-          <a:p/>
+          <a:p>
+            <a:endParaRPr/>
+          </a:p>
         </p:txBody>
       </p:sp>
       <p:sp>
         <p:nvSpPr>
           <p:cNvPr id="76" name="Google Shape;76;p12"/>
-          <p:cNvSpPr txBox="1"/>
+          <p:cNvSpPr txBox="1">
+            <a:spLocks noGrp="1"/>
+          </p:cNvSpPr>
           <p:nvPr>
-            <p:ph idx="1" type="body"/>
+            <p:ph type="body" idx="1"/>
           </p:nvPr>
         </p:nvSpPr>
         <p:spPr>
@@ -3575,11 +3657,11 @@
           </a:ln>
         </p:spPr>
         <p:txBody>
-          <a:bodyPr anchorCtr="0" anchor="t" bIns="45700" lIns="91425" spcFirstLastPara="1" rIns="91425" wrap="square" tIns="45700">
+          <a:bodyPr spcFirstLastPara="1" wrap="square" lIns="91425" tIns="45700" rIns="91425" bIns="45700" anchor="t" anchorCtr="0">
             <a:normAutofit/>
           </a:bodyPr>
           <a:lstStyle>
-            <a:lvl1pPr indent="-342900" lvl="0" marL="457200" algn="l">
+            <a:lvl1pPr marL="457200" lvl="0" indent="-342900" algn="l">
               <a:lnSpc>
                 <a:spcPct val="90000"/>
               </a:lnSpc>
@@ -3596,7 +3678,7 @@
               <a:buChar char="•"/>
               <a:defRPr/>
             </a:lvl1pPr>
-            <a:lvl2pPr indent="-342900" lvl="1" marL="914400" algn="l">
+            <a:lvl2pPr marL="914400" lvl="1" indent="-342900" algn="l">
               <a:lnSpc>
                 <a:spcPct val="90000"/>
               </a:lnSpc>
@@ -3613,7 +3695,7 @@
               <a:buChar char="•"/>
               <a:defRPr/>
             </a:lvl2pPr>
-            <a:lvl3pPr indent="-342900" lvl="2" marL="1371600" algn="l">
+            <a:lvl3pPr marL="1371600" lvl="2" indent="-342900" algn="l">
               <a:lnSpc>
                 <a:spcPct val="90000"/>
               </a:lnSpc>
@@ -3630,7 +3712,7 @@
               <a:buChar char="•"/>
               <a:defRPr/>
             </a:lvl3pPr>
-            <a:lvl4pPr indent="-342900" lvl="3" marL="1828800" algn="l">
+            <a:lvl4pPr marL="1828800" lvl="3" indent="-342900" algn="l">
               <a:lnSpc>
                 <a:spcPct val="90000"/>
               </a:lnSpc>
@@ -3647,7 +3729,7 @@
               <a:buChar char="•"/>
               <a:defRPr/>
             </a:lvl4pPr>
-            <a:lvl5pPr indent="-342900" lvl="4" marL="2286000" algn="l">
+            <a:lvl5pPr marL="2286000" lvl="4" indent="-342900" algn="l">
               <a:lnSpc>
                 <a:spcPct val="90000"/>
               </a:lnSpc>
@@ -3664,7 +3746,7 @@
               <a:buChar char="•"/>
               <a:defRPr/>
             </a:lvl5pPr>
-            <a:lvl6pPr indent="-342900" lvl="5" marL="2743200" algn="l">
+            <a:lvl6pPr marL="2743200" lvl="5" indent="-342900" algn="l">
               <a:lnSpc>
                 <a:spcPct val="90000"/>
               </a:lnSpc>
@@ -3681,7 +3763,7 @@
               <a:buChar char="•"/>
               <a:defRPr/>
             </a:lvl6pPr>
-            <a:lvl7pPr indent="-342900" lvl="6" marL="3200400" algn="l">
+            <a:lvl7pPr marL="3200400" lvl="6" indent="-342900" algn="l">
               <a:lnSpc>
                 <a:spcPct val="90000"/>
               </a:lnSpc>
@@ -3698,7 +3780,7 @@
               <a:buChar char="•"/>
               <a:defRPr/>
             </a:lvl7pPr>
-            <a:lvl8pPr indent="-342900" lvl="7" marL="3657600" algn="l">
+            <a:lvl8pPr marL="3657600" lvl="7" indent="-342900" algn="l">
               <a:lnSpc>
                 <a:spcPct val="90000"/>
               </a:lnSpc>
@@ -3715,7 +3797,7 @@
               <a:buChar char="•"/>
               <a:defRPr/>
             </a:lvl8pPr>
-            <a:lvl9pPr indent="-342900" lvl="8" marL="4114800" algn="l">
+            <a:lvl9pPr marL="4114800" lvl="8" indent="-342900" algn="l">
               <a:lnSpc>
                 <a:spcPct val="90000"/>
               </a:lnSpc>
@@ -3733,15 +3815,19 @@
               <a:defRPr/>
             </a:lvl9pPr>
           </a:lstStyle>
-          <a:p/>
+          <a:p>
+            <a:endParaRPr/>
+          </a:p>
         </p:txBody>
       </p:sp>
       <p:sp>
         <p:nvSpPr>
           <p:cNvPr id="77" name="Google Shape;77;p12"/>
-          <p:cNvSpPr txBox="1"/>
+          <p:cNvSpPr txBox="1">
+            <a:spLocks noGrp="1"/>
+          </p:cNvSpPr>
           <p:nvPr>
-            <p:ph idx="10" type="dt"/>
+            <p:ph type="dt" idx="10"/>
           </p:nvPr>
         </p:nvSpPr>
         <p:spPr>
@@ -3758,7 +3844,7 @@
           </a:ln>
         </p:spPr>
         <p:txBody>
-          <a:bodyPr anchorCtr="0" anchor="ctr" bIns="45700" lIns="91425" spcFirstLastPara="1" rIns="91425" wrap="square" tIns="45700">
+          <a:bodyPr spcFirstLastPara="1" wrap="square" lIns="91425" tIns="45700" rIns="91425" bIns="45700" anchor="ctr" anchorCtr="0">
             <a:noAutofit/>
           </a:bodyPr>
           <a:lstStyle>
@@ -3862,15 +3948,19 @@
               <a:defRPr/>
             </a:lvl9pPr>
           </a:lstStyle>
-          <a:p/>
+          <a:p>
+            <a:endParaRPr/>
+          </a:p>
         </p:txBody>
       </p:sp>
       <p:sp>
         <p:nvSpPr>
           <p:cNvPr id="78" name="Google Shape;78;p12"/>
-          <p:cNvSpPr txBox="1"/>
+          <p:cNvSpPr txBox="1">
+            <a:spLocks noGrp="1"/>
+          </p:cNvSpPr>
           <p:nvPr>
-            <p:ph idx="11" type="ftr"/>
+            <p:ph type="ftr" idx="11"/>
           </p:nvPr>
         </p:nvSpPr>
         <p:spPr>
@@ -3887,7 +3977,7 @@
           </a:ln>
         </p:spPr>
         <p:txBody>
-          <a:bodyPr anchorCtr="0" anchor="ctr" bIns="45700" lIns="91425" spcFirstLastPara="1" rIns="91425" wrap="square" tIns="45700">
+          <a:bodyPr spcFirstLastPara="1" wrap="square" lIns="91425" tIns="45700" rIns="91425" bIns="45700" anchor="ctr" anchorCtr="0">
             <a:noAutofit/>
           </a:bodyPr>
           <a:lstStyle>
@@ -3991,15 +4081,19 @@
               <a:defRPr/>
             </a:lvl9pPr>
           </a:lstStyle>
-          <a:p/>
+          <a:p>
+            <a:endParaRPr/>
+          </a:p>
         </p:txBody>
       </p:sp>
       <p:sp>
         <p:nvSpPr>
           <p:cNvPr id="79" name="Google Shape;79;p12"/>
-          <p:cNvSpPr txBox="1"/>
+          <p:cNvSpPr txBox="1">
+            <a:spLocks noGrp="1"/>
+          </p:cNvSpPr>
           <p:nvPr>
-            <p:ph idx="12" type="sldNum"/>
+            <p:ph type="sldNum" idx="12"/>
           </p:nvPr>
         </p:nvSpPr>
         <p:spPr>
@@ -4016,67 +4110,67 @@
           </a:ln>
         </p:spPr>
         <p:txBody>
-          <a:bodyPr anchorCtr="0" anchor="ctr" bIns="45700" lIns="91425" spcFirstLastPara="1" rIns="91425" wrap="square" tIns="45700">
+          <a:bodyPr spcFirstLastPara="1" wrap="square" lIns="91425" tIns="45700" rIns="91425" bIns="45700" anchor="ctr" anchorCtr="0">
             <a:noAutofit/>
           </a:bodyPr>
           <a:lstStyle>
-            <a:lvl1pPr indent="0" lvl="0" marL="0" algn="r">
+            <a:lvl1pPr marL="0" lvl="0" indent="0" algn="r">
               <a:spcBef>
                 <a:spcPts val="0"/>
               </a:spcBef>
               <a:buNone/>
               <a:defRPr/>
             </a:lvl1pPr>
-            <a:lvl2pPr indent="0" lvl="1" marL="0" algn="r">
+            <a:lvl2pPr marL="0" lvl="1" indent="0" algn="r">
               <a:spcBef>
                 <a:spcPts val="0"/>
               </a:spcBef>
               <a:buNone/>
               <a:defRPr/>
             </a:lvl2pPr>
-            <a:lvl3pPr indent="0" lvl="2" marL="0" algn="r">
+            <a:lvl3pPr marL="0" lvl="2" indent="0" algn="r">
               <a:spcBef>
                 <a:spcPts val="0"/>
               </a:spcBef>
               <a:buNone/>
               <a:defRPr/>
             </a:lvl3pPr>
-            <a:lvl4pPr indent="0" lvl="3" marL="0" algn="r">
+            <a:lvl4pPr marL="0" lvl="3" indent="0" algn="r">
               <a:spcBef>
                 <a:spcPts val="0"/>
               </a:spcBef>
               <a:buNone/>
               <a:defRPr/>
             </a:lvl4pPr>
-            <a:lvl5pPr indent="0" lvl="4" marL="0" algn="r">
+            <a:lvl5pPr marL="0" lvl="4" indent="0" algn="r">
               <a:spcBef>
                 <a:spcPts val="0"/>
               </a:spcBef>
               <a:buNone/>
               <a:defRPr/>
             </a:lvl5pPr>
-            <a:lvl6pPr indent="0" lvl="5" marL="0" algn="r">
+            <a:lvl6pPr marL="0" lvl="5" indent="0" algn="r">
               <a:spcBef>
                 <a:spcPts val="0"/>
               </a:spcBef>
               <a:buNone/>
               <a:defRPr/>
             </a:lvl6pPr>
-            <a:lvl7pPr indent="0" lvl="6" marL="0" algn="r">
+            <a:lvl7pPr marL="0" lvl="6" indent="0" algn="r">
               <a:spcBef>
                 <a:spcPts val="0"/>
               </a:spcBef>
               <a:buNone/>
               <a:defRPr/>
             </a:lvl7pPr>
-            <a:lvl8pPr indent="0" lvl="7" marL="0" algn="r">
+            <a:lvl8pPr marL="0" lvl="7" indent="0" algn="r">
               <a:spcBef>
                 <a:spcPts val="0"/>
               </a:spcBef>
               <a:buNone/>
               <a:defRPr/>
             </a:lvl8pPr>
-            <a:lvl9pPr indent="0" lvl="8" marL="0" algn="r">
+            <a:lvl9pPr marL="0" lvl="8" indent="0" algn="r">
               <a:spcBef>
                 <a:spcPts val="0"/>
               </a:spcBef>
@@ -4085,7 +4179,7 @@
             </a:lvl9pPr>
           </a:lstStyle>
           <a:p>
-            <a:pPr indent="0" lvl="0" marL="0" rtl="0" algn="r">
+            <a:pPr marL="0" lvl="0" indent="0" algn="r" rtl="0">
               <a:spcBef>
                 <a:spcPts val="0"/>
               </a:spcBef>
@@ -4111,11 +4205,11 @@
 </file>
 
 <file path=ppt/slideLayouts/slideLayout2.xml><?xml version="1.0" encoding="utf-8"?>
-<p:sldLayout xmlns:a="http://schemas.openxmlformats.org/drawingml/2006/main" xmlns:r="http://schemas.openxmlformats.org/officeDocument/2006/relationships" xmlns:mc="http://schemas.openxmlformats.org/markup-compatibility/2006" xmlns:mv="urn:schemas-microsoft-com:mac:vml" xmlns:p="http://schemas.openxmlformats.org/presentationml/2006/main" xmlns:c="http://schemas.openxmlformats.org/drawingml/2006/chart" xmlns:dgm="http://schemas.openxmlformats.org/drawingml/2006/diagram" xmlns:o="urn:schemas-microsoft-com:office:office" xmlns:v="urn:schemas-microsoft-com:vml" xmlns:pvml="urn:schemas-microsoft-com:office:powerpoint" xmlns:com="http://schemas.openxmlformats.org/drawingml/2006/compatibility" xmlns:p14="http://schemas.microsoft.com/office/powerpoint/2010/main" xmlns:p15="http://schemas.microsoft.com/office/powerpoint/2012/main" xmlns:ahyp="http://schemas.microsoft.com/office/drawing/2018/hyperlinkcolor" matchingName="Title and Content" type="obj">
+<p:sldLayout xmlns:a="http://schemas.openxmlformats.org/drawingml/2006/main" xmlns:r="http://schemas.openxmlformats.org/officeDocument/2006/relationships" xmlns:p="http://schemas.openxmlformats.org/presentationml/2006/main" matchingName="Title and Content" type="obj">
   <p:cSld name="OBJECT">
     <p:spTree>
       <p:nvGrpSpPr>
-        <p:cNvPr id="17" name="Shape 17"/>
+        <p:cNvPr id="1" name="Shape 17"/>
         <p:cNvGrpSpPr/>
         <p:nvPr/>
       </p:nvGrpSpPr>
@@ -4130,7 +4224,9 @@
       <p:sp>
         <p:nvSpPr>
           <p:cNvPr id="18" name="Google Shape;18;p3"/>
-          <p:cNvSpPr txBox="1"/>
+          <p:cNvSpPr txBox="1">
+            <a:spLocks noGrp="1"/>
+          </p:cNvSpPr>
           <p:nvPr>
             <p:ph type="title"/>
           </p:nvPr>
@@ -4149,7 +4245,7 @@
           </a:ln>
         </p:spPr>
         <p:txBody>
-          <a:bodyPr anchorCtr="0" anchor="ctr" bIns="45700" lIns="91425" spcFirstLastPara="1" rIns="91425" wrap="square" tIns="45700">
+          <a:bodyPr spcFirstLastPara="1" wrap="square" lIns="91425" tIns="45700" rIns="91425" bIns="45700" anchor="ctr" anchorCtr="0">
             <a:normAutofit/>
           </a:bodyPr>
           <a:lstStyle>
@@ -4268,15 +4364,19 @@
               <a:defRPr/>
             </a:lvl9pPr>
           </a:lstStyle>
-          <a:p/>
+          <a:p>
+            <a:endParaRPr/>
+          </a:p>
         </p:txBody>
       </p:sp>
       <p:sp>
         <p:nvSpPr>
           <p:cNvPr id="19" name="Google Shape;19;p3"/>
-          <p:cNvSpPr txBox="1"/>
+          <p:cNvSpPr txBox="1">
+            <a:spLocks noGrp="1"/>
+          </p:cNvSpPr>
           <p:nvPr>
-            <p:ph idx="1" type="body"/>
+            <p:ph type="body" idx="1"/>
           </p:nvPr>
         </p:nvSpPr>
         <p:spPr>
@@ -4293,11 +4393,11 @@
           </a:ln>
         </p:spPr>
         <p:txBody>
-          <a:bodyPr anchorCtr="0" anchor="t" bIns="45700" lIns="91425" spcFirstLastPara="1" rIns="91425" wrap="square" tIns="45700">
+          <a:bodyPr spcFirstLastPara="1" wrap="square" lIns="91425" tIns="45700" rIns="91425" bIns="45700" anchor="t" anchorCtr="0">
             <a:normAutofit/>
           </a:bodyPr>
           <a:lstStyle>
-            <a:lvl1pPr indent="-406400" lvl="0" marL="457200" algn="l">
+            <a:lvl1pPr marL="457200" lvl="0" indent="-406400" algn="l">
               <a:lnSpc>
                 <a:spcPct val="90000"/>
               </a:lnSpc>
@@ -4319,7 +4419,7 @@
                 <a:sym typeface="Times New Roman"/>
               </a:defRPr>
             </a:lvl1pPr>
-            <a:lvl2pPr indent="-381000" lvl="1" marL="914400" algn="l">
+            <a:lvl2pPr marL="914400" lvl="1" indent="-381000" algn="l">
               <a:lnSpc>
                 <a:spcPct val="90000"/>
               </a:lnSpc>
@@ -4341,7 +4441,7 @@
                 <a:sym typeface="Times New Roman"/>
               </a:defRPr>
             </a:lvl2pPr>
-            <a:lvl3pPr indent="-355600" lvl="2" marL="1371600" algn="l">
+            <a:lvl3pPr marL="1371600" lvl="2" indent="-355600" algn="l">
               <a:lnSpc>
                 <a:spcPct val="90000"/>
               </a:lnSpc>
@@ -4363,7 +4463,7 @@
                 <a:sym typeface="Times New Roman"/>
               </a:defRPr>
             </a:lvl3pPr>
-            <a:lvl4pPr indent="-342900" lvl="3" marL="1828800" algn="l">
+            <a:lvl4pPr marL="1828800" lvl="3" indent="-342900" algn="l">
               <a:lnSpc>
                 <a:spcPct val="90000"/>
               </a:lnSpc>
@@ -4385,7 +4485,7 @@
                 <a:sym typeface="Times New Roman"/>
               </a:defRPr>
             </a:lvl4pPr>
-            <a:lvl5pPr indent="-342900" lvl="4" marL="2286000" algn="l">
+            <a:lvl5pPr marL="2286000" lvl="4" indent="-342900" algn="l">
               <a:lnSpc>
                 <a:spcPct val="90000"/>
               </a:lnSpc>
@@ -4407,7 +4507,7 @@
                 <a:sym typeface="Times New Roman"/>
               </a:defRPr>
             </a:lvl5pPr>
-            <a:lvl6pPr indent="-342900" lvl="5" marL="2743200" algn="l">
+            <a:lvl6pPr marL="2743200" lvl="5" indent="-342900" algn="l">
               <a:lnSpc>
                 <a:spcPct val="90000"/>
               </a:lnSpc>
@@ -4424,7 +4524,7 @@
               <a:buChar char="•"/>
               <a:defRPr/>
             </a:lvl6pPr>
-            <a:lvl7pPr indent="-342900" lvl="6" marL="3200400" algn="l">
+            <a:lvl7pPr marL="3200400" lvl="6" indent="-342900" algn="l">
               <a:lnSpc>
                 <a:spcPct val="90000"/>
               </a:lnSpc>
@@ -4441,7 +4541,7 @@
               <a:buChar char="•"/>
               <a:defRPr/>
             </a:lvl7pPr>
-            <a:lvl8pPr indent="-342900" lvl="7" marL="3657600" algn="l">
+            <a:lvl8pPr marL="3657600" lvl="7" indent="-342900" algn="l">
               <a:lnSpc>
                 <a:spcPct val="90000"/>
               </a:lnSpc>
@@ -4458,7 +4558,7 @@
               <a:buChar char="•"/>
               <a:defRPr/>
             </a:lvl8pPr>
-            <a:lvl9pPr indent="-342900" lvl="8" marL="4114800" algn="l">
+            <a:lvl9pPr marL="4114800" lvl="8" indent="-342900" algn="l">
               <a:lnSpc>
                 <a:spcPct val="90000"/>
               </a:lnSpc>
@@ -4476,15 +4576,19 @@
               <a:defRPr/>
             </a:lvl9pPr>
           </a:lstStyle>
-          <a:p/>
+          <a:p>
+            <a:endParaRPr/>
+          </a:p>
         </p:txBody>
       </p:sp>
       <p:sp>
         <p:nvSpPr>
           <p:cNvPr id="20" name="Google Shape;20;p3"/>
-          <p:cNvSpPr txBox="1"/>
+          <p:cNvSpPr txBox="1">
+            <a:spLocks noGrp="1"/>
+          </p:cNvSpPr>
           <p:nvPr>
-            <p:ph idx="10" type="dt"/>
+            <p:ph type="dt" idx="10"/>
           </p:nvPr>
         </p:nvSpPr>
         <p:spPr>
@@ -4501,7 +4605,7 @@
           </a:ln>
         </p:spPr>
         <p:txBody>
-          <a:bodyPr anchorCtr="0" anchor="ctr" bIns="45700" lIns="91425" spcFirstLastPara="1" rIns="91425" wrap="square" tIns="45700">
+          <a:bodyPr spcFirstLastPara="1" wrap="square" lIns="91425" tIns="45700" rIns="91425" bIns="45700" anchor="ctr" anchorCtr="0">
             <a:noAutofit/>
           </a:bodyPr>
           <a:lstStyle>
@@ -4610,15 +4714,19 @@
               <a:defRPr/>
             </a:lvl9pPr>
           </a:lstStyle>
-          <a:p/>
+          <a:p>
+            <a:endParaRPr/>
+          </a:p>
         </p:txBody>
       </p:sp>
       <p:sp>
         <p:nvSpPr>
           <p:cNvPr id="21" name="Google Shape;21;p3"/>
-          <p:cNvSpPr txBox="1"/>
+          <p:cNvSpPr txBox="1">
+            <a:spLocks noGrp="1"/>
+          </p:cNvSpPr>
           <p:nvPr>
-            <p:ph idx="11" type="ftr"/>
+            <p:ph type="ftr" idx="11"/>
           </p:nvPr>
         </p:nvSpPr>
         <p:spPr>
@@ -4635,7 +4743,7 @@
           </a:ln>
         </p:spPr>
         <p:txBody>
-          <a:bodyPr anchorCtr="0" anchor="ctr" bIns="45700" lIns="91425" spcFirstLastPara="1" rIns="91425" wrap="square" tIns="45700">
+          <a:bodyPr spcFirstLastPara="1" wrap="square" lIns="91425" tIns="45700" rIns="91425" bIns="45700" anchor="ctr" anchorCtr="0">
             <a:noAutofit/>
           </a:bodyPr>
           <a:lstStyle>
@@ -4744,15 +4852,19 @@
               <a:defRPr/>
             </a:lvl9pPr>
           </a:lstStyle>
-          <a:p/>
+          <a:p>
+            <a:endParaRPr/>
+          </a:p>
         </p:txBody>
       </p:sp>
       <p:sp>
         <p:nvSpPr>
           <p:cNvPr id="22" name="Google Shape;22;p3"/>
-          <p:cNvSpPr txBox="1"/>
+          <p:cNvSpPr txBox="1">
+            <a:spLocks noGrp="1"/>
+          </p:cNvSpPr>
           <p:nvPr>
-            <p:ph idx="12" type="sldNum"/>
+            <p:ph type="sldNum" idx="12"/>
           </p:nvPr>
         </p:nvSpPr>
         <p:spPr>
@@ -4769,16 +4881,16 @@
           </a:ln>
         </p:spPr>
         <p:txBody>
-          <a:bodyPr anchorCtr="0" anchor="ctr" bIns="45700" lIns="91425" spcFirstLastPara="1" rIns="91425" wrap="square" tIns="45700">
+          <a:bodyPr spcFirstLastPara="1" wrap="square" lIns="91425" tIns="45700" rIns="91425" bIns="45700" anchor="ctr" anchorCtr="0">
             <a:noAutofit/>
           </a:bodyPr>
           <a:lstStyle>
-            <a:lvl1pPr indent="0" lvl="0" marL="0" algn="r">
-              <a:spcBef>
-                <a:spcPts val="0"/>
-              </a:spcBef>
-              <a:buNone/>
-              <a:defRPr b="0" i="0" sz="1200" u="none" cap="none" strike="noStrike">
+            <a:lvl1pPr marL="0" lvl="0" indent="0" algn="r">
+              <a:spcBef>
+                <a:spcPts val="0"/>
+              </a:spcBef>
+              <a:buNone/>
+              <a:defRPr sz="1200" b="0" i="0" u="none" strike="noStrike" cap="none">
                 <a:solidFill>
                   <a:srgbClr val="888888"/>
                 </a:solidFill>
@@ -4788,12 +4900,12 @@
                 <a:sym typeface="Times New Roman"/>
               </a:defRPr>
             </a:lvl1pPr>
-            <a:lvl2pPr indent="0" lvl="1" marL="0" algn="r">
-              <a:spcBef>
-                <a:spcPts val="0"/>
-              </a:spcBef>
-              <a:buNone/>
-              <a:defRPr b="0" i="0" sz="1200" u="none" cap="none" strike="noStrike">
+            <a:lvl2pPr marL="0" lvl="1" indent="0" algn="r">
+              <a:spcBef>
+                <a:spcPts val="0"/>
+              </a:spcBef>
+              <a:buNone/>
+              <a:defRPr sz="1200" b="0" i="0" u="none" strike="noStrike" cap="none">
                 <a:solidFill>
                   <a:srgbClr val="888888"/>
                 </a:solidFill>
@@ -4803,12 +4915,12 @@
                 <a:sym typeface="Times New Roman"/>
               </a:defRPr>
             </a:lvl2pPr>
-            <a:lvl3pPr indent="0" lvl="2" marL="0" algn="r">
-              <a:spcBef>
-                <a:spcPts val="0"/>
-              </a:spcBef>
-              <a:buNone/>
-              <a:defRPr b="0" i="0" sz="1200" u="none" cap="none" strike="noStrike">
+            <a:lvl3pPr marL="0" lvl="2" indent="0" algn="r">
+              <a:spcBef>
+                <a:spcPts val="0"/>
+              </a:spcBef>
+              <a:buNone/>
+              <a:defRPr sz="1200" b="0" i="0" u="none" strike="noStrike" cap="none">
                 <a:solidFill>
                   <a:srgbClr val="888888"/>
                 </a:solidFill>
@@ -4818,12 +4930,12 @@
                 <a:sym typeface="Times New Roman"/>
               </a:defRPr>
             </a:lvl3pPr>
-            <a:lvl4pPr indent="0" lvl="3" marL="0" algn="r">
-              <a:spcBef>
-                <a:spcPts val="0"/>
-              </a:spcBef>
-              <a:buNone/>
-              <a:defRPr b="0" i="0" sz="1200" u="none" cap="none" strike="noStrike">
+            <a:lvl4pPr marL="0" lvl="3" indent="0" algn="r">
+              <a:spcBef>
+                <a:spcPts val="0"/>
+              </a:spcBef>
+              <a:buNone/>
+              <a:defRPr sz="1200" b="0" i="0" u="none" strike="noStrike" cap="none">
                 <a:solidFill>
                   <a:srgbClr val="888888"/>
                 </a:solidFill>
@@ -4833,12 +4945,12 @@
                 <a:sym typeface="Times New Roman"/>
               </a:defRPr>
             </a:lvl4pPr>
-            <a:lvl5pPr indent="0" lvl="4" marL="0" algn="r">
-              <a:spcBef>
-                <a:spcPts val="0"/>
-              </a:spcBef>
-              <a:buNone/>
-              <a:defRPr b="0" i="0" sz="1200" u="none" cap="none" strike="noStrike">
+            <a:lvl5pPr marL="0" lvl="4" indent="0" algn="r">
+              <a:spcBef>
+                <a:spcPts val="0"/>
+              </a:spcBef>
+              <a:buNone/>
+              <a:defRPr sz="1200" b="0" i="0" u="none" strike="noStrike" cap="none">
                 <a:solidFill>
                   <a:srgbClr val="888888"/>
                 </a:solidFill>
@@ -4848,12 +4960,12 @@
                 <a:sym typeface="Times New Roman"/>
               </a:defRPr>
             </a:lvl5pPr>
-            <a:lvl6pPr indent="0" lvl="5" marL="0" algn="r">
-              <a:spcBef>
-                <a:spcPts val="0"/>
-              </a:spcBef>
-              <a:buNone/>
-              <a:defRPr b="0" i="0" sz="1200" u="none" cap="none" strike="noStrike">
+            <a:lvl6pPr marL="0" lvl="5" indent="0" algn="r">
+              <a:spcBef>
+                <a:spcPts val="0"/>
+              </a:spcBef>
+              <a:buNone/>
+              <a:defRPr sz="1200" b="0" i="0" u="none" strike="noStrike" cap="none">
                 <a:solidFill>
                   <a:srgbClr val="888888"/>
                 </a:solidFill>
@@ -4863,12 +4975,12 @@
                 <a:sym typeface="Times New Roman"/>
               </a:defRPr>
             </a:lvl6pPr>
-            <a:lvl7pPr indent="0" lvl="6" marL="0" algn="r">
-              <a:spcBef>
-                <a:spcPts val="0"/>
-              </a:spcBef>
-              <a:buNone/>
-              <a:defRPr b="0" i="0" sz="1200" u="none" cap="none" strike="noStrike">
+            <a:lvl7pPr marL="0" lvl="6" indent="0" algn="r">
+              <a:spcBef>
+                <a:spcPts val="0"/>
+              </a:spcBef>
+              <a:buNone/>
+              <a:defRPr sz="1200" b="0" i="0" u="none" strike="noStrike" cap="none">
                 <a:solidFill>
                   <a:srgbClr val="888888"/>
                 </a:solidFill>
@@ -4878,12 +4990,12 @@
                 <a:sym typeface="Times New Roman"/>
               </a:defRPr>
             </a:lvl7pPr>
-            <a:lvl8pPr indent="0" lvl="7" marL="0" algn="r">
-              <a:spcBef>
-                <a:spcPts val="0"/>
-              </a:spcBef>
-              <a:buNone/>
-              <a:defRPr b="0" i="0" sz="1200" u="none" cap="none" strike="noStrike">
+            <a:lvl8pPr marL="0" lvl="7" indent="0" algn="r">
+              <a:spcBef>
+                <a:spcPts val="0"/>
+              </a:spcBef>
+              <a:buNone/>
+              <a:defRPr sz="1200" b="0" i="0" u="none" strike="noStrike" cap="none">
                 <a:solidFill>
                   <a:srgbClr val="888888"/>
                 </a:solidFill>
@@ -4893,12 +5005,12 @@
                 <a:sym typeface="Times New Roman"/>
               </a:defRPr>
             </a:lvl8pPr>
-            <a:lvl9pPr indent="0" lvl="8" marL="0" algn="r">
-              <a:spcBef>
-                <a:spcPts val="0"/>
-              </a:spcBef>
-              <a:buNone/>
-              <a:defRPr b="0" i="0" sz="1200" u="none" cap="none" strike="noStrike">
+            <a:lvl9pPr marL="0" lvl="8" indent="0" algn="r">
+              <a:spcBef>
+                <a:spcPts val="0"/>
+              </a:spcBef>
+              <a:buNone/>
+              <a:defRPr sz="1200" b="0" i="0" u="none" strike="noStrike" cap="none">
                 <a:solidFill>
                   <a:srgbClr val="888888"/>
                 </a:solidFill>
@@ -4910,7 +5022,7 @@
             </a:lvl9pPr>
           </a:lstStyle>
           <a:p>
-            <a:pPr indent="0" lvl="0" marL="0" rtl="0" algn="r">
+            <a:pPr marL="0" lvl="0" indent="0" algn="r" rtl="0">
               <a:spcBef>
                 <a:spcPts val="0"/>
               </a:spcBef>
@@ -4936,11 +5048,11 @@
 </file>
 
 <file path=ppt/slideLayouts/slideLayout3.xml><?xml version="1.0" encoding="utf-8"?>
-<p:sldLayout xmlns:a="http://schemas.openxmlformats.org/drawingml/2006/main" xmlns:r="http://schemas.openxmlformats.org/officeDocument/2006/relationships" xmlns:mc="http://schemas.openxmlformats.org/markup-compatibility/2006" xmlns:mv="urn:schemas-microsoft-com:mac:vml" xmlns:p="http://schemas.openxmlformats.org/presentationml/2006/main" xmlns:c="http://schemas.openxmlformats.org/drawingml/2006/chart" xmlns:dgm="http://schemas.openxmlformats.org/drawingml/2006/diagram" xmlns:o="urn:schemas-microsoft-com:office:office" xmlns:v="urn:schemas-microsoft-com:vml" xmlns:pvml="urn:schemas-microsoft-com:office:powerpoint" xmlns:com="http://schemas.openxmlformats.org/drawingml/2006/compatibility" xmlns:p14="http://schemas.microsoft.com/office/powerpoint/2010/main" xmlns:p15="http://schemas.microsoft.com/office/powerpoint/2012/main" xmlns:ahyp="http://schemas.microsoft.com/office/drawing/2018/hyperlinkcolor" matchingName="Section Header" type="secHead">
+<p:sldLayout xmlns:a="http://schemas.openxmlformats.org/drawingml/2006/main" xmlns:r="http://schemas.openxmlformats.org/officeDocument/2006/relationships" xmlns:p="http://schemas.openxmlformats.org/presentationml/2006/main" matchingName="Section Header" type="secHead">
   <p:cSld name="SECTION_HEADER">
     <p:spTree>
       <p:nvGrpSpPr>
-        <p:cNvPr id="23" name="Shape 23"/>
+        <p:cNvPr id="1" name="Shape 23"/>
         <p:cNvGrpSpPr/>
         <p:nvPr/>
       </p:nvGrpSpPr>
@@ -4955,7 +5067,9 @@
       <p:sp>
         <p:nvSpPr>
           <p:cNvPr id="24" name="Google Shape;24;p4"/>
-          <p:cNvSpPr txBox="1"/>
+          <p:cNvSpPr txBox="1">
+            <a:spLocks noGrp="1"/>
+          </p:cNvSpPr>
           <p:nvPr>
             <p:ph type="title"/>
           </p:nvPr>
@@ -4974,7 +5088,7 @@
           </a:ln>
         </p:spPr>
         <p:txBody>
-          <a:bodyPr anchorCtr="0" anchor="b" bIns="45700" lIns="91425" spcFirstLastPara="1" rIns="91425" wrap="square" tIns="45700">
+          <a:bodyPr spcFirstLastPara="1" wrap="square" lIns="91425" tIns="45700" rIns="91425" bIns="45700" anchor="b" anchorCtr="0">
             <a:normAutofit/>
           </a:bodyPr>
           <a:lstStyle>
@@ -5085,15 +5199,19 @@
               <a:defRPr/>
             </a:lvl9pPr>
           </a:lstStyle>
-          <a:p/>
+          <a:p>
+            <a:endParaRPr/>
+          </a:p>
         </p:txBody>
       </p:sp>
       <p:sp>
         <p:nvSpPr>
           <p:cNvPr id="25" name="Google Shape;25;p4"/>
-          <p:cNvSpPr txBox="1"/>
+          <p:cNvSpPr txBox="1">
+            <a:spLocks noGrp="1"/>
+          </p:cNvSpPr>
           <p:nvPr>
-            <p:ph idx="1" type="body"/>
+            <p:ph type="body" idx="1"/>
           </p:nvPr>
         </p:nvSpPr>
         <p:spPr>
@@ -5110,11 +5228,11 @@
           </a:ln>
         </p:spPr>
         <p:txBody>
-          <a:bodyPr anchorCtr="0" anchor="t" bIns="45700" lIns="91425" spcFirstLastPara="1" rIns="91425" wrap="square" tIns="45700">
+          <a:bodyPr spcFirstLastPara="1" wrap="square" lIns="91425" tIns="45700" rIns="91425" bIns="45700" anchor="t" anchorCtr="0">
             <a:normAutofit/>
           </a:bodyPr>
           <a:lstStyle>
-            <a:lvl1pPr indent="-228600" lvl="0" marL="457200" algn="l">
+            <a:lvl1pPr marL="457200" lvl="0" indent="-228600" algn="l">
               <a:lnSpc>
                 <a:spcPct val="90000"/>
               </a:lnSpc>
@@ -5135,7 +5253,7 @@
                 </a:solidFill>
               </a:defRPr>
             </a:lvl1pPr>
-            <a:lvl2pPr indent="-228600" lvl="1" marL="914400" algn="l">
+            <a:lvl2pPr marL="914400" lvl="1" indent="-228600" algn="l">
               <a:lnSpc>
                 <a:spcPct val="90000"/>
               </a:lnSpc>
@@ -5156,7 +5274,7 @@
                 </a:solidFill>
               </a:defRPr>
             </a:lvl2pPr>
-            <a:lvl3pPr indent="-228600" lvl="2" marL="1371600" algn="l">
+            <a:lvl3pPr marL="1371600" lvl="2" indent="-228600" algn="l">
               <a:lnSpc>
                 <a:spcPct val="90000"/>
               </a:lnSpc>
@@ -5177,7 +5295,7 @@
                 </a:solidFill>
               </a:defRPr>
             </a:lvl3pPr>
-            <a:lvl4pPr indent="-228600" lvl="3" marL="1828800" algn="l">
+            <a:lvl4pPr marL="1828800" lvl="3" indent="-228600" algn="l">
               <a:lnSpc>
                 <a:spcPct val="90000"/>
               </a:lnSpc>
@@ -5198,7 +5316,7 @@
                 </a:solidFill>
               </a:defRPr>
             </a:lvl4pPr>
-            <a:lvl5pPr indent="-228600" lvl="4" marL="2286000" algn="l">
+            <a:lvl5pPr marL="2286000" lvl="4" indent="-228600" algn="l">
               <a:lnSpc>
                 <a:spcPct val="90000"/>
               </a:lnSpc>
@@ -5219,7 +5337,7 @@
                 </a:solidFill>
               </a:defRPr>
             </a:lvl5pPr>
-            <a:lvl6pPr indent="-228600" lvl="5" marL="2743200" algn="l">
+            <a:lvl6pPr marL="2743200" lvl="5" indent="-228600" algn="l">
               <a:lnSpc>
                 <a:spcPct val="90000"/>
               </a:lnSpc>
@@ -5240,7 +5358,7 @@
                 </a:solidFill>
               </a:defRPr>
             </a:lvl6pPr>
-            <a:lvl7pPr indent="-228600" lvl="6" marL="3200400" algn="l">
+            <a:lvl7pPr marL="3200400" lvl="6" indent="-228600" algn="l">
               <a:lnSpc>
                 <a:spcPct val="90000"/>
               </a:lnSpc>
@@ -5261,7 +5379,7 @@
                 </a:solidFill>
               </a:defRPr>
             </a:lvl7pPr>
-            <a:lvl8pPr indent="-228600" lvl="7" marL="3657600" algn="l">
+            <a:lvl8pPr marL="3657600" lvl="7" indent="-228600" algn="l">
               <a:lnSpc>
                 <a:spcPct val="90000"/>
               </a:lnSpc>
@@ -5282,7 +5400,7 @@
                 </a:solidFill>
               </a:defRPr>
             </a:lvl8pPr>
-            <a:lvl9pPr indent="-228600" lvl="8" marL="4114800" algn="l">
+            <a:lvl9pPr marL="4114800" lvl="8" indent="-228600" algn="l">
               <a:lnSpc>
                 <a:spcPct val="90000"/>
               </a:lnSpc>
@@ -5304,15 +5422,19 @@
               </a:defRPr>
             </a:lvl9pPr>
           </a:lstStyle>
-          <a:p/>
+          <a:p>
+            <a:endParaRPr/>
+          </a:p>
         </p:txBody>
       </p:sp>
       <p:sp>
         <p:nvSpPr>
           <p:cNvPr id="26" name="Google Shape;26;p4"/>
-          <p:cNvSpPr txBox="1"/>
+          <p:cNvSpPr txBox="1">
+            <a:spLocks noGrp="1"/>
+          </p:cNvSpPr>
           <p:nvPr>
-            <p:ph idx="10" type="dt"/>
+            <p:ph type="dt" idx="10"/>
           </p:nvPr>
         </p:nvSpPr>
         <p:spPr>
@@ -5329,7 +5451,7 @@
           </a:ln>
         </p:spPr>
         <p:txBody>
-          <a:bodyPr anchorCtr="0" anchor="ctr" bIns="45700" lIns="91425" spcFirstLastPara="1" rIns="91425" wrap="square" tIns="45700">
+          <a:bodyPr spcFirstLastPara="1" wrap="square" lIns="91425" tIns="45700" rIns="91425" bIns="45700" anchor="ctr" anchorCtr="0">
             <a:noAutofit/>
           </a:bodyPr>
           <a:lstStyle>
@@ -5433,15 +5555,19 @@
               <a:defRPr/>
             </a:lvl9pPr>
           </a:lstStyle>
-          <a:p/>
+          <a:p>
+            <a:endParaRPr/>
+          </a:p>
         </p:txBody>
       </p:sp>
       <p:sp>
         <p:nvSpPr>
           <p:cNvPr id="27" name="Google Shape;27;p4"/>
-          <p:cNvSpPr txBox="1"/>
+          <p:cNvSpPr txBox="1">
+            <a:spLocks noGrp="1"/>
+          </p:cNvSpPr>
           <p:nvPr>
-            <p:ph idx="11" type="ftr"/>
+            <p:ph type="ftr" idx="11"/>
           </p:nvPr>
         </p:nvSpPr>
         <p:spPr>
@@ -5458,7 +5584,7 @@
           </a:ln>
         </p:spPr>
         <p:txBody>
-          <a:bodyPr anchorCtr="0" anchor="ctr" bIns="45700" lIns="91425" spcFirstLastPara="1" rIns="91425" wrap="square" tIns="45700">
+          <a:bodyPr spcFirstLastPara="1" wrap="square" lIns="91425" tIns="45700" rIns="91425" bIns="45700" anchor="ctr" anchorCtr="0">
             <a:noAutofit/>
           </a:bodyPr>
           <a:lstStyle>
@@ -5562,15 +5688,19 @@
               <a:defRPr/>
             </a:lvl9pPr>
           </a:lstStyle>
-          <a:p/>
+          <a:p>
+            <a:endParaRPr/>
+          </a:p>
         </p:txBody>
       </p:sp>
       <p:sp>
         <p:nvSpPr>
           <p:cNvPr id="28" name="Google Shape;28;p4"/>
-          <p:cNvSpPr txBox="1"/>
+          <p:cNvSpPr txBox="1">
+            <a:spLocks noGrp="1"/>
+          </p:cNvSpPr>
           <p:nvPr>
-            <p:ph idx="12" type="sldNum"/>
+            <p:ph type="sldNum" idx="12"/>
           </p:nvPr>
         </p:nvSpPr>
         <p:spPr>
@@ -5587,67 +5717,67 @@
           </a:ln>
         </p:spPr>
         <p:txBody>
-          <a:bodyPr anchorCtr="0" anchor="ctr" bIns="45700" lIns="91425" spcFirstLastPara="1" rIns="91425" wrap="square" tIns="45700">
+          <a:bodyPr spcFirstLastPara="1" wrap="square" lIns="91425" tIns="45700" rIns="91425" bIns="45700" anchor="ctr" anchorCtr="0">
             <a:noAutofit/>
           </a:bodyPr>
           <a:lstStyle>
-            <a:lvl1pPr indent="0" lvl="0" marL="0" algn="r">
+            <a:lvl1pPr marL="0" lvl="0" indent="0" algn="r">
               <a:spcBef>
                 <a:spcPts val="0"/>
               </a:spcBef>
               <a:buNone/>
               <a:defRPr/>
             </a:lvl1pPr>
-            <a:lvl2pPr indent="0" lvl="1" marL="0" algn="r">
+            <a:lvl2pPr marL="0" lvl="1" indent="0" algn="r">
               <a:spcBef>
                 <a:spcPts val="0"/>
               </a:spcBef>
               <a:buNone/>
               <a:defRPr/>
             </a:lvl2pPr>
-            <a:lvl3pPr indent="0" lvl="2" marL="0" algn="r">
+            <a:lvl3pPr marL="0" lvl="2" indent="0" algn="r">
               <a:spcBef>
                 <a:spcPts val="0"/>
               </a:spcBef>
               <a:buNone/>
               <a:defRPr/>
             </a:lvl3pPr>
-            <a:lvl4pPr indent="0" lvl="3" marL="0" algn="r">
+            <a:lvl4pPr marL="0" lvl="3" indent="0" algn="r">
               <a:spcBef>
                 <a:spcPts val="0"/>
               </a:spcBef>
               <a:buNone/>
               <a:defRPr/>
             </a:lvl4pPr>
-            <a:lvl5pPr indent="0" lvl="4" marL="0" algn="r">
+            <a:lvl5pPr marL="0" lvl="4" indent="0" algn="r">
               <a:spcBef>
                 <a:spcPts val="0"/>
               </a:spcBef>
               <a:buNone/>
               <a:defRPr/>
             </a:lvl5pPr>
-            <a:lvl6pPr indent="0" lvl="5" marL="0" algn="r">
+            <a:lvl6pPr marL="0" lvl="5" indent="0" algn="r">
               <a:spcBef>
                 <a:spcPts val="0"/>
               </a:spcBef>
               <a:buNone/>
               <a:defRPr/>
             </a:lvl6pPr>
-            <a:lvl7pPr indent="0" lvl="6" marL="0" algn="r">
+            <a:lvl7pPr marL="0" lvl="6" indent="0" algn="r">
               <a:spcBef>
                 <a:spcPts val="0"/>
               </a:spcBef>
               <a:buNone/>
               <a:defRPr/>
             </a:lvl7pPr>
-            <a:lvl8pPr indent="0" lvl="7" marL="0" algn="r">
+            <a:lvl8pPr marL="0" lvl="7" indent="0" algn="r">
               <a:spcBef>
                 <a:spcPts val="0"/>
               </a:spcBef>
               <a:buNone/>
               <a:defRPr/>
             </a:lvl8pPr>
-            <a:lvl9pPr indent="0" lvl="8" marL="0" algn="r">
+            <a:lvl9pPr marL="0" lvl="8" indent="0" algn="r">
               <a:spcBef>
                 <a:spcPts val="0"/>
               </a:spcBef>
@@ -5656,7 +5786,7 @@
             </a:lvl9pPr>
           </a:lstStyle>
           <a:p>
-            <a:pPr indent="0" lvl="0" marL="0" rtl="0" algn="r">
+            <a:pPr marL="0" lvl="0" indent="0" algn="r" rtl="0">
               <a:spcBef>
                 <a:spcPts val="0"/>
               </a:spcBef>
@@ -5682,11 +5812,11 @@
 </file>
 
 <file path=ppt/slideLayouts/slideLayout4.xml><?xml version="1.0" encoding="utf-8"?>
-<p:sldLayout xmlns:a="http://schemas.openxmlformats.org/drawingml/2006/main" xmlns:r="http://schemas.openxmlformats.org/officeDocument/2006/relationships" xmlns:mc="http://schemas.openxmlformats.org/markup-compatibility/2006" xmlns:mv="urn:schemas-microsoft-com:mac:vml" xmlns:p="http://schemas.openxmlformats.org/presentationml/2006/main" xmlns:c="http://schemas.openxmlformats.org/drawingml/2006/chart" xmlns:dgm="http://schemas.openxmlformats.org/drawingml/2006/diagram" xmlns:o="urn:schemas-microsoft-com:office:office" xmlns:v="urn:schemas-microsoft-com:vml" xmlns:pvml="urn:schemas-microsoft-com:office:powerpoint" xmlns:com="http://schemas.openxmlformats.org/drawingml/2006/compatibility" xmlns:p14="http://schemas.microsoft.com/office/powerpoint/2010/main" xmlns:p15="http://schemas.microsoft.com/office/powerpoint/2012/main" xmlns:ahyp="http://schemas.microsoft.com/office/drawing/2018/hyperlinkcolor" matchingName="Two Content" type="twoObj">
+<p:sldLayout xmlns:a="http://schemas.openxmlformats.org/drawingml/2006/main" xmlns:r="http://schemas.openxmlformats.org/officeDocument/2006/relationships" xmlns:p="http://schemas.openxmlformats.org/presentationml/2006/main" matchingName="Two Content" type="twoObj">
   <p:cSld name="TWO_OBJECTS">
     <p:spTree>
       <p:nvGrpSpPr>
-        <p:cNvPr id="29" name="Shape 29"/>
+        <p:cNvPr id="1" name="Shape 29"/>
         <p:cNvGrpSpPr/>
         <p:nvPr/>
       </p:nvGrpSpPr>
@@ -5701,7 +5831,9 @@
       <p:sp>
         <p:nvSpPr>
           <p:cNvPr id="30" name="Google Shape;30;p5"/>
-          <p:cNvSpPr txBox="1"/>
+          <p:cNvSpPr txBox="1">
+            <a:spLocks noGrp="1"/>
+          </p:cNvSpPr>
           <p:nvPr>
             <p:ph type="title"/>
           </p:nvPr>
@@ -5720,7 +5852,7 @@
           </a:ln>
         </p:spPr>
         <p:txBody>
-          <a:bodyPr anchorCtr="0" anchor="ctr" bIns="45700" lIns="91425" spcFirstLastPara="1" rIns="91425" wrap="square" tIns="45700">
+          <a:bodyPr spcFirstLastPara="1" wrap="square" lIns="91425" tIns="45700" rIns="91425" bIns="45700" anchor="ctr" anchorCtr="0">
             <a:normAutofit/>
           </a:bodyPr>
           <a:lstStyle>
@@ -5830,15 +5962,19 @@
               <a:defRPr/>
             </a:lvl9pPr>
           </a:lstStyle>
-          <a:p/>
+          <a:p>
+            <a:endParaRPr/>
+          </a:p>
         </p:txBody>
       </p:sp>
       <p:sp>
         <p:nvSpPr>
           <p:cNvPr id="31" name="Google Shape;31;p5"/>
-          <p:cNvSpPr txBox="1"/>
+          <p:cNvSpPr txBox="1">
+            <a:spLocks noGrp="1"/>
+          </p:cNvSpPr>
           <p:nvPr>
-            <p:ph idx="1" type="body"/>
+            <p:ph type="body" idx="1"/>
           </p:nvPr>
         </p:nvSpPr>
         <p:spPr>
@@ -5855,11 +5991,11 @@
           </a:ln>
         </p:spPr>
         <p:txBody>
-          <a:bodyPr anchorCtr="0" anchor="t" bIns="45700" lIns="91425" spcFirstLastPara="1" rIns="91425" wrap="square" tIns="45700">
+          <a:bodyPr spcFirstLastPara="1" wrap="square" lIns="91425" tIns="45700" rIns="91425" bIns="45700" anchor="t" anchorCtr="0">
             <a:normAutofit/>
           </a:bodyPr>
           <a:lstStyle>
-            <a:lvl1pPr indent="-342900" lvl="0" marL="457200" algn="l">
+            <a:lvl1pPr marL="457200" lvl="0" indent="-342900" algn="l">
               <a:lnSpc>
                 <a:spcPct val="90000"/>
               </a:lnSpc>
@@ -5876,7 +6012,7 @@
               <a:buChar char="•"/>
               <a:defRPr/>
             </a:lvl1pPr>
-            <a:lvl2pPr indent="-342900" lvl="1" marL="914400" algn="l">
+            <a:lvl2pPr marL="914400" lvl="1" indent="-342900" algn="l">
               <a:lnSpc>
                 <a:spcPct val="90000"/>
               </a:lnSpc>
@@ -5893,7 +6029,7 @@
               <a:buChar char="•"/>
               <a:defRPr/>
             </a:lvl2pPr>
-            <a:lvl3pPr indent="-342900" lvl="2" marL="1371600" algn="l">
+            <a:lvl3pPr marL="1371600" lvl="2" indent="-342900" algn="l">
               <a:lnSpc>
                 <a:spcPct val="90000"/>
               </a:lnSpc>
@@ -5910,7 +6046,7 @@
               <a:buChar char="•"/>
               <a:defRPr/>
             </a:lvl3pPr>
-            <a:lvl4pPr indent="-342900" lvl="3" marL="1828800" algn="l">
+            <a:lvl4pPr marL="1828800" lvl="3" indent="-342900" algn="l">
               <a:lnSpc>
                 <a:spcPct val="90000"/>
               </a:lnSpc>
@@ -5927,7 +6063,7 @@
               <a:buChar char="•"/>
               <a:defRPr/>
             </a:lvl4pPr>
-            <a:lvl5pPr indent="-342900" lvl="4" marL="2286000" algn="l">
+            <a:lvl5pPr marL="2286000" lvl="4" indent="-342900" algn="l">
               <a:lnSpc>
                 <a:spcPct val="90000"/>
               </a:lnSpc>
@@ -5944,7 +6080,7 @@
               <a:buChar char="•"/>
               <a:defRPr/>
             </a:lvl5pPr>
-            <a:lvl6pPr indent="-342900" lvl="5" marL="2743200" algn="l">
+            <a:lvl6pPr marL="2743200" lvl="5" indent="-342900" algn="l">
               <a:lnSpc>
                 <a:spcPct val="90000"/>
               </a:lnSpc>
@@ -5961,7 +6097,7 @@
               <a:buChar char="•"/>
               <a:defRPr/>
             </a:lvl6pPr>
-            <a:lvl7pPr indent="-342900" lvl="6" marL="3200400" algn="l">
+            <a:lvl7pPr marL="3200400" lvl="6" indent="-342900" algn="l">
               <a:lnSpc>
                 <a:spcPct val="90000"/>
               </a:lnSpc>
@@ -5978,7 +6114,7 @@
               <a:buChar char="•"/>
               <a:defRPr/>
             </a:lvl7pPr>
-            <a:lvl8pPr indent="-342900" lvl="7" marL="3657600" algn="l">
+            <a:lvl8pPr marL="3657600" lvl="7" indent="-342900" algn="l">
               <a:lnSpc>
                 <a:spcPct val="90000"/>
               </a:lnSpc>
@@ -5995,7 +6131,7 @@
               <a:buChar char="•"/>
               <a:defRPr/>
             </a:lvl8pPr>
-            <a:lvl9pPr indent="-342900" lvl="8" marL="4114800" algn="l">
+            <a:lvl9pPr marL="4114800" lvl="8" indent="-342900" algn="l">
               <a:lnSpc>
                 <a:spcPct val="90000"/>
               </a:lnSpc>
@@ -6013,15 +6149,19 @@
               <a:defRPr/>
             </a:lvl9pPr>
           </a:lstStyle>
-          <a:p/>
+          <a:p>
+            <a:endParaRPr/>
+          </a:p>
         </p:txBody>
       </p:sp>
       <p:sp>
         <p:nvSpPr>
           <p:cNvPr id="32" name="Google Shape;32;p5"/>
-          <p:cNvSpPr txBox="1"/>
+          <p:cNvSpPr txBox="1">
+            <a:spLocks noGrp="1"/>
+          </p:cNvSpPr>
           <p:nvPr>
-            <p:ph idx="2" type="body"/>
+            <p:ph type="body" idx="2"/>
           </p:nvPr>
         </p:nvSpPr>
         <p:spPr>
@@ -6038,11 +6178,11 @@
           </a:ln>
         </p:spPr>
         <p:txBody>
-          <a:bodyPr anchorCtr="0" anchor="t" bIns="45700" lIns="91425" spcFirstLastPara="1" rIns="91425" wrap="square" tIns="45700">
+          <a:bodyPr spcFirstLastPara="1" wrap="square" lIns="91425" tIns="45700" rIns="91425" bIns="45700" anchor="t" anchorCtr="0">
             <a:normAutofit/>
           </a:bodyPr>
           <a:lstStyle>
-            <a:lvl1pPr indent="-342900" lvl="0" marL="457200" algn="l">
+            <a:lvl1pPr marL="457200" lvl="0" indent="-342900" algn="l">
               <a:lnSpc>
                 <a:spcPct val="90000"/>
               </a:lnSpc>
@@ -6059,7 +6199,7 @@
               <a:buChar char="•"/>
               <a:defRPr/>
             </a:lvl1pPr>
-            <a:lvl2pPr indent="-342900" lvl="1" marL="914400" algn="l">
+            <a:lvl2pPr marL="914400" lvl="1" indent="-342900" algn="l">
               <a:lnSpc>
                 <a:spcPct val="90000"/>
               </a:lnSpc>
@@ -6076,7 +6216,7 @@
               <a:buChar char="•"/>
               <a:defRPr/>
             </a:lvl2pPr>
-            <a:lvl3pPr indent="-342900" lvl="2" marL="1371600" algn="l">
+            <a:lvl3pPr marL="1371600" lvl="2" indent="-342900" algn="l">
               <a:lnSpc>
                 <a:spcPct val="90000"/>
               </a:lnSpc>
@@ -6093,7 +6233,7 @@
               <a:buChar char="•"/>
               <a:defRPr/>
             </a:lvl3pPr>
-            <a:lvl4pPr indent="-342900" lvl="3" marL="1828800" algn="l">
+            <a:lvl4pPr marL="1828800" lvl="3" indent="-342900" algn="l">
               <a:lnSpc>
                 <a:spcPct val="90000"/>
               </a:lnSpc>
@@ -6110,7 +6250,7 @@
               <a:buChar char="•"/>
               <a:defRPr/>
             </a:lvl4pPr>
-            <a:lvl5pPr indent="-342900" lvl="4" marL="2286000" algn="l">
+            <a:lvl5pPr marL="2286000" lvl="4" indent="-342900" algn="l">
               <a:lnSpc>
                 <a:spcPct val="90000"/>
               </a:lnSpc>
@@ -6127,7 +6267,7 @@
               <a:buChar char="•"/>
               <a:defRPr/>
             </a:lvl5pPr>
-            <a:lvl6pPr indent="-342900" lvl="5" marL="2743200" algn="l">
+            <a:lvl6pPr marL="2743200" lvl="5" indent="-342900" algn="l">
               <a:lnSpc>
                 <a:spcPct val="90000"/>
               </a:lnSpc>
@@ -6144,7 +6284,7 @@
               <a:buChar char="•"/>
               <a:defRPr/>
             </a:lvl6pPr>
-            <a:lvl7pPr indent="-342900" lvl="6" marL="3200400" algn="l">
+            <a:lvl7pPr marL="3200400" lvl="6" indent="-342900" algn="l">
               <a:lnSpc>
                 <a:spcPct val="90000"/>
               </a:lnSpc>
@@ -6161,7 +6301,7 @@
               <a:buChar char="•"/>
               <a:defRPr/>
             </a:lvl7pPr>
-            <a:lvl8pPr indent="-342900" lvl="7" marL="3657600" algn="l">
+            <a:lvl8pPr marL="3657600" lvl="7" indent="-342900" algn="l">
               <a:lnSpc>
                 <a:spcPct val="90000"/>
               </a:lnSpc>
@@ -6178,7 +6318,7 @@
               <a:buChar char="•"/>
               <a:defRPr/>
             </a:lvl8pPr>
-            <a:lvl9pPr indent="-342900" lvl="8" marL="4114800" algn="l">
+            <a:lvl9pPr marL="4114800" lvl="8" indent="-342900" algn="l">
               <a:lnSpc>
                 <a:spcPct val="90000"/>
               </a:lnSpc>
@@ -6196,15 +6336,19 @@
               <a:defRPr/>
             </a:lvl9pPr>
           </a:lstStyle>
-          <a:p/>
+          <a:p>
+            <a:endParaRPr/>
+          </a:p>
         </p:txBody>
       </p:sp>
       <p:sp>
         <p:nvSpPr>
           <p:cNvPr id="33" name="Google Shape;33;p5"/>
-          <p:cNvSpPr txBox="1"/>
+          <p:cNvSpPr txBox="1">
+            <a:spLocks noGrp="1"/>
+          </p:cNvSpPr>
           <p:nvPr>
-            <p:ph idx="10" type="dt"/>
+            <p:ph type="dt" idx="10"/>
           </p:nvPr>
         </p:nvSpPr>
         <p:spPr>
@@ -6221,7 +6365,7 @@
           </a:ln>
         </p:spPr>
         <p:txBody>
-          <a:bodyPr anchorCtr="0" anchor="ctr" bIns="45700" lIns="91425" spcFirstLastPara="1" rIns="91425" wrap="square" tIns="45700">
+          <a:bodyPr spcFirstLastPara="1" wrap="square" lIns="91425" tIns="45700" rIns="91425" bIns="45700" anchor="ctr" anchorCtr="0">
             <a:noAutofit/>
           </a:bodyPr>
           <a:lstStyle>
@@ -6325,15 +6469,19 @@
               <a:defRPr/>
             </a:lvl9pPr>
           </a:lstStyle>
-          <a:p/>
+          <a:p>
+            <a:endParaRPr/>
+          </a:p>
         </p:txBody>
       </p:sp>
       <p:sp>
         <p:nvSpPr>
           <p:cNvPr id="34" name="Google Shape;34;p5"/>
-          <p:cNvSpPr txBox="1"/>
+          <p:cNvSpPr txBox="1">
+            <a:spLocks noGrp="1"/>
+          </p:cNvSpPr>
           <p:nvPr>
-            <p:ph idx="11" type="ftr"/>
+            <p:ph type="ftr" idx="11"/>
           </p:nvPr>
         </p:nvSpPr>
         <p:spPr>
@@ -6350,7 +6498,7 @@
           </a:ln>
         </p:spPr>
         <p:txBody>
-          <a:bodyPr anchorCtr="0" anchor="ctr" bIns="45700" lIns="91425" spcFirstLastPara="1" rIns="91425" wrap="square" tIns="45700">
+          <a:bodyPr spcFirstLastPara="1" wrap="square" lIns="91425" tIns="45700" rIns="91425" bIns="45700" anchor="ctr" anchorCtr="0">
             <a:noAutofit/>
           </a:bodyPr>
           <a:lstStyle>
@@ -6454,15 +6602,19 @@
               <a:defRPr/>
             </a:lvl9pPr>
           </a:lstStyle>
-          <a:p/>
+          <a:p>
+            <a:endParaRPr/>
+          </a:p>
         </p:txBody>
       </p:sp>
       <p:sp>
         <p:nvSpPr>
           <p:cNvPr id="35" name="Google Shape;35;p5"/>
-          <p:cNvSpPr txBox="1"/>
+          <p:cNvSpPr txBox="1">
+            <a:spLocks noGrp="1"/>
+          </p:cNvSpPr>
           <p:nvPr>
-            <p:ph idx="12" type="sldNum"/>
+            <p:ph type="sldNum" idx="12"/>
           </p:nvPr>
         </p:nvSpPr>
         <p:spPr>
@@ -6479,67 +6631,67 @@
           </a:ln>
         </p:spPr>
         <p:txBody>
-          <a:bodyPr anchorCtr="0" anchor="ctr" bIns="45700" lIns="91425" spcFirstLastPara="1" rIns="91425" wrap="square" tIns="45700">
+          <a:bodyPr spcFirstLastPara="1" wrap="square" lIns="91425" tIns="45700" rIns="91425" bIns="45700" anchor="ctr" anchorCtr="0">
             <a:noAutofit/>
           </a:bodyPr>
           <a:lstStyle>
-            <a:lvl1pPr indent="0" lvl="0" marL="0" algn="r">
+            <a:lvl1pPr marL="0" lvl="0" indent="0" algn="r">
               <a:spcBef>
                 <a:spcPts val="0"/>
               </a:spcBef>
               <a:buNone/>
               <a:defRPr/>
             </a:lvl1pPr>
-            <a:lvl2pPr indent="0" lvl="1" marL="0" algn="r">
+            <a:lvl2pPr marL="0" lvl="1" indent="0" algn="r">
               <a:spcBef>
                 <a:spcPts val="0"/>
               </a:spcBef>
               <a:buNone/>
               <a:defRPr/>
             </a:lvl2pPr>
-            <a:lvl3pPr indent="0" lvl="2" marL="0" algn="r">
+            <a:lvl3pPr marL="0" lvl="2" indent="0" algn="r">
               <a:spcBef>
                 <a:spcPts val="0"/>
               </a:spcBef>
               <a:buNone/>
               <a:defRPr/>
             </a:lvl3pPr>
-            <a:lvl4pPr indent="0" lvl="3" marL="0" algn="r">
+            <a:lvl4pPr marL="0" lvl="3" indent="0" algn="r">
               <a:spcBef>
                 <a:spcPts val="0"/>
               </a:spcBef>
               <a:buNone/>
               <a:defRPr/>
             </a:lvl4pPr>
-            <a:lvl5pPr indent="0" lvl="4" marL="0" algn="r">
+            <a:lvl5pPr marL="0" lvl="4" indent="0" algn="r">
               <a:spcBef>
                 <a:spcPts val="0"/>
               </a:spcBef>
               <a:buNone/>
               <a:defRPr/>
             </a:lvl5pPr>
-            <a:lvl6pPr indent="0" lvl="5" marL="0" algn="r">
+            <a:lvl6pPr marL="0" lvl="5" indent="0" algn="r">
               <a:spcBef>
                 <a:spcPts val="0"/>
               </a:spcBef>
               <a:buNone/>
               <a:defRPr/>
             </a:lvl6pPr>
-            <a:lvl7pPr indent="0" lvl="6" marL="0" algn="r">
+            <a:lvl7pPr marL="0" lvl="6" indent="0" algn="r">
               <a:spcBef>
                 <a:spcPts val="0"/>
               </a:spcBef>
               <a:buNone/>
               <a:defRPr/>
             </a:lvl7pPr>
-            <a:lvl8pPr indent="0" lvl="7" marL="0" algn="r">
+            <a:lvl8pPr marL="0" lvl="7" indent="0" algn="r">
               <a:spcBef>
                 <a:spcPts val="0"/>
               </a:spcBef>
               <a:buNone/>
               <a:defRPr/>
             </a:lvl8pPr>
-            <a:lvl9pPr indent="0" lvl="8" marL="0" algn="r">
+            <a:lvl9pPr marL="0" lvl="8" indent="0" algn="r">
               <a:spcBef>
                 <a:spcPts val="0"/>
               </a:spcBef>
@@ -6548,7 +6700,7 @@
             </a:lvl9pPr>
           </a:lstStyle>
           <a:p>
-            <a:pPr indent="0" lvl="0" marL="0" rtl="0" algn="r">
+            <a:pPr marL="0" lvl="0" indent="0" algn="r" rtl="0">
               <a:spcBef>
                 <a:spcPts val="0"/>
               </a:spcBef>
@@ -6574,11 +6726,11 @@
 </file>
 
 <file path=ppt/slideLayouts/slideLayout5.xml><?xml version="1.0" encoding="utf-8"?>
-<p:sldLayout xmlns:a="http://schemas.openxmlformats.org/drawingml/2006/main" xmlns:r="http://schemas.openxmlformats.org/officeDocument/2006/relationships" xmlns:mc="http://schemas.openxmlformats.org/markup-compatibility/2006" xmlns:mv="urn:schemas-microsoft-com:mac:vml" xmlns:p="http://schemas.openxmlformats.org/presentationml/2006/main" xmlns:c="http://schemas.openxmlformats.org/drawingml/2006/chart" xmlns:dgm="http://schemas.openxmlformats.org/drawingml/2006/diagram" xmlns:o="urn:schemas-microsoft-com:office:office" xmlns:v="urn:schemas-microsoft-com:vml" xmlns:pvml="urn:schemas-microsoft-com:office:powerpoint" xmlns:com="http://schemas.openxmlformats.org/drawingml/2006/compatibility" xmlns:p14="http://schemas.microsoft.com/office/powerpoint/2010/main" xmlns:p15="http://schemas.microsoft.com/office/powerpoint/2012/main" xmlns:ahyp="http://schemas.microsoft.com/office/drawing/2018/hyperlinkcolor" matchingName="Comparison" type="twoTxTwoObj">
+<p:sldLayout xmlns:a="http://schemas.openxmlformats.org/drawingml/2006/main" xmlns:r="http://schemas.openxmlformats.org/officeDocument/2006/relationships" xmlns:p="http://schemas.openxmlformats.org/presentationml/2006/main" matchingName="Comparison" type="twoTxTwoObj">
   <p:cSld name="TWO_OBJECTS_WITH_TEXT">
     <p:spTree>
       <p:nvGrpSpPr>
-        <p:cNvPr id="36" name="Shape 36"/>
+        <p:cNvPr id="1" name="Shape 36"/>
         <p:cNvGrpSpPr/>
         <p:nvPr/>
       </p:nvGrpSpPr>
@@ -6593,7 +6745,9 @@
       <p:sp>
         <p:nvSpPr>
           <p:cNvPr id="37" name="Google Shape;37;p6"/>
-          <p:cNvSpPr txBox="1"/>
+          <p:cNvSpPr txBox="1">
+            <a:spLocks noGrp="1"/>
+          </p:cNvSpPr>
           <p:nvPr>
             <p:ph type="title"/>
           </p:nvPr>
@@ -6612,7 +6766,7 @@
           </a:ln>
         </p:spPr>
         <p:txBody>
-          <a:bodyPr anchorCtr="0" anchor="ctr" bIns="45700" lIns="91425" spcFirstLastPara="1" rIns="91425" wrap="square" tIns="45700">
+          <a:bodyPr spcFirstLastPara="1" wrap="square" lIns="91425" tIns="45700" rIns="91425" bIns="45700" anchor="ctr" anchorCtr="0">
             <a:normAutofit/>
           </a:bodyPr>
           <a:lstStyle>
@@ -6722,15 +6876,19 @@
               <a:defRPr/>
             </a:lvl9pPr>
           </a:lstStyle>
-          <a:p/>
+          <a:p>
+            <a:endParaRPr/>
+          </a:p>
         </p:txBody>
       </p:sp>
       <p:sp>
         <p:nvSpPr>
           <p:cNvPr id="38" name="Google Shape;38;p6"/>
-          <p:cNvSpPr txBox="1"/>
+          <p:cNvSpPr txBox="1">
+            <a:spLocks noGrp="1"/>
+          </p:cNvSpPr>
           <p:nvPr>
-            <p:ph idx="1" type="body"/>
+            <p:ph type="body" idx="1"/>
           </p:nvPr>
         </p:nvSpPr>
         <p:spPr>
@@ -6747,11 +6905,11 @@
           </a:ln>
         </p:spPr>
         <p:txBody>
-          <a:bodyPr anchorCtr="0" anchor="b" bIns="45700" lIns="91425" spcFirstLastPara="1" rIns="91425" wrap="square" tIns="45700">
+          <a:bodyPr spcFirstLastPara="1" wrap="square" lIns="91425" tIns="45700" rIns="91425" bIns="45700" anchor="b" anchorCtr="0">
             <a:normAutofit/>
           </a:bodyPr>
           <a:lstStyle>
-            <a:lvl1pPr indent="-228600" lvl="0" marL="457200" algn="l">
+            <a:lvl1pPr marL="457200" lvl="0" indent="-228600" algn="l">
               <a:lnSpc>
                 <a:spcPct val="90000"/>
               </a:lnSpc>
@@ -6766,9 +6924,9 @@
               </a:buClr>
               <a:buSzPts val="2400"/>
               <a:buNone/>
-              <a:defRPr b="1" sz="2400"/>
+              <a:defRPr sz="2400" b="1"/>
             </a:lvl1pPr>
-            <a:lvl2pPr indent="-228600" lvl="1" marL="914400" algn="l">
+            <a:lvl2pPr marL="914400" lvl="1" indent="-228600" algn="l">
               <a:lnSpc>
                 <a:spcPct val="90000"/>
               </a:lnSpc>
@@ -6783,9 +6941,9 @@
               </a:buClr>
               <a:buSzPts val="2000"/>
               <a:buNone/>
-              <a:defRPr b="1" sz="2000"/>
+              <a:defRPr sz="2000" b="1"/>
             </a:lvl2pPr>
-            <a:lvl3pPr indent="-228600" lvl="2" marL="1371600" algn="l">
+            <a:lvl3pPr marL="1371600" lvl="2" indent="-228600" algn="l">
               <a:lnSpc>
                 <a:spcPct val="90000"/>
               </a:lnSpc>
@@ -6800,9 +6958,9 @@
               </a:buClr>
               <a:buSzPts val="1800"/>
               <a:buNone/>
-              <a:defRPr b="1" sz="1800"/>
+              <a:defRPr sz="1800" b="1"/>
             </a:lvl3pPr>
-            <a:lvl4pPr indent="-228600" lvl="3" marL="1828800" algn="l">
+            <a:lvl4pPr marL="1828800" lvl="3" indent="-228600" algn="l">
               <a:lnSpc>
                 <a:spcPct val="90000"/>
               </a:lnSpc>
@@ -6817,9 +6975,9 @@
               </a:buClr>
               <a:buSzPts val="1600"/>
               <a:buNone/>
-              <a:defRPr b="1" sz="1600"/>
+              <a:defRPr sz="1600" b="1"/>
             </a:lvl4pPr>
-            <a:lvl5pPr indent="-228600" lvl="4" marL="2286000" algn="l">
+            <a:lvl5pPr marL="2286000" lvl="4" indent="-228600" algn="l">
               <a:lnSpc>
                 <a:spcPct val="90000"/>
               </a:lnSpc>
@@ -6834,9 +6992,9 @@
               </a:buClr>
               <a:buSzPts val="1600"/>
               <a:buNone/>
-              <a:defRPr b="1" sz="1600"/>
+              <a:defRPr sz="1600" b="1"/>
             </a:lvl5pPr>
-            <a:lvl6pPr indent="-228600" lvl="5" marL="2743200" algn="l">
+            <a:lvl6pPr marL="2743200" lvl="5" indent="-228600" algn="l">
               <a:lnSpc>
                 <a:spcPct val="90000"/>
               </a:lnSpc>
@@ -6851,9 +7009,9 @@
               </a:buClr>
               <a:buSzPts val="1600"/>
               <a:buNone/>
-              <a:defRPr b="1" sz="1600"/>
+              <a:defRPr sz="1600" b="1"/>
             </a:lvl6pPr>
-            <a:lvl7pPr indent="-228600" lvl="6" marL="3200400" algn="l">
+            <a:lvl7pPr marL="3200400" lvl="6" indent="-228600" algn="l">
               <a:lnSpc>
                 <a:spcPct val="90000"/>
               </a:lnSpc>
@@ -6868,9 +7026,9 @@
               </a:buClr>
               <a:buSzPts val="1600"/>
               <a:buNone/>
-              <a:defRPr b="1" sz="1600"/>
+              <a:defRPr sz="1600" b="1"/>
             </a:lvl7pPr>
-            <a:lvl8pPr indent="-228600" lvl="7" marL="3657600" algn="l">
+            <a:lvl8pPr marL="3657600" lvl="7" indent="-228600" algn="l">
               <a:lnSpc>
                 <a:spcPct val="90000"/>
               </a:lnSpc>
@@ -6885,9 +7043,9 @@
               </a:buClr>
               <a:buSzPts val="1600"/>
               <a:buNone/>
-              <a:defRPr b="1" sz="1600"/>
+              <a:defRPr sz="1600" b="1"/>
             </a:lvl8pPr>
-            <a:lvl9pPr indent="-228600" lvl="8" marL="4114800" algn="l">
+            <a:lvl9pPr marL="4114800" lvl="8" indent="-228600" algn="l">
               <a:lnSpc>
                 <a:spcPct val="90000"/>
               </a:lnSpc>
@@ -6902,18 +7060,22 @@
               </a:buClr>
               <a:buSzPts val="1600"/>
               <a:buNone/>
-              <a:defRPr b="1" sz="1600"/>
+              <a:defRPr sz="1600" b="1"/>
             </a:lvl9pPr>
           </a:lstStyle>
-          <a:p/>
+          <a:p>
+            <a:endParaRPr/>
+          </a:p>
         </p:txBody>
       </p:sp>
       <p:sp>
         <p:nvSpPr>
           <p:cNvPr id="39" name="Google Shape;39;p6"/>
-          <p:cNvSpPr txBox="1"/>
+          <p:cNvSpPr txBox="1">
+            <a:spLocks noGrp="1"/>
+          </p:cNvSpPr>
           <p:nvPr>
-            <p:ph idx="2" type="body"/>
+            <p:ph type="body" idx="2"/>
           </p:nvPr>
         </p:nvSpPr>
         <p:spPr>
@@ -6930,11 +7092,11 @@
           </a:ln>
         </p:spPr>
         <p:txBody>
-          <a:bodyPr anchorCtr="0" anchor="t" bIns="45700" lIns="91425" spcFirstLastPara="1" rIns="91425" wrap="square" tIns="45700">
+          <a:bodyPr spcFirstLastPara="1" wrap="square" lIns="91425" tIns="45700" rIns="91425" bIns="45700" anchor="t" anchorCtr="0">
             <a:normAutofit/>
           </a:bodyPr>
           <a:lstStyle>
-            <a:lvl1pPr indent="-342900" lvl="0" marL="457200" algn="l">
+            <a:lvl1pPr marL="457200" lvl="0" indent="-342900" algn="l">
               <a:lnSpc>
                 <a:spcPct val="90000"/>
               </a:lnSpc>
@@ -6951,7 +7113,7 @@
               <a:buChar char="•"/>
               <a:defRPr/>
             </a:lvl1pPr>
-            <a:lvl2pPr indent="-342900" lvl="1" marL="914400" algn="l">
+            <a:lvl2pPr marL="914400" lvl="1" indent="-342900" algn="l">
               <a:lnSpc>
                 <a:spcPct val="90000"/>
               </a:lnSpc>
@@ -6968,7 +7130,7 @@
               <a:buChar char="•"/>
               <a:defRPr/>
             </a:lvl2pPr>
-            <a:lvl3pPr indent="-342900" lvl="2" marL="1371600" algn="l">
+            <a:lvl3pPr marL="1371600" lvl="2" indent="-342900" algn="l">
               <a:lnSpc>
                 <a:spcPct val="90000"/>
               </a:lnSpc>
@@ -6985,7 +7147,7 @@
               <a:buChar char="•"/>
               <a:defRPr/>
             </a:lvl3pPr>
-            <a:lvl4pPr indent="-342900" lvl="3" marL="1828800" algn="l">
+            <a:lvl4pPr marL="1828800" lvl="3" indent="-342900" algn="l">
               <a:lnSpc>
                 <a:spcPct val="90000"/>
               </a:lnSpc>
@@ -7002,7 +7164,7 @@
               <a:buChar char="•"/>
               <a:defRPr/>
             </a:lvl4pPr>
-            <a:lvl5pPr indent="-342900" lvl="4" marL="2286000" algn="l">
+            <a:lvl5pPr marL="2286000" lvl="4" indent="-342900" algn="l">
               <a:lnSpc>
                 <a:spcPct val="90000"/>
               </a:lnSpc>
@@ -7019,7 +7181,7 @@
               <a:buChar char="•"/>
               <a:defRPr/>
             </a:lvl5pPr>
-            <a:lvl6pPr indent="-342900" lvl="5" marL="2743200" algn="l">
+            <a:lvl6pPr marL="2743200" lvl="5" indent="-342900" algn="l">
               <a:lnSpc>
                 <a:spcPct val="90000"/>
               </a:lnSpc>
@@ -7036,7 +7198,7 @@
               <a:buChar char="•"/>
               <a:defRPr/>
             </a:lvl6pPr>
-            <a:lvl7pPr indent="-342900" lvl="6" marL="3200400" algn="l">
+            <a:lvl7pPr marL="3200400" lvl="6" indent="-342900" algn="l">
               <a:lnSpc>
                 <a:spcPct val="90000"/>
               </a:lnSpc>
@@ -7053,7 +7215,7 @@
               <a:buChar char="•"/>
               <a:defRPr/>
             </a:lvl7pPr>
-            <a:lvl8pPr indent="-342900" lvl="7" marL="3657600" algn="l">
+            <a:lvl8pPr marL="3657600" lvl="7" indent="-342900" algn="l">
               <a:lnSpc>
                 <a:spcPct val="90000"/>
               </a:lnSpc>
@@ -7070,7 +7232,7 @@
               <a:buChar char="•"/>
               <a:defRPr/>
             </a:lvl8pPr>
-            <a:lvl9pPr indent="-342900" lvl="8" marL="4114800" algn="l">
+            <a:lvl9pPr marL="4114800" lvl="8" indent="-342900" algn="l">
               <a:lnSpc>
                 <a:spcPct val="90000"/>
               </a:lnSpc>
@@ -7088,15 +7250,19 @@
               <a:defRPr/>
             </a:lvl9pPr>
           </a:lstStyle>
-          <a:p/>
+          <a:p>
+            <a:endParaRPr/>
+          </a:p>
         </p:txBody>
       </p:sp>
       <p:sp>
         <p:nvSpPr>
           <p:cNvPr id="40" name="Google Shape;40;p6"/>
-          <p:cNvSpPr txBox="1"/>
+          <p:cNvSpPr txBox="1">
+            <a:spLocks noGrp="1"/>
+          </p:cNvSpPr>
           <p:nvPr>
-            <p:ph idx="3" type="body"/>
+            <p:ph type="body" idx="3"/>
           </p:nvPr>
         </p:nvSpPr>
         <p:spPr>
@@ -7113,11 +7279,11 @@
           </a:ln>
         </p:spPr>
         <p:txBody>
-          <a:bodyPr anchorCtr="0" anchor="b" bIns="45700" lIns="91425" spcFirstLastPara="1" rIns="91425" wrap="square" tIns="45700">
+          <a:bodyPr spcFirstLastPara="1" wrap="square" lIns="91425" tIns="45700" rIns="91425" bIns="45700" anchor="b" anchorCtr="0">
             <a:normAutofit/>
           </a:bodyPr>
           <a:lstStyle>
-            <a:lvl1pPr indent="-228600" lvl="0" marL="457200" algn="l">
+            <a:lvl1pPr marL="457200" lvl="0" indent="-228600" algn="l">
               <a:lnSpc>
                 <a:spcPct val="90000"/>
               </a:lnSpc>
@@ -7132,9 +7298,9 @@
               </a:buClr>
               <a:buSzPts val="2400"/>
               <a:buNone/>
-              <a:defRPr b="1" sz="2400"/>
+              <a:defRPr sz="2400" b="1"/>
             </a:lvl1pPr>
-            <a:lvl2pPr indent="-228600" lvl="1" marL="914400" algn="l">
+            <a:lvl2pPr marL="914400" lvl="1" indent="-228600" algn="l">
               <a:lnSpc>
                 <a:spcPct val="90000"/>
               </a:lnSpc>
@@ -7149,9 +7315,9 @@
               </a:buClr>
               <a:buSzPts val="2000"/>
               <a:buNone/>
-              <a:defRPr b="1" sz="2000"/>
+              <a:defRPr sz="2000" b="1"/>
             </a:lvl2pPr>
-            <a:lvl3pPr indent="-228600" lvl="2" marL="1371600" algn="l">
+            <a:lvl3pPr marL="1371600" lvl="2" indent="-228600" algn="l">
               <a:lnSpc>
                 <a:spcPct val="90000"/>
               </a:lnSpc>
@@ -7166,9 +7332,9 @@
               </a:buClr>
               <a:buSzPts val="1800"/>
               <a:buNone/>
-              <a:defRPr b="1" sz="1800"/>
+              <a:defRPr sz="1800" b="1"/>
             </a:lvl3pPr>
-            <a:lvl4pPr indent="-228600" lvl="3" marL="1828800" algn="l">
+            <a:lvl4pPr marL="1828800" lvl="3" indent="-228600" algn="l">
               <a:lnSpc>
                 <a:spcPct val="90000"/>
               </a:lnSpc>
@@ -7183,9 +7349,9 @@
               </a:buClr>
               <a:buSzPts val="1600"/>
               <a:buNone/>
-              <a:defRPr b="1" sz="1600"/>
+              <a:defRPr sz="1600" b="1"/>
             </a:lvl4pPr>
-            <a:lvl5pPr indent="-228600" lvl="4" marL="2286000" algn="l">
+            <a:lvl5pPr marL="2286000" lvl="4" indent="-228600" algn="l">
               <a:lnSpc>
                 <a:spcPct val="90000"/>
               </a:lnSpc>
@@ -7200,9 +7366,9 @@
               </a:buClr>
               <a:buSzPts val="1600"/>
               <a:buNone/>
-              <a:defRPr b="1" sz="1600"/>
+              <a:defRPr sz="1600" b="1"/>
             </a:lvl5pPr>
-            <a:lvl6pPr indent="-228600" lvl="5" marL="2743200" algn="l">
+            <a:lvl6pPr marL="2743200" lvl="5" indent="-228600" algn="l">
               <a:lnSpc>
                 <a:spcPct val="90000"/>
               </a:lnSpc>
@@ -7217,9 +7383,9 @@
               </a:buClr>
               <a:buSzPts val="1600"/>
               <a:buNone/>
-              <a:defRPr b="1" sz="1600"/>
+              <a:defRPr sz="1600" b="1"/>
             </a:lvl6pPr>
-            <a:lvl7pPr indent="-228600" lvl="6" marL="3200400" algn="l">
+            <a:lvl7pPr marL="3200400" lvl="6" indent="-228600" algn="l">
               <a:lnSpc>
                 <a:spcPct val="90000"/>
               </a:lnSpc>
@@ -7234,9 +7400,9 @@
               </a:buClr>
               <a:buSzPts val="1600"/>
               <a:buNone/>
-              <a:defRPr b="1" sz="1600"/>
+              <a:defRPr sz="1600" b="1"/>
             </a:lvl7pPr>
-            <a:lvl8pPr indent="-228600" lvl="7" marL="3657600" algn="l">
+            <a:lvl8pPr marL="3657600" lvl="7" indent="-228600" algn="l">
               <a:lnSpc>
                 <a:spcPct val="90000"/>
               </a:lnSpc>
@@ -7251,9 +7417,9 @@
               </a:buClr>
               <a:buSzPts val="1600"/>
               <a:buNone/>
-              <a:defRPr b="1" sz="1600"/>
+              <a:defRPr sz="1600" b="1"/>
             </a:lvl8pPr>
-            <a:lvl9pPr indent="-228600" lvl="8" marL="4114800" algn="l">
+            <a:lvl9pPr marL="4114800" lvl="8" indent="-228600" algn="l">
               <a:lnSpc>
                 <a:spcPct val="90000"/>
               </a:lnSpc>
@@ -7268,18 +7434,22 @@
               </a:buClr>
               <a:buSzPts val="1600"/>
               <a:buNone/>
-              <a:defRPr b="1" sz="1600"/>
+              <a:defRPr sz="1600" b="1"/>
             </a:lvl9pPr>
           </a:lstStyle>
-          <a:p/>
+          <a:p>
+            <a:endParaRPr/>
+          </a:p>
         </p:txBody>
       </p:sp>
       <p:sp>
         <p:nvSpPr>
           <p:cNvPr id="41" name="Google Shape;41;p6"/>
-          <p:cNvSpPr txBox="1"/>
+          <p:cNvSpPr txBox="1">
+            <a:spLocks noGrp="1"/>
+          </p:cNvSpPr>
           <p:nvPr>
-            <p:ph idx="4" type="body"/>
+            <p:ph type="body" idx="4"/>
           </p:nvPr>
         </p:nvSpPr>
         <p:spPr>
@@ -7296,11 +7466,11 @@
           </a:ln>
         </p:spPr>
         <p:txBody>
-          <a:bodyPr anchorCtr="0" anchor="t" bIns="45700" lIns="91425" spcFirstLastPara="1" rIns="91425" wrap="square" tIns="45700">
+          <a:bodyPr spcFirstLastPara="1" wrap="square" lIns="91425" tIns="45700" rIns="91425" bIns="45700" anchor="t" anchorCtr="0">
             <a:normAutofit/>
           </a:bodyPr>
           <a:lstStyle>
-            <a:lvl1pPr indent="-342900" lvl="0" marL="457200" algn="l">
+            <a:lvl1pPr marL="457200" lvl="0" indent="-342900" algn="l">
               <a:lnSpc>
                 <a:spcPct val="90000"/>
               </a:lnSpc>
@@ -7317,7 +7487,7 @@
               <a:buChar char="•"/>
               <a:defRPr/>
             </a:lvl1pPr>
-            <a:lvl2pPr indent="-342900" lvl="1" marL="914400" algn="l">
+            <a:lvl2pPr marL="914400" lvl="1" indent="-342900" algn="l">
               <a:lnSpc>
                 <a:spcPct val="90000"/>
               </a:lnSpc>
@@ -7334,7 +7504,7 @@
               <a:buChar char="•"/>
               <a:defRPr/>
             </a:lvl2pPr>
-            <a:lvl3pPr indent="-342900" lvl="2" marL="1371600" algn="l">
+            <a:lvl3pPr marL="1371600" lvl="2" indent="-342900" algn="l">
               <a:lnSpc>
                 <a:spcPct val="90000"/>
               </a:lnSpc>
@@ -7351,7 +7521,7 @@
               <a:buChar char="•"/>
               <a:defRPr/>
             </a:lvl3pPr>
-            <a:lvl4pPr indent="-342900" lvl="3" marL="1828800" algn="l">
+            <a:lvl4pPr marL="1828800" lvl="3" indent="-342900" algn="l">
               <a:lnSpc>
                 <a:spcPct val="90000"/>
               </a:lnSpc>
@@ -7368,7 +7538,7 @@
               <a:buChar char="•"/>
               <a:defRPr/>
             </a:lvl4pPr>
-            <a:lvl5pPr indent="-342900" lvl="4" marL="2286000" algn="l">
+            <a:lvl5pPr marL="2286000" lvl="4" indent="-342900" algn="l">
               <a:lnSpc>
                 <a:spcPct val="90000"/>
               </a:lnSpc>
@@ -7385,7 +7555,7 @@
               <a:buChar char="•"/>
               <a:defRPr/>
             </a:lvl5pPr>
-            <a:lvl6pPr indent="-342900" lvl="5" marL="2743200" algn="l">
+            <a:lvl6pPr marL="2743200" lvl="5" indent="-342900" algn="l">
               <a:lnSpc>
                 <a:spcPct val="90000"/>
               </a:lnSpc>
@@ -7402,7 +7572,7 @@
               <a:buChar char="•"/>
               <a:defRPr/>
             </a:lvl6pPr>
-            <a:lvl7pPr indent="-342900" lvl="6" marL="3200400" algn="l">
+            <a:lvl7pPr marL="3200400" lvl="6" indent="-342900" algn="l">
               <a:lnSpc>
                 <a:spcPct val="90000"/>
               </a:lnSpc>
@@ -7419,7 +7589,7 @@
               <a:buChar char="•"/>
               <a:defRPr/>
             </a:lvl7pPr>
-            <a:lvl8pPr indent="-342900" lvl="7" marL="3657600" algn="l">
+            <a:lvl8pPr marL="3657600" lvl="7" indent="-342900" algn="l">
               <a:lnSpc>
                 <a:spcPct val="90000"/>
               </a:lnSpc>
@@ -7436,7 +7606,7 @@
               <a:buChar char="•"/>
               <a:defRPr/>
             </a:lvl8pPr>
-            <a:lvl9pPr indent="-342900" lvl="8" marL="4114800" algn="l">
+            <a:lvl9pPr marL="4114800" lvl="8" indent="-342900" algn="l">
               <a:lnSpc>
                 <a:spcPct val="90000"/>
               </a:lnSpc>
@@ -7454,15 +7624,19 @@
               <a:defRPr/>
             </a:lvl9pPr>
           </a:lstStyle>
-          <a:p/>
+          <a:p>
+            <a:endParaRPr/>
+          </a:p>
         </p:txBody>
       </p:sp>
       <p:sp>
         <p:nvSpPr>
           <p:cNvPr id="42" name="Google Shape;42;p6"/>
-          <p:cNvSpPr txBox="1"/>
+          <p:cNvSpPr txBox="1">
+            <a:spLocks noGrp="1"/>
+          </p:cNvSpPr>
           <p:nvPr>
-            <p:ph idx="10" type="dt"/>
+            <p:ph type="dt" idx="10"/>
           </p:nvPr>
         </p:nvSpPr>
         <p:spPr>
@@ -7479,7 +7653,7 @@
           </a:ln>
         </p:spPr>
         <p:txBody>
-          <a:bodyPr anchorCtr="0" anchor="ctr" bIns="45700" lIns="91425" spcFirstLastPara="1" rIns="91425" wrap="square" tIns="45700">
+          <a:bodyPr spcFirstLastPara="1" wrap="square" lIns="91425" tIns="45700" rIns="91425" bIns="45700" anchor="ctr" anchorCtr="0">
             <a:noAutofit/>
           </a:bodyPr>
           <a:lstStyle>
@@ -7583,15 +7757,19 @@
               <a:defRPr/>
             </a:lvl9pPr>
           </a:lstStyle>
-          <a:p/>
+          <a:p>
+            <a:endParaRPr/>
+          </a:p>
         </p:txBody>
       </p:sp>
       <p:sp>
         <p:nvSpPr>
           <p:cNvPr id="43" name="Google Shape;43;p6"/>
-          <p:cNvSpPr txBox="1"/>
+          <p:cNvSpPr txBox="1">
+            <a:spLocks noGrp="1"/>
+          </p:cNvSpPr>
           <p:nvPr>
-            <p:ph idx="11" type="ftr"/>
+            <p:ph type="ftr" idx="11"/>
           </p:nvPr>
         </p:nvSpPr>
         <p:spPr>
@@ -7608,7 +7786,7 @@
           </a:ln>
         </p:spPr>
         <p:txBody>
-          <a:bodyPr anchorCtr="0" anchor="ctr" bIns="45700" lIns="91425" spcFirstLastPara="1" rIns="91425" wrap="square" tIns="45700">
+          <a:bodyPr spcFirstLastPara="1" wrap="square" lIns="91425" tIns="45700" rIns="91425" bIns="45700" anchor="ctr" anchorCtr="0">
             <a:noAutofit/>
           </a:bodyPr>
           <a:lstStyle>
@@ -7712,15 +7890,19 @@
               <a:defRPr/>
             </a:lvl9pPr>
           </a:lstStyle>
-          <a:p/>
+          <a:p>
+            <a:endParaRPr/>
+          </a:p>
         </p:txBody>
       </p:sp>
       <p:sp>
         <p:nvSpPr>
           <p:cNvPr id="44" name="Google Shape;44;p6"/>
-          <p:cNvSpPr txBox="1"/>
+          <p:cNvSpPr txBox="1">
+            <a:spLocks noGrp="1"/>
+          </p:cNvSpPr>
           <p:nvPr>
-            <p:ph idx="12" type="sldNum"/>
+            <p:ph type="sldNum" idx="12"/>
           </p:nvPr>
         </p:nvSpPr>
         <p:spPr>
@@ -7737,67 +7919,67 @@
           </a:ln>
         </p:spPr>
         <p:txBody>
-          <a:bodyPr anchorCtr="0" anchor="ctr" bIns="45700" lIns="91425" spcFirstLastPara="1" rIns="91425" wrap="square" tIns="45700">
+          <a:bodyPr spcFirstLastPara="1" wrap="square" lIns="91425" tIns="45700" rIns="91425" bIns="45700" anchor="ctr" anchorCtr="0">
             <a:noAutofit/>
           </a:bodyPr>
           <a:lstStyle>
-            <a:lvl1pPr indent="0" lvl="0" marL="0" algn="r">
+            <a:lvl1pPr marL="0" lvl="0" indent="0" algn="r">
               <a:spcBef>
                 <a:spcPts val="0"/>
               </a:spcBef>
               <a:buNone/>
               <a:defRPr/>
             </a:lvl1pPr>
-            <a:lvl2pPr indent="0" lvl="1" marL="0" algn="r">
+            <a:lvl2pPr marL="0" lvl="1" indent="0" algn="r">
               <a:spcBef>
                 <a:spcPts val="0"/>
               </a:spcBef>
               <a:buNone/>
               <a:defRPr/>
             </a:lvl2pPr>
-            <a:lvl3pPr indent="0" lvl="2" marL="0" algn="r">
+            <a:lvl3pPr marL="0" lvl="2" indent="0" algn="r">
               <a:spcBef>
                 <a:spcPts val="0"/>
               </a:spcBef>
               <a:buNone/>
               <a:defRPr/>
             </a:lvl3pPr>
-            <a:lvl4pPr indent="0" lvl="3" marL="0" algn="r">
+            <a:lvl4pPr marL="0" lvl="3" indent="0" algn="r">
               <a:spcBef>
                 <a:spcPts val="0"/>
               </a:spcBef>
               <a:buNone/>
               <a:defRPr/>
             </a:lvl4pPr>
-            <a:lvl5pPr indent="0" lvl="4" marL="0" algn="r">
+            <a:lvl5pPr marL="0" lvl="4" indent="0" algn="r">
               <a:spcBef>
                 <a:spcPts val="0"/>
               </a:spcBef>
               <a:buNone/>
               <a:defRPr/>
             </a:lvl5pPr>
-            <a:lvl6pPr indent="0" lvl="5" marL="0" algn="r">
+            <a:lvl6pPr marL="0" lvl="5" indent="0" algn="r">
               <a:spcBef>
                 <a:spcPts val="0"/>
               </a:spcBef>
               <a:buNone/>
               <a:defRPr/>
             </a:lvl6pPr>
-            <a:lvl7pPr indent="0" lvl="6" marL="0" algn="r">
+            <a:lvl7pPr marL="0" lvl="6" indent="0" algn="r">
               <a:spcBef>
                 <a:spcPts val="0"/>
               </a:spcBef>
               <a:buNone/>
               <a:defRPr/>
             </a:lvl7pPr>
-            <a:lvl8pPr indent="0" lvl="7" marL="0" algn="r">
+            <a:lvl8pPr marL="0" lvl="7" indent="0" algn="r">
               <a:spcBef>
                 <a:spcPts val="0"/>
               </a:spcBef>
               <a:buNone/>
               <a:defRPr/>
             </a:lvl8pPr>
-            <a:lvl9pPr indent="0" lvl="8" marL="0" algn="r">
+            <a:lvl9pPr marL="0" lvl="8" indent="0" algn="r">
               <a:spcBef>
                 <a:spcPts val="0"/>
               </a:spcBef>
@@ -7806,7 +7988,7 @@
             </a:lvl9pPr>
           </a:lstStyle>
           <a:p>
-            <a:pPr indent="0" lvl="0" marL="0" rtl="0" algn="r">
+            <a:pPr marL="0" lvl="0" indent="0" algn="r" rtl="0">
               <a:spcBef>
                 <a:spcPts val="0"/>
               </a:spcBef>
@@ -7832,11 +8014,11 @@
 </file>
 
 <file path=ppt/slideLayouts/slideLayout6.xml><?xml version="1.0" encoding="utf-8"?>
-<p:sldLayout xmlns:a="http://schemas.openxmlformats.org/drawingml/2006/main" xmlns:r="http://schemas.openxmlformats.org/officeDocument/2006/relationships" xmlns:mc="http://schemas.openxmlformats.org/markup-compatibility/2006" xmlns:mv="urn:schemas-microsoft-com:mac:vml" xmlns:p="http://schemas.openxmlformats.org/presentationml/2006/main" xmlns:c="http://schemas.openxmlformats.org/drawingml/2006/chart" xmlns:dgm="http://schemas.openxmlformats.org/drawingml/2006/diagram" xmlns:o="urn:schemas-microsoft-com:office:office" xmlns:v="urn:schemas-microsoft-com:vml" xmlns:pvml="urn:schemas-microsoft-com:office:powerpoint" xmlns:com="http://schemas.openxmlformats.org/drawingml/2006/compatibility" xmlns:p14="http://schemas.microsoft.com/office/powerpoint/2010/main" xmlns:p15="http://schemas.microsoft.com/office/powerpoint/2012/main" xmlns:ahyp="http://schemas.microsoft.com/office/drawing/2018/hyperlinkcolor" matchingName="Title Only" type="titleOnly">
+<p:sldLayout xmlns:a="http://schemas.openxmlformats.org/drawingml/2006/main" xmlns:r="http://schemas.openxmlformats.org/officeDocument/2006/relationships" xmlns:p="http://schemas.openxmlformats.org/presentationml/2006/main" matchingName="Title Only" type="titleOnly">
   <p:cSld name="TITLE_ONLY">
     <p:spTree>
       <p:nvGrpSpPr>
-        <p:cNvPr id="45" name="Shape 45"/>
+        <p:cNvPr id="1" name="Shape 45"/>
         <p:cNvGrpSpPr/>
         <p:nvPr/>
       </p:nvGrpSpPr>
@@ -7851,7 +8033,9 @@
       <p:sp>
         <p:nvSpPr>
           <p:cNvPr id="46" name="Google Shape;46;p7"/>
-          <p:cNvSpPr txBox="1"/>
+          <p:cNvSpPr txBox="1">
+            <a:spLocks noGrp="1"/>
+          </p:cNvSpPr>
           <p:nvPr>
             <p:ph type="title"/>
           </p:nvPr>
@@ -7870,7 +8054,7 @@
           </a:ln>
         </p:spPr>
         <p:txBody>
-          <a:bodyPr anchorCtr="0" anchor="ctr" bIns="45700" lIns="91425" spcFirstLastPara="1" rIns="91425" wrap="square" tIns="45700">
+          <a:bodyPr spcFirstLastPara="1" wrap="square" lIns="91425" tIns="45700" rIns="91425" bIns="45700" anchor="ctr" anchorCtr="0">
             <a:normAutofit/>
           </a:bodyPr>
           <a:lstStyle>
@@ -7989,15 +8173,19 @@
               <a:defRPr/>
             </a:lvl9pPr>
           </a:lstStyle>
-          <a:p/>
+          <a:p>
+            <a:endParaRPr/>
+          </a:p>
         </p:txBody>
       </p:sp>
       <p:sp>
         <p:nvSpPr>
           <p:cNvPr id="47" name="Google Shape;47;p7"/>
-          <p:cNvSpPr txBox="1"/>
+          <p:cNvSpPr txBox="1">
+            <a:spLocks noGrp="1"/>
+          </p:cNvSpPr>
           <p:nvPr>
-            <p:ph idx="10" type="dt"/>
+            <p:ph type="dt" idx="10"/>
           </p:nvPr>
         </p:nvSpPr>
         <p:spPr>
@@ -8014,7 +8202,7 @@
           </a:ln>
         </p:spPr>
         <p:txBody>
-          <a:bodyPr anchorCtr="0" anchor="ctr" bIns="45700" lIns="91425" spcFirstLastPara="1" rIns="91425" wrap="square" tIns="45700">
+          <a:bodyPr spcFirstLastPara="1" wrap="square" lIns="91425" tIns="45700" rIns="91425" bIns="45700" anchor="ctr" anchorCtr="0">
             <a:noAutofit/>
           </a:bodyPr>
           <a:lstStyle>
@@ -8118,15 +8306,19 @@
               <a:defRPr/>
             </a:lvl9pPr>
           </a:lstStyle>
-          <a:p/>
+          <a:p>
+            <a:endParaRPr/>
+          </a:p>
         </p:txBody>
       </p:sp>
       <p:sp>
         <p:nvSpPr>
           <p:cNvPr id="48" name="Google Shape;48;p7"/>
-          <p:cNvSpPr txBox="1"/>
+          <p:cNvSpPr txBox="1">
+            <a:spLocks noGrp="1"/>
+          </p:cNvSpPr>
           <p:nvPr>
-            <p:ph idx="11" type="ftr"/>
+            <p:ph type="ftr" idx="11"/>
           </p:nvPr>
         </p:nvSpPr>
         <p:spPr>
@@ -8143,7 +8335,7 @@
           </a:ln>
         </p:spPr>
         <p:txBody>
-          <a:bodyPr anchorCtr="0" anchor="ctr" bIns="45700" lIns="91425" spcFirstLastPara="1" rIns="91425" wrap="square" tIns="45700">
+          <a:bodyPr spcFirstLastPara="1" wrap="square" lIns="91425" tIns="45700" rIns="91425" bIns="45700" anchor="ctr" anchorCtr="0">
             <a:noAutofit/>
           </a:bodyPr>
           <a:lstStyle>
@@ -8247,15 +8439,19 @@
               <a:defRPr/>
             </a:lvl9pPr>
           </a:lstStyle>
-          <a:p/>
+          <a:p>
+            <a:endParaRPr/>
+          </a:p>
         </p:txBody>
       </p:sp>
       <p:sp>
         <p:nvSpPr>
           <p:cNvPr id="49" name="Google Shape;49;p7"/>
-          <p:cNvSpPr txBox="1"/>
+          <p:cNvSpPr txBox="1">
+            <a:spLocks noGrp="1"/>
+          </p:cNvSpPr>
           <p:nvPr>
-            <p:ph idx="12" type="sldNum"/>
+            <p:ph type="sldNum" idx="12"/>
           </p:nvPr>
         </p:nvSpPr>
         <p:spPr>
@@ -8272,67 +8468,67 @@
           </a:ln>
         </p:spPr>
         <p:txBody>
-          <a:bodyPr anchorCtr="0" anchor="ctr" bIns="45700" lIns="91425" spcFirstLastPara="1" rIns="91425" wrap="square" tIns="45700">
+          <a:bodyPr spcFirstLastPara="1" wrap="square" lIns="91425" tIns="45700" rIns="91425" bIns="45700" anchor="ctr" anchorCtr="0">
             <a:noAutofit/>
           </a:bodyPr>
           <a:lstStyle>
-            <a:lvl1pPr indent="0" lvl="0" marL="0" algn="r">
+            <a:lvl1pPr marL="0" lvl="0" indent="0" algn="r">
               <a:spcBef>
                 <a:spcPts val="0"/>
               </a:spcBef>
               <a:buNone/>
               <a:defRPr/>
             </a:lvl1pPr>
-            <a:lvl2pPr indent="0" lvl="1" marL="0" algn="r">
+            <a:lvl2pPr marL="0" lvl="1" indent="0" algn="r">
               <a:spcBef>
                 <a:spcPts val="0"/>
               </a:spcBef>
               <a:buNone/>
               <a:defRPr/>
             </a:lvl2pPr>
-            <a:lvl3pPr indent="0" lvl="2" marL="0" algn="r">
+            <a:lvl3pPr marL="0" lvl="2" indent="0" algn="r">
               <a:spcBef>
                 <a:spcPts val="0"/>
               </a:spcBef>
               <a:buNone/>
               <a:defRPr/>
             </a:lvl3pPr>
-            <a:lvl4pPr indent="0" lvl="3" marL="0" algn="r">
+            <a:lvl4pPr marL="0" lvl="3" indent="0" algn="r">
               <a:spcBef>
                 <a:spcPts val="0"/>
               </a:spcBef>
               <a:buNone/>
               <a:defRPr/>
             </a:lvl4pPr>
-            <a:lvl5pPr indent="0" lvl="4" marL="0" algn="r">
+            <a:lvl5pPr marL="0" lvl="4" indent="0" algn="r">
               <a:spcBef>
                 <a:spcPts val="0"/>
               </a:spcBef>
               <a:buNone/>
               <a:defRPr/>
             </a:lvl5pPr>
-            <a:lvl6pPr indent="0" lvl="5" marL="0" algn="r">
+            <a:lvl6pPr marL="0" lvl="5" indent="0" algn="r">
               <a:spcBef>
                 <a:spcPts val="0"/>
               </a:spcBef>
               <a:buNone/>
               <a:defRPr/>
             </a:lvl6pPr>
-            <a:lvl7pPr indent="0" lvl="6" marL="0" algn="r">
+            <a:lvl7pPr marL="0" lvl="6" indent="0" algn="r">
               <a:spcBef>
                 <a:spcPts val="0"/>
               </a:spcBef>
               <a:buNone/>
               <a:defRPr/>
             </a:lvl7pPr>
-            <a:lvl8pPr indent="0" lvl="7" marL="0" algn="r">
+            <a:lvl8pPr marL="0" lvl="7" indent="0" algn="r">
               <a:spcBef>
                 <a:spcPts val="0"/>
               </a:spcBef>
               <a:buNone/>
               <a:defRPr/>
             </a:lvl8pPr>
-            <a:lvl9pPr indent="0" lvl="8" marL="0" algn="r">
+            <a:lvl9pPr marL="0" lvl="8" indent="0" algn="r">
               <a:spcBef>
                 <a:spcPts val="0"/>
               </a:spcBef>
@@ -8341,7 +8537,7 @@
             </a:lvl9pPr>
           </a:lstStyle>
           <a:p>
-            <a:pPr indent="0" lvl="0" marL="0" rtl="0" algn="r">
+            <a:pPr marL="0" lvl="0" indent="0" algn="r" rtl="0">
               <a:spcBef>
                 <a:spcPts val="0"/>
               </a:spcBef>
@@ -8367,11 +8563,11 @@
 </file>
 
 <file path=ppt/slideLayouts/slideLayout7.xml><?xml version="1.0" encoding="utf-8"?>
-<p:sldLayout xmlns:a="http://schemas.openxmlformats.org/drawingml/2006/main" xmlns:r="http://schemas.openxmlformats.org/officeDocument/2006/relationships" xmlns:mc="http://schemas.openxmlformats.org/markup-compatibility/2006" xmlns:mv="urn:schemas-microsoft-com:mac:vml" xmlns:p="http://schemas.openxmlformats.org/presentationml/2006/main" xmlns:c="http://schemas.openxmlformats.org/drawingml/2006/chart" xmlns:dgm="http://schemas.openxmlformats.org/drawingml/2006/diagram" xmlns:o="urn:schemas-microsoft-com:office:office" xmlns:v="urn:schemas-microsoft-com:vml" xmlns:pvml="urn:schemas-microsoft-com:office:powerpoint" xmlns:com="http://schemas.openxmlformats.org/drawingml/2006/compatibility" xmlns:p14="http://schemas.microsoft.com/office/powerpoint/2010/main" xmlns:p15="http://schemas.microsoft.com/office/powerpoint/2012/main" xmlns:ahyp="http://schemas.microsoft.com/office/drawing/2018/hyperlinkcolor" matchingName="Blank" type="blank">
+<p:sldLayout xmlns:a="http://schemas.openxmlformats.org/drawingml/2006/main" xmlns:r="http://schemas.openxmlformats.org/officeDocument/2006/relationships" xmlns:p="http://schemas.openxmlformats.org/presentationml/2006/main" matchingName="Blank" type="blank">
   <p:cSld name="BLANK">
     <p:spTree>
       <p:nvGrpSpPr>
-        <p:cNvPr id="50" name="Shape 50"/>
+        <p:cNvPr id="1" name="Shape 50"/>
         <p:cNvGrpSpPr/>
         <p:nvPr/>
       </p:nvGrpSpPr>
@@ -8386,9 +8582,11 @@
       <p:sp>
         <p:nvSpPr>
           <p:cNvPr id="51" name="Google Shape;51;p8"/>
-          <p:cNvSpPr txBox="1"/>
+          <p:cNvSpPr txBox="1">
+            <a:spLocks noGrp="1"/>
+          </p:cNvSpPr>
           <p:nvPr>
-            <p:ph idx="10" type="dt"/>
+            <p:ph type="dt" idx="10"/>
           </p:nvPr>
         </p:nvSpPr>
         <p:spPr>
@@ -8405,7 +8603,7 @@
           </a:ln>
         </p:spPr>
         <p:txBody>
-          <a:bodyPr anchorCtr="0" anchor="ctr" bIns="45700" lIns="91425" spcFirstLastPara="1" rIns="91425" wrap="square" tIns="45700">
+          <a:bodyPr spcFirstLastPara="1" wrap="square" lIns="91425" tIns="45700" rIns="91425" bIns="45700" anchor="ctr" anchorCtr="0">
             <a:noAutofit/>
           </a:bodyPr>
           <a:lstStyle>
@@ -8509,15 +8707,19 @@
               <a:defRPr/>
             </a:lvl9pPr>
           </a:lstStyle>
-          <a:p/>
+          <a:p>
+            <a:endParaRPr/>
+          </a:p>
         </p:txBody>
       </p:sp>
       <p:sp>
         <p:nvSpPr>
           <p:cNvPr id="52" name="Google Shape;52;p8"/>
-          <p:cNvSpPr txBox="1"/>
+          <p:cNvSpPr txBox="1">
+            <a:spLocks noGrp="1"/>
+          </p:cNvSpPr>
           <p:nvPr>
-            <p:ph idx="11" type="ftr"/>
+            <p:ph type="ftr" idx="11"/>
           </p:nvPr>
         </p:nvSpPr>
         <p:spPr>
@@ -8534,7 +8736,7 @@
           </a:ln>
         </p:spPr>
         <p:txBody>
-          <a:bodyPr anchorCtr="0" anchor="ctr" bIns="45700" lIns="91425" spcFirstLastPara="1" rIns="91425" wrap="square" tIns="45700">
+          <a:bodyPr spcFirstLastPara="1" wrap="square" lIns="91425" tIns="45700" rIns="91425" bIns="45700" anchor="ctr" anchorCtr="0">
             <a:noAutofit/>
           </a:bodyPr>
           <a:lstStyle>
@@ -8638,15 +8840,19 @@
               <a:defRPr/>
             </a:lvl9pPr>
           </a:lstStyle>
-          <a:p/>
+          <a:p>
+            <a:endParaRPr/>
+          </a:p>
         </p:txBody>
       </p:sp>
       <p:sp>
         <p:nvSpPr>
           <p:cNvPr id="53" name="Google Shape;53;p8"/>
-          <p:cNvSpPr txBox="1"/>
+          <p:cNvSpPr txBox="1">
+            <a:spLocks noGrp="1"/>
+          </p:cNvSpPr>
           <p:nvPr>
-            <p:ph idx="12" type="sldNum"/>
+            <p:ph type="sldNum" idx="12"/>
           </p:nvPr>
         </p:nvSpPr>
         <p:spPr>
@@ -8663,67 +8869,67 @@
           </a:ln>
         </p:spPr>
         <p:txBody>
-          <a:bodyPr anchorCtr="0" anchor="ctr" bIns="45700" lIns="91425" spcFirstLastPara="1" rIns="91425" wrap="square" tIns="45700">
+          <a:bodyPr spcFirstLastPara="1" wrap="square" lIns="91425" tIns="45700" rIns="91425" bIns="45700" anchor="ctr" anchorCtr="0">
             <a:noAutofit/>
           </a:bodyPr>
           <a:lstStyle>
-            <a:lvl1pPr indent="0" lvl="0" marL="0" algn="r">
+            <a:lvl1pPr marL="0" lvl="0" indent="0" algn="r">
               <a:spcBef>
                 <a:spcPts val="0"/>
               </a:spcBef>
               <a:buNone/>
               <a:defRPr/>
             </a:lvl1pPr>
-            <a:lvl2pPr indent="0" lvl="1" marL="0" algn="r">
+            <a:lvl2pPr marL="0" lvl="1" indent="0" algn="r">
               <a:spcBef>
                 <a:spcPts val="0"/>
               </a:spcBef>
               <a:buNone/>
               <a:defRPr/>
             </a:lvl2pPr>
-            <a:lvl3pPr indent="0" lvl="2" marL="0" algn="r">
+            <a:lvl3pPr marL="0" lvl="2" indent="0" algn="r">
               <a:spcBef>
                 <a:spcPts val="0"/>
               </a:spcBef>
               <a:buNone/>
               <a:defRPr/>
             </a:lvl3pPr>
-            <a:lvl4pPr indent="0" lvl="3" marL="0" algn="r">
+            <a:lvl4pPr marL="0" lvl="3" indent="0" algn="r">
               <a:spcBef>
                 <a:spcPts val="0"/>
               </a:spcBef>
               <a:buNone/>
               <a:defRPr/>
             </a:lvl4pPr>
-            <a:lvl5pPr indent="0" lvl="4" marL="0" algn="r">
+            <a:lvl5pPr marL="0" lvl="4" indent="0" algn="r">
               <a:spcBef>
                 <a:spcPts val="0"/>
               </a:spcBef>
               <a:buNone/>
               <a:defRPr/>
             </a:lvl5pPr>
-            <a:lvl6pPr indent="0" lvl="5" marL="0" algn="r">
+            <a:lvl6pPr marL="0" lvl="5" indent="0" algn="r">
               <a:spcBef>
                 <a:spcPts val="0"/>
               </a:spcBef>
               <a:buNone/>
               <a:defRPr/>
             </a:lvl6pPr>
-            <a:lvl7pPr indent="0" lvl="6" marL="0" algn="r">
+            <a:lvl7pPr marL="0" lvl="6" indent="0" algn="r">
               <a:spcBef>
                 <a:spcPts val="0"/>
               </a:spcBef>
               <a:buNone/>
               <a:defRPr/>
             </a:lvl7pPr>
-            <a:lvl8pPr indent="0" lvl="7" marL="0" algn="r">
+            <a:lvl8pPr marL="0" lvl="7" indent="0" algn="r">
               <a:spcBef>
                 <a:spcPts val="0"/>
               </a:spcBef>
               <a:buNone/>
               <a:defRPr/>
             </a:lvl8pPr>
-            <a:lvl9pPr indent="0" lvl="8" marL="0" algn="r">
+            <a:lvl9pPr marL="0" lvl="8" indent="0" algn="r">
               <a:spcBef>
                 <a:spcPts val="0"/>
               </a:spcBef>
@@ -8732,7 +8938,7 @@
             </a:lvl9pPr>
           </a:lstStyle>
           <a:p>
-            <a:pPr indent="0" lvl="0" marL="0" rtl="0" algn="r">
+            <a:pPr marL="0" lvl="0" indent="0" algn="r" rtl="0">
               <a:spcBef>
                 <a:spcPts val="0"/>
               </a:spcBef>
@@ -8758,11 +8964,11 @@
 </file>
 
 <file path=ppt/slideLayouts/slideLayout8.xml><?xml version="1.0" encoding="utf-8"?>
-<p:sldLayout xmlns:a="http://schemas.openxmlformats.org/drawingml/2006/main" xmlns:r="http://schemas.openxmlformats.org/officeDocument/2006/relationships" xmlns:mc="http://schemas.openxmlformats.org/markup-compatibility/2006" xmlns:mv="urn:schemas-microsoft-com:mac:vml" xmlns:p="http://schemas.openxmlformats.org/presentationml/2006/main" xmlns:c="http://schemas.openxmlformats.org/drawingml/2006/chart" xmlns:dgm="http://schemas.openxmlformats.org/drawingml/2006/diagram" xmlns:o="urn:schemas-microsoft-com:office:office" xmlns:v="urn:schemas-microsoft-com:vml" xmlns:pvml="urn:schemas-microsoft-com:office:powerpoint" xmlns:com="http://schemas.openxmlformats.org/drawingml/2006/compatibility" xmlns:p14="http://schemas.microsoft.com/office/powerpoint/2010/main" xmlns:p15="http://schemas.microsoft.com/office/powerpoint/2012/main" xmlns:ahyp="http://schemas.microsoft.com/office/drawing/2018/hyperlinkcolor" matchingName="Content with Caption" type="objTx">
+<p:sldLayout xmlns:a="http://schemas.openxmlformats.org/drawingml/2006/main" xmlns:r="http://schemas.openxmlformats.org/officeDocument/2006/relationships" xmlns:p="http://schemas.openxmlformats.org/presentationml/2006/main" matchingName="Content with Caption" type="objTx">
   <p:cSld name="OBJECT_WITH_CAPTION_TEXT">
     <p:spTree>
       <p:nvGrpSpPr>
-        <p:cNvPr id="54" name="Shape 54"/>
+        <p:cNvPr id="1" name="Shape 54"/>
         <p:cNvGrpSpPr/>
         <p:nvPr/>
       </p:nvGrpSpPr>
@@ -8777,7 +8983,9 @@
       <p:sp>
         <p:nvSpPr>
           <p:cNvPr id="55" name="Google Shape;55;p9"/>
-          <p:cNvSpPr txBox="1"/>
+          <p:cNvSpPr txBox="1">
+            <a:spLocks noGrp="1"/>
+          </p:cNvSpPr>
           <p:nvPr>
             <p:ph type="title"/>
           </p:nvPr>
@@ -8796,7 +9004,7 @@
           </a:ln>
         </p:spPr>
         <p:txBody>
-          <a:bodyPr anchorCtr="0" anchor="b" bIns="45700" lIns="91425" spcFirstLastPara="1" rIns="91425" wrap="square" tIns="45700">
+          <a:bodyPr spcFirstLastPara="1" wrap="square" lIns="91425" tIns="45700" rIns="91425" bIns="45700" anchor="b" anchorCtr="0">
             <a:normAutofit/>
           </a:bodyPr>
           <a:lstStyle>
@@ -8907,15 +9115,19 @@
               <a:defRPr/>
             </a:lvl9pPr>
           </a:lstStyle>
-          <a:p/>
+          <a:p>
+            <a:endParaRPr/>
+          </a:p>
         </p:txBody>
       </p:sp>
       <p:sp>
         <p:nvSpPr>
           <p:cNvPr id="56" name="Google Shape;56;p9"/>
-          <p:cNvSpPr txBox="1"/>
+          <p:cNvSpPr txBox="1">
+            <a:spLocks noGrp="1"/>
+          </p:cNvSpPr>
           <p:nvPr>
-            <p:ph idx="1" type="body"/>
+            <p:ph type="body" idx="1"/>
           </p:nvPr>
         </p:nvSpPr>
         <p:spPr>
@@ -8932,11 +9144,11 @@
           </a:ln>
         </p:spPr>
         <p:txBody>
-          <a:bodyPr anchorCtr="0" anchor="t" bIns="45700" lIns="91425" spcFirstLastPara="1" rIns="91425" wrap="square" tIns="45700">
+          <a:bodyPr spcFirstLastPara="1" wrap="square" lIns="91425" tIns="45700" rIns="91425" bIns="45700" anchor="t" anchorCtr="0">
             <a:normAutofit/>
           </a:bodyPr>
           <a:lstStyle>
-            <a:lvl1pPr indent="-431800" lvl="0" marL="457200" algn="l">
+            <a:lvl1pPr marL="457200" lvl="0" indent="-431800" algn="l">
               <a:lnSpc>
                 <a:spcPct val="90000"/>
               </a:lnSpc>
@@ -8953,7 +9165,7 @@
               <a:buChar char="•"/>
               <a:defRPr sz="3200"/>
             </a:lvl1pPr>
-            <a:lvl2pPr indent="-406400" lvl="1" marL="914400" algn="l">
+            <a:lvl2pPr marL="914400" lvl="1" indent="-406400" algn="l">
               <a:lnSpc>
                 <a:spcPct val="90000"/>
               </a:lnSpc>
@@ -8970,7 +9182,7 @@
               <a:buChar char="•"/>
               <a:defRPr sz="2800"/>
             </a:lvl2pPr>
-            <a:lvl3pPr indent="-381000" lvl="2" marL="1371600" algn="l">
+            <a:lvl3pPr marL="1371600" lvl="2" indent="-381000" algn="l">
               <a:lnSpc>
                 <a:spcPct val="90000"/>
               </a:lnSpc>
@@ -8987,7 +9199,7 @@
               <a:buChar char="•"/>
               <a:defRPr sz="2400"/>
             </a:lvl3pPr>
-            <a:lvl4pPr indent="-355600" lvl="3" marL="1828800" algn="l">
+            <a:lvl4pPr marL="1828800" lvl="3" indent="-355600" algn="l">
               <a:lnSpc>
                 <a:spcPct val="90000"/>
               </a:lnSpc>
@@ -9004,7 +9216,7 @@
               <a:buChar char="•"/>
               <a:defRPr sz="2000"/>
             </a:lvl4pPr>
-            <a:lvl5pPr indent="-355600" lvl="4" marL="2286000" algn="l">
+            <a:lvl5pPr marL="2286000" lvl="4" indent="-355600" algn="l">
               <a:lnSpc>
                 <a:spcPct val="90000"/>
               </a:lnSpc>
@@ -9021,7 +9233,7 @@
               <a:buChar char="•"/>
               <a:defRPr sz="2000"/>
             </a:lvl5pPr>
-            <a:lvl6pPr indent="-355600" lvl="5" marL="2743200" algn="l">
+            <a:lvl6pPr marL="2743200" lvl="5" indent="-355600" algn="l">
               <a:lnSpc>
                 <a:spcPct val="90000"/>
               </a:lnSpc>
@@ -9038,7 +9250,7 @@
               <a:buChar char="•"/>
               <a:defRPr sz="2000"/>
             </a:lvl6pPr>
-            <a:lvl7pPr indent="-355600" lvl="6" marL="3200400" algn="l">
+            <a:lvl7pPr marL="3200400" lvl="6" indent="-355600" algn="l">
               <a:lnSpc>
                 <a:spcPct val="90000"/>
               </a:lnSpc>
@@ -9055,7 +9267,7 @@
               <a:buChar char="•"/>
               <a:defRPr sz="2000"/>
             </a:lvl7pPr>
-            <a:lvl8pPr indent="-355600" lvl="7" marL="3657600" algn="l">
+            <a:lvl8pPr marL="3657600" lvl="7" indent="-355600" algn="l">
               <a:lnSpc>
                 <a:spcPct val="90000"/>
               </a:lnSpc>
@@ -9072,7 +9284,7 @@
               <a:buChar char="•"/>
               <a:defRPr sz="2000"/>
             </a:lvl8pPr>
-            <a:lvl9pPr indent="-355600" lvl="8" marL="4114800" algn="l">
+            <a:lvl9pPr marL="4114800" lvl="8" indent="-355600" algn="l">
               <a:lnSpc>
                 <a:spcPct val="90000"/>
               </a:lnSpc>
@@ -9090,15 +9302,19 @@
               <a:defRPr sz="2000"/>
             </a:lvl9pPr>
           </a:lstStyle>
-          <a:p/>
+          <a:p>
+            <a:endParaRPr/>
+          </a:p>
         </p:txBody>
       </p:sp>
       <p:sp>
         <p:nvSpPr>
           <p:cNvPr id="57" name="Google Shape;57;p9"/>
-          <p:cNvSpPr txBox="1"/>
+          <p:cNvSpPr txBox="1">
+            <a:spLocks noGrp="1"/>
+          </p:cNvSpPr>
           <p:nvPr>
-            <p:ph idx="2" type="body"/>
+            <p:ph type="body" idx="2"/>
           </p:nvPr>
         </p:nvSpPr>
         <p:spPr>
@@ -9115,11 +9331,11 @@
           </a:ln>
         </p:spPr>
         <p:txBody>
-          <a:bodyPr anchorCtr="0" anchor="t" bIns="45700" lIns="91425" spcFirstLastPara="1" rIns="91425" wrap="square" tIns="45700">
+          <a:bodyPr spcFirstLastPara="1" wrap="square" lIns="91425" tIns="45700" rIns="91425" bIns="45700" anchor="t" anchorCtr="0">
             <a:normAutofit/>
           </a:bodyPr>
           <a:lstStyle>
-            <a:lvl1pPr indent="-228600" lvl="0" marL="457200" algn="l">
+            <a:lvl1pPr marL="457200" lvl="0" indent="-228600" algn="l">
               <a:lnSpc>
                 <a:spcPct val="90000"/>
               </a:lnSpc>
@@ -9136,7 +9352,7 @@
               <a:buNone/>
               <a:defRPr sz="1600"/>
             </a:lvl1pPr>
-            <a:lvl2pPr indent="-228600" lvl="1" marL="914400" algn="l">
+            <a:lvl2pPr marL="914400" lvl="1" indent="-228600" algn="l">
               <a:lnSpc>
                 <a:spcPct val="90000"/>
               </a:lnSpc>
@@ -9153,7 +9369,7 @@
               <a:buNone/>
               <a:defRPr sz="1400"/>
             </a:lvl2pPr>
-            <a:lvl3pPr indent="-228600" lvl="2" marL="1371600" algn="l">
+            <a:lvl3pPr marL="1371600" lvl="2" indent="-228600" algn="l">
               <a:lnSpc>
                 <a:spcPct val="90000"/>
               </a:lnSpc>
@@ -9170,7 +9386,7 @@
               <a:buNone/>
               <a:defRPr sz="1200"/>
             </a:lvl3pPr>
-            <a:lvl4pPr indent="-228600" lvl="3" marL="1828800" algn="l">
+            <a:lvl4pPr marL="1828800" lvl="3" indent="-228600" algn="l">
               <a:lnSpc>
                 <a:spcPct val="90000"/>
               </a:lnSpc>
@@ -9187,7 +9403,7 @@
               <a:buNone/>
               <a:defRPr sz="1000"/>
             </a:lvl4pPr>
-            <a:lvl5pPr indent="-228600" lvl="4" marL="2286000" algn="l">
+            <a:lvl5pPr marL="2286000" lvl="4" indent="-228600" algn="l">
               <a:lnSpc>
                 <a:spcPct val="90000"/>
               </a:lnSpc>
@@ -9204,7 +9420,7 @@
               <a:buNone/>
               <a:defRPr sz="1000"/>
             </a:lvl5pPr>
-            <a:lvl6pPr indent="-228600" lvl="5" marL="2743200" algn="l">
+            <a:lvl6pPr marL="2743200" lvl="5" indent="-228600" algn="l">
               <a:lnSpc>
                 <a:spcPct val="90000"/>
               </a:lnSpc>
@@ -9221,7 +9437,7 @@
               <a:buNone/>
               <a:defRPr sz="1000"/>
             </a:lvl6pPr>
-            <a:lvl7pPr indent="-228600" lvl="6" marL="3200400" algn="l">
+            <a:lvl7pPr marL="3200400" lvl="6" indent="-228600" algn="l">
               <a:lnSpc>
                 <a:spcPct val="90000"/>
               </a:lnSpc>
@@ -9238,7 +9454,7 @@
               <a:buNone/>
               <a:defRPr sz="1000"/>
             </a:lvl7pPr>
-            <a:lvl8pPr indent="-228600" lvl="7" marL="3657600" algn="l">
+            <a:lvl8pPr marL="3657600" lvl="7" indent="-228600" algn="l">
               <a:lnSpc>
                 <a:spcPct val="90000"/>
               </a:lnSpc>
@@ -9255,7 +9471,7 @@
               <a:buNone/>
               <a:defRPr sz="1000"/>
             </a:lvl8pPr>
-            <a:lvl9pPr indent="-228600" lvl="8" marL="4114800" algn="l">
+            <a:lvl9pPr marL="4114800" lvl="8" indent="-228600" algn="l">
               <a:lnSpc>
                 <a:spcPct val="90000"/>
               </a:lnSpc>
@@ -9273,15 +9489,19 @@
               <a:defRPr sz="1000"/>
             </a:lvl9pPr>
           </a:lstStyle>
-          <a:p/>
+          <a:p>
+            <a:endParaRPr/>
+          </a:p>
         </p:txBody>
       </p:sp>
       <p:sp>
         <p:nvSpPr>
           <p:cNvPr id="58" name="Google Shape;58;p9"/>
-          <p:cNvSpPr txBox="1"/>
+          <p:cNvSpPr txBox="1">
+            <a:spLocks noGrp="1"/>
+          </p:cNvSpPr>
           <p:nvPr>
-            <p:ph idx="10" type="dt"/>
+            <p:ph type="dt" idx="10"/>
           </p:nvPr>
         </p:nvSpPr>
         <p:spPr>
@@ -9298,7 +9518,7 @@
           </a:ln>
         </p:spPr>
         <p:txBody>
-          <a:bodyPr anchorCtr="0" anchor="ctr" bIns="45700" lIns="91425" spcFirstLastPara="1" rIns="91425" wrap="square" tIns="45700">
+          <a:bodyPr spcFirstLastPara="1" wrap="square" lIns="91425" tIns="45700" rIns="91425" bIns="45700" anchor="ctr" anchorCtr="0">
             <a:noAutofit/>
           </a:bodyPr>
           <a:lstStyle>
@@ -9402,15 +9622,19 @@
               <a:defRPr/>
             </a:lvl9pPr>
           </a:lstStyle>
-          <a:p/>
+          <a:p>
+            <a:endParaRPr/>
+          </a:p>
         </p:txBody>
       </p:sp>
       <p:sp>
         <p:nvSpPr>
           <p:cNvPr id="59" name="Google Shape;59;p9"/>
-          <p:cNvSpPr txBox="1"/>
+          <p:cNvSpPr txBox="1">
+            <a:spLocks noGrp="1"/>
+          </p:cNvSpPr>
           <p:nvPr>
-            <p:ph idx="11" type="ftr"/>
+            <p:ph type="ftr" idx="11"/>
           </p:nvPr>
         </p:nvSpPr>
         <p:spPr>
@@ -9427,7 +9651,7 @@
           </a:ln>
         </p:spPr>
         <p:txBody>
-          <a:bodyPr anchorCtr="0" anchor="ctr" bIns="45700" lIns="91425" spcFirstLastPara="1" rIns="91425" wrap="square" tIns="45700">
+          <a:bodyPr spcFirstLastPara="1" wrap="square" lIns="91425" tIns="45700" rIns="91425" bIns="45700" anchor="ctr" anchorCtr="0">
             <a:noAutofit/>
           </a:bodyPr>
           <a:lstStyle>
@@ -9531,15 +9755,19 @@
               <a:defRPr/>
             </a:lvl9pPr>
           </a:lstStyle>
-          <a:p/>
+          <a:p>
+            <a:endParaRPr/>
+          </a:p>
         </p:txBody>
       </p:sp>
       <p:sp>
         <p:nvSpPr>
           <p:cNvPr id="60" name="Google Shape;60;p9"/>
-          <p:cNvSpPr txBox="1"/>
+          <p:cNvSpPr txBox="1">
+            <a:spLocks noGrp="1"/>
+          </p:cNvSpPr>
           <p:nvPr>
-            <p:ph idx="12" type="sldNum"/>
+            <p:ph type="sldNum" idx="12"/>
           </p:nvPr>
         </p:nvSpPr>
         <p:spPr>
@@ -9556,67 +9784,67 @@
           </a:ln>
         </p:spPr>
         <p:txBody>
-          <a:bodyPr anchorCtr="0" anchor="ctr" bIns="45700" lIns="91425" spcFirstLastPara="1" rIns="91425" wrap="square" tIns="45700">
+          <a:bodyPr spcFirstLastPara="1" wrap="square" lIns="91425" tIns="45700" rIns="91425" bIns="45700" anchor="ctr" anchorCtr="0">
             <a:noAutofit/>
           </a:bodyPr>
           <a:lstStyle>
-            <a:lvl1pPr indent="0" lvl="0" marL="0" algn="r">
+            <a:lvl1pPr marL="0" lvl="0" indent="0" algn="r">
               <a:spcBef>
                 <a:spcPts val="0"/>
               </a:spcBef>
               <a:buNone/>
               <a:defRPr/>
             </a:lvl1pPr>
-            <a:lvl2pPr indent="0" lvl="1" marL="0" algn="r">
+            <a:lvl2pPr marL="0" lvl="1" indent="0" algn="r">
               <a:spcBef>
                 <a:spcPts val="0"/>
               </a:spcBef>
               <a:buNone/>
               <a:defRPr/>
             </a:lvl2pPr>
-            <a:lvl3pPr indent="0" lvl="2" marL="0" algn="r">
+            <a:lvl3pPr marL="0" lvl="2" indent="0" algn="r">
               <a:spcBef>
                 <a:spcPts val="0"/>
               </a:spcBef>
               <a:buNone/>
               <a:defRPr/>
             </a:lvl3pPr>
-            <a:lvl4pPr indent="0" lvl="3" marL="0" algn="r">
+            <a:lvl4pPr marL="0" lvl="3" indent="0" algn="r">
               <a:spcBef>
                 <a:spcPts val="0"/>
               </a:spcBef>
               <a:buNone/>
               <a:defRPr/>
             </a:lvl4pPr>
-            <a:lvl5pPr indent="0" lvl="4" marL="0" algn="r">
+            <a:lvl5pPr marL="0" lvl="4" indent="0" algn="r">
               <a:spcBef>
                 <a:spcPts val="0"/>
               </a:spcBef>
               <a:buNone/>
               <a:defRPr/>
             </a:lvl5pPr>
-            <a:lvl6pPr indent="0" lvl="5" marL="0" algn="r">
+            <a:lvl6pPr marL="0" lvl="5" indent="0" algn="r">
               <a:spcBef>
                 <a:spcPts val="0"/>
               </a:spcBef>
               <a:buNone/>
               <a:defRPr/>
             </a:lvl6pPr>
-            <a:lvl7pPr indent="0" lvl="6" marL="0" algn="r">
+            <a:lvl7pPr marL="0" lvl="6" indent="0" algn="r">
               <a:spcBef>
                 <a:spcPts val="0"/>
               </a:spcBef>
               <a:buNone/>
               <a:defRPr/>
             </a:lvl7pPr>
-            <a:lvl8pPr indent="0" lvl="7" marL="0" algn="r">
+            <a:lvl8pPr marL="0" lvl="7" indent="0" algn="r">
               <a:spcBef>
                 <a:spcPts val="0"/>
               </a:spcBef>
               <a:buNone/>
               <a:defRPr/>
             </a:lvl8pPr>
-            <a:lvl9pPr indent="0" lvl="8" marL="0" algn="r">
+            <a:lvl9pPr marL="0" lvl="8" indent="0" algn="r">
               <a:spcBef>
                 <a:spcPts val="0"/>
               </a:spcBef>
@@ -9625,7 +9853,7 @@
             </a:lvl9pPr>
           </a:lstStyle>
           <a:p>
-            <a:pPr indent="0" lvl="0" marL="0" rtl="0" algn="r">
+            <a:pPr marL="0" lvl="0" indent="0" algn="r" rtl="0">
               <a:spcBef>
                 <a:spcPts val="0"/>
               </a:spcBef>
@@ -9651,11 +9879,11 @@
 </file>
 
 <file path=ppt/slideLayouts/slideLayout9.xml><?xml version="1.0" encoding="utf-8"?>
-<p:sldLayout xmlns:a="http://schemas.openxmlformats.org/drawingml/2006/main" xmlns:r="http://schemas.openxmlformats.org/officeDocument/2006/relationships" xmlns:mc="http://schemas.openxmlformats.org/markup-compatibility/2006" xmlns:mv="urn:schemas-microsoft-com:mac:vml" xmlns:p="http://schemas.openxmlformats.org/presentationml/2006/main" xmlns:c="http://schemas.openxmlformats.org/drawingml/2006/chart" xmlns:dgm="http://schemas.openxmlformats.org/drawingml/2006/diagram" xmlns:o="urn:schemas-microsoft-com:office:office" xmlns:v="urn:schemas-microsoft-com:vml" xmlns:pvml="urn:schemas-microsoft-com:office:powerpoint" xmlns:com="http://schemas.openxmlformats.org/drawingml/2006/compatibility" xmlns:p14="http://schemas.microsoft.com/office/powerpoint/2010/main" xmlns:p15="http://schemas.microsoft.com/office/powerpoint/2012/main" xmlns:ahyp="http://schemas.microsoft.com/office/drawing/2018/hyperlinkcolor" matchingName="Picture with Caption" type="picTx">
+<p:sldLayout xmlns:a="http://schemas.openxmlformats.org/drawingml/2006/main" xmlns:r="http://schemas.openxmlformats.org/officeDocument/2006/relationships" xmlns:p="http://schemas.openxmlformats.org/presentationml/2006/main" matchingName="Picture with Caption" type="picTx">
   <p:cSld name="PICTURE_WITH_CAPTION_TEXT">
     <p:spTree>
       <p:nvGrpSpPr>
-        <p:cNvPr id="61" name="Shape 61"/>
+        <p:cNvPr id="1" name="Shape 61"/>
         <p:cNvGrpSpPr/>
         <p:nvPr/>
       </p:nvGrpSpPr>
@@ -9670,7 +9898,9 @@
       <p:sp>
         <p:nvSpPr>
           <p:cNvPr id="62" name="Google Shape;62;p10"/>
-          <p:cNvSpPr txBox="1"/>
+          <p:cNvSpPr txBox="1">
+            <a:spLocks noGrp="1"/>
+          </p:cNvSpPr>
           <p:nvPr>
             <p:ph type="title"/>
           </p:nvPr>
@@ -9689,7 +9919,7 @@
           </a:ln>
         </p:spPr>
         <p:txBody>
-          <a:bodyPr anchorCtr="0" anchor="b" bIns="45700" lIns="91425" spcFirstLastPara="1" rIns="91425" wrap="square" tIns="45700">
+          <a:bodyPr spcFirstLastPara="1" wrap="square" lIns="91425" tIns="45700" rIns="91425" bIns="45700" anchor="b" anchorCtr="0">
             <a:normAutofit/>
           </a:bodyPr>
           <a:lstStyle>
@@ -9800,15 +10030,19 @@
               <a:defRPr/>
             </a:lvl9pPr>
           </a:lstStyle>
-          <a:p/>
+          <a:p>
+            <a:endParaRPr/>
+          </a:p>
         </p:txBody>
       </p:sp>
       <p:sp>
         <p:nvSpPr>
           <p:cNvPr id="63" name="Google Shape;63;p10"/>
-          <p:cNvSpPr/>
+          <p:cNvSpPr>
+            <a:spLocks noGrp="1"/>
+          </p:cNvSpPr>
           <p:nvPr>
-            <p:ph idx="2" type="pic"/>
+            <p:ph type="pic" idx="2"/>
           </p:nvPr>
         </p:nvSpPr>
         <p:spPr>
@@ -9828,9 +10062,11 @@
       <p:sp>
         <p:nvSpPr>
           <p:cNvPr id="64" name="Google Shape;64;p10"/>
-          <p:cNvSpPr txBox="1"/>
+          <p:cNvSpPr txBox="1">
+            <a:spLocks noGrp="1"/>
+          </p:cNvSpPr>
           <p:nvPr>
-            <p:ph idx="1" type="body"/>
+            <p:ph type="body" idx="1"/>
           </p:nvPr>
         </p:nvSpPr>
         <p:spPr>
@@ -9847,11 +10083,11 @@
           </a:ln>
         </p:spPr>
         <p:txBody>
-          <a:bodyPr anchorCtr="0" anchor="t" bIns="45700" lIns="91425" spcFirstLastPara="1" rIns="91425" wrap="square" tIns="45700">
+          <a:bodyPr spcFirstLastPara="1" wrap="square" lIns="91425" tIns="45700" rIns="91425" bIns="45700" anchor="t" anchorCtr="0">
             <a:normAutofit/>
           </a:bodyPr>
           <a:lstStyle>
-            <a:lvl1pPr indent="-228600" lvl="0" marL="457200" algn="l">
+            <a:lvl1pPr marL="457200" lvl="0" indent="-228600" algn="l">
               <a:lnSpc>
                 <a:spcPct val="90000"/>
               </a:lnSpc>
@@ -9868,7 +10104,7 @@
               <a:buNone/>
               <a:defRPr sz="1600"/>
             </a:lvl1pPr>
-            <a:lvl2pPr indent="-228600" lvl="1" marL="914400" algn="l">
+            <a:lvl2pPr marL="914400" lvl="1" indent="-228600" algn="l">
               <a:lnSpc>
                 <a:spcPct val="90000"/>
               </a:lnSpc>
@@ -9885,7 +10121,7 @@
               <a:buNone/>
               <a:defRPr sz="1400"/>
             </a:lvl2pPr>
-            <a:lvl3pPr indent="-228600" lvl="2" marL="1371600" algn="l">
+            <a:lvl3pPr marL="1371600" lvl="2" indent="-228600" algn="l">
               <a:lnSpc>
                 <a:spcPct val="90000"/>
               </a:lnSpc>
@@ -9902,7 +10138,7 @@
               <a:buNone/>
               <a:defRPr sz="1200"/>
             </a:lvl3pPr>
-            <a:lvl4pPr indent="-228600" lvl="3" marL="1828800" algn="l">
+            <a:lvl4pPr marL="1828800" lvl="3" indent="-228600" algn="l">
               <a:lnSpc>
                 <a:spcPct val="90000"/>
               </a:lnSpc>
@@ -9919,7 +10155,7 @@
               <a:buNone/>
               <a:defRPr sz="1000"/>
             </a:lvl4pPr>
-            <a:lvl5pPr indent="-228600" lvl="4" marL="2286000" algn="l">
+            <a:lvl5pPr marL="2286000" lvl="4" indent="-228600" algn="l">
               <a:lnSpc>
                 <a:spcPct val="90000"/>
               </a:lnSpc>
@@ -9936,7 +10172,7 @@
               <a:buNone/>
               <a:defRPr sz="1000"/>
             </a:lvl5pPr>
-            <a:lvl6pPr indent="-228600" lvl="5" marL="2743200" algn="l">
+            <a:lvl6pPr marL="2743200" lvl="5" indent="-228600" algn="l">
               <a:lnSpc>
                 <a:spcPct val="90000"/>
               </a:lnSpc>
@@ -9953,7 +10189,7 @@
               <a:buNone/>
               <a:defRPr sz="1000"/>
             </a:lvl6pPr>
-            <a:lvl7pPr indent="-228600" lvl="6" marL="3200400" algn="l">
+            <a:lvl7pPr marL="3200400" lvl="6" indent="-228600" algn="l">
               <a:lnSpc>
                 <a:spcPct val="90000"/>
               </a:lnSpc>
@@ -9970,7 +10206,7 @@
               <a:buNone/>
               <a:defRPr sz="1000"/>
             </a:lvl7pPr>
-            <a:lvl8pPr indent="-228600" lvl="7" marL="3657600" algn="l">
+            <a:lvl8pPr marL="3657600" lvl="7" indent="-228600" algn="l">
               <a:lnSpc>
                 <a:spcPct val="90000"/>
               </a:lnSpc>
@@ -9987,7 +10223,7 @@
               <a:buNone/>
               <a:defRPr sz="1000"/>
             </a:lvl8pPr>
-            <a:lvl9pPr indent="-228600" lvl="8" marL="4114800" algn="l">
+            <a:lvl9pPr marL="4114800" lvl="8" indent="-228600" algn="l">
               <a:lnSpc>
                 <a:spcPct val="90000"/>
               </a:lnSpc>
@@ -10005,15 +10241,19 @@
               <a:defRPr sz="1000"/>
             </a:lvl9pPr>
           </a:lstStyle>
-          <a:p/>
+          <a:p>
+            <a:endParaRPr/>
+          </a:p>
         </p:txBody>
       </p:sp>
       <p:sp>
         <p:nvSpPr>
           <p:cNvPr id="65" name="Google Shape;65;p10"/>
-          <p:cNvSpPr txBox="1"/>
+          <p:cNvSpPr txBox="1">
+            <a:spLocks noGrp="1"/>
+          </p:cNvSpPr>
           <p:nvPr>
-            <p:ph idx="10" type="dt"/>
+            <p:ph type="dt" idx="10"/>
           </p:nvPr>
         </p:nvSpPr>
         <p:spPr>
@@ -10030,7 +10270,7 @@
           </a:ln>
         </p:spPr>
         <p:txBody>
-          <a:bodyPr anchorCtr="0" anchor="ctr" bIns="45700" lIns="91425" spcFirstLastPara="1" rIns="91425" wrap="square" tIns="45700">
+          <a:bodyPr spcFirstLastPara="1" wrap="square" lIns="91425" tIns="45700" rIns="91425" bIns="45700" anchor="ctr" anchorCtr="0">
             <a:noAutofit/>
           </a:bodyPr>
           <a:lstStyle>
@@ -10134,15 +10374,19 @@
               <a:defRPr/>
             </a:lvl9pPr>
           </a:lstStyle>
-          <a:p/>
+          <a:p>
+            <a:endParaRPr/>
+          </a:p>
         </p:txBody>
       </p:sp>
       <p:sp>
         <p:nvSpPr>
           <p:cNvPr id="66" name="Google Shape;66;p10"/>
-          <p:cNvSpPr txBox="1"/>
+          <p:cNvSpPr txBox="1">
+            <a:spLocks noGrp="1"/>
+          </p:cNvSpPr>
           <p:nvPr>
-            <p:ph idx="11" type="ftr"/>
+            <p:ph type="ftr" idx="11"/>
           </p:nvPr>
         </p:nvSpPr>
         <p:spPr>
@@ -10159,7 +10403,7 @@
           </a:ln>
         </p:spPr>
         <p:txBody>
-          <a:bodyPr anchorCtr="0" anchor="ctr" bIns="45700" lIns="91425" spcFirstLastPara="1" rIns="91425" wrap="square" tIns="45700">
+          <a:bodyPr spcFirstLastPara="1" wrap="square" lIns="91425" tIns="45700" rIns="91425" bIns="45700" anchor="ctr" anchorCtr="0">
             <a:noAutofit/>
           </a:bodyPr>
           <a:lstStyle>
@@ -10263,15 +10507,19 @@
               <a:defRPr/>
             </a:lvl9pPr>
           </a:lstStyle>
-          <a:p/>
+          <a:p>
+            <a:endParaRPr/>
+          </a:p>
         </p:txBody>
       </p:sp>
       <p:sp>
         <p:nvSpPr>
           <p:cNvPr id="67" name="Google Shape;67;p10"/>
-          <p:cNvSpPr txBox="1"/>
+          <p:cNvSpPr txBox="1">
+            <a:spLocks noGrp="1"/>
+          </p:cNvSpPr>
           <p:nvPr>
-            <p:ph idx="12" type="sldNum"/>
+            <p:ph type="sldNum" idx="12"/>
           </p:nvPr>
         </p:nvSpPr>
         <p:spPr>
@@ -10288,67 +10536,67 @@
           </a:ln>
         </p:spPr>
         <p:txBody>
-          <a:bodyPr anchorCtr="0" anchor="ctr" bIns="45700" lIns="91425" spcFirstLastPara="1" rIns="91425" wrap="square" tIns="45700">
+          <a:bodyPr spcFirstLastPara="1" wrap="square" lIns="91425" tIns="45700" rIns="91425" bIns="45700" anchor="ctr" anchorCtr="0">
             <a:noAutofit/>
           </a:bodyPr>
           <a:lstStyle>
-            <a:lvl1pPr indent="0" lvl="0" marL="0" algn="r">
+            <a:lvl1pPr marL="0" lvl="0" indent="0" algn="r">
               <a:spcBef>
                 <a:spcPts val="0"/>
               </a:spcBef>
               <a:buNone/>
               <a:defRPr/>
             </a:lvl1pPr>
-            <a:lvl2pPr indent="0" lvl="1" marL="0" algn="r">
+            <a:lvl2pPr marL="0" lvl="1" indent="0" algn="r">
               <a:spcBef>
                 <a:spcPts val="0"/>
               </a:spcBef>
               <a:buNone/>
               <a:defRPr/>
             </a:lvl2pPr>
-            <a:lvl3pPr indent="0" lvl="2" marL="0" algn="r">
+            <a:lvl3pPr marL="0" lvl="2" indent="0" algn="r">
               <a:spcBef>
                 <a:spcPts val="0"/>
               </a:spcBef>
               <a:buNone/>
               <a:defRPr/>
             </a:lvl3pPr>
-            <a:lvl4pPr indent="0" lvl="3" marL="0" algn="r">
+            <a:lvl4pPr marL="0" lvl="3" indent="0" algn="r">
               <a:spcBef>
                 <a:spcPts val="0"/>
               </a:spcBef>
               <a:buNone/>
               <a:defRPr/>
             </a:lvl4pPr>
-            <a:lvl5pPr indent="0" lvl="4" marL="0" algn="r">
+            <a:lvl5pPr marL="0" lvl="4" indent="0" algn="r">
               <a:spcBef>
                 <a:spcPts val="0"/>
               </a:spcBef>
               <a:buNone/>
               <a:defRPr/>
             </a:lvl5pPr>
-            <a:lvl6pPr indent="0" lvl="5" marL="0" algn="r">
+            <a:lvl6pPr marL="0" lvl="5" indent="0" algn="r">
               <a:spcBef>
                 <a:spcPts val="0"/>
               </a:spcBef>
               <a:buNone/>
               <a:defRPr/>
             </a:lvl6pPr>
-            <a:lvl7pPr indent="0" lvl="6" marL="0" algn="r">
+            <a:lvl7pPr marL="0" lvl="6" indent="0" algn="r">
               <a:spcBef>
                 <a:spcPts val="0"/>
               </a:spcBef>
               <a:buNone/>
               <a:defRPr/>
             </a:lvl7pPr>
-            <a:lvl8pPr indent="0" lvl="7" marL="0" algn="r">
+            <a:lvl8pPr marL="0" lvl="7" indent="0" algn="r">
               <a:spcBef>
                 <a:spcPts val="0"/>
               </a:spcBef>
               <a:buNone/>
               <a:defRPr/>
             </a:lvl8pPr>
-            <a:lvl9pPr indent="0" lvl="8" marL="0" algn="r">
+            <a:lvl9pPr marL="0" lvl="8" indent="0" algn="r">
               <a:spcBef>
                 <a:spcPts val="0"/>
               </a:spcBef>
@@ -10357,7 +10605,7 @@
             </a:lvl9pPr>
           </a:lstStyle>
           <a:p>
-            <a:pPr indent="0" lvl="0" marL="0" rtl="0" algn="r">
+            <a:pPr marL="0" lvl="0" indent="0" algn="r" rtl="0">
               <a:spcBef>
                 <a:spcPts val="0"/>
               </a:spcBef>
@@ -10383,18 +10631,19 @@
 </file>
 
 <file path=ppt/slideMasters/slideMaster1.xml><?xml version="1.0" encoding="utf-8"?>
-<p:sldMaster xmlns:a="http://schemas.openxmlformats.org/drawingml/2006/main" xmlns:r="http://schemas.openxmlformats.org/officeDocument/2006/relationships" xmlns:mc="http://schemas.openxmlformats.org/markup-compatibility/2006" xmlns:mv="urn:schemas-microsoft-com:mac:vml" xmlns:p="http://schemas.openxmlformats.org/presentationml/2006/main" xmlns:c="http://schemas.openxmlformats.org/drawingml/2006/chart" xmlns:dgm="http://schemas.openxmlformats.org/drawingml/2006/diagram" xmlns:o="urn:schemas-microsoft-com:office:office" xmlns:v="urn:schemas-microsoft-com:vml" xmlns:pvml="urn:schemas-microsoft-com:office:powerpoint" xmlns:com="http://schemas.openxmlformats.org/drawingml/2006/compatibility" xmlns:p14="http://schemas.microsoft.com/office/powerpoint/2010/main" xmlns:p15="http://schemas.microsoft.com/office/powerpoint/2012/main" xmlns:ahyp="http://schemas.microsoft.com/office/drawing/2018/hyperlinkcolor">
+<p:sldMaster xmlns:a="http://schemas.openxmlformats.org/drawingml/2006/main" xmlns:r="http://schemas.openxmlformats.org/officeDocument/2006/relationships" xmlns:p="http://schemas.openxmlformats.org/presentationml/2006/main">
   <p:cSld>
     <p:bg>
       <p:bgPr>
         <a:solidFill>
           <a:schemeClr val="lt1"/>
         </a:solidFill>
+        <a:effectLst/>
       </p:bgPr>
     </p:bg>
     <p:spTree>
       <p:nvGrpSpPr>
-        <p:cNvPr id="5" name="Shape 5"/>
+        <p:cNvPr id="1" name="Shape 5"/>
         <p:cNvGrpSpPr/>
         <p:nvPr/>
       </p:nvGrpSpPr>
@@ -10409,7 +10658,9 @@
       <p:sp>
         <p:nvSpPr>
           <p:cNvPr id="6" name="Google Shape;6;p1"/>
-          <p:cNvSpPr txBox="1"/>
+          <p:cNvSpPr txBox="1">
+            <a:spLocks noGrp="1"/>
+          </p:cNvSpPr>
           <p:nvPr>
             <p:ph type="title"/>
           </p:nvPr>
@@ -10428,11 +10679,11 @@
           </a:ln>
         </p:spPr>
         <p:txBody>
-          <a:bodyPr anchorCtr="0" anchor="ctr" bIns="45700" lIns="91425" spcFirstLastPara="1" rIns="91425" wrap="square" tIns="45700">
+          <a:bodyPr spcFirstLastPara="1" wrap="square" lIns="91425" tIns="45700" rIns="91425" bIns="45700" anchor="ctr" anchorCtr="0">
             <a:normAutofit/>
           </a:bodyPr>
           <a:lstStyle>
-            <a:lvl1pPr lvl="0" marR="0" rtl="0" algn="l">
+            <a:lvl1pPr marR="0" lvl="0" algn="l" rtl="0">
               <a:lnSpc>
                 <a:spcPct val="90000"/>
               </a:lnSpc>
@@ -10448,7 +10699,7 @@
               <a:buSzPts val="4400"/>
               <a:buFont typeface="Times New Roman"/>
               <a:buNone/>
-              <a:defRPr b="1" i="0" sz="4400" u="none" cap="none" strike="noStrike">
+              <a:defRPr sz="4400" b="1" i="0" u="none" strike="noStrike" cap="none">
                 <a:solidFill>
                   <a:srgbClr val="C00000"/>
                 </a:solidFill>
@@ -10547,15 +10798,19 @@
               <a:defRPr sz="1800"/>
             </a:lvl9pPr>
           </a:lstStyle>
-          <a:p/>
+          <a:p>
+            <a:endParaRPr/>
+          </a:p>
         </p:txBody>
       </p:sp>
       <p:sp>
         <p:nvSpPr>
           <p:cNvPr id="7" name="Google Shape;7;p1"/>
-          <p:cNvSpPr txBox="1"/>
+          <p:cNvSpPr txBox="1">
+            <a:spLocks noGrp="1"/>
+          </p:cNvSpPr>
           <p:nvPr>
-            <p:ph idx="1" type="body"/>
+            <p:ph type="body" idx="1"/>
           </p:nvPr>
         </p:nvSpPr>
         <p:spPr>
@@ -10572,11 +10827,11 @@
           </a:ln>
         </p:spPr>
         <p:txBody>
-          <a:bodyPr anchorCtr="0" anchor="t" bIns="45700" lIns="91425" spcFirstLastPara="1" rIns="91425" wrap="square" tIns="45700">
+          <a:bodyPr spcFirstLastPara="1" wrap="square" lIns="91425" tIns="45700" rIns="91425" bIns="45700" anchor="t" anchorCtr="0">
             <a:normAutofit/>
           </a:bodyPr>
           <a:lstStyle>
-            <a:lvl1pPr indent="-406400" lvl="0" marL="457200" marR="0" rtl="0" algn="l">
+            <a:lvl1pPr marL="457200" marR="0" lvl="0" indent="-406400" algn="l" rtl="0">
               <a:lnSpc>
                 <a:spcPct val="90000"/>
               </a:lnSpc>
@@ -10592,7 +10847,7 @@
               <a:buSzPts val="2800"/>
               <a:buFont typeface="Arial"/>
               <a:buChar char="•"/>
-              <a:defRPr b="0" i="0" sz="2800" u="none" cap="none" strike="noStrike">
+              <a:defRPr sz="2800" b="0" i="0" u="none" strike="noStrike" cap="none">
                 <a:solidFill>
                   <a:schemeClr val="dk1"/>
                 </a:solidFill>
@@ -10602,7 +10857,7 @@
                 <a:sym typeface="Times New Roman"/>
               </a:defRPr>
             </a:lvl1pPr>
-            <a:lvl2pPr indent="-381000" lvl="1" marL="914400" marR="0" rtl="0" algn="l">
+            <a:lvl2pPr marL="914400" marR="0" lvl="1" indent="-381000" algn="l" rtl="0">
               <a:lnSpc>
                 <a:spcPct val="90000"/>
               </a:lnSpc>
@@ -10618,7 +10873,7 @@
               <a:buSzPts val="2400"/>
               <a:buFont typeface="Arial"/>
               <a:buChar char="•"/>
-              <a:defRPr b="0" i="0" sz="2400" u="none" cap="none" strike="noStrike">
+              <a:defRPr sz="2400" b="0" i="0" u="none" strike="noStrike" cap="none">
                 <a:solidFill>
                   <a:schemeClr val="dk1"/>
                 </a:solidFill>
@@ -10628,7 +10883,7 @@
                 <a:sym typeface="Times New Roman"/>
               </a:defRPr>
             </a:lvl2pPr>
-            <a:lvl3pPr indent="-355600" lvl="2" marL="1371600" marR="0" rtl="0" algn="l">
+            <a:lvl3pPr marL="1371600" marR="0" lvl="2" indent="-355600" algn="l" rtl="0">
               <a:lnSpc>
                 <a:spcPct val="90000"/>
               </a:lnSpc>
@@ -10644,7 +10899,7 @@
               <a:buSzPts val="2000"/>
               <a:buFont typeface="Arial"/>
               <a:buChar char="•"/>
-              <a:defRPr b="0" i="0" sz="2000" u="none" cap="none" strike="noStrike">
+              <a:defRPr sz="2000" b="0" i="0" u="none" strike="noStrike" cap="none">
                 <a:solidFill>
                   <a:schemeClr val="dk1"/>
                 </a:solidFill>
@@ -10654,7 +10909,7 @@
                 <a:sym typeface="Times New Roman"/>
               </a:defRPr>
             </a:lvl3pPr>
-            <a:lvl4pPr indent="-342900" lvl="3" marL="1828800" marR="0" rtl="0" algn="l">
+            <a:lvl4pPr marL="1828800" marR="0" lvl="3" indent="-342900" algn="l" rtl="0">
               <a:lnSpc>
                 <a:spcPct val="90000"/>
               </a:lnSpc>
@@ -10670,7 +10925,7 @@
               <a:buSzPts val="1800"/>
               <a:buFont typeface="Arial"/>
               <a:buChar char="•"/>
-              <a:defRPr b="0" i="0" sz="1800" u="none" cap="none" strike="noStrike">
+              <a:defRPr sz="1800" b="0" i="0" u="none" strike="noStrike" cap="none">
                 <a:solidFill>
                   <a:schemeClr val="dk1"/>
                 </a:solidFill>
@@ -10680,7 +10935,7 @@
                 <a:sym typeface="Times New Roman"/>
               </a:defRPr>
             </a:lvl4pPr>
-            <a:lvl5pPr indent="-342900" lvl="4" marL="2286000" marR="0" rtl="0" algn="l">
+            <a:lvl5pPr marL="2286000" marR="0" lvl="4" indent="-342900" algn="l" rtl="0">
               <a:lnSpc>
                 <a:spcPct val="90000"/>
               </a:lnSpc>
@@ -10696,7 +10951,7 @@
               <a:buSzPts val="1800"/>
               <a:buFont typeface="Arial"/>
               <a:buChar char="•"/>
-              <a:defRPr b="0" i="0" sz="1800" u="none" cap="none" strike="noStrike">
+              <a:defRPr sz="1800" b="0" i="0" u="none" strike="noStrike" cap="none">
                 <a:solidFill>
                   <a:schemeClr val="dk1"/>
                 </a:solidFill>
@@ -10706,7 +10961,7 @@
                 <a:sym typeface="Times New Roman"/>
               </a:defRPr>
             </a:lvl5pPr>
-            <a:lvl6pPr indent="-342900" lvl="5" marL="2743200" marR="0" rtl="0" algn="l">
+            <a:lvl6pPr marL="2743200" marR="0" lvl="5" indent="-342900" algn="l" rtl="0">
               <a:lnSpc>
                 <a:spcPct val="90000"/>
               </a:lnSpc>
@@ -10722,7 +10977,7 @@
               <a:buSzPts val="1800"/>
               <a:buFont typeface="Arial"/>
               <a:buChar char="•"/>
-              <a:defRPr b="0" i="0" sz="1800" u="none" cap="none" strike="noStrike">
+              <a:defRPr sz="1800" b="0" i="0" u="none" strike="noStrike" cap="none">
                 <a:solidFill>
                   <a:schemeClr val="dk1"/>
                 </a:solidFill>
@@ -10732,7 +10987,7 @@
                 <a:sym typeface="Calibri"/>
               </a:defRPr>
             </a:lvl6pPr>
-            <a:lvl7pPr indent="-342900" lvl="6" marL="3200400" marR="0" rtl="0" algn="l">
+            <a:lvl7pPr marL="3200400" marR="0" lvl="6" indent="-342900" algn="l" rtl="0">
               <a:lnSpc>
                 <a:spcPct val="90000"/>
               </a:lnSpc>
@@ -10748,7 +11003,7 @@
               <a:buSzPts val="1800"/>
               <a:buFont typeface="Arial"/>
               <a:buChar char="•"/>
-              <a:defRPr b="0" i="0" sz="1800" u="none" cap="none" strike="noStrike">
+              <a:defRPr sz="1800" b="0" i="0" u="none" strike="noStrike" cap="none">
                 <a:solidFill>
                   <a:schemeClr val="dk1"/>
                 </a:solidFill>
@@ -10758,7 +11013,7 @@
                 <a:sym typeface="Calibri"/>
               </a:defRPr>
             </a:lvl7pPr>
-            <a:lvl8pPr indent="-342900" lvl="7" marL="3657600" marR="0" rtl="0" algn="l">
+            <a:lvl8pPr marL="3657600" marR="0" lvl="7" indent="-342900" algn="l" rtl="0">
               <a:lnSpc>
                 <a:spcPct val="90000"/>
               </a:lnSpc>
@@ -10774,7 +11029,7 @@
               <a:buSzPts val="1800"/>
               <a:buFont typeface="Arial"/>
               <a:buChar char="•"/>
-              <a:defRPr b="0" i="0" sz="1800" u="none" cap="none" strike="noStrike">
+              <a:defRPr sz="1800" b="0" i="0" u="none" strike="noStrike" cap="none">
                 <a:solidFill>
                   <a:schemeClr val="dk1"/>
                 </a:solidFill>
@@ -10784,7 +11039,7 @@
                 <a:sym typeface="Calibri"/>
               </a:defRPr>
             </a:lvl8pPr>
-            <a:lvl9pPr indent="-342900" lvl="8" marL="4114800" marR="0" rtl="0" algn="l">
+            <a:lvl9pPr marL="4114800" marR="0" lvl="8" indent="-342900" algn="l" rtl="0">
               <a:lnSpc>
                 <a:spcPct val="90000"/>
               </a:lnSpc>
@@ -10800,7 +11055,7 @@
               <a:buSzPts val="1800"/>
               <a:buFont typeface="Arial"/>
               <a:buChar char="•"/>
-              <a:defRPr b="0" i="0" sz="1800" u="none" cap="none" strike="noStrike">
+              <a:defRPr sz="1800" b="0" i="0" u="none" strike="noStrike" cap="none">
                 <a:solidFill>
                   <a:schemeClr val="dk1"/>
                 </a:solidFill>
@@ -10811,15 +11066,19 @@
               </a:defRPr>
             </a:lvl9pPr>
           </a:lstStyle>
-          <a:p/>
+          <a:p>
+            <a:endParaRPr/>
+          </a:p>
         </p:txBody>
       </p:sp>
       <p:sp>
         <p:nvSpPr>
           <p:cNvPr id="8" name="Google Shape;8;p1"/>
-          <p:cNvSpPr txBox="1"/>
+          <p:cNvSpPr txBox="1">
+            <a:spLocks noGrp="1"/>
+          </p:cNvSpPr>
           <p:nvPr>
-            <p:ph idx="10" type="dt"/>
+            <p:ph type="dt" idx="10"/>
           </p:nvPr>
         </p:nvSpPr>
         <p:spPr>
@@ -10836,20 +11095,20 @@
           </a:ln>
         </p:spPr>
         <p:txBody>
-          <a:bodyPr anchorCtr="0" anchor="ctr" bIns="45700" lIns="91425" spcFirstLastPara="1" rIns="91425" wrap="square" tIns="45700">
+          <a:bodyPr spcFirstLastPara="1" wrap="square" lIns="91425" tIns="45700" rIns="91425" bIns="45700" anchor="ctr" anchorCtr="0">
             <a:noAutofit/>
           </a:bodyPr>
           <a:lstStyle>
-            <a:lvl1pPr lvl="0" marR="0" rtl="0" algn="l">
-              <a:spcBef>
-                <a:spcPts val="0"/>
-              </a:spcBef>
-              <a:spcAft>
-                <a:spcPts val="0"/>
-              </a:spcAft>
-              <a:buSzPts val="1400"/>
-              <a:buNone/>
-              <a:defRPr b="0" i="0" sz="1200" u="none" cap="none" strike="noStrike">
+            <a:lvl1pPr marR="0" lvl="0" algn="l" rtl="0">
+              <a:spcBef>
+                <a:spcPts val="0"/>
+              </a:spcBef>
+              <a:spcAft>
+                <a:spcPts val="0"/>
+              </a:spcAft>
+              <a:buSzPts val="1400"/>
+              <a:buNone/>
+              <a:defRPr sz="1200" b="0" i="0" u="none" strike="noStrike" cap="none">
                 <a:solidFill>
                   <a:srgbClr val="888888"/>
                 </a:solidFill>
@@ -10859,16 +11118,16 @@
                 <a:sym typeface="Times New Roman"/>
               </a:defRPr>
             </a:lvl1pPr>
-            <a:lvl2pPr lvl="1" marR="0" rtl="0" algn="l">
-              <a:spcBef>
-                <a:spcPts val="0"/>
-              </a:spcBef>
-              <a:spcAft>
-                <a:spcPts val="0"/>
-              </a:spcAft>
-              <a:buSzPts val="1400"/>
-              <a:buNone/>
-              <a:defRPr b="0" i="0" sz="1800" u="none" cap="none" strike="noStrike">
+            <a:lvl2pPr marR="0" lvl="1" algn="l" rtl="0">
+              <a:spcBef>
+                <a:spcPts val="0"/>
+              </a:spcBef>
+              <a:spcAft>
+                <a:spcPts val="0"/>
+              </a:spcAft>
+              <a:buSzPts val="1400"/>
+              <a:buNone/>
+              <a:defRPr sz="1800" b="0" i="0" u="none" strike="noStrike" cap="none">
                 <a:solidFill>
                   <a:schemeClr val="dk1"/>
                 </a:solidFill>
@@ -10878,16 +11137,16 @@
                 <a:sym typeface="Calibri"/>
               </a:defRPr>
             </a:lvl2pPr>
-            <a:lvl3pPr lvl="2" marR="0" rtl="0" algn="l">
-              <a:spcBef>
-                <a:spcPts val="0"/>
-              </a:spcBef>
-              <a:spcAft>
-                <a:spcPts val="0"/>
-              </a:spcAft>
-              <a:buSzPts val="1400"/>
-              <a:buNone/>
-              <a:defRPr b="0" i="0" sz="1800" u="none" cap="none" strike="noStrike">
+            <a:lvl3pPr marR="0" lvl="2" algn="l" rtl="0">
+              <a:spcBef>
+                <a:spcPts val="0"/>
+              </a:spcBef>
+              <a:spcAft>
+                <a:spcPts val="0"/>
+              </a:spcAft>
+              <a:buSzPts val="1400"/>
+              <a:buNone/>
+              <a:defRPr sz="1800" b="0" i="0" u="none" strike="noStrike" cap="none">
                 <a:solidFill>
                   <a:schemeClr val="dk1"/>
                 </a:solidFill>
@@ -10897,16 +11156,16 @@
                 <a:sym typeface="Calibri"/>
               </a:defRPr>
             </a:lvl3pPr>
-            <a:lvl4pPr lvl="3" marR="0" rtl="0" algn="l">
-              <a:spcBef>
-                <a:spcPts val="0"/>
-              </a:spcBef>
-              <a:spcAft>
-                <a:spcPts val="0"/>
-              </a:spcAft>
-              <a:buSzPts val="1400"/>
-              <a:buNone/>
-              <a:defRPr b="0" i="0" sz="1800" u="none" cap="none" strike="noStrike">
+            <a:lvl4pPr marR="0" lvl="3" algn="l" rtl="0">
+              <a:spcBef>
+                <a:spcPts val="0"/>
+              </a:spcBef>
+              <a:spcAft>
+                <a:spcPts val="0"/>
+              </a:spcAft>
+              <a:buSzPts val="1400"/>
+              <a:buNone/>
+              <a:defRPr sz="1800" b="0" i="0" u="none" strike="noStrike" cap="none">
                 <a:solidFill>
                   <a:schemeClr val="dk1"/>
                 </a:solidFill>
@@ -10916,16 +11175,16 @@
                 <a:sym typeface="Calibri"/>
               </a:defRPr>
             </a:lvl4pPr>
-            <a:lvl5pPr lvl="4" marR="0" rtl="0" algn="l">
-              <a:spcBef>
-                <a:spcPts val="0"/>
-              </a:spcBef>
-              <a:spcAft>
-                <a:spcPts val="0"/>
-              </a:spcAft>
-              <a:buSzPts val="1400"/>
-              <a:buNone/>
-              <a:defRPr b="0" i="0" sz="1800" u="none" cap="none" strike="noStrike">
+            <a:lvl5pPr marR="0" lvl="4" algn="l" rtl="0">
+              <a:spcBef>
+                <a:spcPts val="0"/>
+              </a:spcBef>
+              <a:spcAft>
+                <a:spcPts val="0"/>
+              </a:spcAft>
+              <a:buSzPts val="1400"/>
+              <a:buNone/>
+              <a:defRPr sz="1800" b="0" i="0" u="none" strike="noStrike" cap="none">
                 <a:solidFill>
                   <a:schemeClr val="dk1"/>
                 </a:solidFill>
@@ -10935,16 +11194,16 @@
                 <a:sym typeface="Calibri"/>
               </a:defRPr>
             </a:lvl5pPr>
-            <a:lvl6pPr lvl="5" marR="0" rtl="0" algn="l">
-              <a:spcBef>
-                <a:spcPts val="0"/>
-              </a:spcBef>
-              <a:spcAft>
-                <a:spcPts val="0"/>
-              </a:spcAft>
-              <a:buSzPts val="1400"/>
-              <a:buNone/>
-              <a:defRPr b="0" i="0" sz="1800" u="none" cap="none" strike="noStrike">
+            <a:lvl6pPr marR="0" lvl="5" algn="l" rtl="0">
+              <a:spcBef>
+                <a:spcPts val="0"/>
+              </a:spcBef>
+              <a:spcAft>
+                <a:spcPts val="0"/>
+              </a:spcAft>
+              <a:buSzPts val="1400"/>
+              <a:buNone/>
+              <a:defRPr sz="1800" b="0" i="0" u="none" strike="noStrike" cap="none">
                 <a:solidFill>
                   <a:schemeClr val="dk1"/>
                 </a:solidFill>
@@ -10954,16 +11213,16 @@
                 <a:sym typeface="Calibri"/>
               </a:defRPr>
             </a:lvl6pPr>
-            <a:lvl7pPr lvl="6" marR="0" rtl="0" algn="l">
-              <a:spcBef>
-                <a:spcPts val="0"/>
-              </a:spcBef>
-              <a:spcAft>
-                <a:spcPts val="0"/>
-              </a:spcAft>
-              <a:buSzPts val="1400"/>
-              <a:buNone/>
-              <a:defRPr b="0" i="0" sz="1800" u="none" cap="none" strike="noStrike">
+            <a:lvl7pPr marR="0" lvl="6" algn="l" rtl="0">
+              <a:spcBef>
+                <a:spcPts val="0"/>
+              </a:spcBef>
+              <a:spcAft>
+                <a:spcPts val="0"/>
+              </a:spcAft>
+              <a:buSzPts val="1400"/>
+              <a:buNone/>
+              <a:defRPr sz="1800" b="0" i="0" u="none" strike="noStrike" cap="none">
                 <a:solidFill>
                   <a:schemeClr val="dk1"/>
                 </a:solidFill>
@@ -10973,16 +11232,16 @@
                 <a:sym typeface="Calibri"/>
               </a:defRPr>
             </a:lvl7pPr>
-            <a:lvl8pPr lvl="7" marR="0" rtl="0" algn="l">
-              <a:spcBef>
-                <a:spcPts val="0"/>
-              </a:spcBef>
-              <a:spcAft>
-                <a:spcPts val="0"/>
-              </a:spcAft>
-              <a:buSzPts val="1400"/>
-              <a:buNone/>
-              <a:defRPr b="0" i="0" sz="1800" u="none" cap="none" strike="noStrike">
+            <a:lvl8pPr marR="0" lvl="7" algn="l" rtl="0">
+              <a:spcBef>
+                <a:spcPts val="0"/>
+              </a:spcBef>
+              <a:spcAft>
+                <a:spcPts val="0"/>
+              </a:spcAft>
+              <a:buSzPts val="1400"/>
+              <a:buNone/>
+              <a:defRPr sz="1800" b="0" i="0" u="none" strike="noStrike" cap="none">
                 <a:solidFill>
                   <a:schemeClr val="dk1"/>
                 </a:solidFill>
@@ -10992,16 +11251,16 @@
                 <a:sym typeface="Calibri"/>
               </a:defRPr>
             </a:lvl8pPr>
-            <a:lvl9pPr lvl="8" marR="0" rtl="0" algn="l">
-              <a:spcBef>
-                <a:spcPts val="0"/>
-              </a:spcBef>
-              <a:spcAft>
-                <a:spcPts val="0"/>
-              </a:spcAft>
-              <a:buSzPts val="1400"/>
-              <a:buNone/>
-              <a:defRPr b="0" i="0" sz="1800" u="none" cap="none" strike="noStrike">
+            <a:lvl9pPr marR="0" lvl="8" algn="l" rtl="0">
+              <a:spcBef>
+                <a:spcPts val="0"/>
+              </a:spcBef>
+              <a:spcAft>
+                <a:spcPts val="0"/>
+              </a:spcAft>
+              <a:buSzPts val="1400"/>
+              <a:buNone/>
+              <a:defRPr sz="1800" b="0" i="0" u="none" strike="noStrike" cap="none">
                 <a:solidFill>
                   <a:schemeClr val="dk1"/>
                 </a:solidFill>
@@ -11012,15 +11271,19 @@
               </a:defRPr>
             </a:lvl9pPr>
           </a:lstStyle>
-          <a:p/>
+          <a:p>
+            <a:endParaRPr/>
+          </a:p>
         </p:txBody>
       </p:sp>
       <p:sp>
         <p:nvSpPr>
           <p:cNvPr id="9" name="Google Shape;9;p1"/>
-          <p:cNvSpPr txBox="1"/>
+          <p:cNvSpPr txBox="1">
+            <a:spLocks noGrp="1"/>
+          </p:cNvSpPr>
           <p:nvPr>
-            <p:ph idx="11" type="ftr"/>
+            <p:ph type="ftr" idx="11"/>
           </p:nvPr>
         </p:nvSpPr>
         <p:spPr>
@@ -11037,20 +11300,20 @@
           </a:ln>
         </p:spPr>
         <p:txBody>
-          <a:bodyPr anchorCtr="0" anchor="ctr" bIns="45700" lIns="91425" spcFirstLastPara="1" rIns="91425" wrap="square" tIns="45700">
+          <a:bodyPr spcFirstLastPara="1" wrap="square" lIns="91425" tIns="45700" rIns="91425" bIns="45700" anchor="ctr" anchorCtr="0">
             <a:noAutofit/>
           </a:bodyPr>
           <a:lstStyle>
-            <a:lvl1pPr lvl="0" marR="0" rtl="0" algn="ctr">
-              <a:spcBef>
-                <a:spcPts val="0"/>
-              </a:spcBef>
-              <a:spcAft>
-                <a:spcPts val="0"/>
-              </a:spcAft>
-              <a:buSzPts val="1400"/>
-              <a:buNone/>
-              <a:defRPr b="0" i="0" sz="1200" u="none" cap="none" strike="noStrike">
+            <a:lvl1pPr marR="0" lvl="0" algn="ctr" rtl="0">
+              <a:spcBef>
+                <a:spcPts val="0"/>
+              </a:spcBef>
+              <a:spcAft>
+                <a:spcPts val="0"/>
+              </a:spcAft>
+              <a:buSzPts val="1400"/>
+              <a:buNone/>
+              <a:defRPr sz="1200" b="0" i="0" u="none" strike="noStrike" cap="none">
                 <a:solidFill>
                   <a:srgbClr val="888888"/>
                 </a:solidFill>
@@ -11060,16 +11323,16 @@
                 <a:sym typeface="Times New Roman"/>
               </a:defRPr>
             </a:lvl1pPr>
-            <a:lvl2pPr lvl="1" marR="0" rtl="0" algn="l">
-              <a:spcBef>
-                <a:spcPts val="0"/>
-              </a:spcBef>
-              <a:spcAft>
-                <a:spcPts val="0"/>
-              </a:spcAft>
-              <a:buSzPts val="1400"/>
-              <a:buNone/>
-              <a:defRPr b="0" i="0" sz="1800" u="none" cap="none" strike="noStrike">
+            <a:lvl2pPr marR="0" lvl="1" algn="l" rtl="0">
+              <a:spcBef>
+                <a:spcPts val="0"/>
+              </a:spcBef>
+              <a:spcAft>
+                <a:spcPts val="0"/>
+              </a:spcAft>
+              <a:buSzPts val="1400"/>
+              <a:buNone/>
+              <a:defRPr sz="1800" b="0" i="0" u="none" strike="noStrike" cap="none">
                 <a:solidFill>
                   <a:schemeClr val="dk1"/>
                 </a:solidFill>
@@ -11079,16 +11342,16 @@
                 <a:sym typeface="Calibri"/>
               </a:defRPr>
             </a:lvl2pPr>
-            <a:lvl3pPr lvl="2" marR="0" rtl="0" algn="l">
-              <a:spcBef>
-                <a:spcPts val="0"/>
-              </a:spcBef>
-              <a:spcAft>
-                <a:spcPts val="0"/>
-              </a:spcAft>
-              <a:buSzPts val="1400"/>
-              <a:buNone/>
-              <a:defRPr b="0" i="0" sz="1800" u="none" cap="none" strike="noStrike">
+            <a:lvl3pPr marR="0" lvl="2" algn="l" rtl="0">
+              <a:spcBef>
+                <a:spcPts val="0"/>
+              </a:spcBef>
+              <a:spcAft>
+                <a:spcPts val="0"/>
+              </a:spcAft>
+              <a:buSzPts val="1400"/>
+              <a:buNone/>
+              <a:defRPr sz="1800" b="0" i="0" u="none" strike="noStrike" cap="none">
                 <a:solidFill>
                   <a:schemeClr val="dk1"/>
                 </a:solidFill>
@@ -11098,16 +11361,16 @@
                 <a:sym typeface="Calibri"/>
               </a:defRPr>
             </a:lvl3pPr>
-            <a:lvl4pPr lvl="3" marR="0" rtl="0" algn="l">
-              <a:spcBef>
-                <a:spcPts val="0"/>
-              </a:spcBef>
-              <a:spcAft>
-                <a:spcPts val="0"/>
-              </a:spcAft>
-              <a:buSzPts val="1400"/>
-              <a:buNone/>
-              <a:defRPr b="0" i="0" sz="1800" u="none" cap="none" strike="noStrike">
+            <a:lvl4pPr marR="0" lvl="3" algn="l" rtl="0">
+              <a:spcBef>
+                <a:spcPts val="0"/>
+              </a:spcBef>
+              <a:spcAft>
+                <a:spcPts val="0"/>
+              </a:spcAft>
+              <a:buSzPts val="1400"/>
+              <a:buNone/>
+              <a:defRPr sz="1800" b="0" i="0" u="none" strike="noStrike" cap="none">
                 <a:solidFill>
                   <a:schemeClr val="dk1"/>
                 </a:solidFill>
@@ -11117,16 +11380,16 @@
                 <a:sym typeface="Calibri"/>
               </a:defRPr>
             </a:lvl4pPr>
-            <a:lvl5pPr lvl="4" marR="0" rtl="0" algn="l">
-              <a:spcBef>
-                <a:spcPts val="0"/>
-              </a:spcBef>
-              <a:spcAft>
-                <a:spcPts val="0"/>
-              </a:spcAft>
-              <a:buSzPts val="1400"/>
-              <a:buNone/>
-              <a:defRPr b="0" i="0" sz="1800" u="none" cap="none" strike="noStrike">
+            <a:lvl5pPr marR="0" lvl="4" algn="l" rtl="0">
+              <a:spcBef>
+                <a:spcPts val="0"/>
+              </a:spcBef>
+              <a:spcAft>
+                <a:spcPts val="0"/>
+              </a:spcAft>
+              <a:buSzPts val="1400"/>
+              <a:buNone/>
+              <a:defRPr sz="1800" b="0" i="0" u="none" strike="noStrike" cap="none">
                 <a:solidFill>
                   <a:schemeClr val="dk1"/>
                 </a:solidFill>
@@ -11136,16 +11399,16 @@
                 <a:sym typeface="Calibri"/>
               </a:defRPr>
             </a:lvl5pPr>
-            <a:lvl6pPr lvl="5" marR="0" rtl="0" algn="l">
-              <a:spcBef>
-                <a:spcPts val="0"/>
-              </a:spcBef>
-              <a:spcAft>
-                <a:spcPts val="0"/>
-              </a:spcAft>
-              <a:buSzPts val="1400"/>
-              <a:buNone/>
-              <a:defRPr b="0" i="0" sz="1800" u="none" cap="none" strike="noStrike">
+            <a:lvl6pPr marR="0" lvl="5" algn="l" rtl="0">
+              <a:spcBef>
+                <a:spcPts val="0"/>
+              </a:spcBef>
+              <a:spcAft>
+                <a:spcPts val="0"/>
+              </a:spcAft>
+              <a:buSzPts val="1400"/>
+              <a:buNone/>
+              <a:defRPr sz="1800" b="0" i="0" u="none" strike="noStrike" cap="none">
                 <a:solidFill>
                   <a:schemeClr val="dk1"/>
                 </a:solidFill>
@@ -11155,16 +11418,16 @@
                 <a:sym typeface="Calibri"/>
               </a:defRPr>
             </a:lvl6pPr>
-            <a:lvl7pPr lvl="6" marR="0" rtl="0" algn="l">
-              <a:spcBef>
-                <a:spcPts val="0"/>
-              </a:spcBef>
-              <a:spcAft>
-                <a:spcPts val="0"/>
-              </a:spcAft>
-              <a:buSzPts val="1400"/>
-              <a:buNone/>
-              <a:defRPr b="0" i="0" sz="1800" u="none" cap="none" strike="noStrike">
+            <a:lvl7pPr marR="0" lvl="6" algn="l" rtl="0">
+              <a:spcBef>
+                <a:spcPts val="0"/>
+              </a:spcBef>
+              <a:spcAft>
+                <a:spcPts val="0"/>
+              </a:spcAft>
+              <a:buSzPts val="1400"/>
+              <a:buNone/>
+              <a:defRPr sz="1800" b="0" i="0" u="none" strike="noStrike" cap="none">
                 <a:solidFill>
                   <a:schemeClr val="dk1"/>
                 </a:solidFill>
@@ -11174,16 +11437,16 @@
                 <a:sym typeface="Calibri"/>
               </a:defRPr>
             </a:lvl7pPr>
-            <a:lvl8pPr lvl="7" marR="0" rtl="0" algn="l">
-              <a:spcBef>
-                <a:spcPts val="0"/>
-              </a:spcBef>
-              <a:spcAft>
-                <a:spcPts val="0"/>
-              </a:spcAft>
-              <a:buSzPts val="1400"/>
-              <a:buNone/>
-              <a:defRPr b="0" i="0" sz="1800" u="none" cap="none" strike="noStrike">
+            <a:lvl8pPr marR="0" lvl="7" algn="l" rtl="0">
+              <a:spcBef>
+                <a:spcPts val="0"/>
+              </a:spcBef>
+              <a:spcAft>
+                <a:spcPts val="0"/>
+              </a:spcAft>
+              <a:buSzPts val="1400"/>
+              <a:buNone/>
+              <a:defRPr sz="1800" b="0" i="0" u="none" strike="noStrike" cap="none">
                 <a:solidFill>
                   <a:schemeClr val="dk1"/>
                 </a:solidFill>
@@ -11193,16 +11456,16 @@
                 <a:sym typeface="Calibri"/>
               </a:defRPr>
             </a:lvl8pPr>
-            <a:lvl9pPr lvl="8" marR="0" rtl="0" algn="l">
-              <a:spcBef>
-                <a:spcPts val="0"/>
-              </a:spcBef>
-              <a:spcAft>
-                <a:spcPts val="0"/>
-              </a:spcAft>
-              <a:buSzPts val="1400"/>
-              <a:buNone/>
-              <a:defRPr b="0" i="0" sz="1800" u="none" cap="none" strike="noStrike">
+            <a:lvl9pPr marR="0" lvl="8" algn="l" rtl="0">
+              <a:spcBef>
+                <a:spcPts val="0"/>
+              </a:spcBef>
+              <a:spcAft>
+                <a:spcPts val="0"/>
+              </a:spcAft>
+              <a:buSzPts val="1400"/>
+              <a:buNone/>
+              <a:defRPr sz="1800" b="0" i="0" u="none" strike="noStrike" cap="none">
                 <a:solidFill>
                   <a:schemeClr val="dk1"/>
                 </a:solidFill>
@@ -11213,15 +11476,19 @@
               </a:defRPr>
             </a:lvl9pPr>
           </a:lstStyle>
-          <a:p/>
+          <a:p>
+            <a:endParaRPr/>
+          </a:p>
         </p:txBody>
       </p:sp>
       <p:sp>
         <p:nvSpPr>
           <p:cNvPr id="10" name="Google Shape;10;p1"/>
-          <p:cNvSpPr txBox="1"/>
+          <p:cNvSpPr txBox="1">
+            <a:spLocks noGrp="1"/>
+          </p:cNvSpPr>
           <p:nvPr>
-            <p:ph idx="12" type="sldNum"/>
+            <p:ph type="sldNum" idx="12"/>
           </p:nvPr>
         </p:nvSpPr>
         <p:spPr>
@@ -11238,16 +11505,16 @@
           </a:ln>
         </p:spPr>
         <p:txBody>
-          <a:bodyPr anchorCtr="0" anchor="ctr" bIns="45700" lIns="91425" spcFirstLastPara="1" rIns="91425" wrap="square" tIns="45700">
+          <a:bodyPr spcFirstLastPara="1" wrap="square" lIns="91425" tIns="45700" rIns="91425" bIns="45700" anchor="ctr" anchorCtr="0">
             <a:noAutofit/>
           </a:bodyPr>
           <a:lstStyle>
-            <a:lvl1pPr indent="0" lvl="0" marL="0" marR="0" rtl="0" algn="r">
-              <a:spcBef>
-                <a:spcPts val="0"/>
-              </a:spcBef>
-              <a:buNone/>
-              <a:defRPr b="0" i="0" sz="1200" u="none" cap="none" strike="noStrike">
+            <a:lvl1pPr marL="0" marR="0" lvl="0" indent="0" algn="r" rtl="0">
+              <a:spcBef>
+                <a:spcPts val="0"/>
+              </a:spcBef>
+              <a:buNone/>
+              <a:defRPr sz="1200" b="0" i="0" u="none" strike="noStrike" cap="none">
                 <a:solidFill>
                   <a:srgbClr val="888888"/>
                 </a:solidFill>
@@ -11257,12 +11524,12 @@
                 <a:sym typeface="Times New Roman"/>
               </a:defRPr>
             </a:lvl1pPr>
-            <a:lvl2pPr indent="0" lvl="1" marL="0" marR="0" rtl="0" algn="r">
-              <a:spcBef>
-                <a:spcPts val="0"/>
-              </a:spcBef>
-              <a:buNone/>
-              <a:defRPr b="0" i="0" sz="1200" u="none" cap="none" strike="noStrike">
+            <a:lvl2pPr marL="0" marR="0" lvl="1" indent="0" algn="r" rtl="0">
+              <a:spcBef>
+                <a:spcPts val="0"/>
+              </a:spcBef>
+              <a:buNone/>
+              <a:defRPr sz="1200" b="0" i="0" u="none" strike="noStrike" cap="none">
                 <a:solidFill>
                   <a:srgbClr val="888888"/>
                 </a:solidFill>
@@ -11272,12 +11539,12 @@
                 <a:sym typeface="Times New Roman"/>
               </a:defRPr>
             </a:lvl2pPr>
-            <a:lvl3pPr indent="0" lvl="2" marL="0" marR="0" rtl="0" algn="r">
-              <a:spcBef>
-                <a:spcPts val="0"/>
-              </a:spcBef>
-              <a:buNone/>
-              <a:defRPr b="0" i="0" sz="1200" u="none" cap="none" strike="noStrike">
+            <a:lvl3pPr marL="0" marR="0" lvl="2" indent="0" algn="r" rtl="0">
+              <a:spcBef>
+                <a:spcPts val="0"/>
+              </a:spcBef>
+              <a:buNone/>
+              <a:defRPr sz="1200" b="0" i="0" u="none" strike="noStrike" cap="none">
                 <a:solidFill>
                   <a:srgbClr val="888888"/>
                 </a:solidFill>
@@ -11287,12 +11554,12 @@
                 <a:sym typeface="Times New Roman"/>
               </a:defRPr>
             </a:lvl3pPr>
-            <a:lvl4pPr indent="0" lvl="3" marL="0" marR="0" rtl="0" algn="r">
-              <a:spcBef>
-                <a:spcPts val="0"/>
-              </a:spcBef>
-              <a:buNone/>
-              <a:defRPr b="0" i="0" sz="1200" u="none" cap="none" strike="noStrike">
+            <a:lvl4pPr marL="0" marR="0" lvl="3" indent="0" algn="r" rtl="0">
+              <a:spcBef>
+                <a:spcPts val="0"/>
+              </a:spcBef>
+              <a:buNone/>
+              <a:defRPr sz="1200" b="0" i="0" u="none" strike="noStrike" cap="none">
                 <a:solidFill>
                   <a:srgbClr val="888888"/>
                 </a:solidFill>
@@ -11302,12 +11569,12 @@
                 <a:sym typeface="Times New Roman"/>
               </a:defRPr>
             </a:lvl4pPr>
-            <a:lvl5pPr indent="0" lvl="4" marL="0" marR="0" rtl="0" algn="r">
-              <a:spcBef>
-                <a:spcPts val="0"/>
-              </a:spcBef>
-              <a:buNone/>
-              <a:defRPr b="0" i="0" sz="1200" u="none" cap="none" strike="noStrike">
+            <a:lvl5pPr marL="0" marR="0" lvl="4" indent="0" algn="r" rtl="0">
+              <a:spcBef>
+                <a:spcPts val="0"/>
+              </a:spcBef>
+              <a:buNone/>
+              <a:defRPr sz="1200" b="0" i="0" u="none" strike="noStrike" cap="none">
                 <a:solidFill>
                   <a:srgbClr val="888888"/>
                 </a:solidFill>
@@ -11317,12 +11584,12 @@
                 <a:sym typeface="Times New Roman"/>
               </a:defRPr>
             </a:lvl5pPr>
-            <a:lvl6pPr indent="0" lvl="5" marL="0" marR="0" rtl="0" algn="r">
-              <a:spcBef>
-                <a:spcPts val="0"/>
-              </a:spcBef>
-              <a:buNone/>
-              <a:defRPr b="0" i="0" sz="1200" u="none" cap="none" strike="noStrike">
+            <a:lvl6pPr marL="0" marR="0" lvl="5" indent="0" algn="r" rtl="0">
+              <a:spcBef>
+                <a:spcPts val="0"/>
+              </a:spcBef>
+              <a:buNone/>
+              <a:defRPr sz="1200" b="0" i="0" u="none" strike="noStrike" cap="none">
                 <a:solidFill>
                   <a:srgbClr val="888888"/>
                 </a:solidFill>
@@ -11332,12 +11599,12 @@
                 <a:sym typeface="Times New Roman"/>
               </a:defRPr>
             </a:lvl6pPr>
-            <a:lvl7pPr indent="0" lvl="6" marL="0" marR="0" rtl="0" algn="r">
-              <a:spcBef>
-                <a:spcPts val="0"/>
-              </a:spcBef>
-              <a:buNone/>
-              <a:defRPr b="0" i="0" sz="1200" u="none" cap="none" strike="noStrike">
+            <a:lvl7pPr marL="0" marR="0" lvl="6" indent="0" algn="r" rtl="0">
+              <a:spcBef>
+                <a:spcPts val="0"/>
+              </a:spcBef>
+              <a:buNone/>
+              <a:defRPr sz="1200" b="0" i="0" u="none" strike="noStrike" cap="none">
                 <a:solidFill>
                   <a:srgbClr val="888888"/>
                 </a:solidFill>
@@ -11347,12 +11614,12 @@
                 <a:sym typeface="Times New Roman"/>
               </a:defRPr>
             </a:lvl7pPr>
-            <a:lvl8pPr indent="0" lvl="7" marL="0" marR="0" rtl="0" algn="r">
-              <a:spcBef>
-                <a:spcPts val="0"/>
-              </a:spcBef>
-              <a:buNone/>
-              <a:defRPr b="0" i="0" sz="1200" u="none" cap="none" strike="noStrike">
+            <a:lvl8pPr marL="0" marR="0" lvl="7" indent="0" algn="r" rtl="0">
+              <a:spcBef>
+                <a:spcPts val="0"/>
+              </a:spcBef>
+              <a:buNone/>
+              <a:defRPr sz="1200" b="0" i="0" u="none" strike="noStrike" cap="none">
                 <a:solidFill>
                   <a:srgbClr val="888888"/>
                 </a:solidFill>
@@ -11362,12 +11629,12 @@
                 <a:sym typeface="Times New Roman"/>
               </a:defRPr>
             </a:lvl8pPr>
-            <a:lvl9pPr indent="0" lvl="8" marL="0" marR="0" rtl="0" algn="r">
-              <a:spcBef>
-                <a:spcPts val="0"/>
-              </a:spcBef>
-              <a:buNone/>
-              <a:defRPr b="0" i="0" sz="1200" u="none" cap="none" strike="noStrike">
+            <a:lvl9pPr marL="0" marR="0" lvl="8" indent="0" algn="r" rtl="0">
+              <a:spcBef>
+                <a:spcPts val="0"/>
+              </a:spcBef>
+              <a:buNone/>
+              <a:defRPr sz="1200" b="0" i="0" u="none" strike="noStrike" cap="none">
                 <a:solidFill>
                   <a:srgbClr val="888888"/>
                 </a:solidFill>
@@ -11379,7 +11646,7 @@
             </a:lvl9pPr>
           </a:lstStyle>
           <a:p>
-            <a:pPr indent="0" lvl="0" marL="0" rtl="0" algn="r">
+            <a:pPr marL="0" lvl="0" indent="0" algn="r" rtl="0">
               <a:spcBef>
                 <a:spcPts val="0"/>
               </a:spcBef>
@@ -11398,7 +11665,7 @@
       </p:sp>
     </p:spTree>
   </p:cSld>
-  <p:clrMap accent1="accent1" accent2="accent2" accent3="accent3" accent4="accent4" accent5="accent5" accent6="accent6" bg1="lt1" bg2="dk2" tx1="dk1" tx2="lt2" folHlink="folHlink" hlink="hlink"/>
+  <p:clrMap bg1="lt1" tx1="dk1" bg2="dk2" tx2="lt2" accent1="accent1" accent2="accent2" accent3="accent3" accent4="accent4" accent5="accent5" accent6="accent6" hlink="hlink" folHlink="folHlink"/>
   <p:sldLayoutIdLst>
     <p:sldLayoutId id="2147483648" r:id="rId1"/>
     <p:sldLayoutId id="2147483649" r:id="rId2"/>
@@ -11412,10 +11679,10 @@
     <p:sldLayoutId id="2147483657" r:id="rId10"/>
     <p:sldLayoutId id="2147483658" r:id="rId11"/>
   </p:sldLayoutIdLst>
-  <p:hf dt="0" ftr="0" hdr="0" sldNum="0"/>
+  <p:hf sldNum="0" hdr="0" ftr="0" dt="0"/>
   <p:txStyles>
     <p:titleStyle>
-      <a:defPPr lvl="0" marR="0" rtl="0" algn="l">
+      <a:defPPr marR="0" lvl="0" algn="l" rtl="0">
         <a:lnSpc>
           <a:spcPct val="100000"/>
         </a:lnSpc>
@@ -11426,7 +11693,7 @@
           <a:spcPts val="0"/>
         </a:spcAft>
       </a:defPPr>
-      <a:lvl1pPr lvl="0" marR="0" rtl="0" algn="l">
+      <a:lvl1pPr marR="0" lvl="0" algn="l" rtl="0">
         <a:lnSpc>
           <a:spcPct val="100000"/>
         </a:lnSpc>
@@ -11440,7 +11707,7 @@
           <a:srgbClr val="000000"/>
         </a:buClr>
         <a:buFont typeface="Arial"/>
-        <a:defRPr b="0" i="0" sz="1400" u="none" cap="none" strike="noStrike">
+        <a:defRPr sz="1400" b="0" i="0" u="none" strike="noStrike" cap="none">
           <a:solidFill>
             <a:srgbClr val="000000"/>
           </a:solidFill>
@@ -11450,7 +11717,7 @@
           <a:sym typeface="Arial"/>
         </a:defRPr>
       </a:lvl1pPr>
-      <a:lvl2pPr lvl="1" marR="0" rtl="0" algn="l">
+      <a:lvl2pPr marR="0" lvl="1" algn="l" rtl="0">
         <a:lnSpc>
           <a:spcPct val="100000"/>
         </a:lnSpc>
@@ -11464,7 +11731,7 @@
           <a:srgbClr val="000000"/>
         </a:buClr>
         <a:buFont typeface="Arial"/>
-        <a:defRPr b="0" i="0" sz="1400" u="none" cap="none" strike="noStrike">
+        <a:defRPr sz="1400" b="0" i="0" u="none" strike="noStrike" cap="none">
           <a:solidFill>
             <a:srgbClr val="000000"/>
           </a:solidFill>
@@ -11474,7 +11741,7 @@
           <a:sym typeface="Arial"/>
         </a:defRPr>
       </a:lvl2pPr>
-      <a:lvl3pPr lvl="2" marR="0" rtl="0" algn="l">
+      <a:lvl3pPr marR="0" lvl="2" algn="l" rtl="0">
         <a:lnSpc>
           <a:spcPct val="100000"/>
         </a:lnSpc>
@@ -11488,7 +11755,7 @@
           <a:srgbClr val="000000"/>
         </a:buClr>
         <a:buFont typeface="Arial"/>
-        <a:defRPr b="0" i="0" sz="1400" u="none" cap="none" strike="noStrike">
+        <a:defRPr sz="1400" b="0" i="0" u="none" strike="noStrike" cap="none">
           <a:solidFill>
             <a:srgbClr val="000000"/>
           </a:solidFill>
@@ -11498,7 +11765,7 @@
           <a:sym typeface="Arial"/>
         </a:defRPr>
       </a:lvl3pPr>
-      <a:lvl4pPr lvl="3" marR="0" rtl="0" algn="l">
+      <a:lvl4pPr marR="0" lvl="3" algn="l" rtl="0">
         <a:lnSpc>
           <a:spcPct val="100000"/>
         </a:lnSpc>
@@ -11512,7 +11779,7 @@
           <a:srgbClr val="000000"/>
         </a:buClr>
         <a:buFont typeface="Arial"/>
-        <a:defRPr b="0" i="0" sz="1400" u="none" cap="none" strike="noStrike">
+        <a:defRPr sz="1400" b="0" i="0" u="none" strike="noStrike" cap="none">
           <a:solidFill>
             <a:srgbClr val="000000"/>
           </a:solidFill>
@@ -11522,7 +11789,7 @@
           <a:sym typeface="Arial"/>
         </a:defRPr>
       </a:lvl4pPr>
-      <a:lvl5pPr lvl="4" marR="0" rtl="0" algn="l">
+      <a:lvl5pPr marR="0" lvl="4" algn="l" rtl="0">
         <a:lnSpc>
           <a:spcPct val="100000"/>
         </a:lnSpc>
@@ -11536,7 +11803,7 @@
           <a:srgbClr val="000000"/>
         </a:buClr>
         <a:buFont typeface="Arial"/>
-        <a:defRPr b="0" i="0" sz="1400" u="none" cap="none" strike="noStrike">
+        <a:defRPr sz="1400" b="0" i="0" u="none" strike="noStrike" cap="none">
           <a:solidFill>
             <a:srgbClr val="000000"/>
           </a:solidFill>
@@ -11546,7 +11813,7 @@
           <a:sym typeface="Arial"/>
         </a:defRPr>
       </a:lvl5pPr>
-      <a:lvl6pPr lvl="5" marR="0" rtl="0" algn="l">
+      <a:lvl6pPr marR="0" lvl="5" algn="l" rtl="0">
         <a:lnSpc>
           <a:spcPct val="100000"/>
         </a:lnSpc>
@@ -11560,7 +11827,7 @@
           <a:srgbClr val="000000"/>
         </a:buClr>
         <a:buFont typeface="Arial"/>
-        <a:defRPr b="0" i="0" sz="1400" u="none" cap="none" strike="noStrike">
+        <a:defRPr sz="1400" b="0" i="0" u="none" strike="noStrike" cap="none">
           <a:solidFill>
             <a:srgbClr val="000000"/>
           </a:solidFill>
@@ -11570,7 +11837,7 @@
           <a:sym typeface="Arial"/>
         </a:defRPr>
       </a:lvl6pPr>
-      <a:lvl7pPr lvl="6" marR="0" rtl="0" algn="l">
+      <a:lvl7pPr marR="0" lvl="6" algn="l" rtl="0">
         <a:lnSpc>
           <a:spcPct val="100000"/>
         </a:lnSpc>
@@ -11584,7 +11851,7 @@
           <a:srgbClr val="000000"/>
         </a:buClr>
         <a:buFont typeface="Arial"/>
-        <a:defRPr b="0" i="0" sz="1400" u="none" cap="none" strike="noStrike">
+        <a:defRPr sz="1400" b="0" i="0" u="none" strike="noStrike" cap="none">
           <a:solidFill>
             <a:srgbClr val="000000"/>
           </a:solidFill>
@@ -11594,7 +11861,7 @@
           <a:sym typeface="Arial"/>
         </a:defRPr>
       </a:lvl7pPr>
-      <a:lvl8pPr lvl="7" marR="0" rtl="0" algn="l">
+      <a:lvl8pPr marR="0" lvl="7" algn="l" rtl="0">
         <a:lnSpc>
           <a:spcPct val="100000"/>
         </a:lnSpc>
@@ -11608,7 +11875,7 @@
           <a:srgbClr val="000000"/>
         </a:buClr>
         <a:buFont typeface="Arial"/>
-        <a:defRPr b="0" i="0" sz="1400" u="none" cap="none" strike="noStrike">
+        <a:defRPr sz="1400" b="0" i="0" u="none" strike="noStrike" cap="none">
           <a:solidFill>
             <a:srgbClr val="000000"/>
           </a:solidFill>
@@ -11618,7 +11885,7 @@
           <a:sym typeface="Arial"/>
         </a:defRPr>
       </a:lvl8pPr>
-      <a:lvl9pPr lvl="8" marR="0" rtl="0" algn="l">
+      <a:lvl9pPr marR="0" lvl="8" algn="l" rtl="0">
         <a:lnSpc>
           <a:spcPct val="100000"/>
         </a:lnSpc>
@@ -11632,7 +11899,7 @@
           <a:srgbClr val="000000"/>
         </a:buClr>
         <a:buFont typeface="Arial"/>
-        <a:defRPr b="0" i="0" sz="1400" u="none" cap="none" strike="noStrike">
+        <a:defRPr sz="1400" b="0" i="0" u="none" strike="noStrike" cap="none">
           <a:solidFill>
             <a:srgbClr val="000000"/>
           </a:solidFill>
@@ -11644,7 +11911,7 @@
       </a:lvl9pPr>
     </p:titleStyle>
     <p:bodyStyle>
-      <a:defPPr lvl="0" marR="0" rtl="0" algn="l">
+      <a:defPPr marR="0" lvl="0" algn="l" rtl="0">
         <a:lnSpc>
           <a:spcPct val="100000"/>
         </a:lnSpc>
@@ -11655,7 +11922,7 @@
           <a:spcPts val="0"/>
         </a:spcAft>
       </a:defPPr>
-      <a:lvl1pPr lvl="0" marR="0" rtl="0" algn="l">
+      <a:lvl1pPr marR="0" lvl="0" algn="l" rtl="0">
         <a:lnSpc>
           <a:spcPct val="100000"/>
         </a:lnSpc>
@@ -11669,7 +11936,7 @@
           <a:srgbClr val="000000"/>
         </a:buClr>
         <a:buFont typeface="Arial"/>
-        <a:defRPr b="0" i="0" sz="1400" u="none" cap="none" strike="noStrike">
+        <a:defRPr sz="1400" b="0" i="0" u="none" strike="noStrike" cap="none">
           <a:solidFill>
             <a:srgbClr val="000000"/>
           </a:solidFill>
@@ -11679,7 +11946,7 @@
           <a:sym typeface="Arial"/>
         </a:defRPr>
       </a:lvl1pPr>
-      <a:lvl2pPr lvl="1" marR="0" rtl="0" algn="l">
+      <a:lvl2pPr marR="0" lvl="1" algn="l" rtl="0">
         <a:lnSpc>
           <a:spcPct val="100000"/>
         </a:lnSpc>
@@ -11693,7 +11960,7 @@
           <a:srgbClr val="000000"/>
         </a:buClr>
         <a:buFont typeface="Arial"/>
-        <a:defRPr b="0" i="0" sz="1400" u="none" cap="none" strike="noStrike">
+        <a:defRPr sz="1400" b="0" i="0" u="none" strike="noStrike" cap="none">
           <a:solidFill>
             <a:srgbClr val="000000"/>
           </a:solidFill>
@@ -11703,7 +11970,7 @@
           <a:sym typeface="Arial"/>
         </a:defRPr>
       </a:lvl2pPr>
-      <a:lvl3pPr lvl="2" marR="0" rtl="0" algn="l">
+      <a:lvl3pPr marR="0" lvl="2" algn="l" rtl="0">
         <a:lnSpc>
           <a:spcPct val="100000"/>
         </a:lnSpc>
@@ -11717,7 +11984,7 @@
           <a:srgbClr val="000000"/>
         </a:buClr>
         <a:buFont typeface="Arial"/>
-        <a:defRPr b="0" i="0" sz="1400" u="none" cap="none" strike="noStrike">
+        <a:defRPr sz="1400" b="0" i="0" u="none" strike="noStrike" cap="none">
           <a:solidFill>
             <a:srgbClr val="000000"/>
           </a:solidFill>
@@ -11727,7 +11994,7 @@
           <a:sym typeface="Arial"/>
         </a:defRPr>
       </a:lvl3pPr>
-      <a:lvl4pPr lvl="3" marR="0" rtl="0" algn="l">
+      <a:lvl4pPr marR="0" lvl="3" algn="l" rtl="0">
         <a:lnSpc>
           <a:spcPct val="100000"/>
         </a:lnSpc>
@@ -11741,7 +12008,7 @@
           <a:srgbClr val="000000"/>
         </a:buClr>
         <a:buFont typeface="Arial"/>
-        <a:defRPr b="0" i="0" sz="1400" u="none" cap="none" strike="noStrike">
+        <a:defRPr sz="1400" b="0" i="0" u="none" strike="noStrike" cap="none">
           <a:solidFill>
             <a:srgbClr val="000000"/>
           </a:solidFill>
@@ -11751,7 +12018,7 @@
           <a:sym typeface="Arial"/>
         </a:defRPr>
       </a:lvl4pPr>
-      <a:lvl5pPr lvl="4" marR="0" rtl="0" algn="l">
+      <a:lvl5pPr marR="0" lvl="4" algn="l" rtl="0">
         <a:lnSpc>
           <a:spcPct val="100000"/>
         </a:lnSpc>
@@ -11765,7 +12032,7 @@
           <a:srgbClr val="000000"/>
         </a:buClr>
         <a:buFont typeface="Arial"/>
-        <a:defRPr b="0" i="0" sz="1400" u="none" cap="none" strike="noStrike">
+        <a:defRPr sz="1400" b="0" i="0" u="none" strike="noStrike" cap="none">
           <a:solidFill>
             <a:srgbClr val="000000"/>
           </a:solidFill>
@@ -11775,7 +12042,7 @@
           <a:sym typeface="Arial"/>
         </a:defRPr>
       </a:lvl5pPr>
-      <a:lvl6pPr lvl="5" marR="0" rtl="0" algn="l">
+      <a:lvl6pPr marR="0" lvl="5" algn="l" rtl="0">
         <a:lnSpc>
           <a:spcPct val="100000"/>
         </a:lnSpc>
@@ -11789,7 +12056,7 @@
           <a:srgbClr val="000000"/>
         </a:buClr>
         <a:buFont typeface="Arial"/>
-        <a:defRPr b="0" i="0" sz="1400" u="none" cap="none" strike="noStrike">
+        <a:defRPr sz="1400" b="0" i="0" u="none" strike="noStrike" cap="none">
           <a:solidFill>
             <a:srgbClr val="000000"/>
           </a:solidFill>
@@ -11799,7 +12066,7 @@
           <a:sym typeface="Arial"/>
         </a:defRPr>
       </a:lvl6pPr>
-      <a:lvl7pPr lvl="6" marR="0" rtl="0" algn="l">
+      <a:lvl7pPr marR="0" lvl="6" algn="l" rtl="0">
         <a:lnSpc>
           <a:spcPct val="100000"/>
         </a:lnSpc>
@@ -11813,7 +12080,7 @@
           <a:srgbClr val="000000"/>
         </a:buClr>
         <a:buFont typeface="Arial"/>
-        <a:defRPr b="0" i="0" sz="1400" u="none" cap="none" strike="noStrike">
+        <a:defRPr sz="1400" b="0" i="0" u="none" strike="noStrike" cap="none">
           <a:solidFill>
             <a:srgbClr val="000000"/>
           </a:solidFill>
@@ -11823,7 +12090,7 @@
           <a:sym typeface="Arial"/>
         </a:defRPr>
       </a:lvl7pPr>
-      <a:lvl8pPr lvl="7" marR="0" rtl="0" algn="l">
+      <a:lvl8pPr marR="0" lvl="7" algn="l" rtl="0">
         <a:lnSpc>
           <a:spcPct val="100000"/>
         </a:lnSpc>
@@ -11837,7 +12104,7 @@
           <a:srgbClr val="000000"/>
         </a:buClr>
         <a:buFont typeface="Arial"/>
-        <a:defRPr b="0" i="0" sz="1400" u="none" cap="none" strike="noStrike">
+        <a:defRPr sz="1400" b="0" i="0" u="none" strike="noStrike" cap="none">
           <a:solidFill>
             <a:srgbClr val="000000"/>
           </a:solidFill>
@@ -11847,7 +12114,7 @@
           <a:sym typeface="Arial"/>
         </a:defRPr>
       </a:lvl8pPr>
-      <a:lvl9pPr lvl="8" marR="0" rtl="0" algn="l">
+      <a:lvl9pPr marR="0" lvl="8" algn="l" rtl="0">
         <a:lnSpc>
           <a:spcPct val="100000"/>
         </a:lnSpc>
@@ -11861,7 +12128,7 @@
           <a:srgbClr val="000000"/>
         </a:buClr>
         <a:buFont typeface="Arial"/>
-        <a:defRPr b="0" i="0" sz="1400" u="none" cap="none" strike="noStrike">
+        <a:defRPr sz="1400" b="0" i="0" u="none" strike="noStrike" cap="none">
           <a:solidFill>
             <a:srgbClr val="000000"/>
           </a:solidFill>
@@ -11873,7 +12140,7 @@
       </a:lvl9pPr>
     </p:bodyStyle>
     <p:otherStyle>
-      <a:defPPr lvl="0" marR="0" rtl="0" algn="l">
+      <a:defPPr marR="0" lvl="0" algn="l" rtl="0">
         <a:lnSpc>
           <a:spcPct val="100000"/>
         </a:lnSpc>
@@ -11884,7 +12151,7 @@
           <a:spcPts val="0"/>
         </a:spcAft>
       </a:defPPr>
-      <a:lvl1pPr lvl="0" marR="0" rtl="0" algn="l">
+      <a:lvl1pPr marR="0" lvl="0" algn="l" rtl="0">
         <a:lnSpc>
           <a:spcPct val="100000"/>
         </a:lnSpc>
@@ -11898,7 +12165,7 @@
           <a:srgbClr val="000000"/>
         </a:buClr>
         <a:buFont typeface="Arial"/>
-        <a:defRPr b="0" i="0" sz="1400" u="none" cap="none" strike="noStrike">
+        <a:defRPr sz="1400" b="0" i="0" u="none" strike="noStrike" cap="none">
           <a:solidFill>
             <a:srgbClr val="000000"/>
           </a:solidFill>
@@ -11908,7 +12175,7 @@
           <a:sym typeface="Arial"/>
         </a:defRPr>
       </a:lvl1pPr>
-      <a:lvl2pPr lvl="1" marR="0" rtl="0" algn="l">
+      <a:lvl2pPr marR="0" lvl="1" algn="l" rtl="0">
         <a:lnSpc>
           <a:spcPct val="100000"/>
         </a:lnSpc>
@@ -11922,7 +12189,7 @@
           <a:srgbClr val="000000"/>
         </a:buClr>
         <a:buFont typeface="Arial"/>
-        <a:defRPr b="0" i="0" sz="1400" u="none" cap="none" strike="noStrike">
+        <a:defRPr sz="1400" b="0" i="0" u="none" strike="noStrike" cap="none">
           <a:solidFill>
             <a:srgbClr val="000000"/>
           </a:solidFill>
@@ -11932,7 +12199,7 @@
           <a:sym typeface="Arial"/>
         </a:defRPr>
       </a:lvl2pPr>
-      <a:lvl3pPr lvl="2" marR="0" rtl="0" algn="l">
+      <a:lvl3pPr marR="0" lvl="2" algn="l" rtl="0">
         <a:lnSpc>
           <a:spcPct val="100000"/>
         </a:lnSpc>
@@ -11946,7 +12213,7 @@
           <a:srgbClr val="000000"/>
         </a:buClr>
         <a:buFont typeface="Arial"/>
-        <a:defRPr b="0" i="0" sz="1400" u="none" cap="none" strike="noStrike">
+        <a:defRPr sz="1400" b="0" i="0" u="none" strike="noStrike" cap="none">
           <a:solidFill>
             <a:srgbClr val="000000"/>
           </a:solidFill>
@@ -11956,7 +12223,7 @@
           <a:sym typeface="Arial"/>
         </a:defRPr>
       </a:lvl3pPr>
-      <a:lvl4pPr lvl="3" marR="0" rtl="0" algn="l">
+      <a:lvl4pPr marR="0" lvl="3" algn="l" rtl="0">
         <a:lnSpc>
           <a:spcPct val="100000"/>
         </a:lnSpc>
@@ -11970,7 +12237,7 @@
           <a:srgbClr val="000000"/>
         </a:buClr>
         <a:buFont typeface="Arial"/>
-        <a:defRPr b="0" i="0" sz="1400" u="none" cap="none" strike="noStrike">
+        <a:defRPr sz="1400" b="0" i="0" u="none" strike="noStrike" cap="none">
           <a:solidFill>
             <a:srgbClr val="000000"/>
           </a:solidFill>
@@ -11980,7 +12247,7 @@
           <a:sym typeface="Arial"/>
         </a:defRPr>
       </a:lvl4pPr>
-      <a:lvl5pPr lvl="4" marR="0" rtl="0" algn="l">
+      <a:lvl5pPr marR="0" lvl="4" algn="l" rtl="0">
         <a:lnSpc>
           <a:spcPct val="100000"/>
         </a:lnSpc>
@@ -11994,7 +12261,7 @@
           <a:srgbClr val="000000"/>
         </a:buClr>
         <a:buFont typeface="Arial"/>
-        <a:defRPr b="0" i="0" sz="1400" u="none" cap="none" strike="noStrike">
+        <a:defRPr sz="1400" b="0" i="0" u="none" strike="noStrike" cap="none">
           <a:solidFill>
             <a:srgbClr val="000000"/>
           </a:solidFill>
@@ -12004,7 +12271,7 @@
           <a:sym typeface="Arial"/>
         </a:defRPr>
       </a:lvl5pPr>
-      <a:lvl6pPr lvl="5" marR="0" rtl="0" algn="l">
+      <a:lvl6pPr marR="0" lvl="5" algn="l" rtl="0">
         <a:lnSpc>
           <a:spcPct val="100000"/>
         </a:lnSpc>
@@ -12018,7 +12285,7 @@
           <a:srgbClr val="000000"/>
         </a:buClr>
         <a:buFont typeface="Arial"/>
-        <a:defRPr b="0" i="0" sz="1400" u="none" cap="none" strike="noStrike">
+        <a:defRPr sz="1400" b="0" i="0" u="none" strike="noStrike" cap="none">
           <a:solidFill>
             <a:srgbClr val="000000"/>
           </a:solidFill>
@@ -12028,7 +12295,7 @@
           <a:sym typeface="Arial"/>
         </a:defRPr>
       </a:lvl6pPr>
-      <a:lvl7pPr lvl="6" marR="0" rtl="0" algn="l">
+      <a:lvl7pPr marR="0" lvl="6" algn="l" rtl="0">
         <a:lnSpc>
           <a:spcPct val="100000"/>
         </a:lnSpc>
@@ -12042,7 +12309,7 @@
           <a:srgbClr val="000000"/>
         </a:buClr>
         <a:buFont typeface="Arial"/>
-        <a:defRPr b="0" i="0" sz="1400" u="none" cap="none" strike="noStrike">
+        <a:defRPr sz="1400" b="0" i="0" u="none" strike="noStrike" cap="none">
           <a:solidFill>
             <a:srgbClr val="000000"/>
           </a:solidFill>
@@ -12052,7 +12319,7 @@
           <a:sym typeface="Arial"/>
         </a:defRPr>
       </a:lvl7pPr>
-      <a:lvl8pPr lvl="7" marR="0" rtl="0" algn="l">
+      <a:lvl8pPr marR="0" lvl="7" algn="l" rtl="0">
         <a:lnSpc>
           <a:spcPct val="100000"/>
         </a:lnSpc>
@@ -12066,7 +12333,7 @@
           <a:srgbClr val="000000"/>
         </a:buClr>
         <a:buFont typeface="Arial"/>
-        <a:defRPr b="0" i="0" sz="1400" u="none" cap="none" strike="noStrike">
+        <a:defRPr sz="1400" b="0" i="0" u="none" strike="noStrike" cap="none">
           <a:solidFill>
             <a:srgbClr val="000000"/>
           </a:solidFill>
@@ -12076,7 +12343,7 @@
           <a:sym typeface="Arial"/>
         </a:defRPr>
       </a:lvl8pPr>
-      <a:lvl9pPr lvl="8" marR="0" rtl="0" algn="l">
+      <a:lvl9pPr marR="0" lvl="8" algn="l" rtl="0">
         <a:lnSpc>
           <a:spcPct val="100000"/>
         </a:lnSpc>
@@ -12090,7 +12357,7 @@
           <a:srgbClr val="000000"/>
         </a:buClr>
         <a:buFont typeface="Arial"/>
-        <a:defRPr b="0" i="0" sz="1400" u="none" cap="none" strike="noStrike">
+        <a:defRPr sz="1400" b="0" i="0" u="none" strike="noStrike" cap="none">
           <a:solidFill>
             <a:srgbClr val="000000"/>
           </a:solidFill>
@@ -12106,11 +12373,11 @@
 </file>
 
 <file path=ppt/slides/slide1.xml><?xml version="1.0" encoding="utf-8"?>
-<p:sld xmlns:a="http://schemas.openxmlformats.org/drawingml/2006/main" xmlns:r="http://schemas.openxmlformats.org/officeDocument/2006/relationships" xmlns:mc="http://schemas.openxmlformats.org/markup-compatibility/2006" xmlns:mv="urn:schemas-microsoft-com:mac:vml" xmlns:p="http://schemas.openxmlformats.org/presentationml/2006/main" xmlns:c="http://schemas.openxmlformats.org/drawingml/2006/chart" xmlns:dgm="http://schemas.openxmlformats.org/drawingml/2006/diagram" xmlns:o="urn:schemas-microsoft-com:office:office" xmlns:v="urn:schemas-microsoft-com:vml" xmlns:pvml="urn:schemas-microsoft-com:office:powerpoint" xmlns:com="http://schemas.openxmlformats.org/drawingml/2006/compatibility" xmlns:p14="http://schemas.microsoft.com/office/powerpoint/2010/main" xmlns:p15="http://schemas.microsoft.com/office/powerpoint/2012/main" xmlns:ahyp="http://schemas.microsoft.com/office/drawing/2018/hyperlinkcolor">
+<p:sld xmlns:a="http://schemas.openxmlformats.org/drawingml/2006/main" xmlns:r="http://schemas.openxmlformats.org/officeDocument/2006/relationships" xmlns:p="http://schemas.openxmlformats.org/presentationml/2006/main">
   <p:cSld>
     <p:spTree>
       <p:nvGrpSpPr>
-        <p:cNvPr id="83" name="Shape 83"/>
+        <p:cNvPr id="1" name="Shape 83"/>
         <p:cNvGrpSpPr/>
         <p:nvPr/>
       </p:nvGrpSpPr>
@@ -12125,7 +12392,9 @@
       <p:sp>
         <p:nvSpPr>
           <p:cNvPr id="84" name="Google Shape;84;p13"/>
-          <p:cNvSpPr txBox="1"/>
+          <p:cNvSpPr txBox="1">
+            <a:spLocks noGrp="1"/>
+          </p:cNvSpPr>
           <p:nvPr>
             <p:ph type="ctrTitle"/>
           </p:nvPr>
@@ -12144,12 +12413,12 @@
           </a:ln>
         </p:spPr>
         <p:txBody>
-          <a:bodyPr anchorCtr="0" anchor="b" bIns="45700" lIns="91425" spcFirstLastPara="1" rIns="91425" wrap="square" tIns="45700">
+          <a:bodyPr spcFirstLastPara="1" wrap="square" lIns="91425" tIns="45700" rIns="91425" bIns="45700" anchor="b" anchorCtr="0">
             <a:normAutofit/>
           </a:bodyPr>
           <a:lstStyle/>
           <a:p>
-            <a:pPr indent="0" lvl="0" marL="0" rtl="0" algn="ctr">
+            <a:pPr marL="0" lvl="0" indent="0" algn="ctr" rtl="0">
               <a:lnSpc>
                 <a:spcPct val="90000"/>
               </a:lnSpc>
@@ -12177,9 +12446,11 @@
       <p:sp>
         <p:nvSpPr>
           <p:cNvPr id="85" name="Google Shape;85;p13"/>
-          <p:cNvSpPr txBox="1"/>
+          <p:cNvSpPr txBox="1">
+            <a:spLocks noGrp="1"/>
+          </p:cNvSpPr>
           <p:nvPr>
-            <p:ph idx="1" type="subTitle"/>
+            <p:ph type="subTitle" idx="1"/>
           </p:nvPr>
         </p:nvSpPr>
         <p:spPr>
@@ -12196,12 +12467,12 @@
           </a:ln>
         </p:spPr>
         <p:txBody>
-          <a:bodyPr anchorCtr="0" anchor="t" bIns="45700" lIns="91425" spcFirstLastPara="1" rIns="91425" wrap="square" tIns="45700">
+          <a:bodyPr spcFirstLastPara="1" wrap="square" lIns="91425" tIns="45700" rIns="91425" bIns="45700" anchor="t" anchorCtr="0">
             <a:normAutofit/>
           </a:bodyPr>
           <a:lstStyle/>
           <a:p>
-            <a:pPr indent="0" lvl="0" marL="0" rtl="0" algn="ctr">
+            <a:pPr marL="0" lvl="0" indent="0" algn="ctr" rtl="0">
               <a:lnSpc>
                 <a:spcPct val="90000"/>
               </a:lnSpc>
@@ -12217,9 +12488,6 @@
               <a:buSzPts val="2400"/>
               <a:buNone/>
             </a:pPr>
-            <a:r>
-              <a:t/>
-            </a:r>
             <a:endParaRPr/>
           </a:p>
         </p:txBody>
@@ -12233,11 +12501,11 @@
 </file>
 
 <file path=ppt/slides/slide10.xml><?xml version="1.0" encoding="utf-8"?>
-<p:sld xmlns:a="http://schemas.openxmlformats.org/drawingml/2006/main" xmlns:r="http://schemas.openxmlformats.org/officeDocument/2006/relationships" xmlns:mc="http://schemas.openxmlformats.org/markup-compatibility/2006" xmlns:mv="urn:schemas-microsoft-com:mac:vml" xmlns:p="http://schemas.openxmlformats.org/presentationml/2006/main" xmlns:c="http://schemas.openxmlformats.org/drawingml/2006/chart" xmlns:dgm="http://schemas.openxmlformats.org/drawingml/2006/diagram" xmlns:o="urn:schemas-microsoft-com:office:office" xmlns:v="urn:schemas-microsoft-com:vml" xmlns:pvml="urn:schemas-microsoft-com:office:powerpoint" xmlns:com="http://schemas.openxmlformats.org/drawingml/2006/compatibility" xmlns:p14="http://schemas.microsoft.com/office/powerpoint/2010/main" xmlns:p15="http://schemas.microsoft.com/office/powerpoint/2012/main" xmlns:ahyp="http://schemas.microsoft.com/office/drawing/2018/hyperlinkcolor">
+<p:sld xmlns:a="http://schemas.openxmlformats.org/drawingml/2006/main" xmlns:r="http://schemas.openxmlformats.org/officeDocument/2006/relationships" xmlns:p="http://schemas.openxmlformats.org/presentationml/2006/main">
   <p:cSld>
     <p:spTree>
       <p:nvGrpSpPr>
-        <p:cNvPr id="139" name="Shape 139"/>
+        <p:cNvPr id="1" name="Shape 139"/>
         <p:cNvGrpSpPr/>
         <p:nvPr/>
       </p:nvGrpSpPr>
@@ -12252,7 +12520,9 @@
       <p:sp>
         <p:nvSpPr>
           <p:cNvPr id="140" name="Google Shape;140;p22"/>
-          <p:cNvSpPr txBox="1"/>
+          <p:cNvSpPr txBox="1">
+            <a:spLocks noGrp="1"/>
+          </p:cNvSpPr>
           <p:nvPr>
             <p:ph type="title"/>
           </p:nvPr>
@@ -12271,12 +12541,12 @@
           </a:ln>
         </p:spPr>
         <p:txBody>
-          <a:bodyPr anchorCtr="0" anchor="ctr" bIns="45700" lIns="91425" spcFirstLastPara="1" rIns="91425" wrap="square" tIns="45700">
+          <a:bodyPr spcFirstLastPara="1" wrap="square" lIns="91425" tIns="45700" rIns="91425" bIns="45700" anchor="ctr" anchorCtr="0">
             <a:normAutofit/>
           </a:bodyPr>
           <a:lstStyle/>
           <a:p>
-            <a:pPr indent="0" lvl="0" marL="0" rtl="0" algn="l">
+            <a:pPr marL="0" lvl="0" indent="0" algn="l" rtl="0">
               <a:lnSpc>
                 <a:spcPct val="90000"/>
               </a:lnSpc>
@@ -12304,16 +12574,18 @@
       <p:pic>
         <p:nvPicPr>
           <p:cNvPr id="141" name="Google Shape;141;p22"/>
-          <p:cNvPicPr preferRelativeResize="0"/>
+          <p:cNvPicPr preferRelativeResize="0">
+            <a:picLocks noGrp="1"/>
+          </p:cNvPicPr>
           <p:nvPr>
-            <p:ph idx="1" type="body"/>
+            <p:ph type="body" idx="1"/>
           </p:nvPr>
         </p:nvPicPr>
         <p:blipFill rotWithShape="1">
           <a:blip r:embed="rId3">
             <a:alphaModFix/>
           </a:blip>
-          <a:srcRect b="0" l="0" r="0" t="0"/>
+          <a:srcRect/>
           <a:stretch/>
         </p:blipFill>
         <p:spPr>
@@ -12340,7 +12612,7 @@
           <a:blip r:embed="rId4">
             <a:alphaModFix/>
           </a:blip>
-          <a:srcRect b="0" l="0" r="0" t="0"/>
+          <a:srcRect/>
           <a:stretch/>
         </p:blipFill>
         <p:spPr>
@@ -12377,12 +12649,12 @@
           </a:ln>
         </p:spPr>
         <p:txBody>
-          <a:bodyPr anchorCtr="0" anchor="t" bIns="45700" lIns="91425" spcFirstLastPara="1" rIns="91425" wrap="square" tIns="45700">
+          <a:bodyPr spcFirstLastPara="1" wrap="square" lIns="91425" tIns="45700" rIns="91425" bIns="45700" anchor="t" anchorCtr="0">
             <a:spAutoFit/>
           </a:bodyPr>
           <a:lstStyle/>
           <a:p>
-            <a:pPr indent="0" lvl="0" marL="0" marR="0" rtl="0" algn="l">
+            <a:pPr marL="0" marR="0" lvl="0" indent="0" algn="l" rtl="0">
               <a:spcBef>
                 <a:spcPts val="0"/>
               </a:spcBef>
@@ -12416,11 +12688,11 @@
 </file>
 
 <file path=ppt/slides/slide11.xml><?xml version="1.0" encoding="utf-8"?>
-<p:sld xmlns:a="http://schemas.openxmlformats.org/drawingml/2006/main" xmlns:r="http://schemas.openxmlformats.org/officeDocument/2006/relationships" xmlns:mc="http://schemas.openxmlformats.org/markup-compatibility/2006" xmlns:mv="urn:schemas-microsoft-com:mac:vml" xmlns:p="http://schemas.openxmlformats.org/presentationml/2006/main" xmlns:c="http://schemas.openxmlformats.org/drawingml/2006/chart" xmlns:dgm="http://schemas.openxmlformats.org/drawingml/2006/diagram" xmlns:o="urn:schemas-microsoft-com:office:office" xmlns:v="urn:schemas-microsoft-com:vml" xmlns:pvml="urn:schemas-microsoft-com:office:powerpoint" xmlns:com="http://schemas.openxmlformats.org/drawingml/2006/compatibility" xmlns:p14="http://schemas.microsoft.com/office/powerpoint/2010/main" xmlns:p15="http://schemas.microsoft.com/office/powerpoint/2012/main" xmlns:ahyp="http://schemas.microsoft.com/office/drawing/2018/hyperlinkcolor">
+<p:sld xmlns:a="http://schemas.openxmlformats.org/drawingml/2006/main" xmlns:r="http://schemas.openxmlformats.org/officeDocument/2006/relationships" xmlns:p="http://schemas.openxmlformats.org/presentationml/2006/main">
   <p:cSld>
     <p:spTree>
       <p:nvGrpSpPr>
-        <p:cNvPr id="147" name="Shape 147"/>
+        <p:cNvPr id="1" name="Shape 147"/>
         <p:cNvGrpSpPr/>
         <p:nvPr/>
       </p:nvGrpSpPr>
@@ -12435,7 +12707,9 @@
       <p:sp>
         <p:nvSpPr>
           <p:cNvPr id="148" name="Google Shape;148;p23"/>
-          <p:cNvSpPr txBox="1"/>
+          <p:cNvSpPr txBox="1">
+            <a:spLocks noGrp="1"/>
+          </p:cNvSpPr>
           <p:nvPr>
             <p:ph type="title"/>
           </p:nvPr>
@@ -12454,12 +12728,12 @@
           </a:ln>
         </p:spPr>
         <p:txBody>
-          <a:bodyPr anchorCtr="0" anchor="ctr" bIns="45700" lIns="91425" spcFirstLastPara="1" rIns="91425" wrap="square" tIns="45700">
+          <a:bodyPr spcFirstLastPara="1" wrap="square" lIns="91425" tIns="45700" rIns="91425" bIns="45700" anchor="ctr" anchorCtr="0">
             <a:normAutofit/>
           </a:bodyPr>
           <a:lstStyle/>
           <a:p>
-            <a:pPr indent="0" lvl="0" marL="0" rtl="0" algn="l">
+            <a:pPr marL="0" lvl="0" indent="0" algn="l" rtl="0">
               <a:lnSpc>
                 <a:spcPct val="90000"/>
               </a:lnSpc>
@@ -12487,16 +12761,18 @@
       <p:pic>
         <p:nvPicPr>
           <p:cNvPr id="149" name="Google Shape;149;p23"/>
-          <p:cNvPicPr preferRelativeResize="0"/>
+          <p:cNvPicPr preferRelativeResize="0">
+            <a:picLocks noGrp="1"/>
+          </p:cNvPicPr>
           <p:nvPr>
-            <p:ph idx="1" type="body"/>
+            <p:ph type="body" idx="1"/>
           </p:nvPr>
         </p:nvPicPr>
         <p:blipFill rotWithShape="1">
           <a:blip r:embed="rId3">
             <a:alphaModFix/>
           </a:blip>
-          <a:srcRect b="0" l="0" r="0" t="0"/>
+          <a:srcRect/>
           <a:stretch/>
         </p:blipFill>
         <p:spPr>
@@ -12533,12 +12809,12 @@
           </a:ln>
         </p:spPr>
         <p:txBody>
-          <a:bodyPr anchorCtr="0" anchor="t" bIns="45700" lIns="91425" spcFirstLastPara="1" rIns="91425" wrap="square" tIns="45700">
+          <a:bodyPr spcFirstLastPara="1" wrap="square" lIns="91425" tIns="45700" rIns="91425" bIns="45700" anchor="t" anchorCtr="0">
             <a:spAutoFit/>
           </a:bodyPr>
           <a:lstStyle/>
           <a:p>
-            <a:pPr indent="0" lvl="0" marL="0" marR="0" rtl="0" algn="l">
+            <a:pPr marL="0" marR="0" lvl="0" indent="0" algn="l" rtl="0">
               <a:spcBef>
                 <a:spcPts val="0"/>
               </a:spcBef>
@@ -12572,11 +12848,11 @@
 </file>
 
 <file path=ppt/slides/slide12.xml><?xml version="1.0" encoding="utf-8"?>
-<p:sld xmlns:a="http://schemas.openxmlformats.org/drawingml/2006/main" xmlns:r="http://schemas.openxmlformats.org/officeDocument/2006/relationships" xmlns:mc="http://schemas.openxmlformats.org/markup-compatibility/2006" xmlns:mv="urn:schemas-microsoft-com:mac:vml" xmlns:p="http://schemas.openxmlformats.org/presentationml/2006/main" xmlns:c="http://schemas.openxmlformats.org/drawingml/2006/chart" xmlns:dgm="http://schemas.openxmlformats.org/drawingml/2006/diagram" xmlns:o="urn:schemas-microsoft-com:office:office" xmlns:v="urn:schemas-microsoft-com:vml" xmlns:pvml="urn:schemas-microsoft-com:office:powerpoint" xmlns:com="http://schemas.openxmlformats.org/drawingml/2006/compatibility" xmlns:p14="http://schemas.microsoft.com/office/powerpoint/2010/main" xmlns:p15="http://schemas.microsoft.com/office/powerpoint/2012/main" xmlns:ahyp="http://schemas.microsoft.com/office/drawing/2018/hyperlinkcolor">
+<p:sld xmlns:a="http://schemas.openxmlformats.org/drawingml/2006/main" xmlns:r="http://schemas.openxmlformats.org/officeDocument/2006/relationships" xmlns:p="http://schemas.openxmlformats.org/presentationml/2006/main">
   <p:cSld>
     <p:spTree>
       <p:nvGrpSpPr>
-        <p:cNvPr id="154" name="Shape 154"/>
+        <p:cNvPr id="1" name="Shape 154"/>
         <p:cNvGrpSpPr/>
         <p:nvPr/>
       </p:nvGrpSpPr>
@@ -12591,7 +12867,9 @@
       <p:sp>
         <p:nvSpPr>
           <p:cNvPr id="155" name="Google Shape;155;p24"/>
-          <p:cNvSpPr txBox="1"/>
+          <p:cNvSpPr txBox="1">
+            <a:spLocks noGrp="1"/>
+          </p:cNvSpPr>
           <p:nvPr>
             <p:ph type="title"/>
           </p:nvPr>
@@ -12610,12 +12888,12 @@
           </a:ln>
         </p:spPr>
         <p:txBody>
-          <a:bodyPr anchorCtr="0" anchor="ctr" bIns="45700" lIns="91425" spcFirstLastPara="1" rIns="91425" wrap="square" tIns="45700">
+          <a:bodyPr spcFirstLastPara="1" wrap="square" lIns="91425" tIns="45700" rIns="91425" bIns="45700" anchor="ctr" anchorCtr="0">
             <a:normAutofit/>
           </a:bodyPr>
           <a:lstStyle/>
           <a:p>
-            <a:pPr indent="0" lvl="0" marL="0" rtl="0" algn="l">
+            <a:pPr marL="0" lvl="0" indent="0" algn="l" rtl="0">
               <a:lnSpc>
                 <a:spcPct val="90000"/>
               </a:lnSpc>
@@ -12643,16 +12921,18 @@
       <p:pic>
         <p:nvPicPr>
           <p:cNvPr id="156" name="Google Shape;156;p24"/>
-          <p:cNvPicPr preferRelativeResize="0"/>
+          <p:cNvPicPr preferRelativeResize="0">
+            <a:picLocks noGrp="1"/>
+          </p:cNvPicPr>
           <p:nvPr>
-            <p:ph idx="1" type="body"/>
+            <p:ph type="body" idx="1"/>
           </p:nvPr>
         </p:nvPicPr>
         <p:blipFill rotWithShape="1">
           <a:blip r:embed="rId3">
             <a:alphaModFix/>
           </a:blip>
-          <a:srcRect b="0" l="0" r="0" t="0"/>
+          <a:srcRect/>
           <a:stretch/>
         </p:blipFill>
         <p:spPr>
@@ -12689,12 +12969,12 @@
           </a:ln>
         </p:spPr>
         <p:txBody>
-          <a:bodyPr anchorCtr="0" anchor="t" bIns="45700" lIns="91425" spcFirstLastPara="1" rIns="91425" wrap="square" tIns="45700">
+          <a:bodyPr spcFirstLastPara="1" wrap="square" lIns="91425" tIns="45700" rIns="91425" bIns="45700" anchor="t" anchorCtr="0">
             <a:spAutoFit/>
           </a:bodyPr>
           <a:lstStyle/>
           <a:p>
-            <a:pPr indent="0" lvl="0" marL="0" marR="0" rtl="0" algn="l">
+            <a:pPr marL="0" marR="0" lvl="0" indent="0" algn="l" rtl="0">
               <a:spcBef>
                 <a:spcPts val="0"/>
               </a:spcBef>
@@ -12727,12 +13007,12 @@
 </p:sld>
 </file>
 
-<file path=ppt/slides/slide13.xml><?xml version="1.0" encoding="utf-8"?>
-<p:sld xmlns:a="http://schemas.openxmlformats.org/drawingml/2006/main" xmlns:r="http://schemas.openxmlformats.org/officeDocument/2006/relationships" xmlns:mc="http://schemas.openxmlformats.org/markup-compatibility/2006" xmlns:mv="urn:schemas-microsoft-com:mac:vml" xmlns:p="http://schemas.openxmlformats.org/presentationml/2006/main" xmlns:c="http://schemas.openxmlformats.org/drawingml/2006/chart" xmlns:dgm="http://schemas.openxmlformats.org/drawingml/2006/diagram" xmlns:o="urn:schemas-microsoft-com:office:office" xmlns:v="urn:schemas-microsoft-com:vml" xmlns:pvml="urn:schemas-microsoft-com:office:powerpoint" xmlns:com="http://schemas.openxmlformats.org/drawingml/2006/compatibility" xmlns:p14="http://schemas.microsoft.com/office/powerpoint/2010/main" xmlns:p15="http://schemas.microsoft.com/office/powerpoint/2012/main" xmlns:ahyp="http://schemas.microsoft.com/office/drawing/2018/hyperlinkcolor">
+<file path=ppt/slides/slide2.xml><?xml version="1.0" encoding="utf-8"?>
+<p:sld xmlns:a="http://schemas.openxmlformats.org/drawingml/2006/main" xmlns:r="http://schemas.openxmlformats.org/officeDocument/2006/relationships" xmlns:p="http://schemas.openxmlformats.org/presentationml/2006/main">
   <p:cSld>
     <p:spTree>
       <p:nvGrpSpPr>
-        <p:cNvPr id="161" name="Shape 161"/>
+        <p:cNvPr id="1" name="Shape 89"/>
         <p:cNvGrpSpPr/>
         <p:nvPr/>
       </p:nvGrpSpPr>
@@ -12746,8 +13026,10 @@
       </p:grpSpPr>
       <p:sp>
         <p:nvSpPr>
-          <p:cNvPr id="162" name="Google Shape;162;p25"/>
-          <p:cNvSpPr txBox="1"/>
+          <p:cNvPr id="90" name="Google Shape;90;p14"/>
+          <p:cNvSpPr txBox="1">
+            <a:spLocks noGrp="1"/>
+          </p:cNvSpPr>
           <p:nvPr>
             <p:ph type="title"/>
           </p:nvPr>
@@ -12766,12 +13048,12 @@
           </a:ln>
         </p:spPr>
         <p:txBody>
-          <a:bodyPr anchorCtr="0" anchor="ctr" bIns="45700" lIns="91425" spcFirstLastPara="1" rIns="91425" wrap="square" tIns="45700">
+          <a:bodyPr spcFirstLastPara="1" wrap="square" lIns="91425" tIns="45700" rIns="91425" bIns="45700" anchor="ctr" anchorCtr="0">
             <a:normAutofit/>
           </a:bodyPr>
           <a:lstStyle/>
           <a:p>
-            <a:pPr indent="0" lvl="0" marL="0" rtl="0" algn="l">
+            <a:pPr marL="0" lvl="0" indent="0" algn="l" rtl="0">
               <a:lnSpc>
                 <a:spcPct val="90000"/>
               </a:lnSpc>
@@ -12790,7 +13072,7 @@
             </a:pPr>
             <a:r>
               <a:rPr lang="en-US"/>
-              <a:t>Example </a:t>
+              <a:t>Hypothesis </a:t>
             </a:r>
             <a:endParaRPr/>
           </a:p>
@@ -12798,10 +13080,12 @@
       </p:sp>
       <p:sp>
         <p:nvSpPr>
-          <p:cNvPr id="163" name="Google Shape;163;p25"/>
-          <p:cNvSpPr txBox="1"/>
+          <p:cNvPr id="91" name="Google Shape;91;p14"/>
+          <p:cNvSpPr txBox="1">
+            <a:spLocks noGrp="1"/>
+          </p:cNvSpPr>
           <p:nvPr>
-            <p:ph idx="1" type="body"/>
+            <p:ph type="body" idx="1"/>
           </p:nvPr>
         </p:nvSpPr>
         <p:spPr>
@@ -12818,139 +13102,12 @@
           </a:ln>
         </p:spPr>
         <p:txBody>
-          <a:bodyPr anchorCtr="0" anchor="t" bIns="45700" lIns="91425" spcFirstLastPara="1" rIns="91425" wrap="square" tIns="45700">
+          <a:bodyPr spcFirstLastPara="1" wrap="square" lIns="91425" tIns="45700" rIns="91425" bIns="45700" anchor="t" anchorCtr="0">
             <a:normAutofit/>
           </a:bodyPr>
           <a:lstStyle/>
           <a:p>
-            <a:pPr indent="-50800" lvl="0" marL="228600" rtl="0" algn="l">
-              <a:lnSpc>
-                <a:spcPct val="90000"/>
-              </a:lnSpc>
-              <a:spcBef>
-                <a:spcPts val="0"/>
-              </a:spcBef>
-              <a:spcAft>
-                <a:spcPts val="0"/>
-              </a:spcAft>
-              <a:buClr>
-                <a:schemeClr val="dk1"/>
-              </a:buClr>
-              <a:buSzPts val="2800"/>
-              <a:buNone/>
-            </a:pPr>
-            <a:r>
-              <a:t/>
-            </a:r>
-            <a:endParaRPr/>
-          </a:p>
-        </p:txBody>
-      </p:sp>
-    </p:spTree>
-  </p:cSld>
-  <p:clrMapOvr>
-    <a:masterClrMapping/>
-  </p:clrMapOvr>
-</p:sld>
-</file>
-
-<file path=ppt/slides/slide2.xml><?xml version="1.0" encoding="utf-8"?>
-<p:sld xmlns:a="http://schemas.openxmlformats.org/drawingml/2006/main" xmlns:r="http://schemas.openxmlformats.org/officeDocument/2006/relationships" xmlns:mc="http://schemas.openxmlformats.org/markup-compatibility/2006" xmlns:mv="urn:schemas-microsoft-com:mac:vml" xmlns:p="http://schemas.openxmlformats.org/presentationml/2006/main" xmlns:c="http://schemas.openxmlformats.org/drawingml/2006/chart" xmlns:dgm="http://schemas.openxmlformats.org/drawingml/2006/diagram" xmlns:o="urn:schemas-microsoft-com:office:office" xmlns:v="urn:schemas-microsoft-com:vml" xmlns:pvml="urn:schemas-microsoft-com:office:powerpoint" xmlns:com="http://schemas.openxmlformats.org/drawingml/2006/compatibility" xmlns:p14="http://schemas.microsoft.com/office/powerpoint/2010/main" xmlns:p15="http://schemas.microsoft.com/office/powerpoint/2012/main" xmlns:ahyp="http://schemas.microsoft.com/office/drawing/2018/hyperlinkcolor">
-  <p:cSld>
-    <p:spTree>
-      <p:nvGrpSpPr>
-        <p:cNvPr id="89" name="Shape 89"/>
-        <p:cNvGrpSpPr/>
-        <p:nvPr/>
-      </p:nvGrpSpPr>
-      <p:grpSpPr>
-        <a:xfrm>
-          <a:off x="0" y="0"/>
-          <a:ext cx="0" cy="0"/>
-          <a:chOff x="0" y="0"/>
-          <a:chExt cx="0" cy="0"/>
-        </a:xfrm>
-      </p:grpSpPr>
-      <p:sp>
-        <p:nvSpPr>
-          <p:cNvPr id="90" name="Google Shape;90;p14"/>
-          <p:cNvSpPr txBox="1"/>
-          <p:nvPr>
-            <p:ph type="title"/>
-          </p:nvPr>
-        </p:nvSpPr>
-        <p:spPr>
-          <a:xfrm>
-            <a:off x="838200" y="365125"/>
-            <a:ext cx="10515600" cy="1325563"/>
-          </a:xfrm>
-          <a:prstGeom prst="rect">
-            <a:avLst/>
-          </a:prstGeom>
-          <a:noFill/>
-          <a:ln>
-            <a:noFill/>
-          </a:ln>
-        </p:spPr>
-        <p:txBody>
-          <a:bodyPr anchorCtr="0" anchor="ctr" bIns="45700" lIns="91425" spcFirstLastPara="1" rIns="91425" wrap="square" tIns="45700">
-            <a:normAutofit/>
-          </a:bodyPr>
-          <a:lstStyle/>
-          <a:p>
-            <a:pPr indent="0" lvl="0" marL="0" rtl="0" algn="l">
-              <a:lnSpc>
-                <a:spcPct val="90000"/>
-              </a:lnSpc>
-              <a:spcBef>
-                <a:spcPts val="0"/>
-              </a:spcBef>
-              <a:spcAft>
-                <a:spcPts val="0"/>
-              </a:spcAft>
-              <a:buClr>
-                <a:srgbClr val="C00000"/>
-              </a:buClr>
-              <a:buSzPts val="4400"/>
-              <a:buFont typeface="Times New Roman"/>
-              <a:buNone/>
-            </a:pPr>
-            <a:r>
-              <a:rPr lang="en-US"/>
-              <a:t>Hypothesis </a:t>
-            </a:r>
-            <a:endParaRPr/>
-          </a:p>
-        </p:txBody>
-      </p:sp>
-      <p:sp>
-        <p:nvSpPr>
-          <p:cNvPr id="91" name="Google Shape;91;p14"/>
-          <p:cNvSpPr txBox="1"/>
-          <p:nvPr>
-            <p:ph idx="1" type="body"/>
-          </p:nvPr>
-        </p:nvSpPr>
-        <p:spPr>
-          <a:xfrm>
-            <a:off x="838200" y="1825625"/>
-            <a:ext cx="10515600" cy="4351338"/>
-          </a:xfrm>
-          <a:prstGeom prst="rect">
-            <a:avLst/>
-          </a:prstGeom>
-          <a:noFill/>
-          <a:ln>
-            <a:noFill/>
-          </a:ln>
-        </p:spPr>
-        <p:txBody>
-          <a:bodyPr anchorCtr="0" anchor="t" bIns="45700" lIns="91425" spcFirstLastPara="1" rIns="91425" wrap="square" tIns="45700">
-            <a:normAutofit/>
-          </a:bodyPr>
-          <a:lstStyle/>
-          <a:p>
-            <a:pPr indent="-228600" lvl="0" marL="228600" rtl="0" algn="just">
+            <a:pPr marL="228600" lvl="0" indent="-228600" algn="just" rtl="0">
               <a:lnSpc>
                 <a:spcPct val="90000"/>
               </a:lnSpc>
@@ -12981,7 +13138,7 @@
             <a:endParaRPr/>
           </a:p>
           <a:p>
-            <a:pPr indent="-228600" lvl="0" marL="228600" rtl="0" algn="just">
+            <a:pPr marL="228600" lvl="0" indent="-228600" algn="just" rtl="0">
               <a:lnSpc>
                 <a:spcPct val="90000"/>
               </a:lnSpc>
@@ -13012,7 +13169,7 @@
             <a:endParaRPr/>
           </a:p>
           <a:p>
-            <a:pPr indent="-228600" lvl="0" marL="228600" rtl="0" algn="just">
+            <a:pPr marL="228600" lvl="0" indent="-228600" algn="just" rtl="0">
               <a:lnSpc>
                 <a:spcPct val="90000"/>
               </a:lnSpc>
@@ -13035,7 +13192,7 @@
             <a:endParaRPr/>
           </a:p>
           <a:p>
-            <a:pPr indent="-228600" lvl="0" marL="228600" rtl="0" algn="just">
+            <a:pPr marL="228600" lvl="0" indent="-228600" algn="just" rtl="0">
               <a:lnSpc>
                 <a:spcPct val="90000"/>
               </a:lnSpc>
@@ -13068,11 +13225,11 @@
 </file>
 
 <file path=ppt/slides/slide3.xml><?xml version="1.0" encoding="utf-8"?>
-<p:sld xmlns:a="http://schemas.openxmlformats.org/drawingml/2006/main" xmlns:r="http://schemas.openxmlformats.org/officeDocument/2006/relationships" xmlns:mc="http://schemas.openxmlformats.org/markup-compatibility/2006" xmlns:mv="urn:schemas-microsoft-com:mac:vml" xmlns:p="http://schemas.openxmlformats.org/presentationml/2006/main" xmlns:c="http://schemas.openxmlformats.org/drawingml/2006/chart" xmlns:dgm="http://schemas.openxmlformats.org/drawingml/2006/diagram" xmlns:o="urn:schemas-microsoft-com:office:office" xmlns:v="urn:schemas-microsoft-com:vml" xmlns:pvml="urn:schemas-microsoft-com:office:powerpoint" xmlns:com="http://schemas.openxmlformats.org/drawingml/2006/compatibility" xmlns:p14="http://schemas.microsoft.com/office/powerpoint/2010/main" xmlns:p15="http://schemas.microsoft.com/office/powerpoint/2012/main" xmlns:ahyp="http://schemas.microsoft.com/office/drawing/2018/hyperlinkcolor">
+<p:sld xmlns:a="http://schemas.openxmlformats.org/drawingml/2006/main" xmlns:r="http://schemas.openxmlformats.org/officeDocument/2006/relationships" xmlns:p="http://schemas.openxmlformats.org/presentationml/2006/main">
   <p:cSld>
     <p:spTree>
       <p:nvGrpSpPr>
-        <p:cNvPr id="95" name="Shape 95"/>
+        <p:cNvPr id="1" name="Shape 95"/>
         <p:cNvGrpSpPr/>
         <p:nvPr/>
       </p:nvGrpSpPr>
@@ -13087,7 +13244,9 @@
       <p:sp>
         <p:nvSpPr>
           <p:cNvPr id="96" name="Google Shape;96;p15"/>
-          <p:cNvSpPr txBox="1"/>
+          <p:cNvSpPr txBox="1">
+            <a:spLocks noGrp="1"/>
+          </p:cNvSpPr>
           <p:nvPr>
             <p:ph type="title"/>
           </p:nvPr>
@@ -13106,12 +13265,12 @@
           </a:ln>
         </p:spPr>
         <p:txBody>
-          <a:bodyPr anchorCtr="0" anchor="ctr" bIns="45700" lIns="91425" spcFirstLastPara="1" rIns="91425" wrap="square" tIns="45700">
+          <a:bodyPr spcFirstLastPara="1" wrap="square" lIns="91425" tIns="45700" rIns="91425" bIns="45700" anchor="ctr" anchorCtr="0">
             <a:normAutofit/>
           </a:bodyPr>
           <a:lstStyle/>
           <a:p>
-            <a:pPr indent="0" lvl="0" marL="0" rtl="0" algn="l">
+            <a:pPr marL="0" lvl="0" indent="0" algn="l" rtl="0">
               <a:lnSpc>
                 <a:spcPct val="90000"/>
               </a:lnSpc>
@@ -13139,9 +13298,11 @@
       <p:sp>
         <p:nvSpPr>
           <p:cNvPr id="97" name="Google Shape;97;p15"/>
-          <p:cNvSpPr txBox="1"/>
+          <p:cNvSpPr txBox="1">
+            <a:spLocks noGrp="1"/>
+          </p:cNvSpPr>
           <p:nvPr>
-            <p:ph idx="1" type="body"/>
+            <p:ph type="body" idx="1"/>
           </p:nvPr>
         </p:nvSpPr>
         <p:spPr>
@@ -13157,7 +13318,7 @@
               <a:alphaModFix/>
             </a:blip>
             <a:stretch>
-              <a:fillRect b="0" l="-1042" r="0" t="-2380"/>
+              <a:fillRect l="-1042" t="-2380"/>
             </a:stretch>
           </a:blipFill>
           <a:ln>
@@ -13165,12 +13326,12 @@
           </a:ln>
         </p:spPr>
         <p:txBody>
-          <a:bodyPr anchorCtr="0" anchor="t" bIns="45700" lIns="91425" spcFirstLastPara="1" rIns="91425" wrap="square" tIns="45700">
+          <a:bodyPr spcFirstLastPara="1" wrap="square" lIns="91425" tIns="45700" rIns="91425" bIns="45700" anchor="t" anchorCtr="0">
             <a:normAutofit/>
           </a:bodyPr>
           <a:lstStyle/>
           <a:p>
-            <a:pPr indent="-228600" lvl="0" marL="228600" rtl="0" algn="l">
+            <a:pPr marL="228600" lvl="0" indent="-228600" algn="l" rtl="0">
               <a:lnSpc>
                 <a:spcPct val="90000"/>
               </a:lnSpc>
@@ -13200,11 +13361,11 @@
 </file>
 
 <file path=ppt/slides/slide4.xml><?xml version="1.0" encoding="utf-8"?>
-<p:sld xmlns:a="http://schemas.openxmlformats.org/drawingml/2006/main" xmlns:r="http://schemas.openxmlformats.org/officeDocument/2006/relationships" xmlns:mc="http://schemas.openxmlformats.org/markup-compatibility/2006" xmlns:mv="urn:schemas-microsoft-com:mac:vml" xmlns:p="http://schemas.openxmlformats.org/presentationml/2006/main" xmlns:c="http://schemas.openxmlformats.org/drawingml/2006/chart" xmlns:dgm="http://schemas.openxmlformats.org/drawingml/2006/diagram" xmlns:o="urn:schemas-microsoft-com:office:office" xmlns:v="urn:schemas-microsoft-com:vml" xmlns:pvml="urn:schemas-microsoft-com:office:powerpoint" xmlns:com="http://schemas.openxmlformats.org/drawingml/2006/compatibility" xmlns:p14="http://schemas.microsoft.com/office/powerpoint/2010/main" xmlns:p15="http://schemas.microsoft.com/office/powerpoint/2012/main" xmlns:ahyp="http://schemas.microsoft.com/office/drawing/2018/hyperlinkcolor">
+<p:sld xmlns:a="http://schemas.openxmlformats.org/drawingml/2006/main" xmlns:r="http://schemas.openxmlformats.org/officeDocument/2006/relationships" xmlns:p="http://schemas.openxmlformats.org/presentationml/2006/main">
   <p:cSld>
     <p:spTree>
       <p:nvGrpSpPr>
-        <p:cNvPr id="101" name="Shape 101"/>
+        <p:cNvPr id="1" name="Shape 101"/>
         <p:cNvGrpSpPr/>
         <p:nvPr/>
       </p:nvGrpSpPr>
@@ -13219,7 +13380,9 @@
       <p:sp>
         <p:nvSpPr>
           <p:cNvPr id="102" name="Google Shape;102;p16"/>
-          <p:cNvSpPr txBox="1"/>
+          <p:cNvSpPr txBox="1">
+            <a:spLocks noGrp="1"/>
+          </p:cNvSpPr>
           <p:nvPr>
             <p:ph type="title"/>
           </p:nvPr>
@@ -13238,12 +13401,12 @@
           </a:ln>
         </p:spPr>
         <p:txBody>
-          <a:bodyPr anchorCtr="0" anchor="ctr" bIns="45700" lIns="91425" spcFirstLastPara="1" rIns="91425" wrap="square" tIns="45700">
+          <a:bodyPr spcFirstLastPara="1" wrap="square" lIns="91425" tIns="45700" rIns="91425" bIns="45700" anchor="ctr" anchorCtr="0">
             <a:normAutofit/>
           </a:bodyPr>
           <a:lstStyle/>
           <a:p>
-            <a:pPr indent="0" lvl="0" marL="0" rtl="0" algn="l">
+            <a:pPr marL="0" lvl="0" indent="0" algn="l" rtl="0">
               <a:lnSpc>
                 <a:spcPct val="90000"/>
               </a:lnSpc>
@@ -13271,9 +13434,11 @@
       <p:sp>
         <p:nvSpPr>
           <p:cNvPr id="103" name="Google Shape;103;p16"/>
-          <p:cNvSpPr txBox="1"/>
+          <p:cNvSpPr txBox="1">
+            <a:spLocks noGrp="1"/>
+          </p:cNvSpPr>
           <p:nvPr>
-            <p:ph idx="1" type="body"/>
+            <p:ph type="body" idx="1"/>
           </p:nvPr>
         </p:nvSpPr>
         <p:spPr>
@@ -13290,12 +13455,12 @@
           </a:ln>
         </p:spPr>
         <p:txBody>
-          <a:bodyPr anchorCtr="0" anchor="t" bIns="45700" lIns="91425" spcFirstLastPara="1" rIns="91425" wrap="square" tIns="45700">
+          <a:bodyPr spcFirstLastPara="1" wrap="square" lIns="91425" tIns="45700" rIns="91425" bIns="45700" anchor="t" anchorCtr="0">
             <a:normAutofit fontScale="92500" lnSpcReduction="10000"/>
           </a:bodyPr>
           <a:lstStyle/>
           <a:p>
-            <a:pPr indent="-228600" lvl="0" marL="228600" rtl="0" algn="just">
+            <a:pPr marL="228600" lvl="0" indent="-228600" algn="just" rtl="0">
               <a:lnSpc>
                 <a:spcPct val="90000"/>
               </a:lnSpc>
@@ -13330,7 +13495,7 @@
             <a:endParaRPr/>
           </a:p>
           <a:p>
-            <a:pPr indent="-228600" lvl="0" marL="228600" rtl="0" algn="just">
+            <a:pPr marL="228600" lvl="0" indent="-228600" algn="just" rtl="0">
               <a:lnSpc>
                 <a:spcPct val="90000"/>
               </a:lnSpc>
@@ -13365,7 +13530,7 @@
             <a:endParaRPr/>
           </a:p>
           <a:p>
-            <a:pPr indent="-228600" lvl="0" marL="228600" rtl="0" algn="just">
+            <a:pPr marL="228600" lvl="0" indent="-228600" algn="just" rtl="0">
               <a:lnSpc>
                 <a:spcPct val="90000"/>
               </a:lnSpc>
@@ -13400,7 +13565,7 @@
             <a:endParaRPr/>
           </a:p>
           <a:p>
-            <a:pPr indent="-228600" lvl="0" marL="228600" rtl="0" algn="just">
+            <a:pPr marL="228600" lvl="0" indent="-228600" algn="just" rtl="0">
               <a:lnSpc>
                 <a:spcPct val="90000"/>
               </a:lnSpc>
@@ -13435,7 +13600,7 @@
             <a:endParaRPr/>
           </a:p>
           <a:p>
-            <a:pPr indent="-228600" lvl="0" marL="228600" rtl="0" algn="just">
+            <a:pPr marL="228600" lvl="0" indent="-228600" algn="just" rtl="0">
               <a:lnSpc>
                 <a:spcPct val="90000"/>
               </a:lnSpc>
@@ -13480,11 +13645,11 @@
 </file>
 
 <file path=ppt/slides/slide5.xml><?xml version="1.0" encoding="utf-8"?>
-<p:sld xmlns:a="http://schemas.openxmlformats.org/drawingml/2006/main" xmlns:r="http://schemas.openxmlformats.org/officeDocument/2006/relationships" xmlns:mc="http://schemas.openxmlformats.org/markup-compatibility/2006" xmlns:mv="urn:schemas-microsoft-com:mac:vml" xmlns:p="http://schemas.openxmlformats.org/presentationml/2006/main" xmlns:c="http://schemas.openxmlformats.org/drawingml/2006/chart" xmlns:dgm="http://schemas.openxmlformats.org/drawingml/2006/diagram" xmlns:o="urn:schemas-microsoft-com:office:office" xmlns:v="urn:schemas-microsoft-com:vml" xmlns:pvml="urn:schemas-microsoft-com:office:powerpoint" xmlns:com="http://schemas.openxmlformats.org/drawingml/2006/compatibility" xmlns:p14="http://schemas.microsoft.com/office/powerpoint/2010/main" xmlns:p15="http://schemas.microsoft.com/office/powerpoint/2012/main" xmlns:ahyp="http://schemas.microsoft.com/office/drawing/2018/hyperlinkcolor">
+<p:sld xmlns:a="http://schemas.openxmlformats.org/drawingml/2006/main" xmlns:r="http://schemas.openxmlformats.org/officeDocument/2006/relationships" xmlns:p="http://schemas.openxmlformats.org/presentationml/2006/main">
   <p:cSld>
     <p:spTree>
       <p:nvGrpSpPr>
-        <p:cNvPr id="107" name="Shape 107"/>
+        <p:cNvPr id="1" name="Shape 107"/>
         <p:cNvGrpSpPr/>
         <p:nvPr/>
       </p:nvGrpSpPr>
@@ -13499,7 +13664,9 @@
       <p:sp>
         <p:nvSpPr>
           <p:cNvPr id="108" name="Google Shape;108;p17"/>
-          <p:cNvSpPr txBox="1"/>
+          <p:cNvSpPr txBox="1">
+            <a:spLocks noGrp="1"/>
+          </p:cNvSpPr>
           <p:nvPr>
             <p:ph type="title"/>
           </p:nvPr>
@@ -13518,12 +13685,12 @@
           </a:ln>
         </p:spPr>
         <p:txBody>
-          <a:bodyPr anchorCtr="0" anchor="ctr" bIns="45700" lIns="91425" spcFirstLastPara="1" rIns="91425" wrap="square" tIns="45700">
+          <a:bodyPr spcFirstLastPara="1" wrap="square" lIns="91425" tIns="45700" rIns="91425" bIns="45700" anchor="ctr" anchorCtr="0">
             <a:normAutofit/>
           </a:bodyPr>
           <a:lstStyle/>
           <a:p>
-            <a:pPr indent="0" lvl="0" marL="0" rtl="0" algn="l">
+            <a:pPr marL="0" lvl="0" indent="0" algn="l" rtl="0">
               <a:lnSpc>
                 <a:spcPct val="90000"/>
               </a:lnSpc>
@@ -13551,16 +13718,18 @@
       <p:pic>
         <p:nvPicPr>
           <p:cNvPr id="109" name="Google Shape;109;p17"/>
-          <p:cNvPicPr preferRelativeResize="0"/>
+          <p:cNvPicPr preferRelativeResize="0">
+            <a:picLocks noGrp="1"/>
+          </p:cNvPicPr>
           <p:nvPr>
-            <p:ph idx="1" type="body"/>
+            <p:ph type="body" idx="1"/>
           </p:nvPr>
         </p:nvPicPr>
         <p:blipFill rotWithShape="1">
           <a:blip r:embed="rId3">
             <a:alphaModFix/>
           </a:blip>
-          <a:srcRect b="0" l="0" r="0" t="4361"/>
+          <a:srcRect t="4361"/>
           <a:stretch/>
         </p:blipFill>
         <p:spPr>
@@ -13597,12 +13766,12 @@
           </a:ln>
         </p:spPr>
         <p:txBody>
-          <a:bodyPr anchorCtr="0" anchor="t" bIns="45700" lIns="91425" spcFirstLastPara="1" rIns="91425" wrap="square" tIns="45700">
+          <a:bodyPr spcFirstLastPara="1" wrap="square" lIns="91425" tIns="45700" rIns="91425" bIns="45700" anchor="t" anchorCtr="0">
             <a:spAutoFit/>
           </a:bodyPr>
           <a:lstStyle/>
           <a:p>
-            <a:pPr indent="0" lvl="0" marL="0" marR="0" rtl="0" algn="l">
+            <a:pPr marL="0" marR="0" lvl="0" indent="0" algn="l" rtl="0">
               <a:spcBef>
                 <a:spcPts val="0"/>
               </a:spcBef>
@@ -13612,7 +13781,7 @@
               <a:buNone/>
             </a:pPr>
             <a:r>
-              <a:rPr b="0" i="0" lang="en-US" sz="1800" u="none" cap="none" strike="noStrike">
+              <a:rPr lang="en-US" sz="1800" b="0" i="0" u="none" strike="noStrike" cap="none">
                 <a:solidFill>
                   <a:schemeClr val="dk1"/>
                 </a:solidFill>
@@ -13636,11 +13805,11 @@
 </file>
 
 <file path=ppt/slides/slide6.xml><?xml version="1.0" encoding="utf-8"?>
-<p:sld xmlns:a="http://schemas.openxmlformats.org/drawingml/2006/main" xmlns:r="http://schemas.openxmlformats.org/officeDocument/2006/relationships" xmlns:mc="http://schemas.openxmlformats.org/markup-compatibility/2006" xmlns:mv="urn:schemas-microsoft-com:mac:vml" xmlns:p="http://schemas.openxmlformats.org/presentationml/2006/main" xmlns:c="http://schemas.openxmlformats.org/drawingml/2006/chart" xmlns:dgm="http://schemas.openxmlformats.org/drawingml/2006/diagram" xmlns:o="urn:schemas-microsoft-com:office:office" xmlns:v="urn:schemas-microsoft-com:vml" xmlns:pvml="urn:schemas-microsoft-com:office:powerpoint" xmlns:com="http://schemas.openxmlformats.org/drawingml/2006/compatibility" xmlns:p14="http://schemas.microsoft.com/office/powerpoint/2010/main" xmlns:p15="http://schemas.microsoft.com/office/powerpoint/2012/main" xmlns:ahyp="http://schemas.microsoft.com/office/drawing/2018/hyperlinkcolor">
+<p:sld xmlns:a="http://schemas.openxmlformats.org/drawingml/2006/main" xmlns:r="http://schemas.openxmlformats.org/officeDocument/2006/relationships" xmlns:p="http://schemas.openxmlformats.org/presentationml/2006/main">
   <p:cSld>
     <p:spTree>
       <p:nvGrpSpPr>
-        <p:cNvPr id="114" name="Shape 114"/>
+        <p:cNvPr id="1" name="Shape 114"/>
         <p:cNvGrpSpPr/>
         <p:nvPr/>
       </p:nvGrpSpPr>
@@ -13655,7 +13824,9 @@
       <p:sp>
         <p:nvSpPr>
           <p:cNvPr id="115" name="Google Shape;115;p18"/>
-          <p:cNvSpPr txBox="1"/>
+          <p:cNvSpPr txBox="1">
+            <a:spLocks noGrp="1"/>
+          </p:cNvSpPr>
           <p:nvPr>
             <p:ph type="title"/>
           </p:nvPr>
@@ -13674,12 +13845,12 @@
           </a:ln>
         </p:spPr>
         <p:txBody>
-          <a:bodyPr anchorCtr="0" anchor="ctr" bIns="45700" lIns="91425" spcFirstLastPara="1" rIns="91425" wrap="square" tIns="45700">
+          <a:bodyPr spcFirstLastPara="1" wrap="square" lIns="91425" tIns="45700" rIns="91425" bIns="45700" anchor="ctr" anchorCtr="0">
             <a:normAutofit/>
           </a:bodyPr>
           <a:lstStyle/>
           <a:p>
-            <a:pPr indent="0" lvl="0" marL="0" rtl="0" algn="l">
+            <a:pPr marL="0" lvl="0" indent="0" algn="l" rtl="0">
               <a:lnSpc>
                 <a:spcPct val="90000"/>
               </a:lnSpc>
@@ -13697,7 +13868,7 @@
               <a:buNone/>
             </a:pPr>
             <a:r>
-              <a:rPr b="1" lang="en-US"/>
+              <a:rPr lang="en-US" b="1"/>
               <a:t>Type-I and II errors </a:t>
             </a:r>
             <a:endParaRPr/>
@@ -13707,16 +13878,18 @@
       <p:pic>
         <p:nvPicPr>
           <p:cNvPr id="116" name="Google Shape;116;p18"/>
-          <p:cNvPicPr preferRelativeResize="0"/>
+          <p:cNvPicPr preferRelativeResize="0">
+            <a:picLocks noGrp="1"/>
+          </p:cNvPicPr>
           <p:nvPr>
-            <p:ph idx="1" type="body"/>
+            <p:ph type="body" idx="1"/>
           </p:nvPr>
         </p:nvPicPr>
         <p:blipFill rotWithShape="1">
           <a:blip r:embed="rId3">
             <a:alphaModFix/>
           </a:blip>
-          <a:srcRect b="0" l="0" r="0" t="0"/>
+          <a:srcRect/>
           <a:stretch/>
         </p:blipFill>
         <p:spPr>
@@ -13753,12 +13926,12 @@
           </a:ln>
         </p:spPr>
         <p:txBody>
-          <a:bodyPr anchorCtr="0" anchor="t" bIns="45700" lIns="91425" spcFirstLastPara="1" rIns="91425" wrap="square" tIns="45700">
+          <a:bodyPr spcFirstLastPara="1" wrap="square" lIns="91425" tIns="45700" rIns="91425" bIns="45700" anchor="t" anchorCtr="0">
             <a:spAutoFit/>
           </a:bodyPr>
           <a:lstStyle/>
           <a:p>
-            <a:pPr indent="0" lvl="0" marL="0" marR="0" rtl="0" algn="l">
+            <a:pPr marL="0" marR="0" lvl="0" indent="0" algn="l" rtl="0">
               <a:spcBef>
                 <a:spcPts val="0"/>
               </a:spcBef>
@@ -13792,11 +13965,11 @@
 </file>
 
 <file path=ppt/slides/slide7.xml><?xml version="1.0" encoding="utf-8"?>
-<p:sld xmlns:a="http://schemas.openxmlformats.org/drawingml/2006/main" xmlns:r="http://schemas.openxmlformats.org/officeDocument/2006/relationships" xmlns:mc="http://schemas.openxmlformats.org/markup-compatibility/2006" xmlns:mv="urn:schemas-microsoft-com:mac:vml" xmlns:p="http://schemas.openxmlformats.org/presentationml/2006/main" xmlns:c="http://schemas.openxmlformats.org/drawingml/2006/chart" xmlns:dgm="http://schemas.openxmlformats.org/drawingml/2006/diagram" xmlns:o="urn:schemas-microsoft-com:office:office" xmlns:v="urn:schemas-microsoft-com:vml" xmlns:pvml="urn:schemas-microsoft-com:office:powerpoint" xmlns:com="http://schemas.openxmlformats.org/drawingml/2006/compatibility" xmlns:p14="http://schemas.microsoft.com/office/powerpoint/2010/main" xmlns:p15="http://schemas.microsoft.com/office/powerpoint/2012/main" xmlns:ahyp="http://schemas.microsoft.com/office/drawing/2018/hyperlinkcolor">
+<p:sld xmlns:a="http://schemas.openxmlformats.org/drawingml/2006/main" xmlns:r="http://schemas.openxmlformats.org/officeDocument/2006/relationships" xmlns:p="http://schemas.openxmlformats.org/presentationml/2006/main">
   <p:cSld>
     <p:spTree>
       <p:nvGrpSpPr>
-        <p:cNvPr id="121" name="Shape 121"/>
+        <p:cNvPr id="1" name="Shape 121"/>
         <p:cNvGrpSpPr/>
         <p:nvPr/>
       </p:nvGrpSpPr>
@@ -13811,7 +13984,9 @@
       <p:sp>
         <p:nvSpPr>
           <p:cNvPr id="122" name="Google Shape;122;p19"/>
-          <p:cNvSpPr txBox="1"/>
+          <p:cNvSpPr txBox="1">
+            <a:spLocks noGrp="1"/>
+          </p:cNvSpPr>
           <p:nvPr>
             <p:ph type="title"/>
           </p:nvPr>
@@ -13830,12 +14005,12 @@
           </a:ln>
         </p:spPr>
         <p:txBody>
-          <a:bodyPr anchorCtr="0" anchor="ctr" bIns="45700" lIns="91425" spcFirstLastPara="1" rIns="91425" wrap="square" tIns="45700">
+          <a:bodyPr spcFirstLastPara="1" wrap="square" lIns="91425" tIns="45700" rIns="91425" bIns="45700" anchor="ctr" anchorCtr="0">
             <a:normAutofit/>
           </a:bodyPr>
           <a:lstStyle/>
           <a:p>
-            <a:pPr indent="0" lvl="0" marL="0" rtl="0" algn="l">
+            <a:pPr marL="0" lvl="0" indent="0" algn="l" rtl="0">
               <a:lnSpc>
                 <a:spcPct val="90000"/>
               </a:lnSpc>
@@ -13853,7 +14028,7 @@
               <a:buNone/>
             </a:pPr>
             <a:r>
-              <a:rPr b="1" lang="en-US"/>
+              <a:rPr lang="en-US" b="1"/>
               <a:t>Type-I and II errors </a:t>
             </a:r>
             <a:endParaRPr/>
@@ -13863,16 +14038,18 @@
       <p:pic>
         <p:nvPicPr>
           <p:cNvPr id="123" name="Google Shape;123;p19"/>
-          <p:cNvPicPr preferRelativeResize="0"/>
+          <p:cNvPicPr preferRelativeResize="0">
+            <a:picLocks noGrp="1"/>
+          </p:cNvPicPr>
           <p:nvPr>
-            <p:ph idx="1" type="body"/>
+            <p:ph type="body" idx="1"/>
           </p:nvPr>
         </p:nvPicPr>
         <p:blipFill rotWithShape="1">
           <a:blip r:embed="rId3">
             <a:alphaModFix/>
           </a:blip>
-          <a:srcRect b="0" l="0" r="0" t="0"/>
+          <a:srcRect/>
           <a:stretch/>
         </p:blipFill>
         <p:spPr>
@@ -13898,11 +14075,11 @@
 </file>
 
 <file path=ppt/slides/slide8.xml><?xml version="1.0" encoding="utf-8"?>
-<p:sld xmlns:a="http://schemas.openxmlformats.org/drawingml/2006/main" xmlns:r="http://schemas.openxmlformats.org/officeDocument/2006/relationships" xmlns:mc="http://schemas.openxmlformats.org/markup-compatibility/2006" xmlns:mv="urn:schemas-microsoft-com:mac:vml" xmlns:p="http://schemas.openxmlformats.org/presentationml/2006/main" xmlns:c="http://schemas.openxmlformats.org/drawingml/2006/chart" xmlns:dgm="http://schemas.openxmlformats.org/drawingml/2006/diagram" xmlns:o="urn:schemas-microsoft-com:office:office" xmlns:v="urn:schemas-microsoft-com:vml" xmlns:pvml="urn:schemas-microsoft-com:office:powerpoint" xmlns:com="http://schemas.openxmlformats.org/drawingml/2006/compatibility" xmlns:p14="http://schemas.microsoft.com/office/powerpoint/2010/main" xmlns:p15="http://schemas.microsoft.com/office/powerpoint/2012/main" xmlns:ahyp="http://schemas.microsoft.com/office/drawing/2018/hyperlinkcolor">
+<p:sld xmlns:a="http://schemas.openxmlformats.org/drawingml/2006/main" xmlns:r="http://schemas.openxmlformats.org/officeDocument/2006/relationships" xmlns:p="http://schemas.openxmlformats.org/presentationml/2006/main">
   <p:cSld>
     <p:spTree>
       <p:nvGrpSpPr>
-        <p:cNvPr id="127" name="Shape 127"/>
+        <p:cNvPr id="1" name="Shape 127"/>
         <p:cNvGrpSpPr/>
         <p:nvPr/>
       </p:nvGrpSpPr>
@@ -13917,7 +14094,9 @@
       <p:sp>
         <p:nvSpPr>
           <p:cNvPr id="128" name="Google Shape;128;p20"/>
-          <p:cNvSpPr txBox="1"/>
+          <p:cNvSpPr txBox="1">
+            <a:spLocks noGrp="1"/>
+          </p:cNvSpPr>
           <p:nvPr>
             <p:ph type="title"/>
           </p:nvPr>
@@ -13936,12 +14115,12 @@
           </a:ln>
         </p:spPr>
         <p:txBody>
-          <a:bodyPr anchorCtr="0" anchor="ctr" bIns="45700" lIns="91425" spcFirstLastPara="1" rIns="91425" wrap="square" tIns="45700">
+          <a:bodyPr spcFirstLastPara="1" wrap="square" lIns="91425" tIns="45700" rIns="91425" bIns="45700" anchor="ctr" anchorCtr="0">
             <a:normAutofit/>
           </a:bodyPr>
           <a:lstStyle/>
           <a:p>
-            <a:pPr indent="0" lvl="0" marL="0" rtl="0" algn="l">
+            <a:pPr marL="0" lvl="0" indent="0" algn="l" rtl="0">
               <a:lnSpc>
                 <a:spcPct val="90000"/>
               </a:lnSpc>
@@ -13969,9 +14148,11 @@
       <p:sp>
         <p:nvSpPr>
           <p:cNvPr id="129" name="Google Shape;129;p20"/>
-          <p:cNvSpPr txBox="1"/>
+          <p:cNvSpPr txBox="1">
+            <a:spLocks noGrp="1"/>
+          </p:cNvSpPr>
           <p:nvPr>
-            <p:ph idx="1" type="body"/>
+            <p:ph type="body" idx="1"/>
           </p:nvPr>
         </p:nvSpPr>
         <p:spPr>
@@ -13988,12 +14169,12 @@
           </a:ln>
         </p:spPr>
         <p:txBody>
-          <a:bodyPr anchorCtr="0" anchor="t" bIns="45700" lIns="91425" spcFirstLastPara="1" rIns="91425" wrap="square" tIns="45700">
+          <a:bodyPr spcFirstLastPara="1" wrap="square" lIns="91425" tIns="45700" rIns="91425" bIns="45700" anchor="t" anchorCtr="0">
             <a:normAutofit/>
           </a:bodyPr>
           <a:lstStyle/>
           <a:p>
-            <a:pPr indent="-228600" lvl="0" marL="228600" rtl="0" algn="just">
+            <a:pPr marL="228600" lvl="0" indent="-228600" algn="just" rtl="0">
               <a:lnSpc>
                 <a:spcPct val="90000"/>
               </a:lnSpc>
@@ -14028,7 +14209,7 @@
             <a:endParaRPr/>
           </a:p>
           <a:p>
-            <a:pPr indent="-228600" lvl="0" marL="228600" rtl="0" algn="just">
+            <a:pPr marL="228600" lvl="0" indent="-228600" algn="just" rtl="0">
               <a:lnSpc>
                 <a:spcPct val="90000"/>
               </a:lnSpc>
@@ -14051,7 +14232,7 @@
             <a:endParaRPr/>
           </a:p>
           <a:p>
-            <a:pPr indent="-228600" lvl="1" marL="685800" rtl="0" algn="just">
+            <a:pPr marL="685800" lvl="1" indent="-228600" algn="just" rtl="0">
               <a:lnSpc>
                 <a:spcPct val="90000"/>
               </a:lnSpc>
@@ -14082,7 +14263,7 @@
             <a:endParaRPr/>
           </a:p>
           <a:p>
-            <a:pPr indent="-228600" lvl="1" marL="685800" rtl="0" algn="just">
+            <a:pPr marL="685800" lvl="1" indent="-228600" algn="just" rtl="0">
               <a:lnSpc>
                 <a:spcPct val="90000"/>
               </a:lnSpc>
@@ -14113,7 +14294,7 @@
             <a:endParaRPr/>
           </a:p>
           <a:p>
-            <a:pPr indent="-228600" lvl="1" marL="685800" rtl="0" algn="just">
+            <a:pPr marL="685800" lvl="1" indent="-228600" algn="just" rtl="0">
               <a:lnSpc>
                 <a:spcPct val="90000"/>
               </a:lnSpc>
@@ -14154,11 +14335,11 @@
 </file>
 
 <file path=ppt/slides/slide9.xml><?xml version="1.0" encoding="utf-8"?>
-<p:sld xmlns:a="http://schemas.openxmlformats.org/drawingml/2006/main" xmlns:r="http://schemas.openxmlformats.org/officeDocument/2006/relationships" xmlns:mc="http://schemas.openxmlformats.org/markup-compatibility/2006" xmlns:mv="urn:schemas-microsoft-com:mac:vml" xmlns:p="http://schemas.openxmlformats.org/presentationml/2006/main" xmlns:c="http://schemas.openxmlformats.org/drawingml/2006/chart" xmlns:dgm="http://schemas.openxmlformats.org/drawingml/2006/diagram" xmlns:o="urn:schemas-microsoft-com:office:office" xmlns:v="urn:schemas-microsoft-com:vml" xmlns:pvml="urn:schemas-microsoft-com:office:powerpoint" xmlns:com="http://schemas.openxmlformats.org/drawingml/2006/compatibility" xmlns:p14="http://schemas.microsoft.com/office/powerpoint/2010/main" xmlns:p15="http://schemas.microsoft.com/office/powerpoint/2012/main" xmlns:ahyp="http://schemas.microsoft.com/office/drawing/2018/hyperlinkcolor">
+<p:sld xmlns:a="http://schemas.openxmlformats.org/drawingml/2006/main" xmlns:r="http://schemas.openxmlformats.org/officeDocument/2006/relationships" xmlns:p="http://schemas.openxmlformats.org/presentationml/2006/main">
   <p:cSld>
     <p:spTree>
       <p:nvGrpSpPr>
-        <p:cNvPr id="133" name="Shape 133"/>
+        <p:cNvPr id="1" name="Shape 133"/>
         <p:cNvGrpSpPr/>
         <p:nvPr/>
       </p:nvGrpSpPr>
@@ -14173,7 +14354,9 @@
       <p:sp>
         <p:nvSpPr>
           <p:cNvPr id="134" name="Google Shape;134;p21"/>
-          <p:cNvSpPr txBox="1"/>
+          <p:cNvSpPr txBox="1">
+            <a:spLocks noGrp="1"/>
+          </p:cNvSpPr>
           <p:nvPr>
             <p:ph type="title"/>
           </p:nvPr>
@@ -14192,12 +14375,12 @@
           </a:ln>
         </p:spPr>
         <p:txBody>
-          <a:bodyPr anchorCtr="0" anchor="ctr" bIns="45700" lIns="91425" spcFirstLastPara="1" rIns="91425" wrap="square" tIns="45700">
+          <a:bodyPr spcFirstLastPara="1" wrap="square" lIns="91425" tIns="45700" rIns="91425" bIns="45700" anchor="ctr" anchorCtr="0">
             <a:normAutofit/>
           </a:bodyPr>
           <a:lstStyle/>
           <a:p>
-            <a:pPr indent="0" lvl="0" marL="0" rtl="0" algn="l">
+            <a:pPr marL="0" lvl="0" indent="0" algn="l" rtl="0">
               <a:lnSpc>
                 <a:spcPct val="90000"/>
               </a:lnSpc>
@@ -14225,9 +14408,11 @@
       <p:sp>
         <p:nvSpPr>
           <p:cNvPr id="135" name="Google Shape;135;p21"/>
-          <p:cNvSpPr txBox="1"/>
+          <p:cNvSpPr txBox="1">
+            <a:spLocks noGrp="1"/>
+          </p:cNvSpPr>
           <p:nvPr>
-            <p:ph idx="1" type="body"/>
+            <p:ph type="body" idx="1"/>
           </p:nvPr>
         </p:nvSpPr>
         <p:spPr>
@@ -14244,12 +14429,12 @@
           </a:ln>
         </p:spPr>
         <p:txBody>
-          <a:bodyPr anchorCtr="0" anchor="t" bIns="45700" lIns="91425" spcFirstLastPara="1" rIns="91425" wrap="square" tIns="45700">
+          <a:bodyPr spcFirstLastPara="1" wrap="square" lIns="91425" tIns="45700" rIns="91425" bIns="45700" anchor="t" anchorCtr="0">
             <a:normAutofit/>
           </a:bodyPr>
           <a:lstStyle/>
           <a:p>
-            <a:pPr indent="-228600" lvl="0" marL="228600" rtl="0" algn="l">
+            <a:pPr marL="228600" lvl="0" indent="-228600" algn="l" rtl="0">
               <a:lnSpc>
                 <a:spcPct val="90000"/>
               </a:lnSpc>
@@ -14276,7 +14461,7 @@
             <a:endParaRPr/>
           </a:p>
           <a:p>
-            <a:pPr indent="-228600" lvl="1" marL="685800" rtl="0" algn="l">
+            <a:pPr marL="685800" lvl="1" indent="-228600" algn="l" rtl="0">
               <a:lnSpc>
                 <a:spcPct val="90000"/>
               </a:lnSpc>
@@ -14299,7 +14484,7 @@
             <a:endParaRPr/>
           </a:p>
           <a:p>
-            <a:pPr indent="-228600" lvl="1" marL="685800" rtl="0" algn="l">
+            <a:pPr marL="685800" lvl="1" indent="-228600" algn="l" rtl="0">
               <a:lnSpc>
                 <a:spcPct val="90000"/>
               </a:lnSpc>
@@ -14322,7 +14507,7 @@
             <a:endParaRPr/>
           </a:p>
           <a:p>
-            <a:pPr indent="-228600" lvl="1" marL="685800" rtl="0" algn="l">
+            <a:pPr marL="685800" lvl="1" indent="-228600" algn="l" rtl="0">
               <a:lnSpc>
                 <a:spcPct val="90000"/>
               </a:lnSpc>
@@ -14345,7 +14530,7 @@
             <a:endParaRPr/>
           </a:p>
           <a:p>
-            <a:pPr indent="-228600" lvl="1" marL="685800" rtl="0" algn="l">
+            <a:pPr marL="685800" lvl="1" indent="-228600" algn="l" rtl="0">
               <a:lnSpc>
                 <a:spcPct val="90000"/>
               </a:lnSpc>
@@ -14368,7 +14553,7 @@
             <a:endParaRPr/>
           </a:p>
           <a:p>
-            <a:pPr indent="-76200" lvl="1" marL="685800" rtl="0" algn="l">
+            <a:pPr marL="685800" lvl="1" indent="-76200" algn="l" rtl="0">
               <a:lnSpc>
                 <a:spcPct val="90000"/>
               </a:lnSpc>
@@ -14384,13 +14569,10 @@
               <a:buSzPts val="2400"/>
               <a:buNone/>
             </a:pPr>
-            <a:r>
-              <a:t/>
-            </a:r>
             <a:endParaRPr/>
           </a:p>
           <a:p>
-            <a:pPr indent="-50800" lvl="0" marL="228600" rtl="0" algn="l">
+            <a:pPr marL="228600" lvl="0" indent="-50800" algn="l" rtl="0">
               <a:lnSpc>
                 <a:spcPct val="90000"/>
               </a:lnSpc>
@@ -14406,9 +14588,6 @@
               <a:buSzPts val="2800"/>
               <a:buNone/>
             </a:pPr>
-            <a:r>
-              <a:t/>
-            </a:r>
             <a:endParaRPr/>
           </a:p>
         </p:txBody>
@@ -14422,7 +14601,288 @@
 </file>
 
 <file path=ppt/theme/theme1.xml><?xml version="1.0" encoding="utf-8"?>
-<a:theme xmlns:a="http://schemas.openxmlformats.org/drawingml/2006/main" xmlns:r="http://schemas.openxmlformats.org/officeDocument/2006/relationships">
+<a:theme xmlns:a="http://schemas.openxmlformats.org/drawingml/2006/main" name="Office Theme">
+  <a:themeElements>
+    <a:clrScheme name="Office">
+      <a:dk1>
+        <a:srgbClr val="000000"/>
+      </a:dk1>
+      <a:lt1>
+        <a:srgbClr val="FFFFFF"/>
+      </a:lt1>
+      <a:dk2>
+        <a:srgbClr val="44546A"/>
+      </a:dk2>
+      <a:lt2>
+        <a:srgbClr val="E7E6E6"/>
+      </a:lt2>
+      <a:accent1>
+        <a:srgbClr val="4472C4"/>
+      </a:accent1>
+      <a:accent2>
+        <a:srgbClr val="ED7D31"/>
+      </a:accent2>
+      <a:accent3>
+        <a:srgbClr val="A5A5A5"/>
+      </a:accent3>
+      <a:accent4>
+        <a:srgbClr val="FFC000"/>
+      </a:accent4>
+      <a:accent5>
+        <a:srgbClr val="5B9BD5"/>
+      </a:accent5>
+      <a:accent6>
+        <a:srgbClr val="70AD47"/>
+      </a:accent6>
+      <a:hlink>
+        <a:srgbClr val="0563C1"/>
+      </a:hlink>
+      <a:folHlink>
+        <a:srgbClr val="954F72"/>
+      </a:folHlink>
+    </a:clrScheme>
+    <a:fontScheme name="Office">
+      <a:majorFont>
+        <a:latin typeface="Arial"/>
+        <a:ea typeface=""/>
+        <a:cs typeface=""/>
+        <a:font script="Jpan" typeface="ＭＳ Ｐゴシック"/>
+        <a:font script="Hang" typeface="맑은 고딕"/>
+        <a:font script="Hans" typeface="宋体"/>
+        <a:font script="Hant" typeface="新細明體"/>
+        <a:font script="Arab" typeface="Times New Roman"/>
+        <a:font script="Hebr" typeface="Times New Roman"/>
+        <a:font script="Thai" typeface="Angsana New"/>
+        <a:font script="Ethi" typeface="Nyala"/>
+        <a:font script="Beng" typeface="Vrinda"/>
+        <a:font script="Gujr" typeface="Shruti"/>
+        <a:font script="Khmr" typeface="MoolBoran"/>
+        <a:font script="Knda" typeface="Tunga"/>
+        <a:font script="Guru" typeface="Raavi"/>
+        <a:font script="Cans" typeface="Euphemia"/>
+        <a:font script="Cher" typeface="Plantagenet Cherokee"/>
+        <a:font script="Yiii" typeface="Microsoft Yi Baiti"/>
+        <a:font script="Tibt" typeface="Microsoft Himalaya"/>
+        <a:font script="Thaa" typeface="MV Boli"/>
+        <a:font script="Deva" typeface="Mangal"/>
+        <a:font script="Telu" typeface="Gautami"/>
+        <a:font script="Taml" typeface="Latha"/>
+        <a:font script="Syrc" typeface="Estrangelo Edessa"/>
+        <a:font script="Orya" typeface="Kalinga"/>
+        <a:font script="Mlym" typeface="Kartika"/>
+        <a:font script="Laoo" typeface="DokChampa"/>
+        <a:font script="Sinh" typeface="Iskoola Pota"/>
+        <a:font script="Mong" typeface="Mongolian Baiti"/>
+        <a:font script="Viet" typeface="Times New Roman"/>
+        <a:font script="Uigh" typeface="Microsoft Uighur"/>
+        <a:font script="Geor" typeface="Sylfaen"/>
+      </a:majorFont>
+      <a:minorFont>
+        <a:latin typeface="Arial"/>
+        <a:ea typeface=""/>
+        <a:cs typeface=""/>
+        <a:font script="Jpan" typeface="ＭＳ Ｐゴシック"/>
+        <a:font script="Hang" typeface="맑은 고딕"/>
+        <a:font script="Hans" typeface="宋体"/>
+        <a:font script="Hant" typeface="新細明體"/>
+        <a:font script="Arab" typeface="Arial"/>
+        <a:font script="Hebr" typeface="Arial"/>
+        <a:font script="Thai" typeface="Cordia New"/>
+        <a:font script="Ethi" typeface="Nyala"/>
+        <a:font script="Beng" typeface="Vrinda"/>
+        <a:font script="Gujr" typeface="Shruti"/>
+        <a:font script="Khmr" typeface="DaunPenh"/>
+        <a:font script="Knda" typeface="Tunga"/>
+        <a:font script="Guru" typeface="Raavi"/>
+        <a:font script="Cans" typeface="Euphemia"/>
+        <a:font script="Cher" typeface="Plantagenet Cherokee"/>
+        <a:font script="Yiii" typeface="Microsoft Yi Baiti"/>
+        <a:font script="Tibt" typeface="Microsoft Himalaya"/>
+        <a:font script="Thaa" typeface="MV Boli"/>
+        <a:font script="Deva" typeface="Mangal"/>
+        <a:font script="Telu" typeface="Gautami"/>
+        <a:font script="Taml" typeface="Latha"/>
+        <a:font script="Syrc" typeface="Estrangelo Edessa"/>
+        <a:font script="Orya" typeface="Kalinga"/>
+        <a:font script="Mlym" typeface="Kartika"/>
+        <a:font script="Laoo" typeface="DokChampa"/>
+        <a:font script="Sinh" typeface="Iskoola Pota"/>
+        <a:font script="Mong" typeface="Mongolian Baiti"/>
+        <a:font script="Viet" typeface="Arial"/>
+        <a:font script="Uigh" typeface="Microsoft Uighur"/>
+        <a:font script="Geor" typeface="Sylfaen"/>
+      </a:minorFont>
+    </a:fontScheme>
+    <a:fmtScheme name="Office">
+      <a:fillStyleLst>
+        <a:solidFill>
+          <a:schemeClr val="phClr"/>
+        </a:solidFill>
+        <a:gradFill rotWithShape="1">
+          <a:gsLst>
+            <a:gs pos="0">
+              <a:schemeClr val="phClr">
+                <a:tint val="50000"/>
+                <a:satMod val="300000"/>
+              </a:schemeClr>
+            </a:gs>
+            <a:gs pos="35000">
+              <a:schemeClr val="phClr">
+                <a:tint val="37000"/>
+                <a:satMod val="300000"/>
+              </a:schemeClr>
+            </a:gs>
+            <a:gs pos="100000">
+              <a:schemeClr val="phClr">
+                <a:tint val="15000"/>
+                <a:satMod val="350000"/>
+              </a:schemeClr>
+            </a:gs>
+          </a:gsLst>
+          <a:lin ang="16200000" scaled="1"/>
+        </a:gradFill>
+        <a:gradFill rotWithShape="1">
+          <a:gsLst>
+            <a:gs pos="0">
+              <a:schemeClr val="phClr">
+                <a:tint val="100000"/>
+                <a:shade val="100000"/>
+                <a:satMod val="130000"/>
+              </a:schemeClr>
+            </a:gs>
+            <a:gs pos="100000">
+              <a:schemeClr val="phClr">
+                <a:tint val="50000"/>
+                <a:shade val="100000"/>
+                <a:satMod val="350000"/>
+              </a:schemeClr>
+            </a:gs>
+          </a:gsLst>
+          <a:lin ang="16200000" scaled="0"/>
+        </a:gradFill>
+      </a:fillStyleLst>
+      <a:lnStyleLst>
+        <a:ln w="9525" cap="flat" cmpd="sng" algn="ctr">
+          <a:solidFill>
+            <a:schemeClr val="phClr">
+              <a:shade val="95000"/>
+              <a:satMod val="105000"/>
+            </a:schemeClr>
+          </a:solidFill>
+          <a:prstDash val="solid"/>
+        </a:ln>
+        <a:ln w="25400" cap="flat" cmpd="sng" algn="ctr">
+          <a:solidFill>
+            <a:schemeClr val="phClr"/>
+          </a:solidFill>
+          <a:prstDash val="solid"/>
+        </a:ln>
+        <a:ln w="38100" cap="flat" cmpd="sng" algn="ctr">
+          <a:solidFill>
+            <a:schemeClr val="phClr"/>
+          </a:solidFill>
+          <a:prstDash val="solid"/>
+        </a:ln>
+      </a:lnStyleLst>
+      <a:effectStyleLst>
+        <a:effectStyle>
+          <a:effectLst>
+            <a:outerShdw blurRad="40000" dist="20000" dir="5400000" rotWithShape="0">
+              <a:srgbClr val="000000">
+                <a:alpha val="38000"/>
+              </a:srgbClr>
+            </a:outerShdw>
+          </a:effectLst>
+        </a:effectStyle>
+        <a:effectStyle>
+          <a:effectLst>
+            <a:outerShdw blurRad="40000" dist="23000" dir="5400000" rotWithShape="0">
+              <a:srgbClr val="000000">
+                <a:alpha val="35000"/>
+              </a:srgbClr>
+            </a:outerShdw>
+          </a:effectLst>
+        </a:effectStyle>
+        <a:effectStyle>
+          <a:effectLst>
+            <a:outerShdw blurRad="40000" dist="23000" dir="5400000" rotWithShape="0">
+              <a:srgbClr val="000000">
+                <a:alpha val="35000"/>
+              </a:srgbClr>
+            </a:outerShdw>
+          </a:effectLst>
+          <a:scene3d>
+            <a:camera prst="orthographicFront">
+              <a:rot lat="0" lon="0" rev="0"/>
+            </a:camera>
+            <a:lightRig rig="threePt" dir="t">
+              <a:rot lat="0" lon="0" rev="1200000"/>
+            </a:lightRig>
+          </a:scene3d>
+          <a:sp3d>
+            <a:bevelT w="63500" h="25400"/>
+          </a:sp3d>
+        </a:effectStyle>
+      </a:effectStyleLst>
+      <a:bgFillStyleLst>
+        <a:solidFill>
+          <a:schemeClr val="phClr"/>
+        </a:solidFill>
+        <a:gradFill rotWithShape="1">
+          <a:gsLst>
+            <a:gs pos="0">
+              <a:schemeClr val="phClr">
+                <a:tint val="40000"/>
+                <a:satMod val="350000"/>
+              </a:schemeClr>
+            </a:gs>
+            <a:gs pos="40000">
+              <a:schemeClr val="phClr">
+                <a:tint val="45000"/>
+                <a:shade val="99000"/>
+                <a:satMod val="350000"/>
+              </a:schemeClr>
+            </a:gs>
+            <a:gs pos="100000">
+              <a:schemeClr val="phClr">
+                <a:shade val="20000"/>
+                <a:satMod val="255000"/>
+              </a:schemeClr>
+            </a:gs>
+          </a:gsLst>
+          <a:path path="circle">
+            <a:fillToRect l="50000" t="-80000" r="50000" b="180000"/>
+          </a:path>
+        </a:gradFill>
+        <a:gradFill rotWithShape="1">
+          <a:gsLst>
+            <a:gs pos="0">
+              <a:schemeClr val="phClr">
+                <a:tint val="80000"/>
+                <a:satMod val="300000"/>
+              </a:schemeClr>
+            </a:gs>
+            <a:gs pos="100000">
+              <a:schemeClr val="phClr">
+                <a:shade val="30000"/>
+                <a:satMod val="200000"/>
+              </a:schemeClr>
+            </a:gs>
+          </a:gsLst>
+          <a:path path="circle">
+            <a:fillToRect l="50000" t="50000" r="50000" b="50000"/>
+          </a:path>
+        </a:gradFill>
+      </a:bgFillStyleLst>
+    </a:fmtScheme>
+  </a:themeElements>
+  <a:objectDefaults/>
+  <a:extraClrSchemeLst/>
+</a:theme>
+</file>
+
+<file path=ppt/theme/theme2.xml><?xml version="1.0" encoding="utf-8"?>
+<a:theme xmlns:a="http://schemas.openxmlformats.org/drawingml/2006/main">
   <a:themeElements>
     <a:clrScheme name="Default">
       <a:dk1>
@@ -14697,284 +15157,7 @@
       </a:bgFillStyleLst>
     </a:fmtScheme>
   </a:themeElements>
-</a:theme>
-</file>
-
-<file path=ppt/theme/theme2.xml><?xml version="1.0" encoding="utf-8"?>
-<a:theme xmlns:a="http://schemas.openxmlformats.org/drawingml/2006/main" xmlns:r="http://schemas.openxmlformats.org/officeDocument/2006/relationships" name="Office Theme">
-  <a:themeElements>
-    <a:clrScheme name="Office">
-      <a:dk1>
-        <a:srgbClr val="000000"/>
-      </a:dk1>
-      <a:lt1>
-        <a:srgbClr val="FFFFFF"/>
-      </a:lt1>
-      <a:dk2>
-        <a:srgbClr val="44546A"/>
-      </a:dk2>
-      <a:lt2>
-        <a:srgbClr val="E7E6E6"/>
-      </a:lt2>
-      <a:accent1>
-        <a:srgbClr val="4472C4"/>
-      </a:accent1>
-      <a:accent2>
-        <a:srgbClr val="ED7D31"/>
-      </a:accent2>
-      <a:accent3>
-        <a:srgbClr val="A5A5A5"/>
-      </a:accent3>
-      <a:accent4>
-        <a:srgbClr val="FFC000"/>
-      </a:accent4>
-      <a:accent5>
-        <a:srgbClr val="5B9BD5"/>
-      </a:accent5>
-      <a:accent6>
-        <a:srgbClr val="70AD47"/>
-      </a:accent6>
-      <a:hlink>
-        <a:srgbClr val="0563C1"/>
-      </a:hlink>
-      <a:folHlink>
-        <a:srgbClr val="954F72"/>
-      </a:folHlink>
-    </a:clrScheme>
-    <a:fontScheme name="Office">
-      <a:majorFont>
-        <a:latin typeface="Arial"/>
-        <a:ea typeface=""/>
-        <a:cs typeface=""/>
-        <a:font script="Jpan" typeface="ＭＳ Ｐゴシック"/>
-        <a:font script="Hang" typeface="맑은 고딕"/>
-        <a:font script="Hans" typeface="宋体"/>
-        <a:font script="Hant" typeface="新細明體"/>
-        <a:font script="Arab" typeface="Times New Roman"/>
-        <a:font script="Hebr" typeface="Times New Roman"/>
-        <a:font script="Thai" typeface="Angsana New"/>
-        <a:font script="Ethi" typeface="Nyala"/>
-        <a:font script="Beng" typeface="Vrinda"/>
-        <a:font script="Gujr" typeface="Shruti"/>
-        <a:font script="Khmr" typeface="MoolBoran"/>
-        <a:font script="Knda" typeface="Tunga"/>
-        <a:font script="Guru" typeface="Raavi"/>
-        <a:font script="Cans" typeface="Euphemia"/>
-        <a:font script="Cher" typeface="Plantagenet Cherokee"/>
-        <a:font script="Yiii" typeface="Microsoft Yi Baiti"/>
-        <a:font script="Tibt" typeface="Microsoft Himalaya"/>
-        <a:font script="Thaa" typeface="MV Boli"/>
-        <a:font script="Deva" typeface="Mangal"/>
-        <a:font script="Telu" typeface="Gautami"/>
-        <a:font script="Taml" typeface="Latha"/>
-        <a:font script="Syrc" typeface="Estrangelo Edessa"/>
-        <a:font script="Orya" typeface="Kalinga"/>
-        <a:font script="Mlym" typeface="Kartika"/>
-        <a:font script="Laoo" typeface="DokChampa"/>
-        <a:font script="Sinh" typeface="Iskoola Pota"/>
-        <a:font script="Mong" typeface="Mongolian Baiti"/>
-        <a:font script="Viet" typeface="Times New Roman"/>
-        <a:font script="Uigh" typeface="Microsoft Uighur"/>
-        <a:font script="Geor" typeface="Sylfaen"/>
-      </a:majorFont>
-      <a:minorFont>
-        <a:latin typeface="Arial"/>
-        <a:ea typeface=""/>
-        <a:cs typeface=""/>
-        <a:font script="Jpan" typeface="ＭＳ Ｐゴシック"/>
-        <a:font script="Hang" typeface="맑은 고딕"/>
-        <a:font script="Hans" typeface="宋体"/>
-        <a:font script="Hant" typeface="新細明體"/>
-        <a:font script="Arab" typeface="Arial"/>
-        <a:font script="Hebr" typeface="Arial"/>
-        <a:font script="Thai" typeface="Cordia New"/>
-        <a:font script="Ethi" typeface="Nyala"/>
-        <a:font script="Beng" typeface="Vrinda"/>
-        <a:font script="Gujr" typeface="Shruti"/>
-        <a:font script="Khmr" typeface="DaunPenh"/>
-        <a:font script="Knda" typeface="Tunga"/>
-        <a:font script="Guru" typeface="Raavi"/>
-        <a:font script="Cans" typeface="Euphemia"/>
-        <a:font script="Cher" typeface="Plantagenet Cherokee"/>
-        <a:font script="Yiii" typeface="Microsoft Yi Baiti"/>
-        <a:font script="Tibt" typeface="Microsoft Himalaya"/>
-        <a:font script="Thaa" typeface="MV Boli"/>
-        <a:font script="Deva" typeface="Mangal"/>
-        <a:font script="Telu" typeface="Gautami"/>
-        <a:font script="Taml" typeface="Latha"/>
-        <a:font script="Syrc" typeface="Estrangelo Edessa"/>
-        <a:font script="Orya" typeface="Kalinga"/>
-        <a:font script="Mlym" typeface="Kartika"/>
-        <a:font script="Laoo" typeface="DokChampa"/>
-        <a:font script="Sinh" typeface="Iskoola Pota"/>
-        <a:font script="Mong" typeface="Mongolian Baiti"/>
-        <a:font script="Viet" typeface="Arial"/>
-        <a:font script="Uigh" typeface="Microsoft Uighur"/>
-        <a:font script="Geor" typeface="Sylfaen"/>
-      </a:minorFont>
-    </a:fontScheme>
-    <a:fmtScheme name="Office">
-      <a:fillStyleLst>
-        <a:solidFill>
-          <a:schemeClr val="phClr"/>
-        </a:solidFill>
-        <a:gradFill rotWithShape="1">
-          <a:gsLst>
-            <a:gs pos="0">
-              <a:schemeClr val="phClr">
-                <a:tint val="50000"/>
-                <a:satMod val="300000"/>
-              </a:schemeClr>
-            </a:gs>
-            <a:gs pos="35000">
-              <a:schemeClr val="phClr">
-                <a:tint val="37000"/>
-                <a:satMod val="300000"/>
-              </a:schemeClr>
-            </a:gs>
-            <a:gs pos="100000">
-              <a:schemeClr val="phClr">
-                <a:tint val="15000"/>
-                <a:satMod val="350000"/>
-              </a:schemeClr>
-            </a:gs>
-          </a:gsLst>
-          <a:lin ang="16200000" scaled="1"/>
-        </a:gradFill>
-        <a:gradFill rotWithShape="1">
-          <a:gsLst>
-            <a:gs pos="0">
-              <a:schemeClr val="phClr">
-                <a:tint val="100000"/>
-                <a:shade val="100000"/>
-                <a:satMod val="130000"/>
-              </a:schemeClr>
-            </a:gs>
-            <a:gs pos="100000">
-              <a:schemeClr val="phClr">
-                <a:tint val="50000"/>
-                <a:shade val="100000"/>
-                <a:satMod val="350000"/>
-              </a:schemeClr>
-            </a:gs>
-          </a:gsLst>
-          <a:lin ang="16200000" scaled="0"/>
-        </a:gradFill>
-      </a:fillStyleLst>
-      <a:lnStyleLst>
-        <a:ln w="9525" cap="flat" cmpd="sng" algn="ctr">
-          <a:solidFill>
-            <a:schemeClr val="phClr">
-              <a:shade val="95000"/>
-              <a:satMod val="105000"/>
-            </a:schemeClr>
-          </a:solidFill>
-          <a:prstDash val="solid"/>
-        </a:ln>
-        <a:ln w="25400" cap="flat" cmpd="sng" algn="ctr">
-          <a:solidFill>
-            <a:schemeClr val="phClr"/>
-          </a:solidFill>
-          <a:prstDash val="solid"/>
-        </a:ln>
-        <a:ln w="38100" cap="flat" cmpd="sng" algn="ctr">
-          <a:solidFill>
-            <a:schemeClr val="phClr"/>
-          </a:solidFill>
-          <a:prstDash val="solid"/>
-        </a:ln>
-      </a:lnStyleLst>
-      <a:effectStyleLst>
-        <a:effectStyle>
-          <a:effectLst>
-            <a:outerShdw blurRad="40000" dist="20000" dir="5400000" rotWithShape="0">
-              <a:srgbClr val="000000">
-                <a:alpha val="38000"/>
-              </a:srgbClr>
-            </a:outerShdw>
-          </a:effectLst>
-        </a:effectStyle>
-        <a:effectStyle>
-          <a:effectLst>
-            <a:outerShdw blurRad="40000" dist="23000" dir="5400000" rotWithShape="0">
-              <a:srgbClr val="000000">
-                <a:alpha val="35000"/>
-              </a:srgbClr>
-            </a:outerShdw>
-          </a:effectLst>
-        </a:effectStyle>
-        <a:effectStyle>
-          <a:effectLst>
-            <a:outerShdw blurRad="40000" dist="23000" dir="5400000" rotWithShape="0">
-              <a:srgbClr val="000000">
-                <a:alpha val="35000"/>
-              </a:srgbClr>
-            </a:outerShdw>
-          </a:effectLst>
-          <a:scene3d>
-            <a:camera prst="orthographicFront">
-              <a:rot lat="0" lon="0" rev="0"/>
-            </a:camera>
-            <a:lightRig rig="threePt" dir="t">
-              <a:rot lat="0" lon="0" rev="1200000"/>
-            </a:lightRig>
-          </a:scene3d>
-          <a:sp3d>
-            <a:bevelT w="63500" h="25400"/>
-          </a:sp3d>
-        </a:effectStyle>
-      </a:effectStyleLst>
-      <a:bgFillStyleLst>
-        <a:solidFill>
-          <a:schemeClr val="phClr"/>
-        </a:solidFill>
-        <a:gradFill rotWithShape="1">
-          <a:gsLst>
-            <a:gs pos="0">
-              <a:schemeClr val="phClr">
-                <a:tint val="40000"/>
-                <a:satMod val="350000"/>
-              </a:schemeClr>
-            </a:gs>
-            <a:gs pos="40000">
-              <a:schemeClr val="phClr">
-                <a:tint val="45000"/>
-                <a:shade val="99000"/>
-                <a:satMod val="350000"/>
-              </a:schemeClr>
-            </a:gs>
-            <a:gs pos="100000">
-              <a:schemeClr val="phClr">
-                <a:shade val="20000"/>
-                <a:satMod val="255000"/>
-              </a:schemeClr>
-            </a:gs>
-          </a:gsLst>
-          <a:path path="circle">
-            <a:fillToRect l="50000" t="-80000" r="50000" b="180000"/>
-          </a:path>
-        </a:gradFill>
-        <a:gradFill rotWithShape="1">
-          <a:gsLst>
-            <a:gs pos="0">
-              <a:schemeClr val="phClr">
-                <a:tint val="80000"/>
-                <a:satMod val="300000"/>
-              </a:schemeClr>
-            </a:gs>
-            <a:gs pos="100000">
-              <a:schemeClr val="phClr">
-                <a:shade val="30000"/>
-                <a:satMod val="200000"/>
-              </a:schemeClr>
-            </a:gs>
-          </a:gsLst>
-          <a:path path="circle">
-            <a:fillToRect l="50000" t="50000" r="50000" b="50000"/>
-          </a:path>
-        </a:gradFill>
-      </a:bgFillStyleLst>
-    </a:fmtScheme>
-  </a:themeElements>
+  <a:objectDefaults/>
+  <a:extraClrSchemeLst/>
 </a:theme>
 </file>